--- a/slides/Lab1_Ex2.pptx
+++ b/slides/Lab1_Ex2.pptx
@@ -6,10 +6,11 @@
   </p:sldMasterIdLst>
   <p:sldIdLst>
     <p:sldId id="256" r:id="rId2"/>
-    <p:sldId id="258" r:id="rId3"/>
-    <p:sldId id="259" r:id="rId4"/>
-    <p:sldId id="260" r:id="rId5"/>
-    <p:sldId id="261" r:id="rId6"/>
+    <p:sldId id="263" r:id="rId3"/>
+    <p:sldId id="258" r:id="rId4"/>
+    <p:sldId id="259" r:id="rId5"/>
+    <p:sldId id="260" r:id="rId6"/>
+    <p:sldId id="264" r:id="rId7"/>
   </p:sldIdLst>
   <p:sldSz cx="12192000" cy="6858000"/>
   <p:notesSz cx="6858000" cy="9144000"/>
@@ -247,7 +248,7 @@
           <a:p>
             <a:fld id="{E8B29431-73EE-4558-8BA6-40AB916516D5}" type="datetimeFigureOut">
               <a:rPr lang="pt-BR" smtClean="0"/>
-              <a:t>05/08/2022</a:t>
+              <a:t>17/02/2023</a:t>
             </a:fld>
             <a:endParaRPr lang="pt-BR"/>
           </a:p>
@@ -417,7 +418,7 @@
           <a:p>
             <a:fld id="{E8B29431-73EE-4558-8BA6-40AB916516D5}" type="datetimeFigureOut">
               <a:rPr lang="pt-BR" smtClean="0"/>
-              <a:t>05/08/2022</a:t>
+              <a:t>17/02/2023</a:t>
             </a:fld>
             <a:endParaRPr lang="pt-BR"/>
           </a:p>
@@ -597,7 +598,7 @@
           <a:p>
             <a:fld id="{E8B29431-73EE-4558-8BA6-40AB916516D5}" type="datetimeFigureOut">
               <a:rPr lang="pt-BR" smtClean="0"/>
-              <a:t>05/08/2022</a:t>
+              <a:t>17/02/2023</a:t>
             </a:fld>
             <a:endParaRPr lang="pt-BR"/>
           </a:p>
@@ -767,7 +768,7 @@
           <a:p>
             <a:fld id="{E8B29431-73EE-4558-8BA6-40AB916516D5}" type="datetimeFigureOut">
               <a:rPr lang="pt-BR" smtClean="0"/>
-              <a:t>05/08/2022</a:t>
+              <a:t>17/02/2023</a:t>
             </a:fld>
             <a:endParaRPr lang="pt-BR"/>
           </a:p>
@@ -1013,7 +1014,7 @@
           <a:p>
             <a:fld id="{E8B29431-73EE-4558-8BA6-40AB916516D5}" type="datetimeFigureOut">
               <a:rPr lang="pt-BR" smtClean="0"/>
-              <a:t>05/08/2022</a:t>
+              <a:t>17/02/2023</a:t>
             </a:fld>
             <a:endParaRPr lang="pt-BR"/>
           </a:p>
@@ -1245,7 +1246,7 @@
           <a:p>
             <a:fld id="{E8B29431-73EE-4558-8BA6-40AB916516D5}" type="datetimeFigureOut">
               <a:rPr lang="pt-BR" smtClean="0"/>
-              <a:t>05/08/2022</a:t>
+              <a:t>17/02/2023</a:t>
             </a:fld>
             <a:endParaRPr lang="pt-BR"/>
           </a:p>
@@ -1612,7 +1613,7 @@
           <a:p>
             <a:fld id="{E8B29431-73EE-4558-8BA6-40AB916516D5}" type="datetimeFigureOut">
               <a:rPr lang="pt-BR" smtClean="0"/>
-              <a:t>05/08/2022</a:t>
+              <a:t>17/02/2023</a:t>
             </a:fld>
             <a:endParaRPr lang="pt-BR"/>
           </a:p>
@@ -1730,7 +1731,7 @@
           <a:p>
             <a:fld id="{E8B29431-73EE-4558-8BA6-40AB916516D5}" type="datetimeFigureOut">
               <a:rPr lang="pt-BR" smtClean="0"/>
-              <a:t>05/08/2022</a:t>
+              <a:t>17/02/2023</a:t>
             </a:fld>
             <a:endParaRPr lang="pt-BR"/>
           </a:p>
@@ -1825,7 +1826,7 @@
           <a:p>
             <a:fld id="{E8B29431-73EE-4558-8BA6-40AB916516D5}" type="datetimeFigureOut">
               <a:rPr lang="pt-BR" smtClean="0"/>
-              <a:t>05/08/2022</a:t>
+              <a:t>17/02/2023</a:t>
             </a:fld>
             <a:endParaRPr lang="pt-BR"/>
           </a:p>
@@ -2102,7 +2103,7 @@
           <a:p>
             <a:fld id="{E8B29431-73EE-4558-8BA6-40AB916516D5}" type="datetimeFigureOut">
               <a:rPr lang="pt-BR" smtClean="0"/>
-              <a:t>05/08/2022</a:t>
+              <a:t>17/02/2023</a:t>
             </a:fld>
             <a:endParaRPr lang="pt-BR"/>
           </a:p>
@@ -2355,7 +2356,7 @@
           <a:p>
             <a:fld id="{E8B29431-73EE-4558-8BA6-40AB916516D5}" type="datetimeFigureOut">
               <a:rPr lang="pt-BR" smtClean="0"/>
-              <a:t>05/08/2022</a:t>
+              <a:t>17/02/2023</a:t>
             </a:fld>
             <a:endParaRPr lang="pt-BR"/>
           </a:p>
@@ -2568,7 +2569,7 @@
           <a:p>
             <a:fld id="{E8B29431-73EE-4558-8BA6-40AB916516D5}" type="datetimeFigureOut">
               <a:rPr lang="pt-BR" smtClean="0"/>
-              <a:t>05/08/2022</a:t>
+              <a:t>17/02/2023</a:t>
             </a:fld>
             <a:endParaRPr lang="pt-BR"/>
           </a:p>
@@ -3008,14 +3009,16 @@
         </p:nvSpPr>
         <p:spPr/>
         <p:txBody>
-          <a:bodyPr/>
+          <a:bodyPr>
+            <a:normAutofit/>
+          </a:bodyPr>
           <a:lstStyle/>
           <a:p>
             <a:r>
-              <a:rPr lang="pt-BR" dirty="0" smtClean="0"/>
+              <a:rPr lang="pt-BR" sz="3600" dirty="0" smtClean="0"/>
               <a:t>Exercício #2</a:t>
             </a:r>
-            <a:endParaRPr lang="pt-BR" dirty="0"/>
+            <a:endParaRPr lang="pt-BR" sz="3600" dirty="0"/>
           </a:p>
         </p:txBody>
       </p:sp>
@@ -3033,6 +3036,526 @@
 </file>
 
 <file path=ppt/slides/slide2.xml><?xml version="1.0" encoding="utf-8"?>
+<p:sld xmlns:a="http://schemas.openxmlformats.org/drawingml/2006/main" xmlns:r="http://schemas.openxmlformats.org/officeDocument/2006/relationships" xmlns:p="http://schemas.openxmlformats.org/presentationml/2006/main">
+  <p:cSld>
+    <p:spTree>
+      <p:nvGrpSpPr>
+        <p:cNvPr id="1" name=""/>
+        <p:cNvGrpSpPr/>
+        <p:nvPr/>
+      </p:nvGrpSpPr>
+      <p:grpSpPr>
+        <a:xfrm>
+          <a:off x="0" y="0"/>
+          <a:ext cx="0" cy="0"/>
+          <a:chOff x="0" y="0"/>
+          <a:chExt cx="0" cy="0"/>
+        </a:xfrm>
+      </p:grpSpPr>
+      <p:sp>
+        <p:nvSpPr>
+          <p:cNvPr id="2" name="Title 1"/>
+          <p:cNvSpPr>
+            <a:spLocks noGrp="1"/>
+          </p:cNvSpPr>
+          <p:nvPr>
+            <p:ph type="title"/>
+          </p:nvPr>
+        </p:nvSpPr>
+        <p:spPr/>
+        <p:txBody>
+          <a:bodyPr/>
+          <a:lstStyle/>
+          <a:p>
+            <a:r>
+              <a:rPr lang="pt-BR" dirty="0" smtClean="0"/>
+              <a:t>Quantas funções discriminantes?</a:t>
+            </a:r>
+            <a:endParaRPr lang="pt-BR" dirty="0"/>
+          </a:p>
+        </p:txBody>
+      </p:sp>
+      <p:pic>
+        <p:nvPicPr>
+          <p:cNvPr id="5" name="Picture 4"/>
+          <p:cNvPicPr>
+            <a:picLocks noChangeAspect="1"/>
+          </p:cNvPicPr>
+          <p:nvPr/>
+        </p:nvPicPr>
+        <p:blipFill>
+          <a:blip r:embed="rId2">
+            <a:extLst>
+              <a:ext uri="{28A0092B-C50C-407E-A947-70E740481C1C}">
+                <a14:useLocalDpi xmlns:a14="http://schemas.microsoft.com/office/drawing/2010/main" val="0"/>
+              </a:ext>
+            </a:extLst>
+          </a:blip>
+          <a:stretch>
+            <a:fillRect/>
+          </a:stretch>
+        </p:blipFill>
+        <p:spPr>
+          <a:xfrm>
+            <a:off x="185052" y="2092927"/>
+            <a:ext cx="5053968" cy="3441270"/>
+          </a:xfrm>
+          <a:prstGeom prst="rect">
+            <a:avLst/>
+          </a:prstGeom>
+        </p:spPr>
+      </p:pic>
+      <mc:AlternateContent xmlns:mc="http://schemas.openxmlformats.org/markup-compatibility/2006" xmlns:a14="http://schemas.microsoft.com/office/drawing/2010/main">
+        <mc:Choice Requires="a14">
+          <p:sp>
+            <p:nvSpPr>
+              <p:cNvPr id="12" name="TextBox 11"/>
+              <p:cNvSpPr txBox="1"/>
+              <p:nvPr/>
+            </p:nvSpPr>
+            <p:spPr>
+              <a:xfrm>
+                <a:off x="5343529" y="2058091"/>
+                <a:ext cx="6848472" cy="2308324"/>
+              </a:xfrm>
+              <a:prstGeom prst="rect">
+                <a:avLst/>
+              </a:prstGeom>
+              <a:noFill/>
+            </p:spPr>
+            <p:txBody>
+              <a:bodyPr wrap="square" rtlCol="0">
+                <a:spAutoFit/>
+              </a:bodyPr>
+              <a:lstStyle/>
+              <a:p>
+                <a:pPr marL="285750" indent="-285750">
+                  <a:buFont typeface="Arial" panose="020B0604020202020204" pitchFamily="34" charset="0"/>
+                  <a:buChar char="•"/>
+                </a:pPr>
+                <a:r>
+                  <a:rPr lang="pt-BR" dirty="0" smtClean="0"/>
+                  <a:t>Este é um problema com </a:t>
+                </a:r>
+                <a:r>
+                  <a:rPr lang="pt-BR" b="1" dirty="0" smtClean="0"/>
+                  <a:t>múltiplas classes</a:t>
+                </a:r>
+                <a:r>
+                  <a:rPr lang="pt-BR" dirty="0" smtClean="0"/>
+                  <a:t>, onde </a:t>
+                </a:r>
+                <a14:m>
+                  <m:oMath xmlns:m="http://schemas.openxmlformats.org/officeDocument/2006/math">
+                    <m:r>
+                      <a:rPr lang="pt-BR" i="1">
+                        <a:latin typeface="Cambria Math" panose="02040503050406030204" pitchFamily="18" charset="0"/>
+                      </a:rPr>
+                      <m:t>𝑄</m:t>
+                    </m:r>
+                    <m:r>
+                      <a:rPr lang="pt-BR" b="0" i="1" smtClean="0">
+                        <a:latin typeface="Cambria Math" panose="02040503050406030204" pitchFamily="18" charset="0"/>
+                      </a:rPr>
+                      <m:t>=3</m:t>
+                    </m:r>
+                  </m:oMath>
+                </a14:m>
+                <a:r>
+                  <a:rPr lang="pt-BR" dirty="0" smtClean="0"/>
+                  <a:t>.</a:t>
+                </a:r>
+              </a:p>
+              <a:p>
+                <a:pPr marL="285750" indent="-285750">
+                  <a:buFont typeface="Arial" panose="020B0604020202020204" pitchFamily="34" charset="0"/>
+                  <a:buChar char="•"/>
+                </a:pPr>
+                <a:r>
+                  <a:rPr lang="pt-BR" dirty="0" smtClean="0"/>
+                  <a:t>Como temos três classes, não faz sentido falarmos em classes positiva e negativa, apenas em seus índices: 0, 1, e 2.</a:t>
+                </a:r>
+              </a:p>
+              <a:p>
+                <a:pPr marL="285750" indent="-285750">
+                  <a:buFont typeface="Arial" panose="020B0604020202020204" pitchFamily="34" charset="0"/>
+                  <a:buChar char="•"/>
+                </a:pPr>
+                <a:r>
+                  <a:rPr lang="pt-BR" dirty="0" smtClean="0"/>
+                  <a:t>Quantas funções discriminantes são necessárias?</a:t>
+                </a:r>
+              </a:p>
+              <a:p>
+                <a:pPr marL="742950" lvl="1" indent="-285750">
+                  <a:buFont typeface="Wingdings" panose="05000000000000000000" pitchFamily="2" charset="2"/>
+                  <a:buChar char="§"/>
+                </a:pPr>
+                <a:r>
+                  <a:rPr lang="pt-BR" dirty="0" smtClean="0"/>
+                  <a:t>No mínimo duas funções, </a:t>
+                </a:r>
+                <a14:m>
+                  <m:oMath xmlns:m="http://schemas.openxmlformats.org/officeDocument/2006/math">
+                    <m:sSub>
+                      <m:sSubPr>
+                        <m:ctrlPr>
+                          <a:rPr lang="pt-BR" i="1">
+                            <a:latin typeface="Cambria Math" panose="02040503050406030204" pitchFamily="18" charset="0"/>
+                          </a:rPr>
+                        </m:ctrlPr>
+                      </m:sSubPr>
+                      <m:e>
+                        <m:r>
+                          <a:rPr lang="pt-BR" i="1">
+                            <a:latin typeface="Cambria Math" panose="02040503050406030204" pitchFamily="18" charset="0"/>
+                          </a:rPr>
+                          <m:t>𝑔</m:t>
+                        </m:r>
+                      </m:e>
+                      <m:sub>
+                        <m:r>
+                          <a:rPr lang="pt-BR" i="1">
+                            <a:latin typeface="Cambria Math" panose="02040503050406030204" pitchFamily="18" charset="0"/>
+                          </a:rPr>
+                          <m:t>1</m:t>
+                        </m:r>
+                      </m:sub>
+                    </m:sSub>
+                    <m:d>
+                      <m:dPr>
+                        <m:ctrlPr>
+                          <a:rPr lang="pt-BR" i="1">
+                            <a:latin typeface="Cambria Math" panose="02040503050406030204" pitchFamily="18" charset="0"/>
+                          </a:rPr>
+                        </m:ctrlPr>
+                      </m:dPr>
+                      <m:e>
+                        <m:r>
+                          <a:rPr lang="pt-BR" b="1" i="1">
+                            <a:latin typeface="Cambria Math" panose="02040503050406030204" pitchFamily="18" charset="0"/>
+                          </a:rPr>
+                          <m:t>𝒙</m:t>
+                        </m:r>
+                      </m:e>
+                    </m:d>
+                  </m:oMath>
+                </a14:m>
+                <a:r>
+                  <a:rPr lang="pt-BR" dirty="0" smtClean="0"/>
+                  <a:t> e </a:t>
+                </a:r>
+                <a14:m>
+                  <m:oMath xmlns:m="http://schemas.openxmlformats.org/officeDocument/2006/math">
+                    <m:sSub>
+                      <m:sSubPr>
+                        <m:ctrlPr>
+                          <a:rPr lang="pt-BR" i="1">
+                            <a:latin typeface="Cambria Math" panose="02040503050406030204" pitchFamily="18" charset="0"/>
+                          </a:rPr>
+                        </m:ctrlPr>
+                      </m:sSubPr>
+                      <m:e>
+                        <m:r>
+                          <a:rPr lang="pt-BR" i="1">
+                            <a:latin typeface="Cambria Math" panose="02040503050406030204" pitchFamily="18" charset="0"/>
+                          </a:rPr>
+                          <m:t>𝑔</m:t>
+                        </m:r>
+                      </m:e>
+                      <m:sub>
+                        <m:r>
+                          <a:rPr lang="pt-BR" b="0" i="1" smtClean="0">
+                            <a:latin typeface="Cambria Math" panose="02040503050406030204" pitchFamily="18" charset="0"/>
+                          </a:rPr>
+                          <m:t>2</m:t>
+                        </m:r>
+                      </m:sub>
+                    </m:sSub>
+                    <m:d>
+                      <m:dPr>
+                        <m:ctrlPr>
+                          <a:rPr lang="pt-BR" i="1">
+                            <a:latin typeface="Cambria Math" panose="02040503050406030204" pitchFamily="18" charset="0"/>
+                          </a:rPr>
+                        </m:ctrlPr>
+                      </m:dPr>
+                      <m:e>
+                        <m:r>
+                          <a:rPr lang="pt-BR" b="1" i="1">
+                            <a:latin typeface="Cambria Math" panose="02040503050406030204" pitchFamily="18" charset="0"/>
+                          </a:rPr>
+                          <m:t>𝒙</m:t>
+                        </m:r>
+                      </m:e>
+                    </m:d>
+                  </m:oMath>
+                </a14:m>
+                <a:r>
+                  <a:rPr lang="pt-BR" dirty="0" smtClean="0"/>
+                  <a:t>.</a:t>
+                </a:r>
+              </a:p>
+              <a:p>
+                <a:pPr marL="285750" indent="-285750">
+                  <a:buFont typeface="Arial" panose="020B0604020202020204" pitchFamily="34" charset="0"/>
+                  <a:buChar char="•"/>
+                </a:pPr>
+                <a:r>
+                  <a:rPr lang="pt-BR" dirty="0" smtClean="0"/>
+                  <a:t>Qual o formato mais simples?</a:t>
+                </a:r>
+              </a:p>
+              <a:p>
+                <a:pPr marL="742950" lvl="1" indent="-285750">
+                  <a:buFont typeface="Wingdings" panose="05000000000000000000" pitchFamily="2" charset="2"/>
+                  <a:buChar char="§"/>
+                </a:pPr>
+                <a:r>
+                  <a:rPr lang="pt-BR" dirty="0" smtClean="0"/>
+                  <a:t>Retas da forma </a:t>
+                </a:r>
+                <a14:m>
+                  <m:oMath xmlns:m="http://schemas.openxmlformats.org/officeDocument/2006/math">
+                    <m:sSub>
+                      <m:sSubPr>
+                        <m:ctrlPr>
+                          <a:rPr lang="pt-BR" i="1">
+                            <a:latin typeface="Cambria Math" panose="02040503050406030204" pitchFamily="18" charset="0"/>
+                          </a:rPr>
+                        </m:ctrlPr>
+                      </m:sSubPr>
+                      <m:e>
+                        <m:r>
+                          <a:rPr lang="pt-BR" b="0" i="1" smtClean="0">
+                            <a:latin typeface="Cambria Math" panose="02040503050406030204" pitchFamily="18" charset="0"/>
+                          </a:rPr>
+                          <m:t>𝑔</m:t>
+                        </m:r>
+                        <m:d>
+                          <m:dPr>
+                            <m:ctrlPr>
+                              <a:rPr lang="pt-BR" b="0" i="1" smtClean="0">
+                                <a:latin typeface="Cambria Math" panose="02040503050406030204" pitchFamily="18" charset="0"/>
+                              </a:rPr>
+                            </m:ctrlPr>
+                          </m:dPr>
+                          <m:e>
+                            <m:r>
+                              <a:rPr lang="pt-BR" b="1" i="1" smtClean="0">
+                                <a:latin typeface="Cambria Math" panose="02040503050406030204" pitchFamily="18" charset="0"/>
+                              </a:rPr>
+                              <m:t>𝒙</m:t>
+                            </m:r>
+                          </m:e>
+                        </m:d>
+                        <m:r>
+                          <a:rPr lang="pt-BR" b="0" i="1" smtClean="0">
+                            <a:latin typeface="Cambria Math" panose="02040503050406030204" pitchFamily="18" charset="0"/>
+                          </a:rPr>
+                          <m:t>=</m:t>
+                        </m:r>
+                        <m:r>
+                          <a:rPr lang="pt-BR" i="1">
+                            <a:latin typeface="Cambria Math" panose="02040503050406030204" pitchFamily="18" charset="0"/>
+                          </a:rPr>
+                          <m:t>𝑎</m:t>
+                        </m:r>
+                      </m:e>
+                      <m:sub>
+                        <m:r>
+                          <a:rPr lang="pt-BR" i="1">
+                            <a:latin typeface="Cambria Math" panose="02040503050406030204" pitchFamily="18" charset="0"/>
+                          </a:rPr>
+                          <m:t>0</m:t>
+                        </m:r>
+                      </m:sub>
+                    </m:sSub>
+                    <m:r>
+                      <a:rPr lang="pt-BR" i="1">
+                        <a:latin typeface="Cambria Math" panose="02040503050406030204" pitchFamily="18" charset="0"/>
+                      </a:rPr>
+                      <m:t>+</m:t>
+                    </m:r>
+                    <m:sSub>
+                      <m:sSubPr>
+                        <m:ctrlPr>
+                          <a:rPr lang="pt-BR" i="1">
+                            <a:latin typeface="Cambria Math" panose="02040503050406030204" pitchFamily="18" charset="0"/>
+                          </a:rPr>
+                        </m:ctrlPr>
+                      </m:sSubPr>
+                      <m:e>
+                        <m:r>
+                          <a:rPr lang="pt-BR" i="1">
+                            <a:latin typeface="Cambria Math" panose="02040503050406030204" pitchFamily="18" charset="0"/>
+                          </a:rPr>
+                          <m:t>𝑎</m:t>
+                        </m:r>
+                      </m:e>
+                      <m:sub>
+                        <m:r>
+                          <a:rPr lang="pt-BR" i="1">
+                            <a:latin typeface="Cambria Math" panose="02040503050406030204" pitchFamily="18" charset="0"/>
+                          </a:rPr>
+                          <m:t>1</m:t>
+                        </m:r>
+                      </m:sub>
+                    </m:sSub>
+                    <m:sSub>
+                      <m:sSubPr>
+                        <m:ctrlPr>
+                          <a:rPr lang="pt-BR" i="1">
+                            <a:latin typeface="Cambria Math" panose="02040503050406030204" pitchFamily="18" charset="0"/>
+                          </a:rPr>
+                        </m:ctrlPr>
+                      </m:sSubPr>
+                      <m:e>
+                        <m:r>
+                          <a:rPr lang="pt-BR" i="1">
+                            <a:latin typeface="Cambria Math" panose="02040503050406030204" pitchFamily="18" charset="0"/>
+                          </a:rPr>
+                          <m:t>𝑥</m:t>
+                        </m:r>
+                      </m:e>
+                      <m:sub>
+                        <m:r>
+                          <a:rPr lang="pt-BR" i="1">
+                            <a:latin typeface="Cambria Math" panose="02040503050406030204" pitchFamily="18" charset="0"/>
+                          </a:rPr>
+                          <m:t>1</m:t>
+                        </m:r>
+                      </m:sub>
+                    </m:sSub>
+                    <m:r>
+                      <a:rPr lang="pt-BR" i="1">
+                        <a:latin typeface="Cambria Math" panose="02040503050406030204" pitchFamily="18" charset="0"/>
+                      </a:rPr>
+                      <m:t>+</m:t>
+                    </m:r>
+                    <m:sSub>
+                      <m:sSubPr>
+                        <m:ctrlPr>
+                          <a:rPr lang="pt-BR" i="1">
+                            <a:latin typeface="Cambria Math" panose="02040503050406030204" pitchFamily="18" charset="0"/>
+                          </a:rPr>
+                        </m:ctrlPr>
+                      </m:sSubPr>
+                      <m:e>
+                        <m:r>
+                          <a:rPr lang="pt-BR" i="1">
+                            <a:latin typeface="Cambria Math" panose="02040503050406030204" pitchFamily="18" charset="0"/>
+                          </a:rPr>
+                          <m:t>𝑎</m:t>
+                        </m:r>
+                      </m:e>
+                      <m:sub>
+                        <m:r>
+                          <a:rPr lang="pt-BR" i="1">
+                            <a:latin typeface="Cambria Math" panose="02040503050406030204" pitchFamily="18" charset="0"/>
+                          </a:rPr>
+                          <m:t>2</m:t>
+                        </m:r>
+                      </m:sub>
+                    </m:sSub>
+                    <m:sSub>
+                      <m:sSubPr>
+                        <m:ctrlPr>
+                          <a:rPr lang="pt-BR" i="1">
+                            <a:latin typeface="Cambria Math" panose="02040503050406030204" pitchFamily="18" charset="0"/>
+                          </a:rPr>
+                        </m:ctrlPr>
+                      </m:sSubPr>
+                      <m:e>
+                        <m:r>
+                          <a:rPr lang="pt-BR" i="1">
+                            <a:latin typeface="Cambria Math" panose="02040503050406030204" pitchFamily="18" charset="0"/>
+                          </a:rPr>
+                          <m:t>𝑥</m:t>
+                        </m:r>
+                      </m:e>
+                      <m:sub>
+                        <m:r>
+                          <a:rPr lang="pt-BR" i="1">
+                            <a:latin typeface="Cambria Math" panose="02040503050406030204" pitchFamily="18" charset="0"/>
+                          </a:rPr>
+                          <m:t>2</m:t>
+                        </m:r>
+                      </m:sub>
+                    </m:sSub>
+                  </m:oMath>
+                </a14:m>
+                <a:r>
+                  <a:rPr lang="pt-BR" dirty="0" smtClean="0"/>
+                  <a:t>.</a:t>
+                </a:r>
+              </a:p>
+              <a:p>
+                <a:pPr marL="285750" indent="-285750">
+                  <a:buFont typeface="Arial" panose="020B0604020202020204" pitchFamily="34" charset="0"/>
+                  <a:buChar char="•"/>
+                </a:pPr>
+                <a:r>
+                  <a:rPr lang="pt-BR" dirty="0" smtClean="0"/>
+                  <a:t>Agora vamos encontrar os pesos de cada uma das funções.</a:t>
+                </a:r>
+              </a:p>
+            </p:txBody>
+          </p:sp>
+        </mc:Choice>
+        <mc:Fallback xmlns="">
+          <p:sp>
+            <p:nvSpPr>
+              <p:cNvPr id="12" name="TextBox 11"/>
+              <p:cNvSpPr txBox="1">
+                <a:spLocks noRot="1" noChangeAspect="1" noMove="1" noResize="1" noEditPoints="1" noAdjustHandles="1" noChangeArrowheads="1" noChangeShapeType="1" noTextEdit="1"/>
+              </p:cNvSpPr>
+              <p:nvPr/>
+            </p:nvSpPr>
+            <p:spPr>
+              <a:xfrm>
+                <a:off x="5343529" y="2058091"/>
+                <a:ext cx="6848472" cy="2308324"/>
+              </a:xfrm>
+              <a:prstGeom prst="rect">
+                <a:avLst/>
+              </a:prstGeom>
+              <a:blipFill rotWithShape="0">
+                <a:blip r:embed="rId3"/>
+                <a:stretch>
+                  <a:fillRect l="-623" t="-1587" b="-3439"/>
+                </a:stretch>
+              </a:blipFill>
+            </p:spPr>
+            <p:txBody>
+              <a:bodyPr/>
+              <a:lstStyle/>
+              <a:p>
+                <a:r>
+                  <a:rPr lang="pt-BR">
+                    <a:noFill/>
+                  </a:rPr>
+                  <a:t> </a:t>
+                </a:r>
+              </a:p>
+            </p:txBody>
+          </p:sp>
+        </mc:Fallback>
+      </mc:AlternateContent>
+    </p:spTree>
+    <p:extLst>
+      <p:ext uri="{BB962C8B-B14F-4D97-AF65-F5344CB8AC3E}">
+        <p14:creationId xmlns:p14="http://schemas.microsoft.com/office/powerpoint/2010/main" val="122454625"/>
+      </p:ext>
+    </p:extLst>
+  </p:cSld>
+  <p:clrMapOvr>
+    <a:masterClrMapping/>
+  </p:clrMapOvr>
+</p:sld>
+</file>
+
+<file path=ppt/slides/slide3.xml><?xml version="1.0" encoding="utf-8"?>
 <p:sld xmlns:a="http://schemas.openxmlformats.org/drawingml/2006/main" xmlns:r="http://schemas.openxmlformats.org/officeDocument/2006/relationships" xmlns:p="http://schemas.openxmlformats.org/presentationml/2006/main">
   <p:cSld>
     <p:spTree>
@@ -3068,7 +3591,7 @@
               <a:p>
                 <a:r>
                   <a:rPr lang="pt-BR" dirty="0" smtClean="0"/>
-                  <a:t>Encontrando </a:t>
+                  <a:t>Encontrando os pesos </a:t>
                 </a:r>
                 <a14:m>
                   <m:oMath xmlns:m="http://schemas.openxmlformats.org/officeDocument/2006/math">
@@ -3400,8 +3923,8 @@
           </a:fontRef>
         </p:style>
       </p:cxnSp>
-      <mc:AlternateContent xmlns:mc="http://schemas.openxmlformats.org/markup-compatibility/2006">
-        <mc:Choice xmlns:a14="http://schemas.microsoft.com/office/drawing/2010/main" Requires="a14">
+      <mc:AlternateContent xmlns:mc="http://schemas.openxmlformats.org/markup-compatibility/2006" xmlns:a14="http://schemas.microsoft.com/office/drawing/2010/main">
+        <mc:Choice Requires="a14">
           <p:sp>
             <p:nvSpPr>
               <p:cNvPr id="12" name="TextBox 11"/>
@@ -3411,7 +3934,7 @@
             <p:spPr>
               <a:xfrm>
                 <a:off x="5343529" y="2058091"/>
-                <a:ext cx="6848472" cy="3970318"/>
+                <a:ext cx="6848472" cy="3139321"/>
               </a:xfrm>
               <a:prstGeom prst="rect">
                 <a:avLst/>
@@ -3430,56 +3953,7 @@
                 </a:pPr>
                 <a:r>
                   <a:rPr lang="pt-BR" dirty="0" smtClean="0"/>
-                  <a:t>Este é um problema com </a:t>
-                </a:r>
-                <a:r>
-                  <a:rPr lang="pt-BR" b="1" dirty="0" smtClean="0"/>
-                  <a:t>múltiplas classes</a:t>
-                </a:r>
-                <a:r>
-                  <a:rPr lang="pt-BR" dirty="0" smtClean="0"/>
-                  <a:t>, onde </a:t>
-                </a:r>
-                <a14:m>
-                  <m:oMath xmlns:m="http://schemas.openxmlformats.org/officeDocument/2006/math">
-                    <m:r>
-                      <a:rPr lang="pt-BR" i="1">
-                        <a:latin typeface="Cambria Math" panose="02040503050406030204" pitchFamily="18" charset="0"/>
-                      </a:rPr>
-                      <m:t>𝑄</m:t>
-                    </m:r>
-                    <m:r>
-                      <a:rPr lang="pt-BR" b="0" i="1" smtClean="0">
-                        <a:latin typeface="Cambria Math" panose="02040503050406030204" pitchFamily="18" charset="0"/>
-                      </a:rPr>
-                      <m:t>=3</m:t>
-                    </m:r>
-                  </m:oMath>
-                </a14:m>
-                <a:r>
-                  <a:rPr lang="pt-BR" dirty="0" smtClean="0"/>
-                  <a:t>.</a:t>
-                </a:r>
-              </a:p>
-              <a:p>
-                <a:pPr marL="285750" indent="-285750">
-                  <a:buFont typeface="Arial" panose="020B0604020202020204" pitchFamily="34" charset="0"/>
-                  <a:buChar char="•"/>
-                </a:pPr>
-                <a:r>
-                  <a:rPr lang="pt-BR" dirty="0" smtClean="0"/>
-                  <a:t>Como temos três classes, não faz sentido falarmos em classes positiva e negativa, apenas em seus números.</a:t>
-                </a:r>
-                <a:endParaRPr lang="pt-BR" dirty="0" smtClean="0"/>
-              </a:p>
-              <a:p>
-                <a:pPr marL="285750" indent="-285750">
-                  <a:buFont typeface="Arial" panose="020B0604020202020204" pitchFamily="34" charset="0"/>
-                  <a:buChar char="•"/>
-                </a:pPr>
-                <a:r>
-                  <a:rPr lang="pt-BR" dirty="0" smtClean="0"/>
-                  <a:t>Encontramos </a:t>
+                  <a:t>Encontramos os pesos de </a:t>
                 </a:r>
                 <a14:m>
                   <m:oMath xmlns:m="http://schemas.openxmlformats.org/officeDocument/2006/math">
@@ -4885,7 +5359,7 @@
             </p:txBody>
           </p:sp>
         </mc:Choice>
-        <mc:Fallback>
+        <mc:Fallback xmlns="">
           <p:sp>
             <p:nvSpPr>
               <p:cNvPr id="12" name="TextBox 11"/>
@@ -4897,7 +5371,7 @@
             <p:spPr>
               <a:xfrm>
                 <a:off x="5343529" y="2058091"/>
-                <a:ext cx="6848472" cy="3970318"/>
+                <a:ext cx="6848472" cy="3139321"/>
               </a:xfrm>
               <a:prstGeom prst="rect">
                 <a:avLst/>
@@ -4905,7 +5379,7 @@
               <a:blipFill rotWithShape="0">
                 <a:blip r:embed="rId5"/>
                 <a:stretch>
-                  <a:fillRect l="-623" t="-922"/>
+                  <a:fillRect l="-623" t="-1165"/>
                 </a:stretch>
               </a:blipFill>
             </p:spPr>
@@ -4914,7 +5388,7 @@
               <a:lstStyle/>
               <a:p>
                 <a:r>
-                  <a:rPr lang="en-US">
+                  <a:rPr lang="pt-BR">
                     <a:noFill/>
                   </a:rPr>
                   <a:t> </a:t>
@@ -5187,7 +5661,7 @@
 </p:sld>
 </file>
 
-<file path=ppt/slides/slide3.xml><?xml version="1.0" encoding="utf-8"?>
+<file path=ppt/slides/slide4.xml><?xml version="1.0" encoding="utf-8"?>
 <p:sld xmlns:a="http://schemas.openxmlformats.org/drawingml/2006/main" xmlns:r="http://schemas.openxmlformats.org/officeDocument/2006/relationships" xmlns:p="http://schemas.openxmlformats.org/presentationml/2006/main">
   <p:cSld>
     <p:spTree>
@@ -5223,7 +5697,7 @@
               <a:p>
                 <a:r>
                   <a:rPr lang="pt-BR" dirty="0" smtClean="0"/>
-                  <a:t>Encontrando </a:t>
+                  <a:t>Encontrando os pesos </a:t>
                 </a:r>
                 <a14:m>
                   <m:oMath xmlns:m="http://schemas.openxmlformats.org/officeDocument/2006/math">
@@ -5422,7 +5896,7 @@
                 </a:pPr>
                 <a:r>
                   <a:rPr lang="pt-BR" dirty="0" smtClean="0"/>
-                  <a:t>Na sequência, encontramos </a:t>
+                  <a:t>Na sequência, encontramos os pesos de </a:t>
                 </a:r>
                 <a14:m>
                   <m:oMath xmlns:m="http://schemas.openxmlformats.org/officeDocument/2006/math">
@@ -7094,7 +7568,7 @@
 </p:sld>
 </file>
 
-<file path=ppt/slides/slide4.xml><?xml version="1.0" encoding="utf-8"?>
+<file path=ppt/slides/slide5.xml><?xml version="1.0" encoding="utf-8"?>
 <p:sld xmlns:a="http://schemas.openxmlformats.org/drawingml/2006/main" xmlns:r="http://schemas.openxmlformats.org/officeDocument/2006/relationships" xmlns:p="http://schemas.openxmlformats.org/presentationml/2006/main">
   <p:cSld>
     <p:spTree>
@@ -7138,8 +7612,8 @@
           </a:p>
         </p:txBody>
       </p:sp>
-      <mc:AlternateContent xmlns:mc="http://schemas.openxmlformats.org/markup-compatibility/2006">
-        <mc:Choice xmlns:a14="http://schemas.microsoft.com/office/drawing/2010/main" Requires="a14">
+      <mc:AlternateContent xmlns:mc="http://schemas.openxmlformats.org/markup-compatibility/2006" xmlns:a14="http://schemas.microsoft.com/office/drawing/2010/main">
+        <mc:Choice Requires="a14">
           <p:sp>
             <p:nvSpPr>
               <p:cNvPr id="3" name="Content Placeholder 2"/>
@@ -7217,7 +7691,7 @@
                 </a14:m>
                 <a:r>
                   <a:rPr lang="pt-BR" dirty="0" smtClean="0"/>
-                  <a:t> primeiro, pois ela separa exatamente uma classe das demais.</a:t>
+                  <a:t> primeiro, pois ela separa exatamente a classe 0 das demais.</a:t>
                 </a:r>
               </a:p>
               <a:p>
@@ -7280,13 +7754,8 @@
                 </a14:m>
                 <a:r>
                   <a:rPr lang="pt-BR" dirty="0" smtClean="0"/>
-                  <a:t> &gt;= 0</a:t>
-                </a:r>
-                <a:r>
-                  <a:rPr lang="pt-BR" dirty="0" smtClean="0"/>
-                  <a:t>):</a:t>
-                </a:r>
-                <a:endParaRPr lang="pt-BR" dirty="0" smtClean="0"/>
+                  <a:t> &gt;= 0):</a:t>
+                </a:r>
               </a:p>
               <a:p>
                 <a:pPr marL="0" indent="0">
@@ -7463,7 +7932,7 @@
                 </a:pPr>
                 <a:r>
                   <a:rPr lang="pt-BR" dirty="0" smtClean="0"/>
-                  <a:t>	# caso quando # </a:t>
+                  <a:t>	# caso quando </a:t>
                 </a:r>
                 <a14:m>
                   <m:oMath xmlns:m="http://schemas.openxmlformats.org/officeDocument/2006/math">
@@ -7541,7 +8010,7 @@
             </p:txBody>
           </p:sp>
         </mc:Choice>
-        <mc:Fallback>
+        <mc:Fallback xmlns="">
           <p:sp>
             <p:nvSpPr>
               <p:cNvPr id="3" name="Content Placeholder 2"/>
@@ -7569,7 +8038,7 @@
               <a:lstStyle/>
               <a:p>
                 <a:r>
-                  <a:rPr lang="en-US">
+                  <a:rPr lang="pt-BR">
                     <a:noFill/>
                   </a:rPr>
                   <a:t> </a:t>
@@ -7592,7 +8061,7 @@
 </p:sld>
 </file>
 
-<file path=ppt/slides/slide5.xml><?xml version="1.0" encoding="utf-8"?>
+<file path=ppt/slides/slide6.xml><?xml version="1.0" encoding="utf-8"?>
 <p:sld xmlns:a="http://schemas.openxmlformats.org/drawingml/2006/main" xmlns:r="http://schemas.openxmlformats.org/officeDocument/2006/relationships" xmlns:p="http://schemas.openxmlformats.org/presentationml/2006/main">
   <p:cSld>
     <p:spTree>
@@ -7632,8 +8101,8 @@
           </a:p>
         </p:txBody>
       </p:sp>
-      <mc:AlternateContent xmlns:mc="http://schemas.openxmlformats.org/markup-compatibility/2006">
-        <mc:Choice xmlns:a14="http://schemas.microsoft.com/office/drawing/2010/main" Requires="a14">
+      <mc:AlternateContent xmlns:mc="http://schemas.openxmlformats.org/markup-compatibility/2006" xmlns:a14="http://schemas.microsoft.com/office/drawing/2010/main">
+        <mc:Choice Requires="a14">
           <p:sp>
             <p:nvSpPr>
               <p:cNvPr id="4" name="Retângulo 3"/>
@@ -7643,7 +8112,7 @@
             <p:spPr>
               <a:xfrm>
                 <a:off x="7567749" y="2200433"/>
-                <a:ext cx="3786051" cy="2585323"/>
+                <a:ext cx="4484914" cy="2862322"/>
               </a:xfrm>
               <a:prstGeom prst="rect">
                 <a:avLst/>
@@ -7656,8 +8125,52 @@
               <a:lstStyle/>
               <a:p>
                 <a:r>
+                  <a:rPr lang="pt-BR" dirty="0" err="1" smtClean="0"/>
+                  <a:t>def</a:t>
+                </a:r>
+                <a:r>
+                  <a:rPr lang="pt-BR" dirty="0" smtClean="0"/>
+                  <a:t> </a:t>
+                </a:r>
+                <a:r>
+                  <a:rPr lang="pt-BR" i="1" dirty="0" err="1" smtClean="0"/>
+                  <a:t>predict</a:t>
+                </a:r>
+                <a:r>
+                  <a:rPr lang="pt-BR" dirty="0" smtClean="0"/>
+                  <a:t>(</a:t>
+                </a:r>
+                <a14:m>
+                  <m:oMath xmlns:m="http://schemas.openxmlformats.org/officeDocument/2006/math">
+                    <m:r>
+                      <a:rPr lang="pt-BR" b="1" i="1">
+                        <a:latin typeface="Cambria Math" panose="02040503050406030204" pitchFamily="18" charset="0"/>
+                      </a:rPr>
+                      <m:t>𝒙</m:t>
+                    </m:r>
+                  </m:oMath>
+                </a14:m>
+                <a:r>
+                  <a:rPr lang="pt-BR" dirty="0" smtClean="0"/>
+                  <a:t>):</a:t>
+                </a:r>
+              </a:p>
+              <a:p>
+                <a:r>
                   <a:rPr lang="pt-BR" dirty="0"/>
-                  <a:t>if(</a:t>
+                  <a:t> </a:t>
+                </a:r>
+                <a:r>
+                  <a:rPr lang="pt-BR" dirty="0" smtClean="0"/>
+                  <a:t>   </a:t>
+                </a:r>
+                <a:r>
+                  <a:rPr lang="pt-BR" dirty="0" err="1" smtClean="0"/>
+                  <a:t>if</a:t>
+                </a:r>
+                <a:r>
+                  <a:rPr lang="pt-BR" dirty="0"/>
+                  <a:t>(</a:t>
                 </a:r>
                 <a14:m>
                   <m:oMath xmlns:m="http://schemas.openxmlformats.org/officeDocument/2006/math">
@@ -7707,23 +8220,43 @@
                 </a14:m>
                 <a:r>
                   <a:rPr lang="pt-BR" dirty="0"/>
-                  <a:t> &gt;= 0):</a:t>
+                  <a:t> &gt;= 0</a:t>
+                </a:r>
+                <a:r>
+                  <a:rPr lang="pt-BR" dirty="0" smtClean="0"/>
+                  <a:t>):</a:t>
                 </a:r>
               </a:p>
               <a:p>
                 <a:r>
                   <a:rPr lang="pt-BR" dirty="0"/>
-                  <a:t>	</a:t>
+                  <a:t> </a:t>
+                </a:r>
+                <a:r>
+                  <a:rPr lang="pt-BR" dirty="0" smtClean="0"/>
+                  <a:t>       </a:t>
+                </a:r>
+                <a:r>
+                  <a:rPr lang="pt-BR" dirty="0" err="1" smtClean="0"/>
+                  <a:t>y_pred</a:t>
+                </a:r>
+                <a:r>
+                  <a:rPr lang="pt-BR" dirty="0" smtClean="0"/>
+                  <a:t>[i</a:t>
                 </a:r>
                 <a:r>
                   <a:rPr lang="pt-BR" dirty="0"/>
-                  <a:t>y_pred[i] = 0</a:t>
+                  <a:t>] = 0</a:t>
                 </a:r>
               </a:p>
               <a:p>
                 <a:r>
+                  <a:rPr lang="pt-BR" dirty="0" smtClean="0"/>
+                  <a:t>    # </a:t>
+                </a:r>
+                <a:r>
                   <a:rPr lang="pt-BR" dirty="0"/>
-                  <a:t># Caso quando </a:t>
+                  <a:t>Caso quando </a:t>
                 </a:r>
                 <a14:m>
                   <m:oMath xmlns:m="http://schemas.openxmlformats.org/officeDocument/2006/math">
@@ -7773,27 +8306,39 @@
                 </a14:m>
                 <a:r>
                   <a:rPr lang="pt-BR" dirty="0"/>
-                  <a:t> </a:t>
-                </a:r>
-                <a:r>
-                  <a:rPr lang="pt-BR" dirty="0"/>
-                  <a:t>&lt;</a:t>
-                </a:r>
-                <a:r>
-                  <a:rPr lang="pt-BR" dirty="0"/>
-                  <a:t> 0</a:t>
+                  <a:t> &lt; 0</a:t>
                 </a:r>
               </a:p>
               <a:p>
                 <a:r>
-                  <a:rPr lang="pt-BR" dirty="0"/>
-                  <a:t>else: </a:t>
+                  <a:rPr lang="pt-BR" dirty="0" smtClean="0"/>
+                  <a:t>    </a:t>
+                </a:r>
+                <a:r>
+                  <a:rPr lang="pt-BR" dirty="0" err="1" smtClean="0"/>
+                  <a:t>else</a:t>
+                </a:r>
+                <a:r>
+                  <a:rPr lang="pt-BR" dirty="0" smtClean="0"/>
+                  <a:t>:</a:t>
                 </a:r>
               </a:p>
               <a:p>
                 <a:r>
                   <a:rPr lang="pt-BR" dirty="0"/>
-                  <a:t>	if(</a:t>
+                  <a:t> </a:t>
+                </a:r>
+                <a:r>
+                  <a:rPr lang="pt-BR" dirty="0" smtClean="0"/>
+                  <a:t>       </a:t>
+                </a:r>
+                <a:r>
+                  <a:rPr lang="pt-BR" dirty="0" err="1" smtClean="0"/>
+                  <a:t>if</a:t>
+                </a:r>
+                <a:r>
+                  <a:rPr lang="pt-BR" dirty="0"/>
+                  <a:t>(</a:t>
                 </a:r>
                 <a14:m>
                   <m:oMath xmlns:m="http://schemas.openxmlformats.org/officeDocument/2006/math">
@@ -7843,31 +8388,51 @@
                 </a14:m>
                 <a:r>
                   <a:rPr lang="pt-BR" dirty="0"/>
-                  <a:t> </a:t>
-                </a:r>
-                <a:r>
-                  <a:rPr lang="pt-BR" dirty="0"/>
-                  <a:t>&lt;</a:t>
-                </a:r>
-                <a:r>
-                  <a:rPr lang="pt-BR" dirty="0"/>
-                  <a:t> 0):</a:t>
+                  <a:t> &lt; 0</a:t>
+                </a:r>
+                <a:r>
+                  <a:rPr lang="pt-BR" dirty="0" smtClean="0"/>
+                  <a:t>):</a:t>
                 </a:r>
               </a:p>
               <a:p>
                 <a:r>
                   <a:rPr lang="pt-BR" dirty="0"/>
-                  <a:t>	</a:t>
+                  <a:t> </a:t>
+                </a:r>
+                <a:r>
+                  <a:rPr lang="pt-BR" dirty="0" smtClean="0"/>
+                  <a:t>           </a:t>
+                </a:r>
+                <a:r>
+                  <a:rPr lang="pt-BR" dirty="0" err="1" smtClean="0"/>
+                  <a:t>y_pred</a:t>
+                </a:r>
+                <a:r>
+                  <a:rPr lang="pt-BR" dirty="0" smtClean="0"/>
+                  <a:t>[i</a:t>
                 </a:r>
                 <a:r>
                   <a:rPr lang="pt-BR" dirty="0"/>
-                  <a:t>	y_pred[i] = 1</a:t>
+                  <a:t>] = </a:t>
+                </a:r>
+                <a:r>
+                  <a:rPr lang="pt-BR" dirty="0" smtClean="0"/>
+                  <a:t>1</a:t>
                 </a:r>
               </a:p>
               <a:p>
                 <a:r>
                   <a:rPr lang="pt-BR" dirty="0"/>
-                  <a:t>	# caso quando # </a:t>
+                  <a:t> </a:t>
+                </a:r>
+                <a:r>
+                  <a:rPr lang="pt-BR" dirty="0" smtClean="0"/>
+                  <a:t>       # </a:t>
+                </a:r>
+                <a:r>
+                  <a:rPr lang="pt-BR" dirty="0"/>
+                  <a:t>caso quando # </a:t>
                 </a:r>
                 <a14:m>
                   <m:oMath xmlns:m="http://schemas.openxmlformats.org/officeDocument/2006/math">
@@ -7917,29 +8482,58 @@
                 </a14:m>
                 <a:r>
                   <a:rPr lang="pt-BR" dirty="0"/>
-                  <a:t> &gt;= 0</a:t>
+                  <a:t> &gt;= </a:t>
+                </a:r>
+                <a:r>
+                  <a:rPr lang="pt-BR" dirty="0" smtClean="0"/>
+                  <a:t>0</a:t>
                 </a:r>
               </a:p>
               <a:p>
                 <a:r>
                   <a:rPr lang="pt-BR" dirty="0"/>
-                  <a:t>	</a:t>
+                  <a:t> </a:t>
+                </a:r>
+                <a:r>
+                  <a:rPr lang="pt-BR" dirty="0" smtClean="0"/>
+                  <a:t>       </a:t>
+                </a:r>
+                <a:r>
+                  <a:rPr lang="pt-BR" dirty="0" err="1" smtClean="0"/>
+                  <a:t>else</a:t>
                 </a:r>
                 <a:r>
                   <a:rPr lang="pt-BR" dirty="0"/>
-                  <a:t>else: </a:t>
-                </a:r>
+                  <a:t>: </a:t>
+                </a:r>
+                <a:endParaRPr lang="pt-BR" dirty="0" smtClean="0"/>
               </a:p>
               <a:p>
                 <a:r>
                   <a:rPr lang="pt-BR" dirty="0"/>
-                  <a:t>		y_pred[i] = 2</a:t>
+                  <a:t> </a:t>
+                </a:r>
+                <a:r>
+                  <a:rPr lang="pt-BR" dirty="0" smtClean="0"/>
+                  <a:t>           </a:t>
+                </a:r>
+                <a:r>
+                  <a:rPr lang="pt-BR" dirty="0" err="1" smtClean="0"/>
+                  <a:t>y_pred</a:t>
+                </a:r>
+                <a:r>
+                  <a:rPr lang="pt-BR" dirty="0" smtClean="0"/>
+                  <a:t>[i</a:t>
+                </a:r>
+                <a:r>
+                  <a:rPr lang="pt-BR" dirty="0"/>
+                  <a:t>] = 2</a:t>
                 </a:r>
               </a:p>
             </p:txBody>
           </p:sp>
         </mc:Choice>
-        <mc:Fallback>
+        <mc:Fallback xmlns="">
           <p:sp>
             <p:nvSpPr>
               <p:cNvPr id="4" name="Retângulo 3"/>
@@ -7951,7 +8545,7 @@
             <p:spPr>
               <a:xfrm>
                 <a:off x="7567749" y="2200433"/>
-                <a:ext cx="3786051" cy="2585323"/>
+                <a:ext cx="4484914" cy="2862322"/>
               </a:xfrm>
               <a:prstGeom prst="rect">
                 <a:avLst/>
@@ -7959,7 +8553,7 @@
               <a:blipFill rotWithShape="0">
                 <a:blip r:embed="rId2"/>
                 <a:stretch>
-                  <a:fillRect l="-1286" t="-1415" b="-2830"/>
+                  <a:fillRect l="-1087" t="-1277" b="-2340"/>
                 </a:stretch>
               </a:blipFill>
             </p:spPr>
@@ -7968,7 +8562,7 @@
               <a:lstStyle/>
               <a:p>
                 <a:r>
-                  <a:rPr lang="en-US">
+                  <a:rPr lang="pt-BR">
                     <a:noFill/>
                   </a:rPr>
                   <a:t> </a:t>
@@ -7978,367 +8572,308 @@
           </p:sp>
         </mc:Fallback>
       </mc:AlternateContent>
-      <p:grpSp>
-        <p:nvGrpSpPr>
-          <p:cNvPr id="11" name="Grupo 10"/>
-          <p:cNvGrpSpPr/>
+      <p:sp>
+        <p:nvSpPr>
+          <p:cNvPr id="5" name="Retângulo 4"/>
+          <p:cNvSpPr/>
           <p:nvPr/>
-        </p:nvGrpSpPr>
-        <p:grpSpPr>
+        </p:nvSpPr>
+        <p:spPr>
           <a:xfrm>
-            <a:off x="838200" y="2600628"/>
-            <a:ext cx="4481868" cy="1262743"/>
-            <a:chOff x="5859397" y="2884713"/>
-            <a:chExt cx="4481868" cy="1262743"/>
+            <a:off x="1188013" y="2696427"/>
+            <a:ext cx="2011680" cy="1262743"/>
           </a:xfrm>
-        </p:grpSpPr>
-        <p:sp>
-          <p:nvSpPr>
-            <p:cNvPr id="5" name="Retângulo 4"/>
-            <p:cNvSpPr/>
-            <p:nvPr/>
-          </p:nvSpPr>
-          <p:spPr>
-            <a:xfrm>
-              <a:off x="6783977" y="2884713"/>
-              <a:ext cx="2011680" cy="1262743"/>
-            </a:xfrm>
-            <a:prstGeom prst="rect">
-              <a:avLst/>
-            </a:prstGeom>
-            <a:noFill/>
-            <a:ln w="28575">
+          <a:prstGeom prst="rect">
+            <a:avLst/>
+          </a:prstGeom>
+          <a:noFill/>
+          <a:ln w="28575">
+            <a:solidFill>
+              <a:schemeClr val="tx1"/>
+            </a:solidFill>
+          </a:ln>
+        </p:spPr>
+        <p:style>
+          <a:lnRef idx="2">
+            <a:schemeClr val="accent1">
+              <a:shade val="50000"/>
+            </a:schemeClr>
+          </a:lnRef>
+          <a:fillRef idx="1">
+            <a:schemeClr val="accent1"/>
+          </a:fillRef>
+          <a:effectRef idx="0">
+            <a:schemeClr val="accent1"/>
+          </a:effectRef>
+          <a:fontRef idx="minor">
+            <a:schemeClr val="lt1"/>
+          </a:fontRef>
+        </p:style>
+        <p:txBody>
+          <a:bodyPr rtlCol="0" anchor="ctr"/>
+          <a:lstStyle/>
+          <a:p>
+            <a:pPr algn="ctr"/>
+            <a:r>
+              <a:rPr lang="pt-BR" dirty="0" smtClean="0">
+                <a:solidFill>
+                  <a:schemeClr val="tx1"/>
+                </a:solidFill>
+              </a:rPr>
+              <a:t>Modelo de ML</a:t>
+            </a:r>
+          </a:p>
+          <a:p>
+            <a:pPr algn="ctr"/>
+            <a:r>
+              <a:rPr lang="pt-BR" dirty="0" smtClean="0">
+                <a:solidFill>
+                  <a:schemeClr val="tx1"/>
+                </a:solidFill>
+              </a:rPr>
+              <a:t>(Classificador)</a:t>
+            </a:r>
+            <a:endParaRPr lang="en-US" dirty="0">
               <a:solidFill>
                 <a:schemeClr val="tx1"/>
               </a:solidFill>
-            </a:ln>
-          </p:spPr>
-          <p:style>
-            <a:lnRef idx="2">
-              <a:schemeClr val="accent1">
-                <a:shade val="50000"/>
-              </a:schemeClr>
-            </a:lnRef>
-            <a:fillRef idx="1">
-              <a:schemeClr val="accent1"/>
-            </a:fillRef>
-            <a:effectRef idx="0">
-              <a:schemeClr val="accent1"/>
-            </a:effectRef>
-            <a:fontRef idx="minor">
-              <a:schemeClr val="lt1"/>
-            </a:fontRef>
-          </p:style>
-          <p:txBody>
-            <a:bodyPr rtlCol="0" anchor="ctr"/>
-            <a:lstStyle/>
-            <a:p>
-              <a:pPr algn="ctr"/>
-              <a:r>
-                <a:rPr lang="pt-BR" dirty="0" smtClean="0">
-                  <a:solidFill>
-                    <a:schemeClr val="tx1"/>
-                  </a:solidFill>
-                </a:rPr>
-                <a:t>Modelo de ML</a:t>
-              </a:r>
-            </a:p>
-            <a:p>
-              <a:pPr algn="ctr"/>
-              <a:r>
-                <a:rPr lang="pt-BR" dirty="0" smtClean="0">
-                  <a:solidFill>
-                    <a:schemeClr val="tx1"/>
-                  </a:solidFill>
-                </a:rPr>
-                <a:t>(Classificador)</a:t>
-              </a:r>
-              <a:endParaRPr lang="en-US" dirty="0">
-                <a:solidFill>
-                  <a:schemeClr val="tx1"/>
-                </a:solidFill>
-              </a:endParaRPr>
-            </a:p>
-          </p:txBody>
-        </p:sp>
-        <p:sp>
-          <p:nvSpPr>
-            <p:cNvPr id="6" name="Seta para a direita 5"/>
-            <p:cNvSpPr/>
-            <p:nvPr/>
-          </p:nvSpPr>
-          <p:spPr>
-            <a:xfrm>
-              <a:off x="6383383" y="3315787"/>
-              <a:ext cx="400594" cy="400594"/>
-            </a:xfrm>
-            <a:prstGeom prst="rightArrow">
-              <a:avLst/>
-            </a:prstGeom>
-            <a:noFill/>
-            <a:ln w="28575">
-              <a:solidFill>
-                <a:schemeClr val="tx1"/>
-              </a:solidFill>
-            </a:ln>
-          </p:spPr>
-          <p:style>
-            <a:lnRef idx="2">
-              <a:schemeClr val="accent1">
-                <a:shade val="50000"/>
-              </a:schemeClr>
-            </a:lnRef>
-            <a:fillRef idx="1">
-              <a:schemeClr val="accent1"/>
-            </a:fillRef>
-            <a:effectRef idx="0">
-              <a:schemeClr val="accent1"/>
-            </a:effectRef>
-            <a:fontRef idx="minor">
-              <a:schemeClr val="lt1"/>
-            </a:fontRef>
-          </p:style>
-          <p:txBody>
-            <a:bodyPr rtlCol="0" anchor="ctr"/>
-            <a:lstStyle/>
-            <a:p>
-              <a:pPr algn="ctr"/>
-              <a:endParaRPr lang="en-US"/>
-            </a:p>
-          </p:txBody>
-        </p:sp>
-        <p:sp>
-          <p:nvSpPr>
-            <p:cNvPr id="7" name="Seta para a direita 6"/>
-            <p:cNvSpPr/>
-            <p:nvPr/>
-          </p:nvSpPr>
-          <p:spPr>
-            <a:xfrm>
-              <a:off x="8795657" y="3315787"/>
-              <a:ext cx="400594" cy="400594"/>
-            </a:xfrm>
-            <a:prstGeom prst="rightArrow">
-              <a:avLst/>
-            </a:prstGeom>
-            <a:noFill/>
-            <a:ln w="28575">
-              <a:solidFill>
-                <a:schemeClr val="tx1"/>
-              </a:solidFill>
-            </a:ln>
-          </p:spPr>
-          <p:style>
-            <a:lnRef idx="2">
-              <a:schemeClr val="accent1">
-                <a:shade val="50000"/>
-              </a:schemeClr>
-            </a:lnRef>
-            <a:fillRef idx="1">
-              <a:schemeClr val="accent1"/>
-            </a:fillRef>
-            <a:effectRef idx="0">
-              <a:schemeClr val="accent1"/>
-            </a:effectRef>
-            <a:fontRef idx="minor">
-              <a:schemeClr val="lt1"/>
-            </a:fontRef>
-          </p:style>
-          <p:txBody>
-            <a:bodyPr rtlCol="0" anchor="ctr"/>
-            <a:lstStyle/>
-            <a:p>
-              <a:pPr algn="ctr"/>
-              <a:endParaRPr lang="en-US"/>
-            </a:p>
-          </p:txBody>
-        </p:sp>
-        <mc:AlternateContent xmlns:mc="http://schemas.openxmlformats.org/markup-compatibility/2006">
-          <mc:Choice xmlns:a14="http://schemas.microsoft.com/office/drawing/2010/main" Requires="a14">
-            <p:sp>
-              <p:nvSpPr>
-                <p:cNvPr id="8" name="Retângulo 7"/>
-                <p:cNvSpPr/>
-                <p:nvPr/>
-              </p:nvSpPr>
-              <p:spPr>
-                <a:xfrm>
-                  <a:off x="5859397" y="3254474"/>
-                  <a:ext cx="473206" cy="523220"/>
-                </a:xfrm>
-                <a:prstGeom prst="rect">
-                  <a:avLst/>
-                </a:prstGeom>
-              </p:spPr>
-              <p:txBody>
-                <a:bodyPr wrap="none">
-                  <a:spAutoFit/>
-                </a:bodyPr>
-                <a:lstStyle/>
-                <a:p>
-                  <a14:m>
-                    <m:oMathPara xmlns:m="http://schemas.openxmlformats.org/officeDocument/2006/math">
-                      <m:oMathParaPr>
-                        <m:jc m:val="centerGroup"/>
-                      </m:oMathParaPr>
-                      <m:oMath xmlns:m="http://schemas.openxmlformats.org/officeDocument/2006/math">
-                        <m:r>
-                          <a:rPr lang="pt-BR" sz="2800" b="1" i="1">
-                            <a:latin typeface="Cambria Math" panose="02040503050406030204" pitchFamily="18" charset="0"/>
-                          </a:rPr>
-                          <m:t>𝒙</m:t>
-                        </m:r>
-                      </m:oMath>
-                    </m:oMathPara>
-                  </a14:m>
-                  <a:endParaRPr lang="en-US" sz="2800" dirty="0"/>
-                </a:p>
-              </p:txBody>
-            </p:sp>
-          </mc:Choice>
-          <mc:Fallback>
-            <p:sp>
-              <p:nvSpPr>
-                <p:cNvPr id="8" name="Retângulo 7"/>
-                <p:cNvSpPr>
-                  <a:spLocks noRot="1" noChangeAspect="1" noMove="1" noResize="1" noEditPoints="1" noAdjustHandles="1" noChangeArrowheads="1" noChangeShapeType="1" noTextEdit="1"/>
-                </p:cNvSpPr>
-                <p:nvPr/>
-              </p:nvSpPr>
-              <p:spPr>
-                <a:xfrm>
-                  <a:off x="5859397" y="3254474"/>
-                  <a:ext cx="473206" cy="523220"/>
-                </a:xfrm>
-                <a:prstGeom prst="rect">
-                  <a:avLst/>
-                </a:prstGeom>
-                <a:blipFill rotWithShape="0">
-                  <a:blip r:embed="rId3"/>
-                  <a:stretch>
-                    <a:fillRect/>
-                  </a:stretch>
-                </a:blipFill>
-              </p:spPr>
-              <p:txBody>
-                <a:bodyPr/>
-                <a:lstStyle/>
-                <a:p>
-                  <a:r>
-                    <a:rPr lang="en-US">
-                      <a:noFill/>
-                    </a:rPr>
-                    <a:t> </a:t>
-                  </a:r>
-                </a:p>
-              </p:txBody>
-            </p:sp>
-          </mc:Fallback>
-        </mc:AlternateContent>
-        <mc:AlternateContent xmlns:mc="http://schemas.openxmlformats.org/markup-compatibility/2006">
-          <mc:Choice xmlns:a14="http://schemas.microsoft.com/office/drawing/2010/main" Requires="a14">
-            <p:sp>
-              <p:nvSpPr>
-                <p:cNvPr id="9" name="Retângulo 8"/>
-                <p:cNvSpPr/>
-                <p:nvPr/>
-              </p:nvSpPr>
-              <p:spPr>
-                <a:xfrm>
-                  <a:off x="9229614" y="3254474"/>
-                  <a:ext cx="1111651" cy="561820"/>
-                </a:xfrm>
-                <a:prstGeom prst="rect">
-                  <a:avLst/>
-                </a:prstGeom>
-              </p:spPr>
-              <p:txBody>
-                <a:bodyPr wrap="none">
-                  <a:spAutoFit/>
-                </a:bodyPr>
-                <a:lstStyle/>
-                <a:p>
-                  <a14:m>
-                    <m:oMathPara xmlns:m="http://schemas.openxmlformats.org/officeDocument/2006/math">
-                      <m:oMathParaPr>
-                        <m:jc m:val="centerGroup"/>
-                      </m:oMathParaPr>
-                      <m:oMath xmlns:m="http://schemas.openxmlformats.org/officeDocument/2006/math">
-                        <m:sSub>
-                          <m:sSubPr>
-                            <m:ctrlPr>
-                              <a:rPr lang="pt-BR" sz="2800" i="1" smtClean="0">
-                                <a:latin typeface="Cambria Math" panose="02040503050406030204" pitchFamily="18" charset="0"/>
-                              </a:rPr>
-                            </m:ctrlPr>
-                          </m:sSubPr>
-                          <m:e>
-                            <m:r>
-                              <a:rPr lang="pt-BR" sz="2800" b="0" i="1" smtClean="0">
-                                <a:latin typeface="Cambria Math" panose="02040503050406030204" pitchFamily="18" charset="0"/>
-                              </a:rPr>
-                              <m:t>𝑦</m:t>
-                            </m:r>
-                          </m:e>
-                          <m:sub>
-                            <m:r>
-                              <a:rPr lang="pt-BR" sz="2800" b="0" i="1" smtClean="0">
-                                <a:latin typeface="Cambria Math" panose="02040503050406030204" pitchFamily="18" charset="0"/>
-                              </a:rPr>
-                              <m:t>𝑝𝑟𝑒𝑑</m:t>
-                            </m:r>
-                          </m:sub>
-                        </m:sSub>
-                      </m:oMath>
-                    </m:oMathPara>
-                  </a14:m>
-                  <a:endParaRPr lang="en-US" sz="2800" dirty="0"/>
-                </a:p>
-              </p:txBody>
-            </p:sp>
-          </mc:Choice>
-          <mc:Fallback>
-            <p:sp>
-              <p:nvSpPr>
-                <p:cNvPr id="9" name="Retângulo 8"/>
-                <p:cNvSpPr>
-                  <a:spLocks noRot="1" noChangeAspect="1" noMove="1" noResize="1" noEditPoints="1" noAdjustHandles="1" noChangeArrowheads="1" noChangeShapeType="1" noTextEdit="1"/>
-                </p:cNvSpPr>
-                <p:nvPr/>
-              </p:nvSpPr>
-              <p:spPr>
-                <a:xfrm>
-                  <a:off x="9229614" y="3254474"/>
-                  <a:ext cx="1111651" cy="561820"/>
-                </a:xfrm>
-                <a:prstGeom prst="rect">
-                  <a:avLst/>
-                </a:prstGeom>
-                <a:blipFill rotWithShape="0">
-                  <a:blip r:embed="rId4"/>
-                  <a:stretch>
-                    <a:fillRect/>
-                  </a:stretch>
-                </a:blipFill>
-              </p:spPr>
-              <p:txBody>
-                <a:bodyPr/>
-                <a:lstStyle/>
-                <a:p>
-                  <a:r>
-                    <a:rPr lang="en-US">
-                      <a:noFill/>
-                    </a:rPr>
-                    <a:t> </a:t>
-                  </a:r>
-                </a:p>
-              </p:txBody>
-            </p:sp>
-          </mc:Fallback>
-        </mc:AlternateContent>
-      </p:grpSp>
-      <mc:AlternateContent xmlns:mc="http://schemas.openxmlformats.org/markup-compatibility/2006">
-        <mc:Choice xmlns:a14="http://schemas.microsoft.com/office/drawing/2010/main" Requires="a14">
+            </a:endParaRPr>
+          </a:p>
+        </p:txBody>
+      </p:sp>
+      <p:sp>
+        <p:nvSpPr>
+          <p:cNvPr id="6" name="Seta para a direita 5"/>
+          <p:cNvSpPr/>
+          <p:nvPr/>
+        </p:nvSpPr>
+        <p:spPr>
+          <a:xfrm>
+            <a:off x="787419" y="3127501"/>
+            <a:ext cx="400594" cy="400594"/>
+          </a:xfrm>
+          <a:prstGeom prst="rightArrow">
+            <a:avLst/>
+          </a:prstGeom>
+          <a:noFill/>
+          <a:ln w="28575">
+            <a:solidFill>
+              <a:schemeClr val="tx1"/>
+            </a:solidFill>
+          </a:ln>
+        </p:spPr>
+        <p:style>
+          <a:lnRef idx="2">
+            <a:schemeClr val="accent1">
+              <a:shade val="50000"/>
+            </a:schemeClr>
+          </a:lnRef>
+          <a:fillRef idx="1">
+            <a:schemeClr val="accent1"/>
+          </a:fillRef>
+          <a:effectRef idx="0">
+            <a:schemeClr val="accent1"/>
+          </a:effectRef>
+          <a:fontRef idx="minor">
+            <a:schemeClr val="lt1"/>
+          </a:fontRef>
+        </p:style>
+        <p:txBody>
+          <a:bodyPr rtlCol="0" anchor="ctr"/>
+          <a:lstStyle/>
+          <a:p>
+            <a:pPr algn="ctr"/>
+            <a:endParaRPr lang="en-US"/>
+          </a:p>
+        </p:txBody>
+      </p:sp>
+      <mc:AlternateContent xmlns:mc="http://schemas.openxmlformats.org/markup-compatibility/2006" xmlns:a14="http://schemas.microsoft.com/office/drawing/2010/main">
+        <mc:Choice Requires="a14">
+          <p:sp>
+            <p:nvSpPr>
+              <p:cNvPr id="8" name="Retângulo 7"/>
+              <p:cNvSpPr/>
+              <p:nvPr/>
+            </p:nvSpPr>
+            <p:spPr>
+              <a:xfrm>
+                <a:off x="263433" y="3066188"/>
+                <a:ext cx="473206" cy="523220"/>
+              </a:xfrm>
+              <a:prstGeom prst="rect">
+                <a:avLst/>
+              </a:prstGeom>
+            </p:spPr>
+            <p:txBody>
+              <a:bodyPr wrap="none">
+                <a:spAutoFit/>
+              </a:bodyPr>
+              <a:lstStyle/>
+              <a:p>
+                <a:pPr/>
+                <a14:m>
+                  <m:oMathPara xmlns:m="http://schemas.openxmlformats.org/officeDocument/2006/math">
+                    <m:oMathParaPr>
+                      <m:jc m:val="centerGroup"/>
+                    </m:oMathParaPr>
+                    <m:oMath xmlns:m="http://schemas.openxmlformats.org/officeDocument/2006/math">
+                      <m:r>
+                        <a:rPr lang="pt-BR" sz="2800" b="1" i="1">
+                          <a:latin typeface="Cambria Math" panose="02040503050406030204" pitchFamily="18" charset="0"/>
+                        </a:rPr>
+                        <m:t>𝒙</m:t>
+                      </m:r>
+                    </m:oMath>
+                  </m:oMathPara>
+                </a14:m>
+                <a:endParaRPr lang="en-US" sz="2800" dirty="0"/>
+              </a:p>
+            </p:txBody>
+          </p:sp>
+        </mc:Choice>
+        <mc:Fallback xmlns="">
+          <p:sp>
+            <p:nvSpPr>
+              <p:cNvPr id="8" name="Retângulo 7"/>
+              <p:cNvSpPr>
+                <a:spLocks noRot="1" noChangeAspect="1" noMove="1" noResize="1" noEditPoints="1" noAdjustHandles="1" noChangeArrowheads="1" noChangeShapeType="1" noTextEdit="1"/>
+              </p:cNvSpPr>
+              <p:nvPr/>
+            </p:nvSpPr>
+            <p:spPr>
+              <a:xfrm>
+                <a:off x="263433" y="3066188"/>
+                <a:ext cx="473206" cy="523220"/>
+              </a:xfrm>
+              <a:prstGeom prst="rect">
+                <a:avLst/>
+              </a:prstGeom>
+              <a:blipFill rotWithShape="0">
+                <a:blip r:embed="rId3"/>
+                <a:stretch>
+                  <a:fillRect/>
+                </a:stretch>
+              </a:blipFill>
+            </p:spPr>
+            <p:txBody>
+              <a:bodyPr/>
+              <a:lstStyle/>
+              <a:p>
+                <a:r>
+                  <a:rPr lang="pt-BR">
+                    <a:noFill/>
+                  </a:rPr>
+                  <a:t> </a:t>
+                </a:r>
+              </a:p>
+            </p:txBody>
+          </p:sp>
+        </mc:Fallback>
+      </mc:AlternateContent>
+      <mc:AlternateContent xmlns:mc="http://schemas.openxmlformats.org/markup-compatibility/2006" xmlns:a14="http://schemas.microsoft.com/office/drawing/2010/main">
+        <mc:Choice Requires="a14">
+          <p:sp>
+            <p:nvSpPr>
+              <p:cNvPr id="9" name="Retângulo 8"/>
+              <p:cNvSpPr/>
+              <p:nvPr/>
+            </p:nvSpPr>
+            <p:spPr>
+              <a:xfrm>
+                <a:off x="3168471" y="3219547"/>
+                <a:ext cx="1111651" cy="561820"/>
+              </a:xfrm>
+              <a:prstGeom prst="rect">
+                <a:avLst/>
+              </a:prstGeom>
+            </p:spPr>
+            <p:txBody>
+              <a:bodyPr wrap="none">
+                <a:spAutoFit/>
+              </a:bodyPr>
+              <a:lstStyle/>
+              <a:p>
+                <a:pPr/>
+                <a14:m>
+                  <m:oMathPara xmlns:m="http://schemas.openxmlformats.org/officeDocument/2006/math">
+                    <m:oMathParaPr>
+                      <m:jc m:val="centerGroup"/>
+                    </m:oMathParaPr>
+                    <m:oMath xmlns:m="http://schemas.openxmlformats.org/officeDocument/2006/math">
+                      <m:sSub>
+                        <m:sSubPr>
+                          <m:ctrlPr>
+                            <a:rPr lang="pt-BR" sz="2800" i="1" smtClean="0">
+                              <a:latin typeface="Cambria Math" panose="02040503050406030204" pitchFamily="18" charset="0"/>
+                            </a:rPr>
+                          </m:ctrlPr>
+                        </m:sSubPr>
+                        <m:e>
+                          <m:r>
+                            <a:rPr lang="pt-BR" sz="2800" b="0" i="1" smtClean="0">
+                              <a:latin typeface="Cambria Math" panose="02040503050406030204" pitchFamily="18" charset="0"/>
+                            </a:rPr>
+                            <m:t>𝑦</m:t>
+                          </m:r>
+                        </m:e>
+                        <m:sub>
+                          <m:r>
+                            <a:rPr lang="pt-BR" sz="2800" b="0" i="1" smtClean="0">
+                              <a:latin typeface="Cambria Math" panose="02040503050406030204" pitchFamily="18" charset="0"/>
+                            </a:rPr>
+                            <m:t>𝑝𝑟𝑒𝑑</m:t>
+                          </m:r>
+                        </m:sub>
+                      </m:sSub>
+                    </m:oMath>
+                  </m:oMathPara>
+                </a14:m>
+                <a:endParaRPr lang="en-US" sz="2800" dirty="0"/>
+              </a:p>
+            </p:txBody>
+          </p:sp>
+        </mc:Choice>
+        <mc:Fallback xmlns="">
+          <p:sp>
+            <p:nvSpPr>
+              <p:cNvPr id="9" name="Retângulo 8"/>
+              <p:cNvSpPr>
+                <a:spLocks noRot="1" noChangeAspect="1" noMove="1" noResize="1" noEditPoints="1" noAdjustHandles="1" noChangeArrowheads="1" noChangeShapeType="1" noTextEdit="1"/>
+              </p:cNvSpPr>
+              <p:nvPr/>
+            </p:nvSpPr>
+            <p:spPr>
+              <a:xfrm>
+                <a:off x="3168471" y="3219547"/>
+                <a:ext cx="1111651" cy="561820"/>
+              </a:xfrm>
+              <a:prstGeom prst="rect">
+                <a:avLst/>
+              </a:prstGeom>
+              <a:blipFill rotWithShape="0">
+                <a:blip r:embed="rId4"/>
+                <a:stretch>
+                  <a:fillRect/>
+                </a:stretch>
+              </a:blipFill>
+            </p:spPr>
+            <p:txBody>
+              <a:bodyPr/>
+              <a:lstStyle/>
+              <a:p>
+                <a:r>
+                  <a:rPr lang="pt-BR">
+                    <a:noFill/>
+                  </a:rPr>
+                  <a:t> </a:t>
+                </a:r>
+              </a:p>
+            </p:txBody>
+          </p:sp>
+        </mc:Fallback>
+      </mc:AlternateContent>
+      <mc:AlternateContent xmlns:mc="http://schemas.openxmlformats.org/markup-compatibility/2006" xmlns:a14="http://schemas.microsoft.com/office/drawing/2010/main">
+        <mc:Choice Requires="a14">
           <p:sp>
             <p:nvSpPr>
               <p:cNvPr id="10" name="CaixaDeTexto 9"/>
@@ -8364,7 +8899,15 @@
                 <a:pPr algn="ctr"/>
                 <a:r>
                   <a:rPr lang="pt-BR" sz="2800" dirty="0" smtClean="0"/>
-                  <a:t>Treinar modelos de ML que aprendam, sem serem explicitamente programados, a classificar as entradas, </a:t>
+                  <a:t>Treinar modelos de ML que aprendam, </a:t>
+                </a:r>
+                <a:r>
+                  <a:rPr lang="pt-BR" sz="2800" b="1" i="1" dirty="0" smtClean="0"/>
+                  <a:t>sem serem explicitamente programados</a:t>
+                </a:r>
+                <a:r>
+                  <a:rPr lang="pt-BR" sz="2800" dirty="0" smtClean="0"/>
+                  <a:t>, a classificar as entradas, </a:t>
                 </a:r>
                 <a14:m>
                   <m:oMath xmlns:m="http://schemas.openxmlformats.org/officeDocument/2006/math">
@@ -8378,14 +8921,14 @@
                 </a14:m>
                 <a:r>
                   <a:rPr lang="pt-BR" sz="2800" dirty="0" smtClean="0"/>
-                  <a:t>. </a:t>
+                  <a:t>, em suas respectivas classes. </a:t>
                 </a:r>
                 <a:endParaRPr lang="en-US" sz="2800" dirty="0"/>
               </a:p>
             </p:txBody>
           </p:sp>
         </mc:Choice>
-        <mc:Fallback>
+        <mc:Fallback xmlns="">
           <p:sp>
             <p:nvSpPr>
               <p:cNvPr id="10" name="CaixaDeTexto 9"/>
@@ -8414,7 +8957,7 @@
               <a:lstStyle/>
               <a:p>
                 <a:r>
-                  <a:rPr lang="en-US">
+                  <a:rPr lang="pt-BR">
                     <a:noFill/>
                   </a:rPr>
                   <a:t> </a:t>
@@ -8424,8 +8967,8 @@
           </p:sp>
         </mc:Fallback>
       </mc:AlternateContent>
-      <mc:AlternateContent xmlns:mc="http://schemas.openxmlformats.org/markup-compatibility/2006">
-        <mc:Choice xmlns:a14="http://schemas.microsoft.com/office/drawing/2010/main" Requires="a14">
+      <mc:AlternateContent xmlns:mc="http://schemas.openxmlformats.org/markup-compatibility/2006" xmlns:a14="http://schemas.microsoft.com/office/drawing/2010/main">
+        <mc:Choice Requires="a14">
           <p:sp>
             <p:nvSpPr>
               <p:cNvPr id="12" name="Retângulo 11"/>
@@ -8434,7 +8977,7 @@
             </p:nvSpPr>
             <p:spPr>
               <a:xfrm>
-                <a:off x="6096000" y="2971538"/>
+                <a:off x="6338855" y="2998696"/>
                 <a:ext cx="628698" cy="646331"/>
               </a:xfrm>
               <a:prstGeom prst="rect">
@@ -8447,6 +8990,7 @@
               </a:bodyPr>
               <a:lstStyle/>
               <a:p>
+                <a:pPr/>
                 <a14:m>
                   <m:oMathPara xmlns:m="http://schemas.openxmlformats.org/officeDocument/2006/math">
                     <m:oMathParaPr>
@@ -8468,7 +9012,7 @@
             </p:txBody>
           </p:sp>
         </mc:Choice>
-        <mc:Fallback>
+        <mc:Fallback xmlns="">
           <p:sp>
             <p:nvSpPr>
               <p:cNvPr id="12" name="Retângulo 11"/>
@@ -8479,7 +9023,7 @@
             </p:nvSpPr>
             <p:spPr>
               <a:xfrm>
-                <a:off x="6096000" y="2971538"/>
+                <a:off x="6338855" y="2998696"/>
                 <a:ext cx="628698" cy="646331"/>
               </a:xfrm>
               <a:prstGeom prst="rect">
@@ -8497,7 +9041,7 @@
               <a:lstStyle/>
               <a:p>
                 <a:r>
-                  <a:rPr lang="en-US">
+                  <a:rPr lang="pt-BR">
                     <a:noFill/>
                   </a:rPr>
                   <a:t> </a:t>
@@ -8507,10 +9051,501 @@
           </p:sp>
         </mc:Fallback>
       </mc:AlternateContent>
+      <mc:AlternateContent xmlns:mc="http://schemas.openxmlformats.org/markup-compatibility/2006" xmlns:a14="http://schemas.microsoft.com/office/drawing/2010/main">
+        <mc:Choice Requires="a14">
+          <p:sp>
+            <p:nvSpPr>
+              <p:cNvPr id="14" name="Retângulo 13"/>
+              <p:cNvSpPr/>
+              <p:nvPr/>
+            </p:nvSpPr>
+            <p:spPr>
+              <a:xfrm>
+                <a:off x="3600287" y="2169865"/>
+                <a:ext cx="1678793" cy="556434"/>
+              </a:xfrm>
+              <a:prstGeom prst="rect">
+                <a:avLst/>
+              </a:prstGeom>
+            </p:spPr>
+            <p:txBody>
+              <a:bodyPr wrap="none">
+                <a:spAutoFit/>
+              </a:bodyPr>
+              <a:lstStyle/>
+              <a:p>
+                <a:pPr/>
+                <a14:m>
+                  <m:oMathPara xmlns:m="http://schemas.openxmlformats.org/officeDocument/2006/math">
+                    <m:oMathParaPr>
+                      <m:jc m:val="centerGroup"/>
+                    </m:oMathParaPr>
+                    <m:oMath xmlns:m="http://schemas.openxmlformats.org/officeDocument/2006/math">
+                      <m:sSub>
+                        <m:sSubPr>
+                          <m:ctrlPr>
+                            <a:rPr lang="pt-BR" sz="2800" i="1" smtClean="0">
+                              <a:latin typeface="Cambria Math" panose="02040503050406030204" pitchFamily="18" charset="0"/>
+                            </a:rPr>
+                          </m:ctrlPr>
+                        </m:sSubPr>
+                        <m:e>
+                          <m:r>
+                            <a:rPr lang="pt-BR" sz="2800" b="0" i="1" smtClean="0">
+                              <a:latin typeface="Cambria Math" panose="02040503050406030204" pitchFamily="18" charset="0"/>
+                            </a:rPr>
+                            <m:t>𝑦</m:t>
+                          </m:r>
+                        </m:e>
+                        <m:sub>
+                          <m:r>
+                            <a:rPr lang="pt-BR" sz="2800" b="0" i="1" smtClean="0">
+                              <a:latin typeface="Cambria Math" panose="02040503050406030204" pitchFamily="18" charset="0"/>
+                            </a:rPr>
+                            <m:t>𝑒𝑠𝑝𝑒𝑟𝑎𝑑𝑜</m:t>
+                          </m:r>
+                        </m:sub>
+                      </m:sSub>
+                    </m:oMath>
+                  </m:oMathPara>
+                </a14:m>
+                <a:endParaRPr lang="en-US" sz="2800" dirty="0"/>
+              </a:p>
+            </p:txBody>
+          </p:sp>
+        </mc:Choice>
+        <mc:Fallback xmlns="">
+          <p:sp>
+            <p:nvSpPr>
+              <p:cNvPr id="14" name="Retângulo 13"/>
+              <p:cNvSpPr>
+                <a:spLocks noRot="1" noChangeAspect="1" noMove="1" noResize="1" noEditPoints="1" noAdjustHandles="1" noChangeArrowheads="1" noChangeShapeType="1" noTextEdit="1"/>
+              </p:cNvSpPr>
+              <p:nvPr/>
+            </p:nvSpPr>
+            <p:spPr>
+              <a:xfrm>
+                <a:off x="3600287" y="2169865"/>
+                <a:ext cx="1678793" cy="556434"/>
+              </a:xfrm>
+              <a:prstGeom prst="rect">
+                <a:avLst/>
+              </a:prstGeom>
+              <a:blipFill rotWithShape="0">
+                <a:blip r:embed="rId7"/>
+                <a:stretch>
+                  <a:fillRect/>
+                </a:stretch>
+              </a:blipFill>
+            </p:spPr>
+            <p:txBody>
+              <a:bodyPr/>
+              <a:lstStyle/>
+              <a:p>
+                <a:r>
+                  <a:rPr lang="pt-BR">
+                    <a:noFill/>
+                  </a:rPr>
+                  <a:t> </a:t>
+                </a:r>
+              </a:p>
+            </p:txBody>
+          </p:sp>
+        </mc:Fallback>
+      </mc:AlternateContent>
+      <p:sp>
+        <p:nvSpPr>
+          <p:cNvPr id="15" name="Elipse 14"/>
+          <p:cNvSpPr/>
+          <p:nvPr/>
+        </p:nvSpPr>
+        <p:spPr>
+          <a:xfrm>
+            <a:off x="4210420" y="3087861"/>
+            <a:ext cx="468000" cy="468000"/>
+          </a:xfrm>
+          <a:prstGeom prst="ellipse">
+            <a:avLst/>
+          </a:prstGeom>
+          <a:noFill/>
+          <a:ln w="28575">
+            <a:solidFill>
+              <a:schemeClr val="tx1"/>
+            </a:solidFill>
+          </a:ln>
+        </p:spPr>
+        <p:style>
+          <a:lnRef idx="2">
+            <a:schemeClr val="accent1">
+              <a:shade val="50000"/>
+            </a:schemeClr>
+          </a:lnRef>
+          <a:fillRef idx="1">
+            <a:schemeClr val="accent1"/>
+          </a:fillRef>
+          <a:effectRef idx="0">
+            <a:schemeClr val="accent1"/>
+          </a:effectRef>
+          <a:fontRef idx="minor">
+            <a:schemeClr val="lt1"/>
+          </a:fontRef>
+        </p:style>
+        <p:txBody>
+          <a:bodyPr rtlCol="0" anchor="ctr"/>
+          <a:lstStyle/>
+          <a:p>
+            <a:pPr algn="ctr"/>
+            <a:endParaRPr lang="pt-BR"/>
+          </a:p>
+        </p:txBody>
+      </p:sp>
+      <p:sp>
+        <p:nvSpPr>
+          <p:cNvPr id="16" name="Menos 15"/>
+          <p:cNvSpPr/>
+          <p:nvPr/>
+        </p:nvSpPr>
+        <p:spPr>
+          <a:xfrm>
+            <a:off x="4280122" y="3183791"/>
+            <a:ext cx="328311" cy="276139"/>
+          </a:xfrm>
+          <a:prstGeom prst="mathMinus">
+            <a:avLst/>
+          </a:prstGeom>
+        </p:spPr>
+        <p:style>
+          <a:lnRef idx="2">
+            <a:schemeClr val="dk1">
+              <a:shade val="50000"/>
+            </a:schemeClr>
+          </a:lnRef>
+          <a:fillRef idx="1">
+            <a:schemeClr val="dk1"/>
+          </a:fillRef>
+          <a:effectRef idx="0">
+            <a:schemeClr val="dk1"/>
+          </a:effectRef>
+          <a:fontRef idx="minor">
+            <a:schemeClr val="lt1"/>
+          </a:fontRef>
+        </p:style>
+        <p:txBody>
+          <a:bodyPr rtlCol="0" anchor="ctr"/>
+          <a:lstStyle/>
+          <a:p>
+            <a:pPr algn="ctr"/>
+            <a:endParaRPr lang="pt-BR"/>
+          </a:p>
+        </p:txBody>
+      </p:sp>
+      <mc:AlternateContent xmlns:mc="http://schemas.openxmlformats.org/markup-compatibility/2006" xmlns:a14="http://schemas.microsoft.com/office/drawing/2010/main">
+        <mc:Choice Requires="a14">
+          <p:sp>
+            <p:nvSpPr>
+              <p:cNvPr id="18" name="Retângulo 17"/>
+              <p:cNvSpPr/>
+              <p:nvPr/>
+            </p:nvSpPr>
+            <p:spPr>
+              <a:xfrm>
+                <a:off x="4970918" y="3016979"/>
+                <a:ext cx="986039" cy="523220"/>
+              </a:xfrm>
+              <a:prstGeom prst="rect">
+                <a:avLst/>
+              </a:prstGeom>
+            </p:spPr>
+            <p:txBody>
+              <a:bodyPr wrap="none">
+                <a:spAutoFit/>
+              </a:bodyPr>
+              <a:lstStyle/>
+              <a:p>
+                <a:pPr/>
+                <a14:m>
+                  <m:oMathPara xmlns:m="http://schemas.openxmlformats.org/officeDocument/2006/math">
+                    <m:oMathParaPr>
+                      <m:jc m:val="centerGroup"/>
+                    </m:oMathParaPr>
+                    <m:oMath xmlns:m="http://schemas.openxmlformats.org/officeDocument/2006/math">
+                      <m:r>
+                        <a:rPr lang="pt-BR" sz="2800" b="0" i="1" smtClean="0">
+                          <a:latin typeface="Cambria Math" panose="02040503050406030204" pitchFamily="18" charset="0"/>
+                        </a:rPr>
+                        <m:t>𝑒𝑟𝑟𝑜</m:t>
+                      </m:r>
+                    </m:oMath>
+                  </m:oMathPara>
+                </a14:m>
+                <a:endParaRPr lang="en-US" sz="2800" dirty="0"/>
+              </a:p>
+            </p:txBody>
+          </p:sp>
+        </mc:Choice>
+        <mc:Fallback xmlns="">
+          <p:sp>
+            <p:nvSpPr>
+              <p:cNvPr id="18" name="Retângulo 17"/>
+              <p:cNvSpPr>
+                <a:spLocks noRot="1" noChangeAspect="1" noMove="1" noResize="1" noEditPoints="1" noAdjustHandles="1" noChangeArrowheads="1" noChangeShapeType="1" noTextEdit="1"/>
+              </p:cNvSpPr>
+              <p:nvPr/>
+            </p:nvSpPr>
+            <p:spPr>
+              <a:xfrm>
+                <a:off x="4970918" y="3016979"/>
+                <a:ext cx="986039" cy="523220"/>
+              </a:xfrm>
+              <a:prstGeom prst="rect">
+                <a:avLst/>
+              </a:prstGeom>
+              <a:blipFill rotWithShape="0">
+                <a:blip r:embed="rId8"/>
+                <a:stretch>
+                  <a:fillRect/>
+                </a:stretch>
+              </a:blipFill>
+            </p:spPr>
+            <p:txBody>
+              <a:bodyPr/>
+              <a:lstStyle/>
+              <a:p>
+                <a:r>
+                  <a:rPr lang="pt-BR">
+                    <a:noFill/>
+                  </a:rPr>
+                  <a:t> </a:t>
+                </a:r>
+              </a:p>
+            </p:txBody>
+          </p:sp>
+        </mc:Fallback>
+      </mc:AlternateContent>
+      <p:cxnSp>
+        <p:nvCxnSpPr>
+          <p:cNvPr id="20" name="Conector de seta reta 19"/>
+          <p:cNvCxnSpPr>
+            <a:stCxn id="5" idx="3"/>
+            <a:endCxn id="15" idx="2"/>
+          </p:cNvCxnSpPr>
+          <p:nvPr/>
+        </p:nvCxnSpPr>
+        <p:spPr>
+          <a:xfrm flipV="1">
+            <a:off x="3199693" y="3321861"/>
+            <a:ext cx="1010727" cy="5938"/>
+          </a:xfrm>
+          <a:prstGeom prst="straightConnector1">
+            <a:avLst/>
+          </a:prstGeom>
+          <a:ln>
+            <a:solidFill>
+              <a:schemeClr val="tx1"/>
+            </a:solidFill>
+            <a:tailEnd type="triangle"/>
+          </a:ln>
+        </p:spPr>
+        <p:style>
+          <a:lnRef idx="1">
+            <a:schemeClr val="accent1"/>
+          </a:lnRef>
+          <a:fillRef idx="0">
+            <a:schemeClr val="accent1"/>
+          </a:fillRef>
+          <a:effectRef idx="0">
+            <a:schemeClr val="accent1"/>
+          </a:effectRef>
+          <a:fontRef idx="minor">
+            <a:schemeClr val="tx1"/>
+          </a:fontRef>
+        </p:style>
+      </p:cxnSp>
+      <p:cxnSp>
+        <p:nvCxnSpPr>
+          <p:cNvPr id="22" name="Conector de seta reta 21"/>
+          <p:cNvCxnSpPr>
+            <a:stCxn id="14" idx="2"/>
+            <a:endCxn id="15" idx="0"/>
+          </p:cNvCxnSpPr>
+          <p:nvPr/>
+        </p:nvCxnSpPr>
+        <p:spPr>
+          <a:xfrm>
+            <a:off x="4439684" y="2726299"/>
+            <a:ext cx="4736" cy="361562"/>
+          </a:xfrm>
+          <a:prstGeom prst="straightConnector1">
+            <a:avLst/>
+          </a:prstGeom>
+          <a:ln>
+            <a:solidFill>
+              <a:schemeClr val="tx1"/>
+            </a:solidFill>
+            <a:tailEnd type="triangle"/>
+          </a:ln>
+        </p:spPr>
+        <p:style>
+          <a:lnRef idx="1">
+            <a:schemeClr val="accent1"/>
+          </a:lnRef>
+          <a:fillRef idx="0">
+            <a:schemeClr val="accent1"/>
+          </a:fillRef>
+          <a:effectRef idx="0">
+            <a:schemeClr val="accent1"/>
+          </a:effectRef>
+          <a:fontRef idx="minor">
+            <a:schemeClr val="tx1"/>
+          </a:fontRef>
+        </p:style>
+      </p:cxnSp>
+      <p:cxnSp>
+        <p:nvCxnSpPr>
+          <p:cNvPr id="27" name="Conector de seta reta 26"/>
+          <p:cNvCxnSpPr/>
+          <p:nvPr/>
+        </p:nvCxnSpPr>
+        <p:spPr>
+          <a:xfrm flipV="1">
+            <a:off x="4700318" y="3321861"/>
+            <a:ext cx="360000" cy="1"/>
+          </a:xfrm>
+          <a:prstGeom prst="straightConnector1">
+            <a:avLst/>
+          </a:prstGeom>
+          <a:ln>
+            <a:solidFill>
+              <a:schemeClr val="tx1"/>
+            </a:solidFill>
+            <a:tailEnd type="triangle"/>
+          </a:ln>
+        </p:spPr>
+        <p:style>
+          <a:lnRef idx="1">
+            <a:schemeClr val="accent1"/>
+          </a:lnRef>
+          <a:fillRef idx="0">
+            <a:schemeClr val="accent1"/>
+          </a:fillRef>
+          <a:effectRef idx="0">
+            <a:schemeClr val="accent1"/>
+          </a:effectRef>
+          <a:fontRef idx="minor">
+            <a:schemeClr val="tx1"/>
+          </a:fontRef>
+        </p:style>
+      </p:cxnSp>
+      <p:cxnSp>
+        <p:nvCxnSpPr>
+          <p:cNvPr id="34" name="Conector angulado 33"/>
+          <p:cNvCxnSpPr>
+            <a:stCxn id="18" idx="2"/>
+          </p:cNvCxnSpPr>
+          <p:nvPr/>
+        </p:nvCxnSpPr>
+        <p:spPr>
+          <a:xfrm rot="5400000">
+            <a:off x="3039029" y="2060004"/>
+            <a:ext cx="944715" cy="3905104"/>
+          </a:xfrm>
+          <a:prstGeom prst="bentConnector2">
+            <a:avLst/>
+          </a:prstGeom>
+          <a:ln>
+            <a:solidFill>
+              <a:schemeClr val="tx1"/>
+            </a:solidFill>
+            <a:prstDash val="dash"/>
+            <a:headEnd type="none" w="med" len="med"/>
+            <a:tailEnd type="none" w="med" len="med"/>
+          </a:ln>
+        </p:spPr>
+        <p:style>
+          <a:lnRef idx="1">
+            <a:schemeClr val="accent1"/>
+          </a:lnRef>
+          <a:fillRef idx="0">
+            <a:schemeClr val="accent1"/>
+          </a:fillRef>
+          <a:effectRef idx="0">
+            <a:schemeClr val="accent1"/>
+          </a:effectRef>
+          <a:fontRef idx="minor">
+            <a:schemeClr val="tx1"/>
+          </a:fontRef>
+        </p:style>
+      </p:cxnSp>
+      <p:cxnSp>
+        <p:nvCxnSpPr>
+          <p:cNvPr id="36" name="Conector de seta reta 35"/>
+          <p:cNvCxnSpPr/>
+          <p:nvPr/>
+        </p:nvCxnSpPr>
+        <p:spPr>
+          <a:xfrm flipV="1">
+            <a:off x="1547239" y="2088150"/>
+            <a:ext cx="1478069" cy="2393451"/>
+          </a:xfrm>
+          <a:prstGeom prst="straightConnector1">
+            <a:avLst/>
+          </a:prstGeom>
+          <a:ln>
+            <a:solidFill>
+              <a:schemeClr val="tx1"/>
+            </a:solidFill>
+            <a:prstDash val="dash"/>
+            <a:tailEnd type="triangle"/>
+          </a:ln>
+        </p:spPr>
+        <p:style>
+          <a:lnRef idx="1">
+            <a:schemeClr val="accent1"/>
+          </a:lnRef>
+          <a:fillRef idx="0">
+            <a:schemeClr val="accent1"/>
+          </a:fillRef>
+          <a:effectRef idx="0">
+            <a:schemeClr val="accent1"/>
+          </a:effectRef>
+          <a:fontRef idx="minor">
+            <a:schemeClr val="tx1"/>
+          </a:fontRef>
+        </p:style>
+      </p:cxnSp>
+      <p:sp>
+        <p:nvSpPr>
+          <p:cNvPr id="37" name="Retângulo 36"/>
+          <p:cNvSpPr/>
+          <p:nvPr/>
+        </p:nvSpPr>
+        <p:spPr>
+          <a:xfrm>
+            <a:off x="2286273" y="1747419"/>
+            <a:ext cx="1510222" cy="400110"/>
+          </a:xfrm>
+          <a:prstGeom prst="rect">
+            <a:avLst/>
+          </a:prstGeom>
+        </p:spPr>
+        <p:txBody>
+          <a:bodyPr wrap="none">
+            <a:spAutoFit/>
+          </a:bodyPr>
+          <a:lstStyle/>
+          <a:p>
+            <a:r>
+              <a:rPr lang="en-US" sz="2000" dirty="0" err="1" smtClean="0"/>
+              <a:t>Treinamento</a:t>
+            </a:r>
+            <a:endParaRPr lang="en-US" sz="2000" dirty="0"/>
+          </a:p>
+        </p:txBody>
+      </p:sp>
     </p:spTree>
     <p:extLst>
       <p:ext uri="{BB962C8B-B14F-4D97-AF65-F5344CB8AC3E}">
-        <p14:creationId xmlns:p14="http://schemas.microsoft.com/office/powerpoint/2010/main" val="3285127525"/>
+        <p14:creationId xmlns:p14="http://schemas.microsoft.com/office/powerpoint/2010/main" val="3089829110"/>
       </p:ext>
     </p:extLst>
   </p:cSld>

--- a/slides/Lab1_Ex2.pptx
+++ b/slides/Lab1_Ex2.pptx
@@ -6,11 +6,13 @@
   </p:sldMasterIdLst>
   <p:sldIdLst>
     <p:sldId id="256" r:id="rId2"/>
-    <p:sldId id="263" r:id="rId3"/>
+    <p:sldId id="265" r:id="rId3"/>
     <p:sldId id="258" r:id="rId4"/>
-    <p:sldId id="259" r:id="rId5"/>
+    <p:sldId id="266" r:id="rId5"/>
     <p:sldId id="260" r:id="rId6"/>
-    <p:sldId id="264" r:id="rId7"/>
+    <p:sldId id="267" r:id="rId7"/>
+    <p:sldId id="264" r:id="rId8"/>
+    <p:sldId id="268" r:id="rId9"/>
   </p:sldIdLst>
   <p:sldSz cx="12192000" cy="6858000"/>
   <p:notesSz cx="6858000" cy="9144000"/>
@@ -159,7 +161,7 @@
           </a:lstStyle>
           <a:p>
             <a:r>
-              <a:rPr lang="en-US" smtClean="0"/>
+              <a:rPr lang="en-US"/>
               <a:t>Click to edit Master title style</a:t>
             </a:r>
             <a:endParaRPr lang="pt-BR"/>
@@ -224,7 +226,7 @@
           </a:lstStyle>
           <a:p>
             <a:r>
-              <a:rPr lang="en-US" smtClean="0"/>
+              <a:rPr lang="en-US"/>
               <a:t>Click to edit Master subtitle style</a:t>
             </a:r>
             <a:endParaRPr lang="pt-BR"/>
@@ -248,7 +250,7 @@
           <a:p>
             <a:fld id="{E8B29431-73EE-4558-8BA6-40AB916516D5}" type="datetimeFigureOut">
               <a:rPr lang="pt-BR" smtClean="0"/>
-              <a:t>17/02/2023</a:t>
+              <a:t>11/08/2023</a:t>
             </a:fld>
             <a:endParaRPr lang="pt-BR"/>
           </a:p>
@@ -342,7 +344,7 @@
           <a:lstStyle/>
           <a:p>
             <a:r>
-              <a:rPr lang="en-US" smtClean="0"/>
+              <a:rPr lang="en-US"/>
               <a:t>Click to edit Master title style</a:t>
             </a:r>
             <a:endParaRPr lang="pt-BR"/>
@@ -366,35 +368,35 @@
           <a:p>
             <a:pPr lvl="0"/>
             <a:r>
-              <a:rPr lang="en-US" smtClean="0"/>
+              <a:rPr lang="en-US"/>
               <a:t>Click to edit Master text styles</a:t>
             </a:r>
           </a:p>
           <a:p>
             <a:pPr lvl="1"/>
             <a:r>
-              <a:rPr lang="en-US" smtClean="0"/>
+              <a:rPr lang="en-US"/>
               <a:t>Second level</a:t>
             </a:r>
           </a:p>
           <a:p>
             <a:pPr lvl="2"/>
             <a:r>
-              <a:rPr lang="en-US" smtClean="0"/>
+              <a:rPr lang="en-US"/>
               <a:t>Third level</a:t>
             </a:r>
           </a:p>
           <a:p>
             <a:pPr lvl="3"/>
             <a:r>
-              <a:rPr lang="en-US" smtClean="0"/>
+              <a:rPr lang="en-US"/>
               <a:t>Fourth level</a:t>
             </a:r>
           </a:p>
           <a:p>
             <a:pPr lvl="4"/>
             <a:r>
-              <a:rPr lang="en-US" smtClean="0"/>
+              <a:rPr lang="en-US"/>
               <a:t>Fifth level</a:t>
             </a:r>
             <a:endParaRPr lang="pt-BR"/>
@@ -418,7 +420,7 @@
           <a:p>
             <a:fld id="{E8B29431-73EE-4558-8BA6-40AB916516D5}" type="datetimeFigureOut">
               <a:rPr lang="pt-BR" smtClean="0"/>
-              <a:t>17/02/2023</a:t>
+              <a:t>11/08/2023</a:t>
             </a:fld>
             <a:endParaRPr lang="pt-BR"/>
           </a:p>
@@ -517,7 +519,7 @@
           <a:lstStyle/>
           <a:p>
             <a:r>
-              <a:rPr lang="en-US" smtClean="0"/>
+              <a:rPr lang="en-US"/>
               <a:t>Click to edit Master title style</a:t>
             </a:r>
             <a:endParaRPr lang="pt-BR"/>
@@ -546,35 +548,35 @@
           <a:p>
             <a:pPr lvl="0"/>
             <a:r>
-              <a:rPr lang="en-US" smtClean="0"/>
+              <a:rPr lang="en-US"/>
               <a:t>Click to edit Master text styles</a:t>
             </a:r>
           </a:p>
           <a:p>
             <a:pPr lvl="1"/>
             <a:r>
-              <a:rPr lang="en-US" smtClean="0"/>
+              <a:rPr lang="en-US"/>
               <a:t>Second level</a:t>
             </a:r>
           </a:p>
           <a:p>
             <a:pPr lvl="2"/>
             <a:r>
-              <a:rPr lang="en-US" smtClean="0"/>
+              <a:rPr lang="en-US"/>
               <a:t>Third level</a:t>
             </a:r>
           </a:p>
           <a:p>
             <a:pPr lvl="3"/>
             <a:r>
-              <a:rPr lang="en-US" smtClean="0"/>
+              <a:rPr lang="en-US"/>
               <a:t>Fourth level</a:t>
             </a:r>
           </a:p>
           <a:p>
             <a:pPr lvl="4"/>
             <a:r>
-              <a:rPr lang="en-US" smtClean="0"/>
+              <a:rPr lang="en-US"/>
               <a:t>Fifth level</a:t>
             </a:r>
             <a:endParaRPr lang="pt-BR"/>
@@ -598,7 +600,7 @@
           <a:p>
             <a:fld id="{E8B29431-73EE-4558-8BA6-40AB916516D5}" type="datetimeFigureOut">
               <a:rPr lang="pt-BR" smtClean="0"/>
-              <a:t>17/02/2023</a:t>
+              <a:t>11/08/2023</a:t>
             </a:fld>
             <a:endParaRPr lang="pt-BR"/>
           </a:p>
@@ -692,7 +694,7 @@
           <a:lstStyle/>
           <a:p>
             <a:r>
-              <a:rPr lang="en-US" smtClean="0"/>
+              <a:rPr lang="en-US"/>
               <a:t>Click to edit Master title style</a:t>
             </a:r>
             <a:endParaRPr lang="pt-BR"/>
@@ -716,35 +718,35 @@
           <a:p>
             <a:pPr lvl="0"/>
             <a:r>
-              <a:rPr lang="en-US" smtClean="0"/>
+              <a:rPr lang="en-US"/>
               <a:t>Click to edit Master text styles</a:t>
             </a:r>
           </a:p>
           <a:p>
             <a:pPr lvl="1"/>
             <a:r>
-              <a:rPr lang="en-US" smtClean="0"/>
+              <a:rPr lang="en-US"/>
               <a:t>Second level</a:t>
             </a:r>
           </a:p>
           <a:p>
             <a:pPr lvl="2"/>
             <a:r>
-              <a:rPr lang="en-US" smtClean="0"/>
+              <a:rPr lang="en-US"/>
               <a:t>Third level</a:t>
             </a:r>
           </a:p>
           <a:p>
             <a:pPr lvl="3"/>
             <a:r>
-              <a:rPr lang="en-US" smtClean="0"/>
+              <a:rPr lang="en-US"/>
               <a:t>Fourth level</a:t>
             </a:r>
           </a:p>
           <a:p>
             <a:pPr lvl="4"/>
             <a:r>
-              <a:rPr lang="en-US" smtClean="0"/>
+              <a:rPr lang="en-US"/>
               <a:t>Fifth level</a:t>
             </a:r>
             <a:endParaRPr lang="pt-BR"/>
@@ -768,7 +770,7 @@
           <a:p>
             <a:fld id="{E8B29431-73EE-4558-8BA6-40AB916516D5}" type="datetimeFigureOut">
               <a:rPr lang="pt-BR" smtClean="0"/>
-              <a:t>17/02/2023</a:t>
+              <a:t>11/08/2023</a:t>
             </a:fld>
             <a:endParaRPr lang="pt-BR"/>
           </a:p>
@@ -871,7 +873,7 @@
           </a:lstStyle>
           <a:p>
             <a:r>
-              <a:rPr lang="en-US" smtClean="0"/>
+              <a:rPr lang="en-US"/>
               <a:t>Click to edit Master title style</a:t>
             </a:r>
             <a:endParaRPr lang="pt-BR"/>
@@ -991,7 +993,7 @@
           <a:p>
             <a:pPr lvl="0"/>
             <a:r>
-              <a:rPr lang="en-US" smtClean="0"/>
+              <a:rPr lang="en-US"/>
               <a:t>Click to edit Master text styles</a:t>
             </a:r>
           </a:p>
@@ -1014,7 +1016,7 @@
           <a:p>
             <a:fld id="{E8B29431-73EE-4558-8BA6-40AB916516D5}" type="datetimeFigureOut">
               <a:rPr lang="pt-BR" smtClean="0"/>
-              <a:t>17/02/2023</a:t>
+              <a:t>11/08/2023</a:t>
             </a:fld>
             <a:endParaRPr lang="pt-BR"/>
           </a:p>
@@ -1108,7 +1110,7 @@
           <a:lstStyle/>
           <a:p>
             <a:r>
-              <a:rPr lang="en-US" smtClean="0"/>
+              <a:rPr lang="en-US"/>
               <a:t>Click to edit Master title style</a:t>
             </a:r>
             <a:endParaRPr lang="pt-BR"/>
@@ -1137,35 +1139,35 @@
           <a:p>
             <a:pPr lvl="0"/>
             <a:r>
-              <a:rPr lang="en-US" smtClean="0"/>
+              <a:rPr lang="en-US"/>
               <a:t>Click to edit Master text styles</a:t>
             </a:r>
           </a:p>
           <a:p>
             <a:pPr lvl="1"/>
             <a:r>
-              <a:rPr lang="en-US" smtClean="0"/>
+              <a:rPr lang="en-US"/>
               <a:t>Second level</a:t>
             </a:r>
           </a:p>
           <a:p>
             <a:pPr lvl="2"/>
             <a:r>
-              <a:rPr lang="en-US" smtClean="0"/>
+              <a:rPr lang="en-US"/>
               <a:t>Third level</a:t>
             </a:r>
           </a:p>
           <a:p>
             <a:pPr lvl="3"/>
             <a:r>
-              <a:rPr lang="en-US" smtClean="0"/>
+              <a:rPr lang="en-US"/>
               <a:t>Fourth level</a:t>
             </a:r>
           </a:p>
           <a:p>
             <a:pPr lvl="4"/>
             <a:r>
-              <a:rPr lang="en-US" smtClean="0"/>
+              <a:rPr lang="en-US"/>
               <a:t>Fifth level</a:t>
             </a:r>
             <a:endParaRPr lang="pt-BR"/>
@@ -1194,35 +1196,35 @@
           <a:p>
             <a:pPr lvl="0"/>
             <a:r>
-              <a:rPr lang="en-US" smtClean="0"/>
+              <a:rPr lang="en-US"/>
               <a:t>Click to edit Master text styles</a:t>
             </a:r>
           </a:p>
           <a:p>
             <a:pPr lvl="1"/>
             <a:r>
-              <a:rPr lang="en-US" smtClean="0"/>
+              <a:rPr lang="en-US"/>
               <a:t>Second level</a:t>
             </a:r>
           </a:p>
           <a:p>
             <a:pPr lvl="2"/>
             <a:r>
-              <a:rPr lang="en-US" smtClean="0"/>
+              <a:rPr lang="en-US"/>
               <a:t>Third level</a:t>
             </a:r>
           </a:p>
           <a:p>
             <a:pPr lvl="3"/>
             <a:r>
-              <a:rPr lang="en-US" smtClean="0"/>
+              <a:rPr lang="en-US"/>
               <a:t>Fourth level</a:t>
             </a:r>
           </a:p>
           <a:p>
             <a:pPr lvl="4"/>
             <a:r>
-              <a:rPr lang="en-US" smtClean="0"/>
+              <a:rPr lang="en-US"/>
               <a:t>Fifth level</a:t>
             </a:r>
             <a:endParaRPr lang="pt-BR"/>
@@ -1246,7 +1248,7 @@
           <a:p>
             <a:fld id="{E8B29431-73EE-4558-8BA6-40AB916516D5}" type="datetimeFigureOut">
               <a:rPr lang="pt-BR" smtClean="0"/>
-              <a:t>17/02/2023</a:t>
+              <a:t>11/08/2023</a:t>
             </a:fld>
             <a:endParaRPr lang="pt-BR"/>
           </a:p>
@@ -1345,7 +1347,7 @@
           <a:lstStyle/>
           <a:p>
             <a:r>
-              <a:rPr lang="en-US" smtClean="0"/>
+              <a:rPr lang="en-US"/>
               <a:t>Click to edit Master title style</a:t>
             </a:r>
             <a:endParaRPr lang="pt-BR"/>
@@ -1411,7 +1413,7 @@
           <a:p>
             <a:pPr lvl="0"/>
             <a:r>
-              <a:rPr lang="en-US" smtClean="0"/>
+              <a:rPr lang="en-US"/>
               <a:t>Click to edit Master text styles</a:t>
             </a:r>
           </a:p>
@@ -1439,35 +1441,35 @@
           <a:p>
             <a:pPr lvl="0"/>
             <a:r>
-              <a:rPr lang="en-US" smtClean="0"/>
+              <a:rPr lang="en-US"/>
               <a:t>Click to edit Master text styles</a:t>
             </a:r>
           </a:p>
           <a:p>
             <a:pPr lvl="1"/>
             <a:r>
-              <a:rPr lang="en-US" smtClean="0"/>
+              <a:rPr lang="en-US"/>
               <a:t>Second level</a:t>
             </a:r>
           </a:p>
           <a:p>
             <a:pPr lvl="2"/>
             <a:r>
-              <a:rPr lang="en-US" smtClean="0"/>
+              <a:rPr lang="en-US"/>
               <a:t>Third level</a:t>
             </a:r>
           </a:p>
           <a:p>
             <a:pPr lvl="3"/>
             <a:r>
-              <a:rPr lang="en-US" smtClean="0"/>
+              <a:rPr lang="en-US"/>
               <a:t>Fourth level</a:t>
             </a:r>
           </a:p>
           <a:p>
             <a:pPr lvl="4"/>
             <a:r>
-              <a:rPr lang="en-US" smtClean="0"/>
+              <a:rPr lang="en-US"/>
               <a:t>Fifth level</a:t>
             </a:r>
             <a:endParaRPr lang="pt-BR"/>
@@ -1533,7 +1535,7 @@
           <a:p>
             <a:pPr lvl="0"/>
             <a:r>
-              <a:rPr lang="en-US" smtClean="0"/>
+              <a:rPr lang="en-US"/>
               <a:t>Click to edit Master text styles</a:t>
             </a:r>
           </a:p>
@@ -1561,35 +1563,35 @@
           <a:p>
             <a:pPr lvl="0"/>
             <a:r>
-              <a:rPr lang="en-US" smtClean="0"/>
+              <a:rPr lang="en-US"/>
               <a:t>Click to edit Master text styles</a:t>
             </a:r>
           </a:p>
           <a:p>
             <a:pPr lvl="1"/>
             <a:r>
-              <a:rPr lang="en-US" smtClean="0"/>
+              <a:rPr lang="en-US"/>
               <a:t>Second level</a:t>
             </a:r>
           </a:p>
           <a:p>
             <a:pPr lvl="2"/>
             <a:r>
-              <a:rPr lang="en-US" smtClean="0"/>
+              <a:rPr lang="en-US"/>
               <a:t>Third level</a:t>
             </a:r>
           </a:p>
           <a:p>
             <a:pPr lvl="3"/>
             <a:r>
-              <a:rPr lang="en-US" smtClean="0"/>
+              <a:rPr lang="en-US"/>
               <a:t>Fourth level</a:t>
             </a:r>
           </a:p>
           <a:p>
             <a:pPr lvl="4"/>
             <a:r>
-              <a:rPr lang="en-US" smtClean="0"/>
+              <a:rPr lang="en-US"/>
               <a:t>Fifth level</a:t>
             </a:r>
             <a:endParaRPr lang="pt-BR"/>
@@ -1613,7 +1615,7 @@
           <a:p>
             <a:fld id="{E8B29431-73EE-4558-8BA6-40AB916516D5}" type="datetimeFigureOut">
               <a:rPr lang="pt-BR" smtClean="0"/>
-              <a:t>17/02/2023</a:t>
+              <a:t>11/08/2023</a:t>
             </a:fld>
             <a:endParaRPr lang="pt-BR"/>
           </a:p>
@@ -1707,7 +1709,7 @@
           <a:lstStyle/>
           <a:p>
             <a:r>
-              <a:rPr lang="en-US" smtClean="0"/>
+              <a:rPr lang="en-US"/>
               <a:t>Click to edit Master title style</a:t>
             </a:r>
             <a:endParaRPr lang="pt-BR"/>
@@ -1731,7 +1733,7 @@
           <a:p>
             <a:fld id="{E8B29431-73EE-4558-8BA6-40AB916516D5}" type="datetimeFigureOut">
               <a:rPr lang="pt-BR" smtClean="0"/>
-              <a:t>17/02/2023</a:t>
+              <a:t>11/08/2023</a:t>
             </a:fld>
             <a:endParaRPr lang="pt-BR"/>
           </a:p>
@@ -1826,7 +1828,7 @@
           <a:p>
             <a:fld id="{E8B29431-73EE-4558-8BA6-40AB916516D5}" type="datetimeFigureOut">
               <a:rPr lang="pt-BR" smtClean="0"/>
-              <a:t>17/02/2023</a:t>
+              <a:t>11/08/2023</a:t>
             </a:fld>
             <a:endParaRPr lang="pt-BR"/>
           </a:p>
@@ -1929,7 +1931,7 @@
           </a:lstStyle>
           <a:p>
             <a:r>
-              <a:rPr lang="en-US" smtClean="0"/>
+              <a:rPr lang="en-US"/>
               <a:t>Click to edit Master title style</a:t>
             </a:r>
             <a:endParaRPr lang="pt-BR"/>
@@ -1986,35 +1988,35 @@
           <a:p>
             <a:pPr lvl="0"/>
             <a:r>
-              <a:rPr lang="en-US" smtClean="0"/>
+              <a:rPr lang="en-US"/>
               <a:t>Click to edit Master text styles</a:t>
             </a:r>
           </a:p>
           <a:p>
             <a:pPr lvl="1"/>
             <a:r>
-              <a:rPr lang="en-US" smtClean="0"/>
+              <a:rPr lang="en-US"/>
               <a:t>Second level</a:t>
             </a:r>
           </a:p>
           <a:p>
             <a:pPr lvl="2"/>
             <a:r>
-              <a:rPr lang="en-US" smtClean="0"/>
+              <a:rPr lang="en-US"/>
               <a:t>Third level</a:t>
             </a:r>
           </a:p>
           <a:p>
             <a:pPr lvl="3"/>
             <a:r>
-              <a:rPr lang="en-US" smtClean="0"/>
+              <a:rPr lang="en-US"/>
               <a:t>Fourth level</a:t>
             </a:r>
           </a:p>
           <a:p>
             <a:pPr lvl="4"/>
             <a:r>
-              <a:rPr lang="en-US" smtClean="0"/>
+              <a:rPr lang="en-US"/>
               <a:t>Fifth level</a:t>
             </a:r>
             <a:endParaRPr lang="pt-BR"/>
@@ -2080,7 +2082,7 @@
           <a:p>
             <a:pPr lvl="0"/>
             <a:r>
-              <a:rPr lang="en-US" smtClean="0"/>
+              <a:rPr lang="en-US"/>
               <a:t>Click to edit Master text styles</a:t>
             </a:r>
           </a:p>
@@ -2103,7 +2105,7 @@
           <a:p>
             <a:fld id="{E8B29431-73EE-4558-8BA6-40AB916516D5}" type="datetimeFigureOut">
               <a:rPr lang="pt-BR" smtClean="0"/>
-              <a:t>17/02/2023</a:t>
+              <a:t>11/08/2023</a:t>
             </a:fld>
             <a:endParaRPr lang="pt-BR"/>
           </a:p>
@@ -2206,7 +2208,7 @@
           </a:lstStyle>
           <a:p>
             <a:r>
-              <a:rPr lang="en-US" smtClean="0"/>
+              <a:rPr lang="en-US"/>
               <a:t>Click to edit Master title style</a:t>
             </a:r>
             <a:endParaRPr lang="pt-BR"/>
@@ -2333,7 +2335,7 @@
           <a:p>
             <a:pPr lvl="0"/>
             <a:r>
-              <a:rPr lang="en-US" smtClean="0"/>
+              <a:rPr lang="en-US"/>
               <a:t>Click to edit Master text styles</a:t>
             </a:r>
           </a:p>
@@ -2356,7 +2358,7 @@
           <a:p>
             <a:fld id="{E8B29431-73EE-4558-8BA6-40AB916516D5}" type="datetimeFigureOut">
               <a:rPr lang="pt-BR" smtClean="0"/>
-              <a:t>17/02/2023</a:t>
+              <a:t>11/08/2023</a:t>
             </a:fld>
             <a:endParaRPr lang="pt-BR"/>
           </a:p>
@@ -2465,7 +2467,7 @@
           <a:lstStyle/>
           <a:p>
             <a:r>
-              <a:rPr lang="en-US" smtClean="0"/>
+              <a:rPr lang="en-US"/>
               <a:t>Click to edit Master title style</a:t>
             </a:r>
             <a:endParaRPr lang="pt-BR"/>
@@ -2499,35 +2501,35 @@
           <a:p>
             <a:pPr lvl="0"/>
             <a:r>
-              <a:rPr lang="en-US" smtClean="0"/>
+              <a:rPr lang="en-US"/>
               <a:t>Click to edit Master text styles</a:t>
             </a:r>
           </a:p>
           <a:p>
             <a:pPr lvl="1"/>
             <a:r>
-              <a:rPr lang="en-US" smtClean="0"/>
+              <a:rPr lang="en-US"/>
               <a:t>Second level</a:t>
             </a:r>
           </a:p>
           <a:p>
             <a:pPr lvl="2"/>
             <a:r>
-              <a:rPr lang="en-US" smtClean="0"/>
+              <a:rPr lang="en-US"/>
               <a:t>Third level</a:t>
             </a:r>
           </a:p>
           <a:p>
             <a:pPr lvl="3"/>
             <a:r>
-              <a:rPr lang="en-US" smtClean="0"/>
+              <a:rPr lang="en-US"/>
               <a:t>Fourth level</a:t>
             </a:r>
           </a:p>
           <a:p>
             <a:pPr lvl="4"/>
             <a:r>
-              <a:rPr lang="en-US" smtClean="0"/>
+              <a:rPr lang="en-US"/>
               <a:t>Fifth level</a:t>
             </a:r>
             <a:endParaRPr lang="pt-BR"/>
@@ -2569,7 +2571,7 @@
           <a:p>
             <a:fld id="{E8B29431-73EE-4558-8BA6-40AB916516D5}" type="datetimeFigureOut">
               <a:rPr lang="pt-BR" smtClean="0"/>
-              <a:t>17/02/2023</a:t>
+              <a:t>11/08/2023</a:t>
             </a:fld>
             <a:endParaRPr lang="pt-BR"/>
           </a:p>
@@ -2990,10 +2992,9 @@
           <a:lstStyle/>
           <a:p>
             <a:r>
-              <a:rPr lang="pt-BR" dirty="0" smtClean="0"/>
+              <a:rPr lang="pt-BR" dirty="0"/>
               <a:t>Laboratório #1</a:t>
             </a:r>
-            <a:endParaRPr lang="pt-BR" dirty="0"/>
           </a:p>
         </p:txBody>
       </p:sp>
@@ -3015,10 +3016,9 @@
           <a:lstStyle/>
           <a:p>
             <a:r>
-              <a:rPr lang="pt-BR" sz="3600" dirty="0" smtClean="0"/>
+              <a:rPr lang="pt-BR" sz="3600" dirty="0"/>
               <a:t>Exercício #2</a:t>
             </a:r>
-            <a:endParaRPr lang="pt-BR" sz="3600" dirty="0"/>
           </a:p>
         </p:txBody>
       </p:sp>
@@ -3054,7 +3054,13 @@
       </p:grpSpPr>
       <p:sp>
         <p:nvSpPr>
-          <p:cNvPr id="2" name="Title 1"/>
+          <p:cNvPr id="2" name="Título 1">
+            <a:extLst>
+              <a:ext uri="{FF2B5EF4-FFF2-40B4-BE49-F238E27FC236}">
+                <a16:creationId xmlns:a16="http://schemas.microsoft.com/office/drawing/2014/main" id="{440ACFCC-0010-827E-604F-A60D3A5F07E6}"/>
+              </a:ext>
+            </a:extLst>
+          </p:cNvPr>
           <p:cNvSpPr>
             <a:spLocks noGrp="1"/>
           </p:cNvSpPr>
@@ -3068,64 +3074,39 @@
           <a:lstStyle/>
           <a:p>
             <a:r>
-              <a:rPr lang="pt-BR" dirty="0" smtClean="0"/>
+              <a:rPr lang="pt-BR" dirty="0"/>
               <a:t>Quantas funções discriminantes?</a:t>
             </a:r>
-            <a:endParaRPr lang="pt-BR" dirty="0"/>
           </a:p>
         </p:txBody>
       </p:sp>
-      <p:pic>
-        <p:nvPicPr>
-          <p:cNvPr id="5" name="Picture 4"/>
-          <p:cNvPicPr>
-            <a:picLocks noChangeAspect="1"/>
-          </p:cNvPicPr>
-          <p:nvPr/>
-        </p:nvPicPr>
-        <p:blipFill>
-          <a:blip r:embed="rId2">
-            <a:extLst>
-              <a:ext uri="{28A0092B-C50C-407E-A947-70E740481C1C}">
-                <a14:useLocalDpi xmlns:a14="http://schemas.microsoft.com/office/drawing/2010/main" val="0"/>
-              </a:ext>
-            </a:extLst>
-          </a:blip>
-          <a:stretch>
-            <a:fillRect/>
-          </a:stretch>
-        </p:blipFill>
-        <p:spPr>
-          <a:xfrm>
-            <a:off x="185052" y="2092927"/>
-            <a:ext cx="5053968" cy="3441270"/>
-          </a:xfrm>
-          <a:prstGeom prst="rect">
-            <a:avLst/>
-          </a:prstGeom>
-        </p:spPr>
-      </p:pic>
-      <mc:AlternateContent xmlns:mc="http://schemas.openxmlformats.org/markup-compatibility/2006" xmlns:a14="http://schemas.microsoft.com/office/drawing/2010/main">
-        <mc:Choice Requires="a14">
+      <mc:AlternateContent xmlns:mc="http://schemas.openxmlformats.org/markup-compatibility/2006">
+        <mc:Choice xmlns:a14="http://schemas.microsoft.com/office/drawing/2010/main" Requires="a14">
           <p:sp>
             <p:nvSpPr>
-              <p:cNvPr id="12" name="TextBox 11"/>
-              <p:cNvSpPr txBox="1"/>
-              <p:nvPr/>
+              <p:cNvPr id="3" name="Espaço Reservado para Conteúdo 2">
+                <a:extLst>
+                  <a:ext uri="{FF2B5EF4-FFF2-40B4-BE49-F238E27FC236}">
+                    <a16:creationId xmlns:a16="http://schemas.microsoft.com/office/drawing/2014/main" id="{7788F1DE-0E28-0BA3-29BC-ABE4DC94443F}"/>
+                  </a:ext>
+                </a:extLst>
+              </p:cNvPr>
+              <p:cNvSpPr>
+                <a:spLocks noGrp="1"/>
+              </p:cNvSpPr>
+              <p:nvPr>
+                <p:ph idx="1"/>
+              </p:nvPr>
             </p:nvSpPr>
             <p:spPr>
               <a:xfrm>
-                <a:off x="5343529" y="2058091"/>
-                <a:ext cx="6848472" cy="2308324"/>
+                <a:off x="5486400" y="1825624"/>
+                <a:ext cx="6556248" cy="5032375"/>
               </a:xfrm>
-              <a:prstGeom prst="rect">
-                <a:avLst/>
-              </a:prstGeom>
-              <a:noFill/>
             </p:spPr>
             <p:txBody>
-              <a:bodyPr wrap="square" rtlCol="0">
-                <a:spAutoFit/>
+              <a:bodyPr>
+                <a:normAutofit lnSpcReduction="10000"/>
               </a:bodyPr>
               <a:lstStyle/>
               <a:p>
@@ -3134,15 +3115,15 @@
                   <a:buChar char="•"/>
                 </a:pPr>
                 <a:r>
-                  <a:rPr lang="pt-BR" dirty="0" smtClean="0"/>
+                  <a:rPr lang="pt-BR" dirty="0"/>
                   <a:t>Este é um problema com </a:t>
                 </a:r>
                 <a:r>
-                  <a:rPr lang="pt-BR" b="1" dirty="0" smtClean="0"/>
+                  <a:rPr lang="pt-BR" b="1" i="1" dirty="0"/>
                   <a:t>múltiplas classes</a:t>
                 </a:r>
                 <a:r>
-                  <a:rPr lang="pt-BR" dirty="0" smtClean="0"/>
+                  <a:rPr lang="pt-BR" dirty="0"/>
                   <a:t>, onde </a:t>
                 </a:r>
                 <a14:m>
@@ -3162,7 +3143,7 @@
                   </m:oMath>
                 </a14:m>
                 <a:r>
-                  <a:rPr lang="pt-BR" dirty="0" smtClean="0"/>
+                  <a:rPr lang="pt-BR" dirty="0"/>
                   <a:t>.</a:t>
                 </a:r>
               </a:p>
@@ -3172,7 +3153,7 @@
                   <a:buChar char="•"/>
                 </a:pPr>
                 <a:r>
-                  <a:rPr lang="pt-BR" dirty="0" smtClean="0"/>
+                  <a:rPr lang="pt-BR" dirty="0"/>
                   <a:t>Como temos três classes, não faz sentido falarmos em classes positiva e negativa, apenas em seus índices: 0, 1, e 2.</a:t>
                 </a:r>
               </a:p>
@@ -3182,8 +3163,8 @@
                   <a:buChar char="•"/>
                 </a:pPr>
                 <a:r>
-                  <a:rPr lang="pt-BR" dirty="0" smtClean="0"/>
-                  <a:t>Quantas funções discriminantes são necessárias?</a:t>
+                  <a:rPr lang="pt-BR" dirty="0"/>
+                  <a:t>Quantas funções discriminantes são necessárias para separar as classes?</a:t>
                 </a:r>
               </a:p>
               <a:p>
@@ -3192,7 +3173,7 @@
                   <a:buChar char="§"/>
                 </a:pPr>
                 <a:r>
-                  <a:rPr lang="pt-BR" dirty="0" smtClean="0"/>
+                  <a:rPr lang="pt-BR" dirty="0"/>
                   <a:t>No mínimo duas funções, </a:t>
                 </a:r>
                 <a14:m>
@@ -3242,7 +3223,7 @@
                   </m:oMath>
                 </a14:m>
                 <a:r>
-                  <a:rPr lang="pt-BR" dirty="0" smtClean="0"/>
+                  <a:rPr lang="pt-BR" dirty="0"/>
                   <a:t> e </a:t>
                 </a:r>
                 <a14:m>
@@ -3292,7 +3273,7 @@
                   </m:oMath>
                 </a14:m>
                 <a:r>
-                  <a:rPr lang="pt-BR" dirty="0" smtClean="0"/>
+                  <a:rPr lang="pt-BR" dirty="0"/>
                   <a:t>.</a:t>
                 </a:r>
               </a:p>
@@ -3302,7 +3283,7 @@
                   <a:buChar char="•"/>
                 </a:pPr>
                 <a:r>
-                  <a:rPr lang="pt-BR" dirty="0" smtClean="0"/>
+                  <a:rPr lang="pt-BR" dirty="0"/>
                   <a:t>Qual o formato mais simples?</a:t>
                 </a:r>
               </a:p>
@@ -3312,7 +3293,7 @@
                   <a:buChar char="§"/>
                 </a:pPr>
                 <a:r>
-                  <a:rPr lang="pt-BR" dirty="0" smtClean="0"/>
+                  <a:rPr lang="pt-BR" dirty="0"/>
                   <a:t>Retas da forma </a:t>
                 </a:r>
                 <a14:m>
@@ -3486,7 +3467,7 @@
                   </m:oMath>
                 </a14:m>
                 <a:r>
-                  <a:rPr lang="pt-BR" dirty="0" smtClean="0"/>
+                  <a:rPr lang="pt-BR" dirty="0"/>
                   <a:t>.</a:t>
                 </a:r>
               </a:p>
@@ -3496,34 +3477,39 @@
                   <a:buChar char="•"/>
                 </a:pPr>
                 <a:r>
-                  <a:rPr lang="pt-BR" dirty="0" smtClean="0"/>
+                  <a:rPr lang="pt-BR" dirty="0"/>
                   <a:t>Agora vamos encontrar os pesos de cada uma das funções.</a:t>
                 </a:r>
               </a:p>
             </p:txBody>
           </p:sp>
         </mc:Choice>
-        <mc:Fallback xmlns="">
+        <mc:Fallback>
           <p:sp>
             <p:nvSpPr>
-              <p:cNvPr id="12" name="TextBox 11"/>
-              <p:cNvSpPr txBox="1">
-                <a:spLocks noRot="1" noChangeAspect="1" noMove="1" noResize="1" noEditPoints="1" noAdjustHandles="1" noChangeArrowheads="1" noChangeShapeType="1" noTextEdit="1"/>
+              <p:cNvPr id="3" name="Espaço Reservado para Conteúdo 2">
+                <a:extLst>
+                  <a:ext uri="{FF2B5EF4-FFF2-40B4-BE49-F238E27FC236}">
+                    <a16:creationId xmlns:a16="http://schemas.microsoft.com/office/drawing/2014/main" id="{7788F1DE-0E28-0BA3-29BC-ABE4DC94443F}"/>
+                  </a:ext>
+                </a:extLst>
+              </p:cNvPr>
+              <p:cNvSpPr>
+                <a:spLocks noGrp="1" noRot="1" noChangeAspect="1" noMove="1" noResize="1" noEditPoints="1" noAdjustHandles="1" noChangeArrowheads="1" noChangeShapeType="1" noTextEdit="1"/>
               </p:cNvSpPr>
-              <p:nvPr/>
+              <p:nvPr>
+                <p:ph idx="1"/>
+              </p:nvPr>
             </p:nvSpPr>
             <p:spPr>
               <a:xfrm>
-                <a:off x="5343529" y="2058091"/>
-                <a:ext cx="6848472" cy="2308324"/>
+                <a:off x="5486400" y="1825624"/>
+                <a:ext cx="6556248" cy="5032375"/>
               </a:xfrm>
-              <a:prstGeom prst="rect">
-                <a:avLst/>
-              </a:prstGeom>
-              <a:blipFill rotWithShape="0">
-                <a:blip r:embed="rId3"/>
+              <a:blipFill>
+                <a:blip r:embed="rId2"/>
                 <a:stretch>
-                  <a:fillRect l="-623" t="-1587" b="-3439"/>
+                  <a:fillRect l="-1673" t="-2663" r="-279"/>
                 </a:stretch>
               </a:blipFill>
             </p:spPr>
@@ -3542,10 +3528,46 @@
           </p:sp>
         </mc:Fallback>
       </mc:AlternateContent>
+      <p:pic>
+        <p:nvPicPr>
+          <p:cNvPr id="4" name="Picture 4">
+            <a:extLst>
+              <a:ext uri="{FF2B5EF4-FFF2-40B4-BE49-F238E27FC236}">
+                <a16:creationId xmlns:a16="http://schemas.microsoft.com/office/drawing/2014/main" id="{9EEE6852-8EF8-5B56-C5DB-25BB718D4EB5}"/>
+              </a:ext>
+            </a:extLst>
+          </p:cNvPr>
+          <p:cNvPicPr>
+            <a:picLocks noChangeAspect="1"/>
+          </p:cNvPicPr>
+          <p:nvPr/>
+        </p:nvPicPr>
+        <p:blipFill>
+          <a:blip r:embed="rId3">
+            <a:extLst>
+              <a:ext uri="{28A0092B-C50C-407E-A947-70E740481C1C}">
+                <a14:useLocalDpi xmlns:a14="http://schemas.microsoft.com/office/drawing/2010/main" val="0"/>
+              </a:ext>
+            </a:extLst>
+          </a:blip>
+          <a:stretch>
+            <a:fillRect/>
+          </a:stretch>
+        </p:blipFill>
+        <p:spPr>
+          <a:xfrm>
+            <a:off x="149352" y="2230087"/>
+            <a:ext cx="5053968" cy="3441270"/>
+          </a:xfrm>
+          <a:prstGeom prst="rect">
+            <a:avLst/>
+          </a:prstGeom>
+        </p:spPr>
+      </p:pic>
     </p:spTree>
     <p:extLst>
       <p:ext uri="{BB962C8B-B14F-4D97-AF65-F5344CB8AC3E}">
-        <p14:creationId xmlns:p14="http://schemas.microsoft.com/office/powerpoint/2010/main" val="122454625"/>
+        <p14:creationId xmlns:p14="http://schemas.microsoft.com/office/powerpoint/2010/main" val="2609429734"/>
       </p:ext>
     </p:extLst>
   </p:cSld>
@@ -3590,7 +3612,7 @@
               <a:lstStyle/>
               <a:p>
                 <a:r>
-                  <a:rPr lang="pt-BR" dirty="0" smtClean="0"/>
+                  <a:rPr lang="pt-BR" dirty="0"/>
                   <a:t>Encontrando os pesos </a:t>
                 </a:r>
                 <a14:m>
@@ -3681,67 +3703,251 @@
       </mc:AlternateContent>
       <p:grpSp>
         <p:nvGrpSpPr>
-          <p:cNvPr id="9" name="Group 8"/>
+          <p:cNvPr id="4" name="Agrupar 3">
+            <a:extLst>
+              <a:ext uri="{FF2B5EF4-FFF2-40B4-BE49-F238E27FC236}">
+                <a16:creationId xmlns:a16="http://schemas.microsoft.com/office/drawing/2014/main" id="{4DEC4497-8603-7324-292B-C4298E566650}"/>
+              </a:ext>
+            </a:extLst>
+          </p:cNvPr>
           <p:cNvGrpSpPr/>
           <p:nvPr/>
         </p:nvGrpSpPr>
         <p:grpSpPr>
           <a:xfrm>
-            <a:off x="185052" y="2092927"/>
-            <a:ext cx="5053968" cy="3441270"/>
-            <a:chOff x="838200" y="1690688"/>
-            <a:chExt cx="5053968" cy="3441270"/>
+            <a:off x="149352" y="1825624"/>
+            <a:ext cx="5053968" cy="3975361"/>
+            <a:chOff x="185052" y="1558836"/>
+            <a:chExt cx="5053968" cy="3975361"/>
           </a:xfrm>
         </p:grpSpPr>
-        <p:pic>
-          <p:nvPicPr>
-            <p:cNvPr id="5" name="Picture 4"/>
-            <p:cNvPicPr>
-              <a:picLocks noChangeAspect="1"/>
-            </p:cNvPicPr>
+        <p:grpSp>
+          <p:nvGrpSpPr>
+            <p:cNvPr id="9" name="Group 8"/>
+            <p:cNvGrpSpPr/>
             <p:nvPr/>
-          </p:nvPicPr>
-          <p:blipFill>
-            <a:blip r:embed="rId3">
-              <a:extLst>
-                <a:ext uri="{28A0092B-C50C-407E-A947-70E740481C1C}">
-                  <a14:useLocalDpi xmlns:a14="http://schemas.microsoft.com/office/drawing/2010/main" val="0"/>
-                </a:ext>
-              </a:extLst>
-            </a:blip>
-            <a:stretch>
-              <a:fillRect/>
-            </a:stretch>
-          </p:blipFill>
-          <p:spPr>
+          </p:nvGrpSpPr>
+          <p:grpSpPr>
             <a:xfrm>
-              <a:off x="838200" y="1690688"/>
+              <a:off x="185052" y="2092927"/>
               <a:ext cx="5053968" cy="3441270"/>
+              <a:chOff x="838200" y="1690688"/>
+              <a:chExt cx="5053968" cy="3441270"/>
             </a:xfrm>
-            <a:prstGeom prst="rect">
-              <a:avLst/>
-            </a:prstGeom>
-          </p:spPr>
-        </p:pic>
+          </p:grpSpPr>
+          <p:pic>
+            <p:nvPicPr>
+              <p:cNvPr id="5" name="Picture 4"/>
+              <p:cNvPicPr>
+                <a:picLocks noChangeAspect="1"/>
+              </p:cNvPicPr>
+              <p:nvPr/>
+            </p:nvPicPr>
+            <p:blipFill>
+              <a:blip r:embed="rId3">
+                <a:extLst>
+                  <a:ext uri="{28A0092B-C50C-407E-A947-70E740481C1C}">
+                    <a14:useLocalDpi xmlns:a14="http://schemas.microsoft.com/office/drawing/2010/main" val="0"/>
+                  </a:ext>
+                </a:extLst>
+              </a:blip>
+              <a:stretch>
+                <a:fillRect/>
+              </a:stretch>
+            </p:blipFill>
+            <p:spPr>
+              <a:xfrm>
+                <a:off x="838200" y="1690688"/>
+                <a:ext cx="5053968" cy="3441270"/>
+              </a:xfrm>
+              <a:prstGeom prst="rect">
+                <a:avLst/>
+              </a:prstGeom>
+            </p:spPr>
+          </p:pic>
+          <p:cxnSp>
+            <p:nvCxnSpPr>
+              <p:cNvPr id="7" name="Straight Connector 6"/>
+              <p:cNvCxnSpPr/>
+              <p:nvPr/>
+            </p:nvCxnSpPr>
+            <p:spPr>
+              <a:xfrm flipH="1" flipV="1">
+                <a:off x="1421677" y="2499579"/>
+                <a:ext cx="3254826" cy="2123029"/>
+              </a:xfrm>
+              <a:prstGeom prst="line">
+                <a:avLst/>
+              </a:prstGeom>
+              <a:ln w="28575">
+                <a:solidFill>
+                  <a:schemeClr val="tx1"/>
+                </a:solidFill>
+                <a:prstDash val="dash"/>
+              </a:ln>
+            </p:spPr>
+            <p:style>
+              <a:lnRef idx="1">
+                <a:schemeClr val="accent1"/>
+              </a:lnRef>
+              <a:fillRef idx="0">
+                <a:schemeClr val="accent1"/>
+              </a:fillRef>
+              <a:effectRef idx="0">
+                <a:schemeClr val="accent1"/>
+              </a:effectRef>
+              <a:fontRef idx="minor">
+                <a:schemeClr val="tx1"/>
+              </a:fontRef>
+            </p:style>
+          </p:cxnSp>
+        </p:grpSp>
+        <mc:AlternateContent xmlns:mc="http://schemas.openxmlformats.org/markup-compatibility/2006">
+          <mc:Choice xmlns:a14="http://schemas.microsoft.com/office/drawing/2010/main" Requires="a14">
+            <p:sp>
+              <p:nvSpPr>
+                <p:cNvPr id="8" name="Rectangle 7"/>
+                <p:cNvSpPr/>
+                <p:nvPr/>
+              </p:nvSpPr>
+              <p:spPr>
+                <a:xfrm>
+                  <a:off x="2106486" y="1558836"/>
+                  <a:ext cx="1224374" cy="369332"/>
+                </a:xfrm>
+                <a:prstGeom prst="rect">
+                  <a:avLst/>
+                </a:prstGeom>
+              </p:spPr>
+              <p:txBody>
+                <a:bodyPr wrap="none">
+                  <a:spAutoFit/>
+                </a:bodyPr>
+                <a:lstStyle/>
+                <a:p>
+                  <a:pPr/>
+                  <a14:m>
+                    <m:oMathPara xmlns:m="http://schemas.openxmlformats.org/officeDocument/2006/math">
+                      <m:oMathParaPr>
+                        <m:jc m:val="centerGroup"/>
+                      </m:oMathParaPr>
+                      <m:oMath xmlns:m="http://schemas.openxmlformats.org/officeDocument/2006/math">
+                        <m:sSub>
+                          <m:sSubPr>
+                            <m:ctrlPr>
+                              <a:rPr lang="pt-BR" i="1" smtClean="0">
+                                <a:latin typeface="Cambria Math" panose="02040503050406030204" pitchFamily="18" charset="0"/>
+                              </a:rPr>
+                            </m:ctrlPr>
+                          </m:sSubPr>
+                          <m:e>
+                            <m:r>
+                              <a:rPr lang="pt-BR" b="0" i="1" smtClean="0">
+                                <a:latin typeface="Cambria Math" panose="02040503050406030204" pitchFamily="18" charset="0"/>
+                              </a:rPr>
+                              <m:t>𝑔</m:t>
+                            </m:r>
+                          </m:e>
+                          <m:sub>
+                            <m:r>
+                              <a:rPr lang="pt-BR" b="0" i="1" smtClean="0">
+                                <a:latin typeface="Cambria Math" panose="02040503050406030204" pitchFamily="18" charset="0"/>
+                              </a:rPr>
+                              <m:t>1</m:t>
+                            </m:r>
+                          </m:sub>
+                        </m:sSub>
+                        <m:d>
+                          <m:dPr>
+                            <m:ctrlPr>
+                              <a:rPr lang="pt-BR" b="0" i="1" smtClean="0">
+                                <a:latin typeface="Cambria Math" panose="02040503050406030204" pitchFamily="18" charset="0"/>
+                              </a:rPr>
+                            </m:ctrlPr>
+                          </m:dPr>
+                          <m:e>
+                            <m:r>
+                              <a:rPr lang="pt-BR" b="0" i="1" smtClean="0">
+                                <a:latin typeface="Cambria Math" panose="02040503050406030204" pitchFamily="18" charset="0"/>
+                              </a:rPr>
+                              <m:t>𝑥</m:t>
+                            </m:r>
+                          </m:e>
+                        </m:d>
+                        <m:r>
+                          <a:rPr lang="pt-BR" b="0" i="1" smtClean="0">
+                            <a:latin typeface="Cambria Math" panose="02040503050406030204" pitchFamily="18" charset="0"/>
+                          </a:rPr>
+                          <m:t>=0</m:t>
+                        </m:r>
+                      </m:oMath>
+                    </m:oMathPara>
+                  </a14:m>
+                  <a:endParaRPr lang="pt-BR" dirty="0"/>
+                </a:p>
+              </p:txBody>
+            </p:sp>
+          </mc:Choice>
+          <mc:Fallback>
+            <p:sp>
+              <p:nvSpPr>
+                <p:cNvPr id="8" name="Rectangle 7"/>
+                <p:cNvSpPr>
+                  <a:spLocks noRot="1" noChangeAspect="1" noMove="1" noResize="1" noEditPoints="1" noAdjustHandles="1" noChangeArrowheads="1" noChangeShapeType="1" noTextEdit="1"/>
+                </p:cNvSpPr>
+                <p:nvPr/>
+              </p:nvSpPr>
+              <p:spPr>
+                <a:xfrm>
+                  <a:off x="2106486" y="1558836"/>
+                  <a:ext cx="1224374" cy="369332"/>
+                </a:xfrm>
+                <a:prstGeom prst="rect">
+                  <a:avLst/>
+                </a:prstGeom>
+                <a:blipFill>
+                  <a:blip r:embed="rId4"/>
+                  <a:stretch>
+                    <a:fillRect b="-6557"/>
+                  </a:stretch>
+                </a:blipFill>
+              </p:spPr>
+              <p:txBody>
+                <a:bodyPr/>
+                <a:lstStyle/>
+                <a:p>
+                  <a:r>
+                    <a:rPr lang="pt-BR">
+                      <a:noFill/>
+                    </a:rPr>
+                    <a:t> </a:t>
+                  </a:r>
+                </a:p>
+              </p:txBody>
+            </p:sp>
+          </mc:Fallback>
+        </mc:AlternateContent>
         <p:cxnSp>
           <p:nvCxnSpPr>
-            <p:cNvPr id="7" name="Straight Connector 6"/>
-            <p:cNvCxnSpPr/>
+            <p:cNvPr id="11" name="Curved Connector 10"/>
+            <p:cNvCxnSpPr>
+              <a:endCxn id="8" idx="2"/>
+            </p:cNvCxnSpPr>
             <p:nvPr/>
           </p:nvCxnSpPr>
           <p:spPr>
-            <a:xfrm flipH="1" flipV="1">
-              <a:off x="1421677" y="2499579"/>
-              <a:ext cx="3254826" cy="2123029"/>
+            <a:xfrm rot="5400000" flipH="1" flipV="1">
+              <a:off x="1408194" y="2122347"/>
+              <a:ext cx="1504657" cy="1116301"/>
             </a:xfrm>
-            <a:prstGeom prst="line">
+            <a:prstGeom prst="curvedConnector3">
               <a:avLst/>
             </a:prstGeom>
-            <a:ln w="28575">
+            <a:ln>
               <a:solidFill>
                 <a:schemeClr val="tx1"/>
               </a:solidFill>
-              <a:prstDash val="dash"/>
+              <a:tailEnd type="triangle"/>
             </a:ln>
           </p:spPr>
           <p:style>
@@ -3759,191 +3965,284 @@
             </a:fontRef>
           </p:style>
         </p:cxnSp>
+        <mc:AlternateContent xmlns:mc="http://schemas.openxmlformats.org/markup-compatibility/2006">
+          <mc:Choice xmlns:a14="http://schemas.microsoft.com/office/drawing/2010/main" Requires="a14">
+            <p:sp>
+              <p:nvSpPr>
+                <p:cNvPr id="16" name="Rectangle 15"/>
+                <p:cNvSpPr/>
+                <p:nvPr/>
+              </p:nvSpPr>
+              <p:spPr>
+                <a:xfrm>
+                  <a:off x="1270189" y="4620679"/>
+                  <a:ext cx="1224374" cy="369332"/>
+                </a:xfrm>
+                <a:prstGeom prst="rect">
+                  <a:avLst/>
+                </a:prstGeom>
+              </p:spPr>
+              <p:txBody>
+                <a:bodyPr wrap="none">
+                  <a:spAutoFit/>
+                </a:bodyPr>
+                <a:lstStyle/>
+                <a:p>
+                  <a:pPr/>
+                  <a14:m>
+                    <m:oMathPara xmlns:m="http://schemas.openxmlformats.org/officeDocument/2006/math">
+                      <m:oMathParaPr>
+                        <m:jc m:val="centerGroup"/>
+                      </m:oMathParaPr>
+                      <m:oMath xmlns:m="http://schemas.openxmlformats.org/officeDocument/2006/math">
+                        <m:sSub>
+                          <m:sSubPr>
+                            <m:ctrlPr>
+                              <a:rPr lang="pt-BR" i="1" smtClean="0">
+                                <a:latin typeface="Cambria Math" panose="02040503050406030204" pitchFamily="18" charset="0"/>
+                              </a:rPr>
+                            </m:ctrlPr>
+                          </m:sSubPr>
+                          <m:e>
+                            <m:r>
+                              <a:rPr lang="pt-BR" b="0" i="1" smtClean="0">
+                                <a:latin typeface="Cambria Math" panose="02040503050406030204" pitchFamily="18" charset="0"/>
+                              </a:rPr>
+                              <m:t>𝑔</m:t>
+                            </m:r>
+                          </m:e>
+                          <m:sub>
+                            <m:r>
+                              <a:rPr lang="pt-BR" b="0" i="1" smtClean="0">
+                                <a:latin typeface="Cambria Math" panose="02040503050406030204" pitchFamily="18" charset="0"/>
+                              </a:rPr>
+                              <m:t>1</m:t>
+                            </m:r>
+                          </m:sub>
+                        </m:sSub>
+                        <m:d>
+                          <m:dPr>
+                            <m:ctrlPr>
+                              <a:rPr lang="pt-BR" b="0" i="1" smtClean="0">
+                                <a:latin typeface="Cambria Math" panose="02040503050406030204" pitchFamily="18" charset="0"/>
+                              </a:rPr>
+                            </m:ctrlPr>
+                          </m:dPr>
+                          <m:e>
+                            <m:r>
+                              <a:rPr lang="pt-BR" b="0" i="1" smtClean="0">
+                                <a:latin typeface="Cambria Math" panose="02040503050406030204" pitchFamily="18" charset="0"/>
+                              </a:rPr>
+                              <m:t>𝑥</m:t>
+                            </m:r>
+                          </m:e>
+                        </m:d>
+                        <m:r>
+                          <a:rPr lang="pt-BR" b="0" i="1" smtClean="0">
+                            <a:latin typeface="Cambria Math" panose="02040503050406030204" pitchFamily="18" charset="0"/>
+                          </a:rPr>
+                          <m:t>&gt;0</m:t>
+                        </m:r>
+                      </m:oMath>
+                    </m:oMathPara>
+                  </a14:m>
+                  <a:endParaRPr lang="pt-BR" dirty="0"/>
+                </a:p>
+              </p:txBody>
+            </p:sp>
+          </mc:Choice>
+          <mc:Fallback>
+            <p:sp>
+              <p:nvSpPr>
+                <p:cNvPr id="16" name="Rectangle 15"/>
+                <p:cNvSpPr>
+                  <a:spLocks noRot="1" noChangeAspect="1" noMove="1" noResize="1" noEditPoints="1" noAdjustHandles="1" noChangeArrowheads="1" noChangeShapeType="1" noTextEdit="1"/>
+                </p:cNvSpPr>
+                <p:nvPr/>
+              </p:nvSpPr>
+              <p:spPr>
+                <a:xfrm>
+                  <a:off x="1270189" y="4620679"/>
+                  <a:ext cx="1224374" cy="369332"/>
+                </a:xfrm>
+                <a:prstGeom prst="rect">
+                  <a:avLst/>
+                </a:prstGeom>
+                <a:blipFill>
+                  <a:blip r:embed="rId5"/>
+                  <a:stretch>
+                    <a:fillRect b="-6667"/>
+                  </a:stretch>
+                </a:blipFill>
+              </p:spPr>
+              <p:txBody>
+                <a:bodyPr/>
+                <a:lstStyle/>
+                <a:p>
+                  <a:r>
+                    <a:rPr lang="pt-BR">
+                      <a:noFill/>
+                    </a:rPr>
+                    <a:t> </a:t>
+                  </a:r>
+                </a:p>
+              </p:txBody>
+            </p:sp>
+          </mc:Fallback>
+        </mc:AlternateContent>
+        <mc:AlternateContent xmlns:mc="http://schemas.openxmlformats.org/markup-compatibility/2006">
+          <mc:Choice xmlns:a14="http://schemas.microsoft.com/office/drawing/2010/main" Requires="a14">
+            <p:sp>
+              <p:nvSpPr>
+                <p:cNvPr id="17" name="Rectangle 16"/>
+                <p:cNvSpPr/>
+                <p:nvPr/>
+              </p:nvSpPr>
+              <p:spPr>
+                <a:xfrm>
+                  <a:off x="2712036" y="3079119"/>
+                  <a:ext cx="1224374" cy="369332"/>
+                </a:xfrm>
+                <a:prstGeom prst="rect">
+                  <a:avLst/>
+                </a:prstGeom>
+              </p:spPr>
+              <p:txBody>
+                <a:bodyPr wrap="none">
+                  <a:spAutoFit/>
+                </a:bodyPr>
+                <a:lstStyle/>
+                <a:p>
+                  <a:pPr/>
+                  <a14:m>
+                    <m:oMathPara xmlns:m="http://schemas.openxmlformats.org/officeDocument/2006/math">
+                      <m:oMathParaPr>
+                        <m:jc m:val="centerGroup"/>
+                      </m:oMathParaPr>
+                      <m:oMath xmlns:m="http://schemas.openxmlformats.org/officeDocument/2006/math">
+                        <m:sSub>
+                          <m:sSubPr>
+                            <m:ctrlPr>
+                              <a:rPr lang="pt-BR" i="1" smtClean="0">
+                                <a:latin typeface="Cambria Math" panose="02040503050406030204" pitchFamily="18" charset="0"/>
+                              </a:rPr>
+                            </m:ctrlPr>
+                          </m:sSubPr>
+                          <m:e>
+                            <m:r>
+                              <a:rPr lang="pt-BR" b="0" i="1" smtClean="0">
+                                <a:latin typeface="Cambria Math" panose="02040503050406030204" pitchFamily="18" charset="0"/>
+                              </a:rPr>
+                              <m:t>𝑔</m:t>
+                            </m:r>
+                          </m:e>
+                          <m:sub>
+                            <m:r>
+                              <a:rPr lang="pt-BR" b="0" i="1" smtClean="0">
+                                <a:latin typeface="Cambria Math" panose="02040503050406030204" pitchFamily="18" charset="0"/>
+                              </a:rPr>
+                              <m:t>1</m:t>
+                            </m:r>
+                          </m:sub>
+                        </m:sSub>
+                        <m:d>
+                          <m:dPr>
+                            <m:ctrlPr>
+                              <a:rPr lang="pt-BR" b="0" i="1" smtClean="0">
+                                <a:latin typeface="Cambria Math" panose="02040503050406030204" pitchFamily="18" charset="0"/>
+                              </a:rPr>
+                            </m:ctrlPr>
+                          </m:dPr>
+                          <m:e>
+                            <m:r>
+                              <a:rPr lang="pt-BR" b="0" i="1" smtClean="0">
+                                <a:latin typeface="Cambria Math" panose="02040503050406030204" pitchFamily="18" charset="0"/>
+                              </a:rPr>
+                              <m:t>𝑥</m:t>
+                            </m:r>
+                          </m:e>
+                        </m:d>
+                        <m:r>
+                          <a:rPr lang="pt-BR" b="0" i="1" smtClean="0">
+                            <a:latin typeface="Cambria Math" panose="02040503050406030204" pitchFamily="18" charset="0"/>
+                          </a:rPr>
+                          <m:t>&lt;0</m:t>
+                        </m:r>
+                      </m:oMath>
+                    </m:oMathPara>
+                  </a14:m>
+                  <a:endParaRPr lang="pt-BR" dirty="0"/>
+                </a:p>
+              </p:txBody>
+            </p:sp>
+          </mc:Choice>
+          <mc:Fallback>
+            <p:sp>
+              <p:nvSpPr>
+                <p:cNvPr id="17" name="Rectangle 16"/>
+                <p:cNvSpPr>
+                  <a:spLocks noRot="1" noChangeAspect="1" noMove="1" noResize="1" noEditPoints="1" noAdjustHandles="1" noChangeArrowheads="1" noChangeShapeType="1" noTextEdit="1"/>
+                </p:cNvSpPr>
+                <p:nvPr/>
+              </p:nvSpPr>
+              <p:spPr>
+                <a:xfrm>
+                  <a:off x="2712036" y="3079119"/>
+                  <a:ext cx="1224374" cy="369332"/>
+                </a:xfrm>
+                <a:prstGeom prst="rect">
+                  <a:avLst/>
+                </a:prstGeom>
+                <a:blipFill>
+                  <a:blip r:embed="rId6"/>
+                  <a:stretch>
+                    <a:fillRect b="-6667"/>
+                  </a:stretch>
+                </a:blipFill>
+              </p:spPr>
+              <p:txBody>
+                <a:bodyPr/>
+                <a:lstStyle/>
+                <a:p>
+                  <a:r>
+                    <a:rPr lang="pt-BR">
+                      <a:noFill/>
+                    </a:rPr>
+                    <a:t> </a:t>
+                  </a:r>
+                </a:p>
+              </p:txBody>
+            </p:sp>
+          </mc:Fallback>
+        </mc:AlternateContent>
       </p:grpSp>
-      <mc:AlternateContent xmlns:mc="http://schemas.openxmlformats.org/markup-compatibility/2006" xmlns:a14="http://schemas.microsoft.com/office/drawing/2010/main">
-        <mc:Choice Requires="a14">
+      <mc:AlternateContent xmlns:mc="http://schemas.openxmlformats.org/markup-compatibility/2006">
+        <mc:Choice xmlns:a14="http://schemas.microsoft.com/office/drawing/2010/main" Requires="a14">
           <p:sp>
             <p:nvSpPr>
-              <p:cNvPr id="8" name="Rectangle 7"/>
-              <p:cNvSpPr/>
-              <p:nvPr/>
+              <p:cNvPr id="3" name="Espaço Reservado para Conteúdo 2">
+                <a:extLst>
+                  <a:ext uri="{FF2B5EF4-FFF2-40B4-BE49-F238E27FC236}">
+                    <a16:creationId xmlns:a16="http://schemas.microsoft.com/office/drawing/2014/main" id="{91E224F6-D964-96CA-FD1A-13C692AEC7D4}"/>
+                  </a:ext>
+                </a:extLst>
+              </p:cNvPr>
+              <p:cNvSpPr>
+                <a:spLocks noGrp="1"/>
+              </p:cNvSpPr>
+              <p:nvPr>
+                <p:ph idx="1"/>
+              </p:nvPr>
             </p:nvSpPr>
             <p:spPr>
               <a:xfrm>
-                <a:off x="2106486" y="1558836"/>
-                <a:ext cx="1224374" cy="369332"/>
+                <a:off x="5274367" y="1825624"/>
+                <a:ext cx="6768281" cy="5032375"/>
               </a:xfrm>
-              <a:prstGeom prst="rect">
-                <a:avLst/>
-              </a:prstGeom>
             </p:spPr>
             <p:txBody>
-              <a:bodyPr wrap="none">
-                <a:spAutoFit/>
-              </a:bodyPr>
-              <a:lstStyle/>
-              <a:p>
-                <a:pPr/>
-                <a14:m>
-                  <m:oMathPara xmlns:m="http://schemas.openxmlformats.org/officeDocument/2006/math">
-                    <m:oMathParaPr>
-                      <m:jc m:val="centerGroup"/>
-                    </m:oMathParaPr>
-                    <m:oMath xmlns:m="http://schemas.openxmlformats.org/officeDocument/2006/math">
-                      <m:sSub>
-                        <m:sSubPr>
-                          <m:ctrlPr>
-                            <a:rPr lang="pt-BR" i="1" smtClean="0">
-                              <a:latin typeface="Cambria Math" panose="02040503050406030204" pitchFamily="18" charset="0"/>
-                            </a:rPr>
-                          </m:ctrlPr>
-                        </m:sSubPr>
-                        <m:e>
-                          <m:r>
-                            <a:rPr lang="pt-BR" b="0" i="1" smtClean="0">
-                              <a:latin typeface="Cambria Math" panose="02040503050406030204" pitchFamily="18" charset="0"/>
-                            </a:rPr>
-                            <m:t>𝑔</m:t>
-                          </m:r>
-                        </m:e>
-                        <m:sub>
-                          <m:r>
-                            <a:rPr lang="pt-BR" b="0" i="1" smtClean="0">
-                              <a:latin typeface="Cambria Math" panose="02040503050406030204" pitchFamily="18" charset="0"/>
-                            </a:rPr>
-                            <m:t>1</m:t>
-                          </m:r>
-                        </m:sub>
-                      </m:sSub>
-                      <m:d>
-                        <m:dPr>
-                          <m:ctrlPr>
-                            <a:rPr lang="pt-BR" b="0" i="1" smtClean="0">
-                              <a:latin typeface="Cambria Math" panose="02040503050406030204" pitchFamily="18" charset="0"/>
-                            </a:rPr>
-                          </m:ctrlPr>
-                        </m:dPr>
-                        <m:e>
-                          <m:r>
-                            <a:rPr lang="pt-BR" b="0" i="1" smtClean="0">
-                              <a:latin typeface="Cambria Math" panose="02040503050406030204" pitchFamily="18" charset="0"/>
-                            </a:rPr>
-                            <m:t>𝑥</m:t>
-                          </m:r>
-                        </m:e>
-                      </m:d>
-                      <m:r>
-                        <a:rPr lang="pt-BR" b="0" i="1" smtClean="0">
-                          <a:latin typeface="Cambria Math" panose="02040503050406030204" pitchFamily="18" charset="0"/>
-                        </a:rPr>
-                        <m:t>=0</m:t>
-                      </m:r>
-                    </m:oMath>
-                  </m:oMathPara>
-                </a14:m>
-                <a:endParaRPr lang="pt-BR" dirty="0"/>
-              </a:p>
-            </p:txBody>
-          </p:sp>
-        </mc:Choice>
-        <mc:Fallback xmlns="">
-          <p:sp>
-            <p:nvSpPr>
-              <p:cNvPr id="8" name="Rectangle 7"/>
-              <p:cNvSpPr>
-                <a:spLocks noRot="1" noChangeAspect="1" noMove="1" noResize="1" noEditPoints="1" noAdjustHandles="1" noChangeArrowheads="1" noChangeShapeType="1" noTextEdit="1"/>
-              </p:cNvSpPr>
-              <p:nvPr/>
-            </p:nvSpPr>
-            <p:spPr>
-              <a:xfrm>
-                <a:off x="2106486" y="1558836"/>
-                <a:ext cx="1224374" cy="369332"/>
-              </a:xfrm>
-              <a:prstGeom prst="rect">
-                <a:avLst/>
-              </a:prstGeom>
-              <a:blipFill rotWithShape="0">
-                <a:blip r:embed="rId4"/>
-                <a:stretch>
-                  <a:fillRect b="-6667"/>
-                </a:stretch>
-              </a:blipFill>
-            </p:spPr>
-            <p:txBody>
-              <a:bodyPr/>
-              <a:lstStyle/>
-              <a:p>
-                <a:r>
-                  <a:rPr lang="pt-BR">
-                    <a:noFill/>
-                  </a:rPr>
-                  <a:t> </a:t>
-                </a:r>
-              </a:p>
-            </p:txBody>
-          </p:sp>
-        </mc:Fallback>
-      </mc:AlternateContent>
-      <p:cxnSp>
-        <p:nvCxnSpPr>
-          <p:cNvPr id="11" name="Curved Connector 10"/>
-          <p:cNvCxnSpPr>
-            <a:endCxn id="8" idx="2"/>
-          </p:cNvCxnSpPr>
-          <p:nvPr/>
-        </p:nvCxnSpPr>
-        <p:spPr>
-          <a:xfrm rot="5400000" flipH="1" flipV="1">
-            <a:off x="1408194" y="2122347"/>
-            <a:ext cx="1504657" cy="1116301"/>
-          </a:xfrm>
-          <a:prstGeom prst="curvedConnector3">
-            <a:avLst/>
-          </a:prstGeom>
-          <a:ln>
-            <a:solidFill>
-              <a:schemeClr val="tx1"/>
-            </a:solidFill>
-            <a:tailEnd type="triangle"/>
-          </a:ln>
-        </p:spPr>
-        <p:style>
-          <a:lnRef idx="1">
-            <a:schemeClr val="accent1"/>
-          </a:lnRef>
-          <a:fillRef idx="0">
-            <a:schemeClr val="accent1"/>
-          </a:fillRef>
-          <a:effectRef idx="0">
-            <a:schemeClr val="accent1"/>
-          </a:effectRef>
-          <a:fontRef idx="minor">
-            <a:schemeClr val="tx1"/>
-          </a:fontRef>
-        </p:style>
-      </p:cxnSp>
-      <mc:AlternateContent xmlns:mc="http://schemas.openxmlformats.org/markup-compatibility/2006" xmlns:a14="http://schemas.microsoft.com/office/drawing/2010/main">
-        <mc:Choice Requires="a14">
-          <p:sp>
-            <p:nvSpPr>
-              <p:cNvPr id="12" name="TextBox 11"/>
-              <p:cNvSpPr txBox="1"/>
-              <p:nvPr/>
-            </p:nvSpPr>
-            <p:spPr>
-              <a:xfrm>
-                <a:off x="5343529" y="2058091"/>
-                <a:ext cx="6848472" cy="3139321"/>
-              </a:xfrm>
-              <a:prstGeom prst="rect">
-                <a:avLst/>
-              </a:prstGeom>
-              <a:noFill/>
-            </p:spPr>
-            <p:txBody>
-              <a:bodyPr wrap="square" rtlCol="0">
-                <a:spAutoFit/>
+              <a:bodyPr>
+                <a:normAutofit fontScale="92500" lnSpcReduction="20000"/>
               </a:bodyPr>
               <a:lstStyle/>
               <a:p>
@@ -3952,7 +4251,7 @@
                   <a:buChar char="•"/>
                 </a:pPr>
                 <a:r>
-                  <a:rPr lang="pt-BR" dirty="0" smtClean="0"/>
+                  <a:rPr lang="pt-BR" dirty="0"/>
                   <a:t>Encontramos os pesos de </a:t>
                 </a:r>
                 <a14:m>
@@ -4003,7 +4302,7 @@
                   </m:oMath>
                 </a14:m>
                 <a:r>
-                  <a:rPr lang="pt-BR" dirty="0" smtClean="0"/>
+                  <a:rPr lang="pt-BR" dirty="0"/>
                   <a:t> primeiro, pois ela separa a classe 0 perfeitamente das outras duas (1 e 2).</a:t>
                 </a:r>
               </a:p>
@@ -4013,20 +4312,22 @@
                   <a:buChar char="•"/>
                 </a:pPr>
                 <a:r>
-                  <a:rPr lang="pt-BR" dirty="0" smtClean="0"/>
+                  <a:rPr lang="pt-BR" dirty="0"/>
                   <a:t>A </a:t>
                 </a:r>
                 <a:r>
-                  <a:rPr lang="pt-BR" b="1" i="1" dirty="0" smtClean="0"/>
+                  <a:rPr lang="pt-BR" b="1" i="1" dirty="0"/>
                   <a:t>função discriminante </a:t>
                 </a:r>
                 <a:r>
-                  <a:rPr lang="pt-BR" dirty="0" smtClean="0"/>
+                  <a:rPr lang="pt-BR" dirty="0"/>
                   <a:t>que representa esta reta é definida como</a:t>
                 </a:r>
               </a:p>
               <a:p>
-                <a:pPr/>
+                <a:pPr marL="457200" lvl="1" indent="0">
+                  <a:buNone/>
+                </a:pPr>
                 <a14:m>
                   <m:oMathPara xmlns:m="http://schemas.openxmlformats.org/officeDocument/2006/math">
                     <m:oMathParaPr>
@@ -4221,7 +4522,7 @@
                     </m:oMath>
                   </m:oMathPara>
                 </a14:m>
-                <a:endParaRPr lang="pt-BR" dirty="0" smtClean="0"/>
+                <a:endParaRPr lang="pt-BR" dirty="0"/>
               </a:p>
               <a:p>
                 <a:pPr marL="285750" indent="-285750">
@@ -4229,7 +4530,7 @@
                   <a:buChar char="•"/>
                 </a:pPr>
                 <a:r>
-                  <a:rPr lang="pt-BR" dirty="0" smtClean="0"/>
+                  <a:rPr lang="pt-BR" dirty="0"/>
                   <a:t>Temos 3 incógnitas e 3 equações:</a:t>
                 </a:r>
               </a:p>
@@ -4243,7 +4544,7 @@
                     <m:sSub>
                       <m:sSubPr>
                         <m:ctrlPr>
-                          <a:rPr lang="pt-BR" i="1">
+                          <a:rPr lang="pt-BR" sz="1700" i="1">
                             <a:latin typeface="Cambria Math" panose="02040503050406030204" pitchFamily="18" charset="0"/>
                           </a:rPr>
                         </m:ctrlPr>
@@ -4252,7 +4553,7 @@
                         <m:d>
                           <m:dPr>
                             <m:ctrlPr>
-                              <a:rPr lang="pt-BR" b="0" i="1" smtClean="0">
+                              <a:rPr lang="pt-BR" sz="1700" b="0" i="1" smtClean="0">
                                 <a:latin typeface="Cambria Math" panose="02040503050406030204" pitchFamily="18" charset="0"/>
                               </a:rPr>
                             </m:ctrlPr>
@@ -4261,14 +4562,14 @@
                             <m:sSub>
                               <m:sSubPr>
                                 <m:ctrlPr>
-                                  <a:rPr lang="pt-BR" i="1">
+                                  <a:rPr lang="pt-BR" sz="1700" i="1">
                                     <a:latin typeface="Cambria Math" panose="02040503050406030204" pitchFamily="18" charset="0"/>
                                   </a:rPr>
                                 </m:ctrlPr>
                               </m:sSubPr>
                               <m:e>
                                 <m:r>
-                                  <a:rPr lang="pt-BR" i="1">
+                                  <a:rPr lang="pt-BR" sz="1700" i="1">
                                     <a:latin typeface="Cambria Math" panose="02040503050406030204" pitchFamily="18" charset="0"/>
                                   </a:rPr>
                                   <m:t>𝑥</m:t>
@@ -4276,7 +4577,7 @@
                               </m:e>
                               <m:sub>
                                 <m:r>
-                                  <a:rPr lang="pt-BR" i="1">
+                                  <a:rPr lang="pt-BR" sz="1700" i="1">
                                     <a:latin typeface="Cambria Math" panose="02040503050406030204" pitchFamily="18" charset="0"/>
                                   </a:rPr>
                                   <m:t>1</m:t>
@@ -4284,7 +4585,7 @@
                               </m:sub>
                             </m:sSub>
                             <m:r>
-                              <a:rPr lang="pt-BR" b="0" i="1" smtClean="0">
+                              <a:rPr lang="pt-BR" sz="1700" b="0" i="1" smtClean="0">
                                 <a:latin typeface="Cambria Math" panose="02040503050406030204" pitchFamily="18" charset="0"/>
                               </a:rPr>
                               <m:t>=0,</m:t>
@@ -4292,14 +4593,14 @@
                             <m:sSub>
                               <m:sSubPr>
                                 <m:ctrlPr>
-                                  <a:rPr lang="pt-BR" i="1">
+                                  <a:rPr lang="pt-BR" sz="1700" i="1">
                                     <a:latin typeface="Cambria Math" panose="02040503050406030204" pitchFamily="18" charset="0"/>
                                   </a:rPr>
                                 </m:ctrlPr>
                               </m:sSubPr>
                               <m:e>
                                 <m:r>
-                                  <a:rPr lang="pt-BR" i="1">
+                                  <a:rPr lang="pt-BR" sz="1700" i="1">
                                     <a:latin typeface="Cambria Math" panose="02040503050406030204" pitchFamily="18" charset="0"/>
                                   </a:rPr>
                                   <m:t>𝑥</m:t>
@@ -4307,7 +4608,7 @@
                               </m:e>
                               <m:sub>
                                 <m:r>
-                                  <a:rPr lang="pt-BR" b="0" i="1" smtClean="0">
+                                  <a:rPr lang="pt-BR" sz="1700" b="0" i="1" smtClean="0">
                                     <a:latin typeface="Cambria Math" panose="02040503050406030204" pitchFamily="18" charset="0"/>
                                   </a:rPr>
                                   <m:t>2</m:t>
@@ -4315,7 +4616,7 @@
                               </m:sub>
                             </m:sSub>
                             <m:r>
-                              <a:rPr lang="pt-BR" b="0" i="1" smtClean="0">
+                              <a:rPr lang="pt-BR" sz="1700" b="0" i="1" smtClean="0">
                                 <a:latin typeface="Cambria Math" panose="02040503050406030204" pitchFamily="18" charset="0"/>
                               </a:rPr>
                               <m:t>=3</m:t>
@@ -4323,20 +4624,20 @@
                           </m:e>
                         </m:d>
                         <m:r>
-                          <a:rPr lang="pt-BR" b="0" i="1" smtClean="0">
+                          <a:rPr lang="pt-BR" sz="1700" b="0" i="1" smtClean="0">
                             <a:latin typeface="Cambria Math" panose="02040503050406030204" pitchFamily="18" charset="0"/>
                             <a:ea typeface="Cambria Math" panose="02040503050406030204" pitchFamily="18" charset="0"/>
                           </a:rPr>
                           <m:t>→</m:t>
                         </m:r>
                         <m:r>
-                          <a:rPr lang="pt-BR" b="0" i="1" smtClean="0">
+                          <a:rPr lang="pt-BR" sz="1700" b="0" i="1" smtClean="0">
                             <a:latin typeface="Cambria Math" panose="02040503050406030204" pitchFamily="18" charset="0"/>
                           </a:rPr>
                           <m:t>0=</m:t>
                         </m:r>
                         <m:r>
-                          <a:rPr lang="pt-BR" i="1">
+                          <a:rPr lang="pt-BR" sz="1700" i="1">
                             <a:latin typeface="Cambria Math" panose="02040503050406030204" pitchFamily="18" charset="0"/>
                           </a:rPr>
                           <m:t>𝑎</m:t>
@@ -4344,7 +4645,7 @@
                       </m:e>
                       <m:sub>
                         <m:r>
-                          <a:rPr lang="pt-BR" i="1">
+                          <a:rPr lang="pt-BR" sz="1700" i="1">
                             <a:latin typeface="Cambria Math" panose="02040503050406030204" pitchFamily="18" charset="0"/>
                           </a:rPr>
                           <m:t>0</m:t>
@@ -4352,7 +4653,7 @@
                       </m:sub>
                     </m:sSub>
                     <m:r>
-                      <a:rPr lang="pt-BR" i="1">
+                      <a:rPr lang="pt-BR" sz="1700" i="1">
                         <a:latin typeface="Cambria Math" panose="02040503050406030204" pitchFamily="18" charset="0"/>
                       </a:rPr>
                       <m:t>+</m:t>
@@ -4360,20 +4661,20 @@
                     <m:sSub>
                       <m:sSubPr>
                         <m:ctrlPr>
-                          <a:rPr lang="pt-BR" i="1">
+                          <a:rPr lang="pt-BR" sz="1700" i="1">
                             <a:latin typeface="Cambria Math" panose="02040503050406030204" pitchFamily="18" charset="0"/>
                           </a:rPr>
                         </m:ctrlPr>
                       </m:sSubPr>
                       <m:e>
                         <m:r>
-                          <a:rPr lang="pt-BR" b="0" i="1" smtClean="0">
+                          <a:rPr lang="pt-BR" sz="1700" b="0" i="1" smtClean="0">
                             <a:latin typeface="Cambria Math" panose="02040503050406030204" pitchFamily="18" charset="0"/>
                           </a:rPr>
                           <m:t>3</m:t>
                         </m:r>
                         <m:r>
-                          <a:rPr lang="pt-BR" i="1">
+                          <a:rPr lang="pt-BR" sz="1700" i="1">
                             <a:latin typeface="Cambria Math" panose="02040503050406030204" pitchFamily="18" charset="0"/>
                           </a:rPr>
                           <m:t>𝑎</m:t>
@@ -4381,7 +4682,7 @@
                       </m:e>
                       <m:sub>
                         <m:r>
-                          <a:rPr lang="pt-BR" i="1">
+                          <a:rPr lang="pt-BR" sz="1700" i="1">
                             <a:latin typeface="Cambria Math" panose="02040503050406030204" pitchFamily="18" charset="0"/>
                           </a:rPr>
                           <m:t>2</m:t>
@@ -4389,7 +4690,7 @@
                       </m:sub>
                     </m:sSub>
                     <m:r>
-                      <a:rPr lang="pt-BR" i="1">
+                      <a:rPr lang="pt-BR" sz="1700" i="1">
                         <a:latin typeface="Cambria Math" panose="02040503050406030204" pitchFamily="18" charset="0"/>
                         <a:ea typeface="Cambria Math" panose="02040503050406030204" pitchFamily="18" charset="0"/>
                       </a:rPr>
@@ -4398,14 +4699,14 @@
                     <m:sSub>
                       <m:sSubPr>
                         <m:ctrlPr>
-                          <a:rPr lang="pt-BR" i="1">
+                          <a:rPr lang="pt-BR" sz="1700" i="1">
                             <a:latin typeface="Cambria Math" panose="02040503050406030204" pitchFamily="18" charset="0"/>
                           </a:rPr>
                         </m:ctrlPr>
                       </m:sSubPr>
                       <m:e>
                         <m:r>
-                          <a:rPr lang="pt-BR" i="1">
+                          <a:rPr lang="pt-BR" sz="1700" i="1">
                             <a:latin typeface="Cambria Math" panose="02040503050406030204" pitchFamily="18" charset="0"/>
                           </a:rPr>
                           <m:t>𝑎</m:t>
@@ -4413,7 +4714,7 @@
                       </m:e>
                       <m:sub>
                         <m:r>
-                          <a:rPr lang="pt-BR" b="0" i="1" smtClean="0">
+                          <a:rPr lang="pt-BR" sz="1700" b="0" i="1" smtClean="0">
                             <a:latin typeface="Cambria Math" panose="02040503050406030204" pitchFamily="18" charset="0"/>
                           </a:rPr>
                           <m:t>0</m:t>
@@ -4421,7 +4722,7 @@
                       </m:sub>
                     </m:sSub>
                     <m:r>
-                      <a:rPr lang="pt-BR" b="0" i="1" smtClean="0">
+                      <a:rPr lang="pt-BR" sz="1700" b="0" i="1" smtClean="0">
                         <a:latin typeface="Cambria Math" panose="02040503050406030204" pitchFamily="18" charset="0"/>
                       </a:rPr>
                       <m:t>=−3</m:t>
@@ -4429,14 +4730,14 @@
                     <m:sSub>
                       <m:sSubPr>
                         <m:ctrlPr>
-                          <a:rPr lang="pt-BR" i="1">
+                          <a:rPr lang="pt-BR" sz="1700" i="1">
                             <a:latin typeface="Cambria Math" panose="02040503050406030204" pitchFamily="18" charset="0"/>
                           </a:rPr>
                         </m:ctrlPr>
                       </m:sSubPr>
                       <m:e>
                         <m:r>
-                          <a:rPr lang="pt-BR" i="1">
+                          <a:rPr lang="pt-BR" sz="1700" i="1">
                             <a:latin typeface="Cambria Math" panose="02040503050406030204" pitchFamily="18" charset="0"/>
                           </a:rPr>
                           <m:t>𝑎</m:t>
@@ -4444,7 +4745,7 @@
                       </m:e>
                       <m:sub>
                         <m:r>
-                          <a:rPr lang="pt-BR" i="1">
+                          <a:rPr lang="pt-BR" sz="1700" i="1">
                             <a:latin typeface="Cambria Math" panose="02040503050406030204" pitchFamily="18" charset="0"/>
                           </a:rPr>
                           <m:t>2</m:t>
@@ -4453,7 +4754,7 @@
                     </m:sSub>
                   </m:oMath>
                 </a14:m>
-                <a:endParaRPr lang="pt-BR" i="1" dirty="0" smtClean="0">
+                <a:endParaRPr lang="pt-BR" sz="1700" i="1" dirty="0">
                   <a:latin typeface="Cambria Math" panose="02040503050406030204" pitchFamily="18" charset="0"/>
                 </a:endParaRPr>
               </a:p>
@@ -4467,7 +4768,7 @@
                     <m:sSub>
                       <m:sSubPr>
                         <m:ctrlPr>
-                          <a:rPr lang="pt-BR" i="1">
+                          <a:rPr lang="pt-BR" sz="1700" i="1">
                             <a:latin typeface="Cambria Math" panose="02040503050406030204" pitchFamily="18" charset="0"/>
                           </a:rPr>
                         </m:ctrlPr>
@@ -4476,7 +4777,7 @@
                         <m:d>
                           <m:dPr>
                             <m:ctrlPr>
-                              <a:rPr lang="pt-BR" b="0" i="1" smtClean="0">
+                              <a:rPr lang="pt-BR" sz="1700" b="0" i="1" smtClean="0">
                                 <a:latin typeface="Cambria Math" panose="02040503050406030204" pitchFamily="18" charset="0"/>
                               </a:rPr>
                             </m:ctrlPr>
@@ -4485,14 +4786,14 @@
                             <m:sSub>
                               <m:sSubPr>
                                 <m:ctrlPr>
-                                  <a:rPr lang="pt-BR" i="1">
+                                  <a:rPr lang="pt-BR" sz="1700" i="1">
                                     <a:latin typeface="Cambria Math" panose="02040503050406030204" pitchFamily="18" charset="0"/>
                                   </a:rPr>
                                 </m:ctrlPr>
                               </m:sSubPr>
                               <m:e>
                                 <m:r>
-                                  <a:rPr lang="pt-BR" i="1">
+                                  <a:rPr lang="pt-BR" sz="1700" i="1">
                                     <a:latin typeface="Cambria Math" panose="02040503050406030204" pitchFamily="18" charset="0"/>
                                   </a:rPr>
                                   <m:t>𝑥</m:t>
@@ -4500,7 +4801,7 @@
                               </m:e>
                               <m:sub>
                                 <m:r>
-                                  <a:rPr lang="pt-BR" i="1">
+                                  <a:rPr lang="pt-BR" sz="1700" i="1">
                                     <a:latin typeface="Cambria Math" panose="02040503050406030204" pitchFamily="18" charset="0"/>
                                   </a:rPr>
                                   <m:t>1</m:t>
@@ -4508,19 +4809,19 @@
                               </m:sub>
                             </m:sSub>
                             <m:r>
-                              <a:rPr lang="pt-BR" i="1">
+                              <a:rPr lang="pt-BR" sz="1700" i="1">
                                 <a:latin typeface="Cambria Math" panose="02040503050406030204" pitchFamily="18" charset="0"/>
                               </a:rPr>
                               <m:t>=</m:t>
                             </m:r>
                             <m:r>
-                              <a:rPr lang="pt-BR" b="0" i="1" smtClean="0">
+                              <a:rPr lang="pt-BR" sz="1700" b="0" i="1" smtClean="0">
                                 <a:latin typeface="Cambria Math" panose="02040503050406030204" pitchFamily="18" charset="0"/>
                               </a:rPr>
                               <m:t>1</m:t>
                             </m:r>
                             <m:r>
-                              <a:rPr lang="pt-BR" i="1">
+                              <a:rPr lang="pt-BR" sz="1700" i="1">
                                 <a:latin typeface="Cambria Math" panose="02040503050406030204" pitchFamily="18" charset="0"/>
                               </a:rPr>
                               <m:t>,</m:t>
@@ -4528,14 +4829,14 @@
                             <m:sSub>
                               <m:sSubPr>
                                 <m:ctrlPr>
-                                  <a:rPr lang="pt-BR" i="1">
+                                  <a:rPr lang="pt-BR" sz="1700" i="1">
                                     <a:latin typeface="Cambria Math" panose="02040503050406030204" pitchFamily="18" charset="0"/>
                                   </a:rPr>
                                 </m:ctrlPr>
                               </m:sSubPr>
                               <m:e>
                                 <m:r>
-                                  <a:rPr lang="pt-BR" i="1">
+                                  <a:rPr lang="pt-BR" sz="1700" i="1">
                                     <a:latin typeface="Cambria Math" panose="02040503050406030204" pitchFamily="18" charset="0"/>
                                   </a:rPr>
                                   <m:t>𝑥</m:t>
@@ -4543,7 +4844,7 @@
                               </m:e>
                               <m:sub>
                                 <m:r>
-                                  <a:rPr lang="pt-BR" i="1">
+                                  <a:rPr lang="pt-BR" sz="1700" i="1">
                                     <a:latin typeface="Cambria Math" panose="02040503050406030204" pitchFamily="18" charset="0"/>
                                   </a:rPr>
                                   <m:t>2</m:t>
@@ -4551,13 +4852,13 @@
                               </m:sub>
                             </m:sSub>
                             <m:r>
-                              <a:rPr lang="pt-BR" i="1">
+                              <a:rPr lang="pt-BR" sz="1700" i="1">
                                 <a:latin typeface="Cambria Math" panose="02040503050406030204" pitchFamily="18" charset="0"/>
                               </a:rPr>
                               <m:t>=</m:t>
                             </m:r>
                             <m:r>
-                              <a:rPr lang="pt-BR" b="0" i="1" smtClean="0">
+                              <a:rPr lang="pt-BR" sz="1700" b="0" i="1" smtClean="0">
                                 <a:latin typeface="Cambria Math" panose="02040503050406030204" pitchFamily="18" charset="0"/>
                               </a:rPr>
                               <m:t>2</m:t>
@@ -4565,20 +4866,20 @@
                           </m:e>
                         </m:d>
                         <m:r>
-                          <a:rPr lang="pt-BR" i="1">
+                          <a:rPr lang="pt-BR" sz="1700" i="1">
                             <a:latin typeface="Cambria Math" panose="02040503050406030204" pitchFamily="18" charset="0"/>
                             <a:ea typeface="Cambria Math" panose="02040503050406030204" pitchFamily="18" charset="0"/>
                           </a:rPr>
                           <m:t>→</m:t>
                         </m:r>
                         <m:r>
-                          <a:rPr lang="pt-BR" b="0" i="1" smtClean="0">
+                          <a:rPr lang="pt-BR" sz="1700" b="0" i="1" smtClean="0">
                             <a:latin typeface="Cambria Math" panose="02040503050406030204" pitchFamily="18" charset="0"/>
                           </a:rPr>
                           <m:t>0=</m:t>
                         </m:r>
                         <m:r>
-                          <a:rPr lang="pt-BR" i="1">
+                          <a:rPr lang="pt-BR" sz="1700" i="1">
                             <a:latin typeface="Cambria Math" panose="02040503050406030204" pitchFamily="18" charset="0"/>
                           </a:rPr>
                           <m:t>𝑎</m:t>
@@ -4586,7 +4887,7 @@
                       </m:e>
                       <m:sub>
                         <m:r>
-                          <a:rPr lang="pt-BR" i="1">
+                          <a:rPr lang="pt-BR" sz="1700" i="1">
                             <a:latin typeface="Cambria Math" panose="02040503050406030204" pitchFamily="18" charset="0"/>
                           </a:rPr>
                           <m:t>0</m:t>
@@ -4594,7 +4895,7 @@
                       </m:sub>
                     </m:sSub>
                     <m:r>
-                      <a:rPr lang="pt-BR" i="1">
+                      <a:rPr lang="pt-BR" sz="1700" i="1">
                         <a:latin typeface="Cambria Math" panose="02040503050406030204" pitchFamily="18" charset="0"/>
                       </a:rPr>
                       <m:t>+</m:t>
@@ -4602,14 +4903,14 @@
                     <m:sSub>
                       <m:sSubPr>
                         <m:ctrlPr>
-                          <a:rPr lang="pt-BR" i="1">
+                          <a:rPr lang="pt-BR" sz="1700" i="1">
                             <a:latin typeface="Cambria Math" panose="02040503050406030204" pitchFamily="18" charset="0"/>
                           </a:rPr>
                         </m:ctrlPr>
                       </m:sSubPr>
                       <m:e>
                         <m:r>
-                          <a:rPr lang="pt-BR" i="1">
+                          <a:rPr lang="pt-BR" sz="1700" i="1">
                             <a:latin typeface="Cambria Math" panose="02040503050406030204" pitchFamily="18" charset="0"/>
                           </a:rPr>
                           <m:t>𝑎</m:t>
@@ -4617,7 +4918,7 @@
                       </m:e>
                       <m:sub>
                         <m:r>
-                          <a:rPr lang="pt-BR" i="1">
+                          <a:rPr lang="pt-BR" sz="1700" i="1">
                             <a:latin typeface="Cambria Math" panose="02040503050406030204" pitchFamily="18" charset="0"/>
                           </a:rPr>
                           <m:t>1</m:t>
@@ -4625,7 +4926,7 @@
                       </m:sub>
                     </m:sSub>
                     <m:r>
-                      <a:rPr lang="pt-BR" i="1">
+                      <a:rPr lang="pt-BR" sz="1700" i="1">
                         <a:latin typeface="Cambria Math" panose="02040503050406030204" pitchFamily="18" charset="0"/>
                       </a:rPr>
                       <m:t>+</m:t>
@@ -4633,20 +4934,20 @@
                     <m:sSub>
                       <m:sSubPr>
                         <m:ctrlPr>
-                          <a:rPr lang="pt-BR" i="1">
+                          <a:rPr lang="pt-BR" sz="1700" i="1">
                             <a:latin typeface="Cambria Math" panose="02040503050406030204" pitchFamily="18" charset="0"/>
                           </a:rPr>
                         </m:ctrlPr>
                       </m:sSubPr>
                       <m:e>
                         <m:r>
-                          <a:rPr lang="pt-BR" b="0" i="1" smtClean="0">
+                          <a:rPr lang="pt-BR" sz="1700" b="0" i="1" smtClean="0">
                             <a:latin typeface="Cambria Math" panose="02040503050406030204" pitchFamily="18" charset="0"/>
                           </a:rPr>
                           <m:t>2</m:t>
                         </m:r>
                         <m:r>
-                          <a:rPr lang="pt-BR" i="1">
+                          <a:rPr lang="pt-BR" sz="1700" i="1">
                             <a:latin typeface="Cambria Math" panose="02040503050406030204" pitchFamily="18" charset="0"/>
                           </a:rPr>
                           <m:t>𝑎</m:t>
@@ -4654,7 +4955,7 @@
                       </m:e>
                       <m:sub>
                         <m:r>
-                          <a:rPr lang="pt-BR" i="1">
+                          <a:rPr lang="pt-BR" sz="1700" i="1">
                             <a:latin typeface="Cambria Math" panose="02040503050406030204" pitchFamily="18" charset="0"/>
                           </a:rPr>
                           <m:t>2</m:t>
@@ -4662,7 +4963,7 @@
                       </m:sub>
                     </m:sSub>
                     <m:r>
-                      <a:rPr lang="pt-BR" i="1">
+                      <a:rPr lang="pt-BR" sz="1700" i="1">
                         <a:latin typeface="Cambria Math" panose="02040503050406030204" pitchFamily="18" charset="0"/>
                         <a:ea typeface="Cambria Math" panose="02040503050406030204" pitchFamily="18" charset="0"/>
                       </a:rPr>
@@ -4671,14 +4972,14 @@
                     <m:sSub>
                       <m:sSubPr>
                         <m:ctrlPr>
-                          <a:rPr lang="pt-BR" i="1">
+                          <a:rPr lang="pt-BR" sz="1700" i="1">
                             <a:latin typeface="Cambria Math" panose="02040503050406030204" pitchFamily="18" charset="0"/>
                           </a:rPr>
                         </m:ctrlPr>
                       </m:sSubPr>
                       <m:e>
                         <m:r>
-                          <a:rPr lang="pt-BR" i="1">
+                          <a:rPr lang="pt-BR" sz="1700" i="1">
                             <a:latin typeface="Cambria Math" panose="02040503050406030204" pitchFamily="18" charset="0"/>
                           </a:rPr>
                           <m:t>𝑎</m:t>
@@ -4686,7 +4987,7 @@
                       </m:e>
                       <m:sub>
                         <m:r>
-                          <a:rPr lang="pt-BR" i="1">
+                          <a:rPr lang="pt-BR" sz="1700" i="1">
                             <a:latin typeface="Cambria Math" panose="02040503050406030204" pitchFamily="18" charset="0"/>
                           </a:rPr>
                           <m:t>1</m:t>
@@ -4694,7 +4995,7 @@
                       </m:sub>
                     </m:sSub>
                     <m:r>
-                      <a:rPr lang="pt-BR" b="0" i="1" smtClean="0">
+                      <a:rPr lang="pt-BR" sz="1700" b="0" i="1" smtClean="0">
                         <a:latin typeface="Cambria Math" panose="02040503050406030204" pitchFamily="18" charset="0"/>
                       </a:rPr>
                       <m:t>=−</m:t>
@@ -4702,7 +5003,7 @@
                     <m:d>
                       <m:dPr>
                         <m:ctrlPr>
-                          <a:rPr lang="pt-BR" b="0" i="1" smtClean="0">
+                          <a:rPr lang="pt-BR" sz="1700" b="0" i="1" smtClean="0">
                             <a:latin typeface="Cambria Math" panose="02040503050406030204" pitchFamily="18" charset="0"/>
                           </a:rPr>
                         </m:ctrlPr>
@@ -4711,14 +5012,14 @@
                         <m:sSub>
                           <m:sSubPr>
                             <m:ctrlPr>
-                              <a:rPr lang="pt-BR" i="1">
+                              <a:rPr lang="pt-BR" sz="1700" i="1">
                                 <a:latin typeface="Cambria Math" panose="02040503050406030204" pitchFamily="18" charset="0"/>
                               </a:rPr>
                             </m:ctrlPr>
                           </m:sSubPr>
                           <m:e>
                             <m:r>
-                              <a:rPr lang="pt-BR" i="1">
+                              <a:rPr lang="pt-BR" sz="1700" i="1">
                                 <a:latin typeface="Cambria Math" panose="02040503050406030204" pitchFamily="18" charset="0"/>
                               </a:rPr>
                               <m:t>𝑎</m:t>
@@ -4726,7 +5027,7 @@
                           </m:e>
                           <m:sub>
                             <m:r>
-                              <a:rPr lang="pt-BR" b="0" i="1" smtClean="0">
+                              <a:rPr lang="pt-BR" sz="1700" b="0" i="1" smtClean="0">
                                 <a:latin typeface="Cambria Math" panose="02040503050406030204" pitchFamily="18" charset="0"/>
                               </a:rPr>
                               <m:t>0</m:t>
@@ -4734,7 +5035,7 @@
                           </m:sub>
                         </m:sSub>
                         <m:r>
-                          <a:rPr lang="pt-BR" b="0" i="1" smtClean="0">
+                          <a:rPr lang="pt-BR" sz="1700" b="0" i="1" smtClean="0">
                             <a:latin typeface="Cambria Math" panose="02040503050406030204" pitchFamily="18" charset="0"/>
                           </a:rPr>
                           <m:t>+</m:t>
@@ -4742,20 +5043,20 @@
                         <m:sSub>
                           <m:sSubPr>
                             <m:ctrlPr>
-                              <a:rPr lang="pt-BR" i="1">
+                              <a:rPr lang="pt-BR" sz="1700" i="1">
                                 <a:latin typeface="Cambria Math" panose="02040503050406030204" pitchFamily="18" charset="0"/>
                               </a:rPr>
                             </m:ctrlPr>
                           </m:sSubPr>
                           <m:e>
                             <m:r>
-                              <a:rPr lang="pt-BR" i="1">
+                              <a:rPr lang="pt-BR" sz="1700" i="1">
                                 <a:latin typeface="Cambria Math" panose="02040503050406030204" pitchFamily="18" charset="0"/>
                               </a:rPr>
                               <m:t>2</m:t>
                             </m:r>
                             <m:r>
-                              <a:rPr lang="pt-BR" i="1">
+                              <a:rPr lang="pt-BR" sz="1700" i="1">
                                 <a:latin typeface="Cambria Math" panose="02040503050406030204" pitchFamily="18" charset="0"/>
                               </a:rPr>
                               <m:t>𝑎</m:t>
@@ -4763,7 +5064,7 @@
                           </m:e>
                           <m:sub>
                             <m:r>
-                              <a:rPr lang="pt-BR" i="1">
+                              <a:rPr lang="pt-BR" sz="1700" i="1">
                                 <a:latin typeface="Cambria Math" panose="02040503050406030204" pitchFamily="18" charset="0"/>
                               </a:rPr>
                               <m:t>2</m:t>
@@ -4774,7 +5075,7 @@
                     </m:d>
                   </m:oMath>
                 </a14:m>
-                <a:endParaRPr lang="pt-BR" i="1" dirty="0" smtClean="0">
+                <a:endParaRPr lang="pt-BR" sz="1700" i="1" dirty="0">
                   <a:latin typeface="Cambria Math" panose="02040503050406030204" pitchFamily="18" charset="0"/>
                 </a:endParaRPr>
               </a:p>
@@ -4788,7 +5089,7 @@
                     <m:sSub>
                       <m:sSubPr>
                         <m:ctrlPr>
-                          <a:rPr lang="pt-BR" i="1">
+                          <a:rPr lang="pt-BR" sz="1700" i="1">
                             <a:latin typeface="Cambria Math" panose="02040503050406030204" pitchFamily="18" charset="0"/>
                           </a:rPr>
                         </m:ctrlPr>
@@ -4797,7 +5098,7 @@
                         <m:d>
                           <m:dPr>
                             <m:ctrlPr>
-                              <a:rPr lang="pt-BR" i="1">
+                              <a:rPr lang="pt-BR" sz="1700" i="1">
                                 <a:latin typeface="Cambria Math" panose="02040503050406030204" pitchFamily="18" charset="0"/>
                               </a:rPr>
                             </m:ctrlPr>
@@ -4806,14 +5107,14 @@
                             <m:sSub>
                               <m:sSubPr>
                                 <m:ctrlPr>
-                                  <a:rPr lang="pt-BR" i="1">
+                                  <a:rPr lang="pt-BR" sz="1700" i="1">
                                     <a:latin typeface="Cambria Math" panose="02040503050406030204" pitchFamily="18" charset="0"/>
                                   </a:rPr>
                                 </m:ctrlPr>
                               </m:sSubPr>
                               <m:e>
                                 <m:r>
-                                  <a:rPr lang="pt-BR" i="1">
+                                  <a:rPr lang="pt-BR" sz="1700" i="1">
                                     <a:latin typeface="Cambria Math" panose="02040503050406030204" pitchFamily="18" charset="0"/>
                                   </a:rPr>
                                   <m:t>𝑥</m:t>
@@ -4821,7 +5122,7 @@
                               </m:e>
                               <m:sub>
                                 <m:r>
-                                  <a:rPr lang="pt-BR" i="1">
+                                  <a:rPr lang="pt-BR" sz="1700" i="1">
                                     <a:latin typeface="Cambria Math" panose="02040503050406030204" pitchFamily="18" charset="0"/>
                                   </a:rPr>
                                   <m:t>1</m:t>
@@ -4829,19 +5130,19 @@
                               </m:sub>
                             </m:sSub>
                             <m:r>
-                              <a:rPr lang="pt-BR" i="1">
+                              <a:rPr lang="pt-BR" sz="1700" i="1">
                                 <a:latin typeface="Cambria Math" panose="02040503050406030204" pitchFamily="18" charset="0"/>
                               </a:rPr>
                               <m:t>=</m:t>
                             </m:r>
                             <m:r>
-                              <a:rPr lang="pt-BR" b="0" i="1" smtClean="0">
+                              <a:rPr lang="pt-BR" sz="1700" b="0" i="1" smtClean="0">
                                 <a:latin typeface="Cambria Math" panose="02040503050406030204" pitchFamily="18" charset="0"/>
                               </a:rPr>
                               <m:t>2</m:t>
                             </m:r>
                             <m:r>
-                              <a:rPr lang="pt-BR" i="1">
+                              <a:rPr lang="pt-BR" sz="1700" i="1">
                                 <a:latin typeface="Cambria Math" panose="02040503050406030204" pitchFamily="18" charset="0"/>
                               </a:rPr>
                               <m:t>,</m:t>
@@ -4849,14 +5150,14 @@
                             <m:sSub>
                               <m:sSubPr>
                                 <m:ctrlPr>
-                                  <a:rPr lang="pt-BR" i="1">
+                                  <a:rPr lang="pt-BR" sz="1700" i="1">
                                     <a:latin typeface="Cambria Math" panose="02040503050406030204" pitchFamily="18" charset="0"/>
                                   </a:rPr>
                                 </m:ctrlPr>
                               </m:sSubPr>
                               <m:e>
                                 <m:r>
-                                  <a:rPr lang="pt-BR" i="1">
+                                  <a:rPr lang="pt-BR" sz="1700" i="1">
                                     <a:latin typeface="Cambria Math" panose="02040503050406030204" pitchFamily="18" charset="0"/>
                                   </a:rPr>
                                   <m:t>𝑥</m:t>
@@ -4864,7 +5165,7 @@
                               </m:e>
                               <m:sub>
                                 <m:r>
-                                  <a:rPr lang="pt-BR" i="1">
+                                  <a:rPr lang="pt-BR" sz="1700" i="1">
                                     <a:latin typeface="Cambria Math" panose="02040503050406030204" pitchFamily="18" charset="0"/>
                                   </a:rPr>
                                   <m:t>2</m:t>
@@ -4872,13 +5173,13 @@
                               </m:sub>
                             </m:sSub>
                             <m:r>
-                              <a:rPr lang="pt-BR" i="1">
+                              <a:rPr lang="pt-BR" sz="1700" i="1">
                                 <a:latin typeface="Cambria Math" panose="02040503050406030204" pitchFamily="18" charset="0"/>
                               </a:rPr>
                               <m:t>=</m:t>
                             </m:r>
                             <m:r>
-                              <a:rPr lang="pt-BR" b="0" i="1" smtClean="0">
+                              <a:rPr lang="pt-BR" sz="1700" b="0" i="1" smtClean="0">
                                 <a:latin typeface="Cambria Math" panose="02040503050406030204" pitchFamily="18" charset="0"/>
                               </a:rPr>
                               <m:t>1</m:t>
@@ -4886,20 +5187,20 @@
                           </m:e>
                         </m:d>
                         <m:r>
-                          <a:rPr lang="pt-BR" i="1">
+                          <a:rPr lang="pt-BR" sz="1700" i="1">
                             <a:latin typeface="Cambria Math" panose="02040503050406030204" pitchFamily="18" charset="0"/>
                             <a:ea typeface="Cambria Math" panose="02040503050406030204" pitchFamily="18" charset="0"/>
                           </a:rPr>
                           <m:t>→</m:t>
                         </m:r>
                         <m:r>
-                          <a:rPr lang="pt-BR" b="0" i="1" smtClean="0">
+                          <a:rPr lang="pt-BR" sz="1700" b="0" i="1" smtClean="0">
                             <a:latin typeface="Cambria Math" panose="02040503050406030204" pitchFamily="18" charset="0"/>
                           </a:rPr>
                           <m:t>0=</m:t>
                         </m:r>
                         <m:r>
-                          <a:rPr lang="pt-BR" i="1">
+                          <a:rPr lang="pt-BR" sz="1700" i="1">
                             <a:latin typeface="Cambria Math" panose="02040503050406030204" pitchFamily="18" charset="0"/>
                           </a:rPr>
                           <m:t>𝑎</m:t>
@@ -4907,7 +5208,7 @@
                       </m:e>
                       <m:sub>
                         <m:r>
-                          <a:rPr lang="pt-BR" i="1">
+                          <a:rPr lang="pt-BR" sz="1700" i="1">
                             <a:latin typeface="Cambria Math" panose="02040503050406030204" pitchFamily="18" charset="0"/>
                           </a:rPr>
                           <m:t>0</m:t>
@@ -4915,7 +5216,7 @@
                       </m:sub>
                     </m:sSub>
                     <m:r>
-                      <a:rPr lang="pt-BR" i="1">
+                      <a:rPr lang="pt-BR" sz="1700" i="1">
                         <a:latin typeface="Cambria Math" panose="02040503050406030204" pitchFamily="18" charset="0"/>
                       </a:rPr>
                       <m:t>+</m:t>
@@ -4923,20 +5224,20 @@
                     <m:sSub>
                       <m:sSubPr>
                         <m:ctrlPr>
-                          <a:rPr lang="pt-BR" i="1" smtClean="0">
+                          <a:rPr lang="pt-BR" sz="1700" i="1" smtClean="0">
                             <a:latin typeface="Cambria Math" panose="02040503050406030204" pitchFamily="18" charset="0"/>
                           </a:rPr>
                         </m:ctrlPr>
                       </m:sSubPr>
                       <m:e>
                         <m:r>
-                          <a:rPr lang="pt-BR" b="0" i="1" smtClean="0">
+                          <a:rPr lang="pt-BR" sz="1700" b="0" i="1" smtClean="0">
                             <a:latin typeface="Cambria Math" panose="02040503050406030204" pitchFamily="18" charset="0"/>
                           </a:rPr>
                           <m:t>2</m:t>
                         </m:r>
                         <m:r>
-                          <a:rPr lang="pt-BR" i="1">
+                          <a:rPr lang="pt-BR" sz="1700" i="1">
                             <a:latin typeface="Cambria Math" panose="02040503050406030204" pitchFamily="18" charset="0"/>
                           </a:rPr>
                           <m:t>𝑎</m:t>
@@ -4944,7 +5245,7 @@
                       </m:e>
                       <m:sub>
                         <m:r>
-                          <a:rPr lang="pt-BR" i="1">
+                          <a:rPr lang="pt-BR" sz="1700" i="1">
                             <a:latin typeface="Cambria Math" panose="02040503050406030204" pitchFamily="18" charset="0"/>
                           </a:rPr>
                           <m:t>1</m:t>
@@ -4952,7 +5253,7 @@
                       </m:sub>
                     </m:sSub>
                     <m:r>
-                      <a:rPr lang="pt-BR" i="1">
+                      <a:rPr lang="pt-BR" sz="1700" i="1">
                         <a:latin typeface="Cambria Math" panose="02040503050406030204" pitchFamily="18" charset="0"/>
                       </a:rPr>
                       <m:t>+</m:t>
@@ -4960,14 +5261,14 @@
                     <m:sSub>
                       <m:sSubPr>
                         <m:ctrlPr>
-                          <a:rPr lang="pt-BR" i="1">
+                          <a:rPr lang="pt-BR" sz="1700" i="1">
                             <a:latin typeface="Cambria Math" panose="02040503050406030204" pitchFamily="18" charset="0"/>
                           </a:rPr>
                         </m:ctrlPr>
                       </m:sSubPr>
                       <m:e>
                         <m:r>
-                          <a:rPr lang="pt-BR" i="1">
+                          <a:rPr lang="pt-BR" sz="1700" i="1">
                             <a:latin typeface="Cambria Math" panose="02040503050406030204" pitchFamily="18" charset="0"/>
                           </a:rPr>
                           <m:t>𝑎</m:t>
@@ -4975,7 +5276,7 @@
                       </m:e>
                       <m:sub>
                         <m:r>
-                          <a:rPr lang="pt-BR" i="1">
+                          <a:rPr lang="pt-BR" sz="1700" i="1">
                             <a:latin typeface="Cambria Math" panose="02040503050406030204" pitchFamily="18" charset="0"/>
                           </a:rPr>
                           <m:t>2</m:t>
@@ -4983,7 +5284,7 @@
                       </m:sub>
                     </m:sSub>
                     <m:r>
-                      <a:rPr lang="pt-BR" i="1">
+                      <a:rPr lang="pt-BR" sz="1700" i="1">
                         <a:latin typeface="Cambria Math" panose="02040503050406030204" pitchFamily="18" charset="0"/>
                         <a:ea typeface="Cambria Math" panose="02040503050406030204" pitchFamily="18" charset="0"/>
                       </a:rPr>
@@ -4992,14 +5293,14 @@
                     <m:sSub>
                       <m:sSubPr>
                         <m:ctrlPr>
-                          <a:rPr lang="pt-BR" i="1">
+                          <a:rPr lang="pt-BR" sz="1700" i="1">
                             <a:latin typeface="Cambria Math" panose="02040503050406030204" pitchFamily="18" charset="0"/>
                           </a:rPr>
                         </m:ctrlPr>
                       </m:sSubPr>
                       <m:e>
                         <m:r>
-                          <a:rPr lang="pt-BR" i="1">
+                          <a:rPr lang="pt-BR" sz="1700" i="1">
                             <a:latin typeface="Cambria Math" panose="02040503050406030204" pitchFamily="18" charset="0"/>
                           </a:rPr>
                           <m:t>𝑎</m:t>
@@ -5007,7 +5308,7 @@
                       </m:e>
                       <m:sub>
                         <m:r>
-                          <a:rPr lang="pt-BR" i="1">
+                          <a:rPr lang="pt-BR" sz="1700" i="1">
                             <a:latin typeface="Cambria Math" panose="02040503050406030204" pitchFamily="18" charset="0"/>
                           </a:rPr>
                           <m:t>1</m:t>
@@ -5015,7 +5316,7 @@
                       </m:sub>
                     </m:sSub>
                     <m:r>
-                      <a:rPr lang="pt-BR" i="1">
+                      <a:rPr lang="pt-BR" sz="1700" i="1">
                         <a:latin typeface="Cambria Math" panose="02040503050406030204" pitchFamily="18" charset="0"/>
                       </a:rPr>
                       <m:t>=−</m:t>
@@ -5023,7 +5324,7 @@
                     <m:d>
                       <m:dPr>
                         <m:ctrlPr>
-                          <a:rPr lang="pt-BR" i="1">
+                          <a:rPr lang="pt-BR" sz="1700" i="1">
                             <a:latin typeface="Cambria Math" panose="02040503050406030204" pitchFamily="18" charset="0"/>
                           </a:rPr>
                         </m:ctrlPr>
@@ -5032,14 +5333,14 @@
                         <m:sSub>
                           <m:sSubPr>
                             <m:ctrlPr>
-                              <a:rPr lang="pt-BR" i="1">
+                              <a:rPr lang="pt-BR" sz="1700" i="1">
                                 <a:latin typeface="Cambria Math" panose="02040503050406030204" pitchFamily="18" charset="0"/>
                               </a:rPr>
                             </m:ctrlPr>
                           </m:sSubPr>
                           <m:e>
                             <m:r>
-                              <a:rPr lang="pt-BR" i="1">
+                              <a:rPr lang="pt-BR" sz="1700" i="1">
                                 <a:latin typeface="Cambria Math" panose="02040503050406030204" pitchFamily="18" charset="0"/>
                               </a:rPr>
                               <m:t>𝑎</m:t>
@@ -5047,7 +5348,7 @@
                           </m:e>
                           <m:sub>
                             <m:r>
-                              <a:rPr lang="pt-BR" i="1">
+                              <a:rPr lang="pt-BR" sz="1700" i="1">
                                 <a:latin typeface="Cambria Math" panose="02040503050406030204" pitchFamily="18" charset="0"/>
                               </a:rPr>
                               <m:t>0</m:t>
@@ -5055,7 +5356,7 @@
                           </m:sub>
                         </m:sSub>
                         <m:r>
-                          <a:rPr lang="pt-BR" i="1">
+                          <a:rPr lang="pt-BR" sz="1700" i="1">
                             <a:latin typeface="Cambria Math" panose="02040503050406030204" pitchFamily="18" charset="0"/>
                           </a:rPr>
                           <m:t>+</m:t>
@@ -5063,14 +5364,14 @@
                         <m:sSub>
                           <m:sSubPr>
                             <m:ctrlPr>
-                              <a:rPr lang="pt-BR" i="1">
+                              <a:rPr lang="pt-BR" sz="1700" i="1">
                                 <a:latin typeface="Cambria Math" panose="02040503050406030204" pitchFamily="18" charset="0"/>
                               </a:rPr>
                             </m:ctrlPr>
                           </m:sSubPr>
                           <m:e>
                             <m:r>
-                              <a:rPr lang="pt-BR" i="1">
+                              <a:rPr lang="pt-BR" sz="1700" i="1">
                                 <a:latin typeface="Cambria Math" panose="02040503050406030204" pitchFamily="18" charset="0"/>
                               </a:rPr>
                               <m:t>𝑎</m:t>
@@ -5078,7 +5379,7 @@
                           </m:e>
                           <m:sub>
                             <m:r>
-                              <a:rPr lang="pt-BR" i="1">
+                              <a:rPr lang="pt-BR" sz="1700" i="1">
                                 <a:latin typeface="Cambria Math" panose="02040503050406030204" pitchFamily="18" charset="0"/>
                               </a:rPr>
                               <m:t>2</m:t>
@@ -5090,7 +5391,7 @@
                   </m:oMath>
                 </a14:m>
                 <a:r>
-                  <a:rPr lang="pt-BR" dirty="0" smtClean="0"/>
+                  <a:rPr lang="pt-BR" sz="1700" dirty="0"/>
                   <a:t>/2</a:t>
                 </a:r>
               </a:p>
@@ -5100,7 +5401,7 @@
                   <a:buChar char="•"/>
                 </a:pPr>
                 <a:r>
-                  <a:rPr lang="pt-BR" dirty="0" smtClean="0"/>
+                  <a:rPr lang="pt-BR" dirty="0"/>
                   <a:t>Resolvendo o sistema, encontramos </a:t>
                 </a:r>
                 <a14:m>
@@ -5139,7 +5440,7 @@
                   </m:oMath>
                 </a14:m>
                 <a:r>
-                  <a:rPr lang="pt-BR" dirty="0" smtClean="0"/>
+                  <a:rPr lang="pt-BR" dirty="0"/>
                   <a:t>, </a:t>
                 </a:r>
                 <a14:m>
@@ -5184,7 +5485,7 @@
                   </m:oMath>
                 </a14:m>
                 <a:r>
-                  <a:rPr lang="pt-BR" dirty="0" smtClean="0"/>
+                  <a:rPr lang="pt-BR" dirty="0"/>
                   <a:t>, </a:t>
                 </a:r>
                 <a14:m>
@@ -5229,12 +5530,14 @@
                   </m:oMath>
                 </a14:m>
                 <a:r>
-                  <a:rPr lang="pt-BR" dirty="0" smtClean="0"/>
+                  <a:rPr lang="pt-BR" dirty="0"/>
                   <a:t>, então</a:t>
                 </a:r>
               </a:p>
               <a:p>
-                <a:pPr lvl="1"/>
+                <a:pPr marL="457200" lvl="1" indent="0">
+                  <a:buNone/>
+                </a:pPr>
                 <a14:m>
                   <m:oMathPara xmlns:m="http://schemas.openxmlformats.org/officeDocument/2006/math">
                     <m:oMathParaPr>
@@ -5356,280 +5659,91 @@
                 </a14:m>
                 <a:endParaRPr lang="pt-BR" dirty="0"/>
               </a:p>
-            </p:txBody>
-          </p:sp>
-        </mc:Choice>
-        <mc:Fallback xmlns="">
-          <p:sp>
-            <p:nvSpPr>
-              <p:cNvPr id="12" name="TextBox 11"/>
-              <p:cNvSpPr txBox="1">
-                <a:spLocks noRot="1" noChangeAspect="1" noMove="1" noResize="1" noEditPoints="1" noAdjustHandles="1" noChangeArrowheads="1" noChangeShapeType="1" noTextEdit="1"/>
-              </p:cNvSpPr>
-              <p:nvPr/>
-            </p:nvSpPr>
-            <p:spPr>
-              <a:xfrm>
-                <a:off x="5343529" y="2058091"/>
-                <a:ext cx="6848472" cy="3139321"/>
-              </a:xfrm>
-              <a:prstGeom prst="rect">
-                <a:avLst/>
-              </a:prstGeom>
-              <a:blipFill rotWithShape="0">
-                <a:blip r:embed="rId5"/>
-                <a:stretch>
-                  <a:fillRect l="-623" t="-1165"/>
-                </a:stretch>
-              </a:blipFill>
-            </p:spPr>
-            <p:txBody>
-              <a:bodyPr/>
-              <a:lstStyle/>
               <a:p>
                 <a:r>
-                  <a:rPr lang="pt-BR">
-                    <a:noFill/>
-                  </a:rPr>
-                  <a:t> </a:t>
-                </a:r>
-              </a:p>
-            </p:txBody>
-          </p:sp>
-        </mc:Fallback>
-      </mc:AlternateContent>
-      <mc:AlternateContent xmlns:mc="http://schemas.openxmlformats.org/markup-compatibility/2006" xmlns:a14="http://schemas.microsoft.com/office/drawing/2010/main">
-        <mc:Choice Requires="a14">
-          <p:sp>
-            <p:nvSpPr>
-              <p:cNvPr id="16" name="Rectangle 15"/>
-              <p:cNvSpPr/>
-              <p:nvPr/>
-            </p:nvSpPr>
-            <p:spPr>
-              <a:xfrm>
-                <a:off x="1270189" y="4620679"/>
-                <a:ext cx="1224374" cy="369332"/>
-              </a:xfrm>
-              <a:prstGeom prst="rect">
-                <a:avLst/>
-              </a:prstGeom>
-            </p:spPr>
-            <p:txBody>
-              <a:bodyPr wrap="none">
-                <a:spAutoFit/>
-              </a:bodyPr>
-              <a:lstStyle/>
-              <a:p>
-                <a:pPr/>
+                  <a:rPr lang="pt-BR" dirty="0"/>
+                  <a:t>Substituindo alguns valores em </a:t>
+                </a:r>
                 <a14:m>
-                  <m:oMathPara xmlns:m="http://schemas.openxmlformats.org/officeDocument/2006/math">
-                    <m:oMathParaPr>
-                      <m:jc m:val="centerGroup"/>
-                    </m:oMathParaPr>
-                    <m:oMath xmlns:m="http://schemas.openxmlformats.org/officeDocument/2006/math">
-                      <m:sSub>
-                        <m:sSubPr>
-                          <m:ctrlPr>
-                            <a:rPr lang="pt-BR" i="1" smtClean="0">
-                              <a:latin typeface="Cambria Math" panose="02040503050406030204" pitchFamily="18" charset="0"/>
-                            </a:rPr>
-                          </m:ctrlPr>
-                        </m:sSubPr>
-                        <m:e>
-                          <m:r>
-                            <a:rPr lang="pt-BR" b="0" i="1" smtClean="0">
-                              <a:latin typeface="Cambria Math" panose="02040503050406030204" pitchFamily="18" charset="0"/>
-                            </a:rPr>
-                            <m:t>𝑔</m:t>
-                          </m:r>
-                        </m:e>
-                        <m:sub>
-                          <m:r>
-                            <a:rPr lang="pt-BR" b="0" i="1" smtClean="0">
-                              <a:latin typeface="Cambria Math" panose="02040503050406030204" pitchFamily="18" charset="0"/>
-                            </a:rPr>
-                            <m:t>1</m:t>
-                          </m:r>
-                        </m:sub>
-                      </m:sSub>
-                      <m:d>
-                        <m:dPr>
-                          <m:ctrlPr>
-                            <a:rPr lang="pt-BR" b="0" i="1" smtClean="0">
-                              <a:latin typeface="Cambria Math" panose="02040503050406030204" pitchFamily="18" charset="0"/>
-                            </a:rPr>
-                          </m:ctrlPr>
-                        </m:dPr>
-                        <m:e>
-                          <m:r>
-                            <a:rPr lang="pt-BR" b="0" i="1" smtClean="0">
-                              <a:latin typeface="Cambria Math" panose="02040503050406030204" pitchFamily="18" charset="0"/>
-                            </a:rPr>
-                            <m:t>𝑥</m:t>
-                          </m:r>
-                        </m:e>
-                      </m:d>
-                      <m:r>
-                        <a:rPr lang="pt-BR" b="0" i="1" smtClean="0">
-                          <a:latin typeface="Cambria Math" panose="02040503050406030204" pitchFamily="18" charset="0"/>
-                        </a:rPr>
-                        <m:t>&gt;0</m:t>
-                      </m:r>
-                    </m:oMath>
-                  </m:oMathPara>
+                  <m:oMath xmlns:m="http://schemas.openxmlformats.org/officeDocument/2006/math">
+                    <m:sSub>
+                      <m:sSubPr>
+                        <m:ctrlPr>
+                          <a:rPr lang="pt-BR" i="1" smtClean="0">
+                            <a:latin typeface="Cambria Math" panose="02040503050406030204" pitchFamily="18" charset="0"/>
+                          </a:rPr>
+                        </m:ctrlPr>
+                      </m:sSubPr>
+                      <m:e>
+                        <m:r>
+                          <a:rPr lang="pt-BR" b="0" i="1" smtClean="0">
+                            <a:latin typeface="Cambria Math" panose="02040503050406030204" pitchFamily="18" charset="0"/>
+                          </a:rPr>
+                          <m:t>𝑔</m:t>
+                        </m:r>
+                      </m:e>
+                      <m:sub>
+                        <m:r>
+                          <a:rPr lang="pt-BR" b="0" i="1" smtClean="0">
+                            <a:latin typeface="Cambria Math" panose="02040503050406030204" pitchFamily="18" charset="0"/>
+                          </a:rPr>
+                          <m:t>1</m:t>
+                        </m:r>
+                      </m:sub>
+                    </m:sSub>
+                    <m:d>
+                      <m:dPr>
+                        <m:ctrlPr>
+                          <a:rPr lang="pt-BR" b="0" i="1" smtClean="0">
+                            <a:latin typeface="Cambria Math" panose="02040503050406030204" pitchFamily="18" charset="0"/>
+                          </a:rPr>
+                        </m:ctrlPr>
+                      </m:dPr>
+                      <m:e>
+                        <m:r>
+                          <a:rPr lang="pt-BR" b="1" i="1" smtClean="0">
+                            <a:latin typeface="Cambria Math" panose="02040503050406030204" pitchFamily="18" charset="0"/>
+                          </a:rPr>
+                          <m:t>𝒙</m:t>
+                        </m:r>
+                      </m:e>
+                    </m:d>
+                  </m:oMath>
                 </a14:m>
-                <a:endParaRPr lang="pt-BR" dirty="0"/>
+                <a:r>
+                  <a:rPr lang="pt-BR" dirty="0"/>
+                  <a:t>, encontramos as regiões das duas classes que ela separa.</a:t>
+                </a:r>
               </a:p>
             </p:txBody>
           </p:sp>
         </mc:Choice>
-        <mc:Fallback xmlns="">
+        <mc:Fallback>
           <p:sp>
             <p:nvSpPr>
-              <p:cNvPr id="16" name="Rectangle 15"/>
+              <p:cNvPr id="3" name="Espaço Reservado para Conteúdo 2">
+                <a:extLst>
+                  <a:ext uri="{FF2B5EF4-FFF2-40B4-BE49-F238E27FC236}">
+                    <a16:creationId xmlns:a16="http://schemas.microsoft.com/office/drawing/2014/main" id="{91E224F6-D964-96CA-FD1A-13C692AEC7D4}"/>
+                  </a:ext>
+                </a:extLst>
+              </p:cNvPr>
               <p:cNvSpPr>
-                <a:spLocks noRot="1" noChangeAspect="1" noMove="1" noResize="1" noEditPoints="1" noAdjustHandles="1" noChangeArrowheads="1" noChangeShapeType="1" noTextEdit="1"/>
+                <a:spLocks noGrp="1" noRot="1" noChangeAspect="1" noMove="1" noResize="1" noEditPoints="1" noAdjustHandles="1" noChangeArrowheads="1" noChangeShapeType="1" noTextEdit="1"/>
               </p:cNvSpPr>
-              <p:nvPr/>
+              <p:nvPr>
+                <p:ph idx="1"/>
+              </p:nvPr>
             </p:nvSpPr>
             <p:spPr>
               <a:xfrm>
-                <a:off x="1270189" y="4620679"/>
-                <a:ext cx="1224374" cy="369332"/>
+                <a:off x="5274367" y="1825624"/>
+                <a:ext cx="6768281" cy="5032375"/>
               </a:xfrm>
-              <a:prstGeom prst="rect">
-                <a:avLst/>
-              </a:prstGeom>
-              <a:blipFill rotWithShape="0">
-                <a:blip r:embed="rId6"/>
-                <a:stretch>
-                  <a:fillRect b="-4918"/>
-                </a:stretch>
-              </a:blipFill>
-            </p:spPr>
-            <p:txBody>
-              <a:bodyPr/>
-              <a:lstStyle/>
-              <a:p>
-                <a:r>
-                  <a:rPr lang="pt-BR">
-                    <a:noFill/>
-                  </a:rPr>
-                  <a:t> </a:t>
-                </a:r>
-              </a:p>
-            </p:txBody>
-          </p:sp>
-        </mc:Fallback>
-      </mc:AlternateContent>
-      <mc:AlternateContent xmlns:mc="http://schemas.openxmlformats.org/markup-compatibility/2006" xmlns:a14="http://schemas.microsoft.com/office/drawing/2010/main">
-        <mc:Choice Requires="a14">
-          <p:sp>
-            <p:nvSpPr>
-              <p:cNvPr id="17" name="Rectangle 16"/>
-              <p:cNvSpPr/>
-              <p:nvPr/>
-            </p:nvSpPr>
-            <p:spPr>
-              <a:xfrm>
-                <a:off x="2712036" y="3079119"/>
-                <a:ext cx="1224374" cy="369332"/>
-              </a:xfrm>
-              <a:prstGeom prst="rect">
-                <a:avLst/>
-              </a:prstGeom>
-            </p:spPr>
-            <p:txBody>
-              <a:bodyPr wrap="none">
-                <a:spAutoFit/>
-              </a:bodyPr>
-              <a:lstStyle/>
-              <a:p>
-                <a:pPr/>
-                <a14:m>
-                  <m:oMathPara xmlns:m="http://schemas.openxmlformats.org/officeDocument/2006/math">
-                    <m:oMathParaPr>
-                      <m:jc m:val="centerGroup"/>
-                    </m:oMathParaPr>
-                    <m:oMath xmlns:m="http://schemas.openxmlformats.org/officeDocument/2006/math">
-                      <m:sSub>
-                        <m:sSubPr>
-                          <m:ctrlPr>
-                            <a:rPr lang="pt-BR" i="1" smtClean="0">
-                              <a:latin typeface="Cambria Math" panose="02040503050406030204" pitchFamily="18" charset="0"/>
-                            </a:rPr>
-                          </m:ctrlPr>
-                        </m:sSubPr>
-                        <m:e>
-                          <m:r>
-                            <a:rPr lang="pt-BR" b="0" i="1" smtClean="0">
-                              <a:latin typeface="Cambria Math" panose="02040503050406030204" pitchFamily="18" charset="0"/>
-                            </a:rPr>
-                            <m:t>𝑔</m:t>
-                          </m:r>
-                        </m:e>
-                        <m:sub>
-                          <m:r>
-                            <a:rPr lang="pt-BR" b="0" i="1" smtClean="0">
-                              <a:latin typeface="Cambria Math" panose="02040503050406030204" pitchFamily="18" charset="0"/>
-                            </a:rPr>
-                            <m:t>1</m:t>
-                          </m:r>
-                        </m:sub>
-                      </m:sSub>
-                      <m:d>
-                        <m:dPr>
-                          <m:ctrlPr>
-                            <a:rPr lang="pt-BR" b="0" i="1" smtClean="0">
-                              <a:latin typeface="Cambria Math" panose="02040503050406030204" pitchFamily="18" charset="0"/>
-                            </a:rPr>
-                          </m:ctrlPr>
-                        </m:dPr>
-                        <m:e>
-                          <m:r>
-                            <a:rPr lang="pt-BR" b="0" i="1" smtClean="0">
-                              <a:latin typeface="Cambria Math" panose="02040503050406030204" pitchFamily="18" charset="0"/>
-                            </a:rPr>
-                            <m:t>𝑥</m:t>
-                          </m:r>
-                        </m:e>
-                      </m:d>
-                      <m:r>
-                        <a:rPr lang="pt-BR" b="0" i="1" smtClean="0">
-                          <a:latin typeface="Cambria Math" panose="02040503050406030204" pitchFamily="18" charset="0"/>
-                        </a:rPr>
-                        <m:t>&lt;0</m:t>
-                      </m:r>
-                    </m:oMath>
-                  </m:oMathPara>
-                </a14:m>
-                <a:endParaRPr lang="pt-BR" dirty="0"/>
-              </a:p>
-            </p:txBody>
-          </p:sp>
-        </mc:Choice>
-        <mc:Fallback xmlns="">
-          <p:sp>
-            <p:nvSpPr>
-              <p:cNvPr id="17" name="Rectangle 16"/>
-              <p:cNvSpPr>
-                <a:spLocks noRot="1" noChangeAspect="1" noMove="1" noResize="1" noEditPoints="1" noAdjustHandles="1" noChangeArrowheads="1" noChangeShapeType="1" noTextEdit="1"/>
-              </p:cNvSpPr>
-              <p:nvPr/>
-            </p:nvSpPr>
-            <p:spPr>
-              <a:xfrm>
-                <a:off x="2712036" y="3079119"/>
-                <a:ext cx="1224374" cy="369332"/>
-              </a:xfrm>
-              <a:prstGeom prst="rect">
-                <a:avLst/>
-              </a:prstGeom>
-              <a:blipFill rotWithShape="0">
+              <a:blipFill>
                 <a:blip r:embed="rId7"/>
                 <a:stretch>
-                  <a:fillRect b="-6557"/>
+                  <a:fillRect l="-1350" t="-3027" r="-1170" b="-2058"/>
                 </a:stretch>
               </a:blipFill>
             </p:spPr>
@@ -5678,11 +5792,17 @@
           <a:chExt cx="0" cy="0"/>
         </a:xfrm>
       </p:grpSpPr>
-      <mc:AlternateContent xmlns:mc="http://schemas.openxmlformats.org/markup-compatibility/2006" xmlns:a14="http://schemas.microsoft.com/office/drawing/2010/main">
-        <mc:Choice Requires="a14">
+      <mc:AlternateContent xmlns:mc="http://schemas.openxmlformats.org/markup-compatibility/2006">
+        <mc:Choice xmlns:a14="http://schemas.microsoft.com/office/drawing/2010/main" Requires="a14">
           <p:sp>
             <p:nvSpPr>
-              <p:cNvPr id="2" name="Title 1"/>
+              <p:cNvPr id="2" name="Título 1">
+                <a:extLst>
+                  <a:ext uri="{FF2B5EF4-FFF2-40B4-BE49-F238E27FC236}">
+                    <a16:creationId xmlns:a16="http://schemas.microsoft.com/office/drawing/2014/main" id="{B39BFB32-1BA5-2CF6-363B-0929BBCB34E9}"/>
+                  </a:ext>
+                </a:extLst>
+              </p:cNvPr>
               <p:cNvSpPr>
                 <a:spLocks noGrp="1"/>
               </p:cNvSpPr>
@@ -5696,7 +5816,7 @@
               <a:lstStyle/>
               <a:p>
                 <a:r>
-                  <a:rPr lang="pt-BR" dirty="0" smtClean="0"/>
+                  <a:rPr lang="pt-BR" dirty="0"/>
                   <a:t>Encontrando os pesos </a:t>
                 </a:r>
                 <a14:m>
@@ -5751,10 +5871,16 @@
             </p:txBody>
           </p:sp>
         </mc:Choice>
-        <mc:Fallback xmlns="">
+        <mc:Fallback>
           <p:sp>
             <p:nvSpPr>
-              <p:cNvPr id="2" name="Title 1"/>
+              <p:cNvPr id="2" name="Título 1">
+                <a:extLst>
+                  <a:ext uri="{FF2B5EF4-FFF2-40B4-BE49-F238E27FC236}">
+                    <a16:creationId xmlns:a16="http://schemas.microsoft.com/office/drawing/2014/main" id="{B39BFB32-1BA5-2CF6-363B-0929BBCB34E9}"/>
+                  </a:ext>
+                </a:extLst>
+              </p:cNvPr>
               <p:cNvSpPr>
                 <a:spLocks noGrp="1" noRot="1" noChangeAspect="1" noMove="1" noResize="1" noEditPoints="1" noAdjustHandles="1" noChangeArrowheads="1" noChangeShapeType="1" noTextEdit="1"/>
               </p:cNvSpPr>
@@ -5763,7 +5889,7 @@
               </p:nvPr>
             </p:nvSpPr>
             <p:spPr>
-              <a:blipFill rotWithShape="0">
+              <a:blipFill>
                 <a:blip r:embed="rId2"/>
                 <a:stretch>
                   <a:fillRect l="-2377"/>
@@ -5785,108 +5911,33 @@
           </p:sp>
         </mc:Fallback>
       </mc:AlternateContent>
-      <p:grpSp>
-        <p:nvGrpSpPr>
-          <p:cNvPr id="3" name="Group 2"/>
-          <p:cNvGrpSpPr/>
-          <p:nvPr/>
-        </p:nvGrpSpPr>
-        <p:grpSpPr>
-          <a:xfrm>
-            <a:off x="172673" y="1907116"/>
-            <a:ext cx="5053968" cy="3441270"/>
-            <a:chOff x="163964" y="1690688"/>
-            <a:chExt cx="5053968" cy="3441270"/>
-          </a:xfrm>
-        </p:grpSpPr>
-        <p:pic>
-          <p:nvPicPr>
-            <p:cNvPr id="5" name="Picture 4"/>
-            <p:cNvPicPr>
-              <a:picLocks noChangeAspect="1"/>
-            </p:cNvPicPr>
-            <p:nvPr/>
-          </p:nvPicPr>
-          <p:blipFill>
-            <a:blip r:embed="rId3">
-              <a:extLst>
-                <a:ext uri="{28A0092B-C50C-407E-A947-70E740481C1C}">
-                  <a14:useLocalDpi xmlns:a14="http://schemas.microsoft.com/office/drawing/2010/main" val="0"/>
-                </a:ext>
-              </a:extLst>
-            </a:blip>
-            <a:stretch>
-              <a:fillRect/>
-            </a:stretch>
-          </p:blipFill>
-          <p:spPr>
-            <a:xfrm>
-              <a:off x="163964" y="1690688"/>
-              <a:ext cx="5053968" cy="3441270"/>
-            </a:xfrm>
-            <a:prstGeom prst="rect">
-              <a:avLst/>
-            </a:prstGeom>
-          </p:spPr>
-        </p:pic>
-        <p:cxnSp>
-          <p:nvCxnSpPr>
-            <p:cNvPr id="7" name="Straight Connector 6"/>
-            <p:cNvCxnSpPr/>
-            <p:nvPr/>
-          </p:nvCxnSpPr>
-          <p:spPr>
-            <a:xfrm flipH="1">
-              <a:off x="783771" y="1845958"/>
-              <a:ext cx="4214949" cy="2751908"/>
-            </a:xfrm>
-            <a:prstGeom prst="line">
-              <a:avLst/>
-            </a:prstGeom>
-            <a:ln w="28575">
-              <a:solidFill>
-                <a:schemeClr val="tx1"/>
-              </a:solidFill>
-              <a:prstDash val="dash"/>
-            </a:ln>
-          </p:spPr>
-          <p:style>
-            <a:lnRef idx="1">
-              <a:schemeClr val="accent1"/>
-            </a:lnRef>
-            <a:fillRef idx="0">
-              <a:schemeClr val="accent1"/>
-            </a:fillRef>
-            <a:effectRef idx="0">
-              <a:schemeClr val="accent1"/>
-            </a:effectRef>
-            <a:fontRef idx="minor">
-              <a:schemeClr val="tx1"/>
-            </a:fontRef>
-          </p:style>
-        </p:cxnSp>
-      </p:grpSp>
-      <mc:AlternateContent xmlns:mc="http://schemas.openxmlformats.org/markup-compatibility/2006" xmlns:a14="http://schemas.microsoft.com/office/drawing/2010/main">
-        <mc:Choice Requires="a14">
+      <mc:AlternateContent xmlns:mc="http://schemas.openxmlformats.org/markup-compatibility/2006">
+        <mc:Choice xmlns:a14="http://schemas.microsoft.com/office/drawing/2010/main" Requires="a14">
           <p:sp>
             <p:nvSpPr>
-              <p:cNvPr id="6" name="TextBox 5"/>
-              <p:cNvSpPr txBox="1"/>
-              <p:nvPr/>
+              <p:cNvPr id="3" name="Espaço Reservado para Conteúdo 2">
+                <a:extLst>
+                  <a:ext uri="{FF2B5EF4-FFF2-40B4-BE49-F238E27FC236}">
+                    <a16:creationId xmlns:a16="http://schemas.microsoft.com/office/drawing/2014/main" id="{D7290504-067B-0E2C-4C67-E1B8BAB5A122}"/>
+                  </a:ext>
+                </a:extLst>
+              </p:cNvPr>
+              <p:cNvSpPr>
+                <a:spLocks noGrp="1"/>
+              </p:cNvSpPr>
+              <p:nvPr>
+                <p:ph idx="1"/>
+              </p:nvPr>
             </p:nvSpPr>
             <p:spPr>
               <a:xfrm>
-                <a:off x="5343529" y="2058091"/>
-                <a:ext cx="6848472" cy="3139321"/>
+                <a:off x="5403273" y="1825624"/>
+                <a:ext cx="6584511" cy="5032375"/>
               </a:xfrm>
-              <a:prstGeom prst="rect">
-                <a:avLst/>
-              </a:prstGeom>
-              <a:noFill/>
             </p:spPr>
             <p:txBody>
-              <a:bodyPr wrap="square" rtlCol="0">
-                <a:spAutoFit/>
+              <a:bodyPr>
+                <a:normAutofit fontScale="92500"/>
               </a:bodyPr>
               <a:lstStyle/>
               <a:p>
@@ -5895,7 +5946,7 @@
                   <a:buChar char="•"/>
                 </a:pPr>
                 <a:r>
-                  <a:rPr lang="pt-BR" dirty="0" smtClean="0"/>
+                  <a:rPr lang="pt-BR" dirty="0"/>
                   <a:t>Na sequência, encontramos os pesos de </a:t>
                 </a:r>
                 <a14:m>
@@ -5946,7 +5997,7 @@
                   </m:oMath>
                 </a14:m>
                 <a:r>
-                  <a:rPr lang="pt-BR" dirty="0" smtClean="0"/>
+                  <a:rPr lang="pt-BR" dirty="0"/>
                   <a:t>, que irá discriminar entre as classes 1 e 2, concluindo a classificação.</a:t>
                 </a:r>
               </a:p>
@@ -5956,20 +6007,22 @@
                   <a:buChar char="•"/>
                 </a:pPr>
                 <a:r>
-                  <a:rPr lang="pt-BR" dirty="0" smtClean="0"/>
+                  <a:rPr lang="pt-BR" dirty="0"/>
                   <a:t>A </a:t>
                 </a:r>
                 <a:r>
-                  <a:rPr lang="pt-BR" b="1" i="1" dirty="0" smtClean="0"/>
+                  <a:rPr lang="pt-BR" b="1" i="1" dirty="0"/>
                   <a:t>função discriminante </a:t>
                 </a:r>
                 <a:r>
-                  <a:rPr lang="pt-BR" dirty="0" smtClean="0"/>
+                  <a:rPr lang="pt-BR" dirty="0"/>
                   <a:t>que representa esta reta é definida como</a:t>
                 </a:r>
               </a:p>
               <a:p>
-                <a:pPr/>
+                <a:pPr marL="0" indent="0">
+                  <a:buNone/>
+                </a:pPr>
                 <a14:m>
                   <m:oMathPara xmlns:m="http://schemas.openxmlformats.org/officeDocument/2006/math">
                     <m:oMathParaPr>
@@ -6164,7 +6217,7 @@
                     </m:oMath>
                   </m:oMathPara>
                 </a14:m>
-                <a:endParaRPr lang="pt-BR" dirty="0" smtClean="0"/>
+                <a:endParaRPr lang="pt-BR" dirty="0"/>
               </a:p>
               <a:p>
                 <a:pPr marL="285750" indent="-285750">
@@ -6172,8 +6225,8 @@
                   <a:buChar char="•"/>
                 </a:pPr>
                 <a:r>
-                  <a:rPr lang="pt-BR" dirty="0" smtClean="0"/>
-                  <a:t>Temos 3 incógnitas e 3 equações:</a:t>
+                  <a:rPr lang="pt-BR" dirty="0"/>
+                  <a:t>Novamente temos 3 incógnitas e 3 equações:</a:t>
                 </a:r>
               </a:p>
               <a:p>
@@ -6186,7 +6239,7 @@
                     <m:sSub>
                       <m:sSubPr>
                         <m:ctrlPr>
-                          <a:rPr lang="pt-BR" i="1">
+                          <a:rPr lang="pt-BR" sz="2200" i="1">
                             <a:latin typeface="Cambria Math" panose="02040503050406030204" pitchFamily="18" charset="0"/>
                           </a:rPr>
                         </m:ctrlPr>
@@ -6195,7 +6248,7 @@
                         <m:d>
                           <m:dPr>
                             <m:ctrlPr>
-                              <a:rPr lang="pt-BR" b="0" i="1" smtClean="0">
+                              <a:rPr lang="pt-BR" sz="2200" b="0" i="1" smtClean="0">
                                 <a:latin typeface="Cambria Math" panose="02040503050406030204" pitchFamily="18" charset="0"/>
                               </a:rPr>
                             </m:ctrlPr>
@@ -6204,14 +6257,14 @@
                             <m:sSub>
                               <m:sSubPr>
                                 <m:ctrlPr>
-                                  <a:rPr lang="pt-BR" i="1">
+                                  <a:rPr lang="pt-BR" sz="2200" i="1">
                                     <a:latin typeface="Cambria Math" panose="02040503050406030204" pitchFamily="18" charset="0"/>
                                   </a:rPr>
                                 </m:ctrlPr>
                               </m:sSubPr>
                               <m:e>
                                 <m:r>
-                                  <a:rPr lang="pt-BR" i="1">
+                                  <a:rPr lang="pt-BR" sz="2200" i="1">
                                     <a:latin typeface="Cambria Math" panose="02040503050406030204" pitchFamily="18" charset="0"/>
                                   </a:rPr>
                                   <m:t>𝑥</m:t>
@@ -6219,7 +6272,7 @@
                               </m:e>
                               <m:sub>
                                 <m:r>
-                                  <a:rPr lang="pt-BR" i="1">
+                                  <a:rPr lang="pt-BR" sz="2200" i="1">
                                     <a:latin typeface="Cambria Math" panose="02040503050406030204" pitchFamily="18" charset="0"/>
                                   </a:rPr>
                                   <m:t>1</m:t>
@@ -6227,7 +6280,7 @@
                               </m:sub>
                             </m:sSub>
                             <m:r>
-                              <a:rPr lang="pt-BR" b="0" i="1" smtClean="0">
+                              <a:rPr lang="pt-BR" sz="2200" b="0" i="1" smtClean="0">
                                 <a:latin typeface="Cambria Math" panose="02040503050406030204" pitchFamily="18" charset="0"/>
                               </a:rPr>
                               <m:t>=0,</m:t>
@@ -6235,14 +6288,14 @@
                             <m:sSub>
                               <m:sSubPr>
                                 <m:ctrlPr>
-                                  <a:rPr lang="pt-BR" i="1">
+                                  <a:rPr lang="pt-BR" sz="2200" i="1">
                                     <a:latin typeface="Cambria Math" panose="02040503050406030204" pitchFamily="18" charset="0"/>
                                   </a:rPr>
                                 </m:ctrlPr>
                               </m:sSubPr>
                               <m:e>
                                 <m:r>
-                                  <a:rPr lang="pt-BR" i="1">
+                                  <a:rPr lang="pt-BR" sz="2200" i="1">
                                     <a:latin typeface="Cambria Math" panose="02040503050406030204" pitchFamily="18" charset="0"/>
                                   </a:rPr>
                                   <m:t>𝑥</m:t>
@@ -6250,7 +6303,7 @@
                               </m:e>
                               <m:sub>
                                 <m:r>
-                                  <a:rPr lang="pt-BR" b="0" i="1" smtClean="0">
+                                  <a:rPr lang="pt-BR" sz="2200" b="0" i="1" smtClean="0">
                                     <a:latin typeface="Cambria Math" panose="02040503050406030204" pitchFamily="18" charset="0"/>
                                   </a:rPr>
                                   <m:t>2</m:t>
@@ -6258,7 +6311,7 @@
                               </m:sub>
                             </m:sSub>
                             <m:r>
-                              <a:rPr lang="pt-BR" b="0" i="1" smtClean="0">
+                              <a:rPr lang="pt-BR" sz="2200" b="0" i="1" smtClean="0">
                                 <a:latin typeface="Cambria Math" panose="02040503050406030204" pitchFamily="18" charset="0"/>
                               </a:rPr>
                               <m:t>=0</m:t>
@@ -6266,20 +6319,20 @@
                           </m:e>
                         </m:d>
                         <m:r>
-                          <a:rPr lang="pt-BR" b="0" i="1" smtClean="0">
+                          <a:rPr lang="pt-BR" sz="2200" b="0" i="1" smtClean="0">
                             <a:latin typeface="Cambria Math" panose="02040503050406030204" pitchFamily="18" charset="0"/>
                             <a:ea typeface="Cambria Math" panose="02040503050406030204" pitchFamily="18" charset="0"/>
                           </a:rPr>
                           <m:t>→</m:t>
                         </m:r>
                         <m:r>
-                          <a:rPr lang="pt-BR" b="0" i="1" smtClean="0">
+                          <a:rPr lang="pt-BR" sz="2200" b="0" i="1" smtClean="0">
                             <a:latin typeface="Cambria Math" panose="02040503050406030204" pitchFamily="18" charset="0"/>
                           </a:rPr>
                           <m:t>0=</m:t>
                         </m:r>
                         <m:r>
-                          <a:rPr lang="pt-BR" i="1">
+                          <a:rPr lang="pt-BR" sz="2200" i="1">
                             <a:latin typeface="Cambria Math" panose="02040503050406030204" pitchFamily="18" charset="0"/>
                           </a:rPr>
                           <m:t>𝑎</m:t>
@@ -6287,7 +6340,7 @@
                       </m:e>
                       <m:sub>
                         <m:r>
-                          <a:rPr lang="pt-BR" i="1">
+                          <a:rPr lang="pt-BR" sz="2200" i="1">
                             <a:latin typeface="Cambria Math" panose="02040503050406030204" pitchFamily="18" charset="0"/>
                           </a:rPr>
                           <m:t>0</m:t>
@@ -6296,7 +6349,7 @@
                     </m:sSub>
                   </m:oMath>
                 </a14:m>
-                <a:endParaRPr lang="pt-BR" i="1" dirty="0" smtClean="0">
+                <a:endParaRPr lang="pt-BR" sz="2200" i="1" dirty="0">
                   <a:latin typeface="Cambria Math" panose="02040503050406030204" pitchFamily="18" charset="0"/>
                 </a:endParaRPr>
               </a:p>
@@ -6310,7 +6363,7 @@
                     <m:sSub>
                       <m:sSubPr>
                         <m:ctrlPr>
-                          <a:rPr lang="pt-BR" i="1">
+                          <a:rPr lang="pt-BR" sz="2200" i="1">
                             <a:latin typeface="Cambria Math" panose="02040503050406030204" pitchFamily="18" charset="0"/>
                           </a:rPr>
                         </m:ctrlPr>
@@ -6319,7 +6372,7 @@
                         <m:d>
                           <m:dPr>
                             <m:ctrlPr>
-                              <a:rPr lang="pt-BR" b="0" i="1" smtClean="0">
+                              <a:rPr lang="pt-BR" sz="2200" b="0" i="1" smtClean="0">
                                 <a:latin typeface="Cambria Math" panose="02040503050406030204" pitchFamily="18" charset="0"/>
                               </a:rPr>
                             </m:ctrlPr>
@@ -6328,14 +6381,14 @@
                             <m:sSub>
                               <m:sSubPr>
                                 <m:ctrlPr>
-                                  <a:rPr lang="pt-BR" i="1">
+                                  <a:rPr lang="pt-BR" sz="2200" i="1">
                                     <a:latin typeface="Cambria Math" panose="02040503050406030204" pitchFamily="18" charset="0"/>
                                   </a:rPr>
                                 </m:ctrlPr>
                               </m:sSubPr>
                               <m:e>
                                 <m:r>
-                                  <a:rPr lang="pt-BR" i="1">
+                                  <a:rPr lang="pt-BR" sz="2200" i="1">
                                     <a:latin typeface="Cambria Math" panose="02040503050406030204" pitchFamily="18" charset="0"/>
                                   </a:rPr>
                                   <m:t>𝑥</m:t>
@@ -6343,7 +6396,7 @@
                               </m:e>
                               <m:sub>
                                 <m:r>
-                                  <a:rPr lang="pt-BR" i="1">
+                                  <a:rPr lang="pt-BR" sz="2200" i="1">
                                     <a:latin typeface="Cambria Math" panose="02040503050406030204" pitchFamily="18" charset="0"/>
                                   </a:rPr>
                                   <m:t>1</m:t>
@@ -6351,19 +6404,19 @@
                               </m:sub>
                             </m:sSub>
                             <m:r>
-                              <a:rPr lang="pt-BR" i="1">
+                              <a:rPr lang="pt-BR" sz="2200" i="1">
                                 <a:latin typeface="Cambria Math" panose="02040503050406030204" pitchFamily="18" charset="0"/>
                               </a:rPr>
                               <m:t>=</m:t>
                             </m:r>
                             <m:r>
-                              <a:rPr lang="pt-BR" b="0" i="1" smtClean="0">
+                              <a:rPr lang="pt-BR" sz="2200" b="0" i="1" smtClean="0">
                                 <a:latin typeface="Cambria Math" panose="02040503050406030204" pitchFamily="18" charset="0"/>
                               </a:rPr>
                               <m:t>1</m:t>
                             </m:r>
                             <m:r>
-                              <a:rPr lang="pt-BR" i="1">
+                              <a:rPr lang="pt-BR" sz="2200" i="1">
                                 <a:latin typeface="Cambria Math" panose="02040503050406030204" pitchFamily="18" charset="0"/>
                               </a:rPr>
                               <m:t>,</m:t>
@@ -6371,14 +6424,14 @@
                             <m:sSub>
                               <m:sSubPr>
                                 <m:ctrlPr>
-                                  <a:rPr lang="pt-BR" i="1">
+                                  <a:rPr lang="pt-BR" sz="2200" i="1">
                                     <a:latin typeface="Cambria Math" panose="02040503050406030204" pitchFamily="18" charset="0"/>
                                   </a:rPr>
                                 </m:ctrlPr>
                               </m:sSubPr>
                               <m:e>
                                 <m:r>
-                                  <a:rPr lang="pt-BR" i="1">
+                                  <a:rPr lang="pt-BR" sz="2200" i="1">
                                     <a:latin typeface="Cambria Math" panose="02040503050406030204" pitchFamily="18" charset="0"/>
                                   </a:rPr>
                                   <m:t>𝑥</m:t>
@@ -6386,7 +6439,7 @@
                               </m:e>
                               <m:sub>
                                 <m:r>
-                                  <a:rPr lang="pt-BR" i="1">
+                                  <a:rPr lang="pt-BR" sz="2200" i="1">
                                     <a:latin typeface="Cambria Math" panose="02040503050406030204" pitchFamily="18" charset="0"/>
                                   </a:rPr>
                                   <m:t>2</m:t>
@@ -6394,13 +6447,13 @@
                               </m:sub>
                             </m:sSub>
                             <m:r>
-                              <a:rPr lang="pt-BR" i="1">
+                              <a:rPr lang="pt-BR" sz="2200" i="1">
                                 <a:latin typeface="Cambria Math" panose="02040503050406030204" pitchFamily="18" charset="0"/>
                               </a:rPr>
                               <m:t>=</m:t>
                             </m:r>
                             <m:r>
-                              <a:rPr lang="pt-BR" b="0" i="1" smtClean="0">
+                              <a:rPr lang="pt-BR" sz="2200" b="0" i="1" smtClean="0">
                                 <a:latin typeface="Cambria Math" panose="02040503050406030204" pitchFamily="18" charset="0"/>
                               </a:rPr>
                               <m:t>1</m:t>
@@ -6408,20 +6461,20 @@
                           </m:e>
                         </m:d>
                         <m:r>
-                          <a:rPr lang="pt-BR" i="1">
+                          <a:rPr lang="pt-BR" sz="2200" i="1">
                             <a:latin typeface="Cambria Math" panose="02040503050406030204" pitchFamily="18" charset="0"/>
                             <a:ea typeface="Cambria Math" panose="02040503050406030204" pitchFamily="18" charset="0"/>
                           </a:rPr>
                           <m:t>→</m:t>
                         </m:r>
                         <m:r>
-                          <a:rPr lang="pt-BR" b="0" i="1" smtClean="0">
+                          <a:rPr lang="pt-BR" sz="2200" b="0" i="1" smtClean="0">
                             <a:latin typeface="Cambria Math" panose="02040503050406030204" pitchFamily="18" charset="0"/>
                           </a:rPr>
                           <m:t>0=</m:t>
                         </m:r>
                         <m:r>
-                          <a:rPr lang="pt-BR" i="1">
+                          <a:rPr lang="pt-BR" sz="2200" i="1">
                             <a:latin typeface="Cambria Math" panose="02040503050406030204" pitchFamily="18" charset="0"/>
                           </a:rPr>
                           <m:t>𝑎</m:t>
@@ -6429,7 +6482,7 @@
                       </m:e>
                       <m:sub>
                         <m:r>
-                          <a:rPr lang="pt-BR" i="1" smtClean="0">
+                          <a:rPr lang="pt-BR" sz="2200" i="1" smtClean="0">
                             <a:latin typeface="Cambria Math" panose="02040503050406030204" pitchFamily="18" charset="0"/>
                           </a:rPr>
                           <m:t>0</m:t>
@@ -6437,7 +6490,7 @@
                       </m:sub>
                     </m:sSub>
                     <m:r>
-                      <a:rPr lang="pt-BR" i="1">
+                      <a:rPr lang="pt-BR" sz="2200" i="1">
                         <a:latin typeface="Cambria Math" panose="02040503050406030204" pitchFamily="18" charset="0"/>
                       </a:rPr>
                       <m:t>+</m:t>
@@ -6445,14 +6498,14 @@
                     <m:sSub>
                       <m:sSubPr>
                         <m:ctrlPr>
-                          <a:rPr lang="pt-BR" i="1">
+                          <a:rPr lang="pt-BR" sz="2200" i="1">
                             <a:latin typeface="Cambria Math" panose="02040503050406030204" pitchFamily="18" charset="0"/>
                           </a:rPr>
                         </m:ctrlPr>
                       </m:sSubPr>
                       <m:e>
                         <m:r>
-                          <a:rPr lang="pt-BR" i="1">
+                          <a:rPr lang="pt-BR" sz="2200" i="1">
                             <a:latin typeface="Cambria Math" panose="02040503050406030204" pitchFamily="18" charset="0"/>
                           </a:rPr>
                           <m:t>𝑎</m:t>
@@ -6460,7 +6513,7 @@
                       </m:e>
                       <m:sub>
                         <m:r>
-                          <a:rPr lang="pt-BR" i="1">
+                          <a:rPr lang="pt-BR" sz="2200" i="1">
                             <a:latin typeface="Cambria Math" panose="02040503050406030204" pitchFamily="18" charset="0"/>
                           </a:rPr>
                           <m:t>1</m:t>
@@ -6468,7 +6521,7 @@
                       </m:sub>
                     </m:sSub>
                     <m:r>
-                      <a:rPr lang="pt-BR" i="1">
+                      <a:rPr lang="pt-BR" sz="2200" i="1">
                         <a:latin typeface="Cambria Math" panose="02040503050406030204" pitchFamily="18" charset="0"/>
                       </a:rPr>
                       <m:t>+</m:t>
@@ -6476,14 +6529,14 @@
                     <m:sSub>
                       <m:sSubPr>
                         <m:ctrlPr>
-                          <a:rPr lang="pt-BR" i="1">
+                          <a:rPr lang="pt-BR" sz="2200" i="1">
                             <a:latin typeface="Cambria Math" panose="02040503050406030204" pitchFamily="18" charset="0"/>
                           </a:rPr>
                         </m:ctrlPr>
                       </m:sSubPr>
                       <m:e>
                         <m:r>
-                          <a:rPr lang="pt-BR" i="1">
+                          <a:rPr lang="pt-BR" sz="2200" i="1">
                             <a:latin typeface="Cambria Math" panose="02040503050406030204" pitchFamily="18" charset="0"/>
                           </a:rPr>
                           <m:t>𝑎</m:t>
@@ -6491,7 +6544,7 @@
                       </m:e>
                       <m:sub>
                         <m:r>
-                          <a:rPr lang="pt-BR" i="1">
+                          <a:rPr lang="pt-BR" sz="2200" i="1">
                             <a:latin typeface="Cambria Math" panose="02040503050406030204" pitchFamily="18" charset="0"/>
                           </a:rPr>
                           <m:t>2</m:t>
@@ -6499,7 +6552,7 @@
                       </m:sub>
                     </m:sSub>
                     <m:r>
-                      <a:rPr lang="pt-BR" i="1">
+                      <a:rPr lang="pt-BR" sz="2200" i="1">
                         <a:latin typeface="Cambria Math" panose="02040503050406030204" pitchFamily="18" charset="0"/>
                         <a:ea typeface="Cambria Math" panose="02040503050406030204" pitchFamily="18" charset="0"/>
                       </a:rPr>
@@ -6508,14 +6561,14 @@
                     <m:sSub>
                       <m:sSubPr>
                         <m:ctrlPr>
-                          <a:rPr lang="pt-BR" i="1">
+                          <a:rPr lang="pt-BR" sz="2200" i="1">
                             <a:latin typeface="Cambria Math" panose="02040503050406030204" pitchFamily="18" charset="0"/>
                           </a:rPr>
                         </m:ctrlPr>
                       </m:sSubPr>
                       <m:e>
                         <m:r>
-                          <a:rPr lang="pt-BR" i="1">
+                          <a:rPr lang="pt-BR" sz="2200" i="1">
                             <a:latin typeface="Cambria Math" panose="02040503050406030204" pitchFamily="18" charset="0"/>
                           </a:rPr>
                           <m:t>𝑎</m:t>
@@ -6523,7 +6576,7 @@
                       </m:e>
                       <m:sub>
                         <m:r>
-                          <a:rPr lang="pt-BR" i="1">
+                          <a:rPr lang="pt-BR" sz="2200" i="1">
                             <a:latin typeface="Cambria Math" panose="02040503050406030204" pitchFamily="18" charset="0"/>
                           </a:rPr>
                           <m:t>1</m:t>
@@ -6531,7 +6584,7 @@
                       </m:sub>
                     </m:sSub>
                     <m:r>
-                      <a:rPr lang="pt-BR" b="0" i="1" smtClean="0">
+                      <a:rPr lang="pt-BR" sz="2200" b="0" i="1" smtClean="0">
                         <a:latin typeface="Cambria Math" panose="02040503050406030204" pitchFamily="18" charset="0"/>
                       </a:rPr>
                       <m:t>=−</m:t>
@@ -6539,14 +6592,14 @@
                     <m:sSub>
                       <m:sSubPr>
                         <m:ctrlPr>
-                          <a:rPr lang="pt-BR" i="1" smtClean="0">
+                          <a:rPr lang="pt-BR" sz="2200" i="1" smtClean="0">
                             <a:latin typeface="Cambria Math" panose="02040503050406030204" pitchFamily="18" charset="0"/>
                           </a:rPr>
                         </m:ctrlPr>
                       </m:sSubPr>
                       <m:e>
                         <m:r>
-                          <a:rPr lang="pt-BR" i="1">
+                          <a:rPr lang="pt-BR" sz="2200" i="1">
                             <a:latin typeface="Cambria Math" panose="02040503050406030204" pitchFamily="18" charset="0"/>
                           </a:rPr>
                           <m:t>𝑎</m:t>
@@ -6554,7 +6607,7 @@
                       </m:e>
                       <m:sub>
                         <m:r>
-                          <a:rPr lang="pt-BR" i="1">
+                          <a:rPr lang="pt-BR" sz="2200" i="1">
                             <a:latin typeface="Cambria Math" panose="02040503050406030204" pitchFamily="18" charset="0"/>
                           </a:rPr>
                           <m:t>2</m:t>
@@ -6563,7 +6616,7 @@
                     </m:sSub>
                   </m:oMath>
                 </a14:m>
-                <a:endParaRPr lang="pt-BR" i="1" dirty="0" smtClean="0">
+                <a:endParaRPr lang="pt-BR" sz="2200" i="1" dirty="0">
                   <a:latin typeface="Cambria Math" panose="02040503050406030204" pitchFamily="18" charset="0"/>
                 </a:endParaRPr>
               </a:p>
@@ -6577,7 +6630,7 @@
                     <m:sSub>
                       <m:sSubPr>
                         <m:ctrlPr>
-                          <a:rPr lang="pt-BR" i="1">
+                          <a:rPr lang="pt-BR" sz="2200" i="1">
                             <a:latin typeface="Cambria Math" panose="02040503050406030204" pitchFamily="18" charset="0"/>
                           </a:rPr>
                         </m:ctrlPr>
@@ -6586,7 +6639,7 @@
                         <m:d>
                           <m:dPr>
                             <m:ctrlPr>
-                              <a:rPr lang="pt-BR" i="1">
+                              <a:rPr lang="pt-BR" sz="2200" i="1">
                                 <a:latin typeface="Cambria Math" panose="02040503050406030204" pitchFamily="18" charset="0"/>
                               </a:rPr>
                             </m:ctrlPr>
@@ -6595,14 +6648,14 @@
                             <m:sSub>
                               <m:sSubPr>
                                 <m:ctrlPr>
-                                  <a:rPr lang="pt-BR" i="1">
+                                  <a:rPr lang="pt-BR" sz="2200" i="1">
                                     <a:latin typeface="Cambria Math" panose="02040503050406030204" pitchFamily="18" charset="0"/>
                                   </a:rPr>
                                 </m:ctrlPr>
                               </m:sSubPr>
                               <m:e>
                                 <m:r>
-                                  <a:rPr lang="pt-BR" i="1">
+                                  <a:rPr lang="pt-BR" sz="2200" i="1">
                                     <a:latin typeface="Cambria Math" panose="02040503050406030204" pitchFamily="18" charset="0"/>
                                   </a:rPr>
                                   <m:t>𝑥</m:t>
@@ -6610,7 +6663,7 @@
                               </m:e>
                               <m:sub>
                                 <m:r>
-                                  <a:rPr lang="pt-BR" i="1">
+                                  <a:rPr lang="pt-BR" sz="2200" i="1">
                                     <a:latin typeface="Cambria Math" panose="02040503050406030204" pitchFamily="18" charset="0"/>
                                   </a:rPr>
                                   <m:t>1</m:t>
@@ -6618,19 +6671,19 @@
                               </m:sub>
                             </m:sSub>
                             <m:r>
-                              <a:rPr lang="pt-BR" i="1">
+                              <a:rPr lang="pt-BR" sz="2200" i="1">
                                 <a:latin typeface="Cambria Math" panose="02040503050406030204" pitchFamily="18" charset="0"/>
                               </a:rPr>
                               <m:t>=</m:t>
                             </m:r>
                             <m:r>
-                              <a:rPr lang="pt-BR" b="0" i="1" smtClean="0">
+                              <a:rPr lang="pt-BR" sz="2200" b="0" i="1" smtClean="0">
                                 <a:latin typeface="Cambria Math" panose="02040503050406030204" pitchFamily="18" charset="0"/>
                               </a:rPr>
                               <m:t>2</m:t>
                             </m:r>
                             <m:r>
-                              <a:rPr lang="pt-BR" i="1">
+                              <a:rPr lang="pt-BR" sz="2200" i="1">
                                 <a:latin typeface="Cambria Math" panose="02040503050406030204" pitchFamily="18" charset="0"/>
                               </a:rPr>
                               <m:t>,</m:t>
@@ -6638,14 +6691,14 @@
                             <m:sSub>
                               <m:sSubPr>
                                 <m:ctrlPr>
-                                  <a:rPr lang="pt-BR" i="1">
+                                  <a:rPr lang="pt-BR" sz="2200" i="1">
                                     <a:latin typeface="Cambria Math" panose="02040503050406030204" pitchFamily="18" charset="0"/>
                                   </a:rPr>
                                 </m:ctrlPr>
                               </m:sSubPr>
                               <m:e>
                                 <m:r>
-                                  <a:rPr lang="pt-BR" i="1">
+                                  <a:rPr lang="pt-BR" sz="2200" i="1">
                                     <a:latin typeface="Cambria Math" panose="02040503050406030204" pitchFamily="18" charset="0"/>
                                   </a:rPr>
                                   <m:t>𝑥</m:t>
@@ -6653,7 +6706,7 @@
                               </m:e>
                               <m:sub>
                                 <m:r>
-                                  <a:rPr lang="pt-BR" i="1">
+                                  <a:rPr lang="pt-BR" sz="2200" i="1">
                                     <a:latin typeface="Cambria Math" panose="02040503050406030204" pitchFamily="18" charset="0"/>
                                   </a:rPr>
                                   <m:t>2</m:t>
@@ -6661,13 +6714,13 @@
                               </m:sub>
                             </m:sSub>
                             <m:r>
-                              <a:rPr lang="pt-BR" i="1">
+                              <a:rPr lang="pt-BR" sz="2200" i="1">
                                 <a:latin typeface="Cambria Math" panose="02040503050406030204" pitchFamily="18" charset="0"/>
                               </a:rPr>
                               <m:t>=</m:t>
                             </m:r>
                             <m:r>
-                              <a:rPr lang="pt-BR" b="0" i="1" smtClean="0">
+                              <a:rPr lang="pt-BR" sz="2200" b="0" i="1" smtClean="0">
                                 <a:latin typeface="Cambria Math" panose="02040503050406030204" pitchFamily="18" charset="0"/>
                               </a:rPr>
                               <m:t>2</m:t>
@@ -6675,20 +6728,20 @@
                           </m:e>
                         </m:d>
                         <m:r>
-                          <a:rPr lang="pt-BR" i="1">
+                          <a:rPr lang="pt-BR" sz="2200" i="1">
                             <a:latin typeface="Cambria Math" panose="02040503050406030204" pitchFamily="18" charset="0"/>
                             <a:ea typeface="Cambria Math" panose="02040503050406030204" pitchFamily="18" charset="0"/>
                           </a:rPr>
                           <m:t>→</m:t>
                         </m:r>
                         <m:r>
-                          <a:rPr lang="pt-BR" b="0" i="1" smtClean="0">
+                          <a:rPr lang="pt-BR" sz="2200" b="0" i="1" smtClean="0">
                             <a:latin typeface="Cambria Math" panose="02040503050406030204" pitchFamily="18" charset="0"/>
                           </a:rPr>
                           <m:t>0=</m:t>
                         </m:r>
                         <m:r>
-                          <a:rPr lang="pt-BR" i="1">
+                          <a:rPr lang="pt-BR" sz="2200" i="1">
                             <a:latin typeface="Cambria Math" panose="02040503050406030204" pitchFamily="18" charset="0"/>
                           </a:rPr>
                           <m:t>𝑎</m:t>
@@ -6696,7 +6749,7 @@
                       </m:e>
                       <m:sub>
                         <m:r>
-                          <a:rPr lang="pt-BR" i="1">
+                          <a:rPr lang="pt-BR" sz="2200" i="1">
                             <a:latin typeface="Cambria Math" panose="02040503050406030204" pitchFamily="18" charset="0"/>
                           </a:rPr>
                           <m:t>0</m:t>
@@ -6704,7 +6757,7 @@
                       </m:sub>
                     </m:sSub>
                     <m:r>
-                      <a:rPr lang="pt-BR" i="1">
+                      <a:rPr lang="pt-BR" sz="2200" i="1">
                         <a:latin typeface="Cambria Math" panose="02040503050406030204" pitchFamily="18" charset="0"/>
                       </a:rPr>
                       <m:t>+</m:t>
@@ -6712,20 +6765,20 @@
                     <m:sSub>
                       <m:sSubPr>
                         <m:ctrlPr>
-                          <a:rPr lang="pt-BR" i="1" smtClean="0">
+                          <a:rPr lang="pt-BR" sz="2200" i="1" smtClean="0">
                             <a:latin typeface="Cambria Math" panose="02040503050406030204" pitchFamily="18" charset="0"/>
                           </a:rPr>
                         </m:ctrlPr>
                       </m:sSubPr>
                       <m:e>
                         <m:r>
-                          <a:rPr lang="pt-BR" b="0" i="1" smtClean="0">
+                          <a:rPr lang="pt-BR" sz="2200" b="0" i="1" smtClean="0">
                             <a:latin typeface="Cambria Math" panose="02040503050406030204" pitchFamily="18" charset="0"/>
                           </a:rPr>
                           <m:t>2</m:t>
                         </m:r>
                         <m:r>
-                          <a:rPr lang="pt-BR" i="1">
+                          <a:rPr lang="pt-BR" sz="2200" i="1">
                             <a:latin typeface="Cambria Math" panose="02040503050406030204" pitchFamily="18" charset="0"/>
                           </a:rPr>
                           <m:t>𝑎</m:t>
@@ -6733,7 +6786,7 @@
                       </m:e>
                       <m:sub>
                         <m:r>
-                          <a:rPr lang="pt-BR" i="1">
+                          <a:rPr lang="pt-BR" sz="2200" i="1">
                             <a:latin typeface="Cambria Math" panose="02040503050406030204" pitchFamily="18" charset="0"/>
                           </a:rPr>
                           <m:t>1</m:t>
@@ -6741,7 +6794,7 @@
                       </m:sub>
                     </m:sSub>
                     <m:r>
-                      <a:rPr lang="pt-BR" i="1">
+                      <a:rPr lang="pt-BR" sz="2200" i="1">
                         <a:latin typeface="Cambria Math" panose="02040503050406030204" pitchFamily="18" charset="0"/>
                       </a:rPr>
                       <m:t>+</m:t>
@@ -6749,20 +6802,20 @@
                     <m:sSub>
                       <m:sSubPr>
                         <m:ctrlPr>
-                          <a:rPr lang="pt-BR" i="1">
+                          <a:rPr lang="pt-BR" sz="2200" i="1">
                             <a:latin typeface="Cambria Math" panose="02040503050406030204" pitchFamily="18" charset="0"/>
                           </a:rPr>
                         </m:ctrlPr>
                       </m:sSubPr>
                       <m:e>
                         <m:r>
-                          <a:rPr lang="pt-BR" b="0" i="1" smtClean="0">
+                          <a:rPr lang="pt-BR" sz="2200" b="0" i="1" smtClean="0">
                             <a:latin typeface="Cambria Math" panose="02040503050406030204" pitchFamily="18" charset="0"/>
                           </a:rPr>
                           <m:t>2</m:t>
                         </m:r>
                         <m:r>
-                          <a:rPr lang="pt-BR" i="1">
+                          <a:rPr lang="pt-BR" sz="2200" i="1">
                             <a:latin typeface="Cambria Math" panose="02040503050406030204" pitchFamily="18" charset="0"/>
                           </a:rPr>
                           <m:t>𝑎</m:t>
@@ -6770,7 +6823,7 @@
                       </m:e>
                       <m:sub>
                         <m:r>
-                          <a:rPr lang="pt-BR" i="1">
+                          <a:rPr lang="pt-BR" sz="2200" i="1">
                             <a:latin typeface="Cambria Math" panose="02040503050406030204" pitchFamily="18" charset="0"/>
                           </a:rPr>
                           <m:t>2</m:t>
@@ -6778,7 +6831,7 @@
                       </m:sub>
                     </m:sSub>
                     <m:r>
-                      <a:rPr lang="pt-BR" i="1">
+                      <a:rPr lang="pt-BR" sz="2200" i="1">
                         <a:latin typeface="Cambria Math" panose="02040503050406030204" pitchFamily="18" charset="0"/>
                         <a:ea typeface="Cambria Math" panose="02040503050406030204" pitchFamily="18" charset="0"/>
                       </a:rPr>
@@ -6787,14 +6840,14 @@
                     <m:sSub>
                       <m:sSubPr>
                         <m:ctrlPr>
-                          <a:rPr lang="pt-BR" i="1">
+                          <a:rPr lang="pt-BR" sz="2200" i="1">
                             <a:latin typeface="Cambria Math" panose="02040503050406030204" pitchFamily="18" charset="0"/>
                           </a:rPr>
                         </m:ctrlPr>
                       </m:sSubPr>
                       <m:e>
                         <m:r>
-                          <a:rPr lang="pt-BR" i="1">
+                          <a:rPr lang="pt-BR" sz="2200" i="1">
                             <a:latin typeface="Cambria Math" panose="02040503050406030204" pitchFamily="18" charset="0"/>
                           </a:rPr>
                           <m:t>𝑎</m:t>
@@ -6802,7 +6855,7 @@
                       </m:e>
                       <m:sub>
                         <m:r>
-                          <a:rPr lang="pt-BR" i="1">
+                          <a:rPr lang="pt-BR" sz="2200" i="1">
                             <a:latin typeface="Cambria Math" panose="02040503050406030204" pitchFamily="18" charset="0"/>
                           </a:rPr>
                           <m:t>1</m:t>
@@ -6810,7 +6863,7 @@
                       </m:sub>
                     </m:sSub>
                     <m:r>
-                      <a:rPr lang="pt-BR" i="1">
+                      <a:rPr lang="pt-BR" sz="2200" i="1">
                         <a:latin typeface="Cambria Math" panose="02040503050406030204" pitchFamily="18" charset="0"/>
                       </a:rPr>
                       <m:t>=−</m:t>
@@ -6818,14 +6871,14 @@
                     <m:sSub>
                       <m:sSubPr>
                         <m:ctrlPr>
-                          <a:rPr lang="pt-BR" i="1" smtClean="0">
+                          <a:rPr lang="pt-BR" sz="2200" i="1" smtClean="0">
                             <a:latin typeface="Cambria Math" panose="02040503050406030204" pitchFamily="18" charset="0"/>
                           </a:rPr>
                         </m:ctrlPr>
                       </m:sSubPr>
                       <m:e>
                         <m:r>
-                          <a:rPr lang="pt-BR" i="1">
+                          <a:rPr lang="pt-BR" sz="2200" i="1">
                             <a:latin typeface="Cambria Math" panose="02040503050406030204" pitchFamily="18" charset="0"/>
                           </a:rPr>
                           <m:t>𝑎</m:t>
@@ -6833,7 +6886,7 @@
                       </m:e>
                       <m:sub>
                         <m:r>
-                          <a:rPr lang="pt-BR" i="1">
+                          <a:rPr lang="pt-BR" sz="2200" i="1">
                             <a:latin typeface="Cambria Math" panose="02040503050406030204" pitchFamily="18" charset="0"/>
                           </a:rPr>
                           <m:t>2</m:t>
@@ -6842,7 +6895,7 @@
                     </m:sSub>
                   </m:oMath>
                 </a14:m>
-                <a:endParaRPr lang="pt-BR" dirty="0" smtClean="0"/>
+                <a:endParaRPr lang="pt-BR" dirty="0"/>
               </a:p>
               <a:p>
                 <a:pPr marL="285750" indent="-285750">
@@ -6850,7 +6903,7 @@
                   <a:buChar char="•"/>
                 </a:pPr>
                 <a:r>
-                  <a:rPr lang="pt-BR" dirty="0" smtClean="0"/>
+                  <a:rPr lang="pt-BR" dirty="0"/>
                   <a:t>Resolvendo o sistema, encontramos </a:t>
                 </a:r>
                 <a14:m>
@@ -6889,7 +6942,7 @@
                   </m:oMath>
                 </a14:m>
                 <a:r>
-                  <a:rPr lang="pt-BR" dirty="0" smtClean="0"/>
+                  <a:rPr lang="pt-BR" dirty="0"/>
                   <a:t>, </a:t>
                 </a:r>
                 <a14:m>
@@ -6934,7 +6987,7 @@
                   </m:oMath>
                 </a14:m>
                 <a:r>
-                  <a:rPr lang="pt-BR" dirty="0" smtClean="0"/>
+                  <a:rPr lang="pt-BR" dirty="0"/>
                   <a:t>, </a:t>
                 </a:r>
                 <a14:m>
@@ -6979,12 +7032,14 @@
                   </m:oMath>
                 </a14:m>
                 <a:r>
-                  <a:rPr lang="pt-BR" dirty="0" smtClean="0"/>
+                  <a:rPr lang="pt-BR" dirty="0"/>
                   <a:t>, então</a:t>
                 </a:r>
               </a:p>
               <a:p>
-                <a:pPr lvl="1"/>
+                <a:pPr marL="457200" lvl="1" indent="0">
+                  <a:buNone/>
+                </a:pPr>
                 <a14:m>
                   <m:oMathPara xmlns:m="http://schemas.openxmlformats.org/officeDocument/2006/math">
                     <m:oMathParaPr>
@@ -7103,27 +7158,32 @@
             </p:txBody>
           </p:sp>
         </mc:Choice>
-        <mc:Fallback xmlns="">
+        <mc:Fallback>
           <p:sp>
             <p:nvSpPr>
-              <p:cNvPr id="6" name="TextBox 5"/>
-              <p:cNvSpPr txBox="1">
-                <a:spLocks noRot="1" noChangeAspect="1" noMove="1" noResize="1" noEditPoints="1" noAdjustHandles="1" noChangeArrowheads="1" noChangeShapeType="1" noTextEdit="1"/>
+              <p:cNvPr id="3" name="Espaço Reservado para Conteúdo 2">
+                <a:extLst>
+                  <a:ext uri="{FF2B5EF4-FFF2-40B4-BE49-F238E27FC236}">
+                    <a16:creationId xmlns:a16="http://schemas.microsoft.com/office/drawing/2014/main" id="{D7290504-067B-0E2C-4C67-E1B8BAB5A122}"/>
+                  </a:ext>
+                </a:extLst>
+              </p:cNvPr>
+              <p:cNvSpPr>
+                <a:spLocks noGrp="1" noRot="1" noChangeAspect="1" noMove="1" noResize="1" noEditPoints="1" noAdjustHandles="1" noChangeArrowheads="1" noChangeShapeType="1" noTextEdit="1"/>
               </p:cNvSpPr>
-              <p:nvPr/>
+              <p:nvPr>
+                <p:ph idx="1"/>
+              </p:nvPr>
             </p:nvSpPr>
             <p:spPr>
               <a:xfrm>
-                <a:off x="5343529" y="2058091"/>
-                <a:ext cx="6848472" cy="3139321"/>
+                <a:off x="5403273" y="1825624"/>
+                <a:ext cx="6584511" cy="5032375"/>
               </a:xfrm>
-              <a:prstGeom prst="rect">
-                <a:avLst/>
-              </a:prstGeom>
-              <a:blipFill rotWithShape="0">
-                <a:blip r:embed="rId4"/>
+              <a:blipFill>
+                <a:blip r:embed="rId3"/>
                 <a:stretch>
-                  <a:fillRect l="-623" t="-1165"/>
+                  <a:fillRect l="-1388" t="-1816" r="-2405" b="-121"/>
                 </a:stretch>
               </a:blipFill>
             </p:spPr>
@@ -7142,423 +7202,586 @@
           </p:sp>
         </mc:Fallback>
       </mc:AlternateContent>
-      <mc:AlternateContent xmlns:mc="http://schemas.openxmlformats.org/markup-compatibility/2006" xmlns:a14="http://schemas.microsoft.com/office/drawing/2010/main">
-        <mc:Choice Requires="a14">
-          <p:sp>
-            <p:nvSpPr>
-              <p:cNvPr id="8" name="Rectangle 7"/>
-              <p:cNvSpPr/>
+      <p:grpSp>
+        <p:nvGrpSpPr>
+          <p:cNvPr id="4" name="Agrupar 3">
+            <a:extLst>
+              <a:ext uri="{FF2B5EF4-FFF2-40B4-BE49-F238E27FC236}">
+                <a16:creationId xmlns:a16="http://schemas.microsoft.com/office/drawing/2014/main" id="{1807672C-B502-DFF3-E3BD-B42FA13DA683}"/>
+              </a:ext>
+            </a:extLst>
+          </p:cNvPr>
+          <p:cNvGrpSpPr/>
+          <p:nvPr/>
+        </p:nvGrpSpPr>
+        <p:grpSpPr>
+          <a:xfrm>
+            <a:off x="99937" y="1964082"/>
+            <a:ext cx="5053968" cy="3789550"/>
+            <a:chOff x="172673" y="1558836"/>
+            <a:chExt cx="5053968" cy="3789550"/>
+          </a:xfrm>
+        </p:grpSpPr>
+        <p:grpSp>
+          <p:nvGrpSpPr>
+            <p:cNvPr id="5" name="Group 2">
+              <a:extLst>
+                <a:ext uri="{FF2B5EF4-FFF2-40B4-BE49-F238E27FC236}">
+                  <a16:creationId xmlns:a16="http://schemas.microsoft.com/office/drawing/2014/main" id="{C090EAA9-37F8-A84C-4FCA-CE5BE1ADAA9E}"/>
+                </a:ext>
+              </a:extLst>
+            </p:cNvPr>
+            <p:cNvGrpSpPr/>
+            <p:nvPr/>
+          </p:nvGrpSpPr>
+          <p:grpSpPr>
+            <a:xfrm>
+              <a:off x="172673" y="1907116"/>
+              <a:ext cx="5053968" cy="3441270"/>
+              <a:chOff x="163964" y="1690688"/>
+              <a:chExt cx="5053968" cy="3441270"/>
+            </a:xfrm>
+          </p:grpSpPr>
+          <p:pic>
+            <p:nvPicPr>
+              <p:cNvPr id="10" name="Picture 4">
+                <a:extLst>
+                  <a:ext uri="{FF2B5EF4-FFF2-40B4-BE49-F238E27FC236}">
+                    <a16:creationId xmlns:a16="http://schemas.microsoft.com/office/drawing/2014/main" id="{CD2F7C45-35D1-FB0F-61E3-3BE458B5BAEE}"/>
+                  </a:ext>
+                </a:extLst>
+              </p:cNvPr>
+              <p:cNvPicPr>
+                <a:picLocks noChangeAspect="1"/>
+              </p:cNvPicPr>
               <p:nvPr/>
-            </p:nvSpPr>
+            </p:nvPicPr>
+            <p:blipFill>
+              <a:blip r:embed="rId4">
+                <a:extLst>
+                  <a:ext uri="{28A0092B-C50C-407E-A947-70E740481C1C}">
+                    <a14:useLocalDpi xmlns:a14="http://schemas.microsoft.com/office/drawing/2010/main" val="0"/>
+                  </a:ext>
+                </a:extLst>
+              </a:blip>
+              <a:stretch>
+                <a:fillRect/>
+              </a:stretch>
+            </p:blipFill>
             <p:spPr>
               <a:xfrm>
-                <a:off x="2106486" y="1558836"/>
-                <a:ext cx="1224374" cy="369332"/>
+                <a:off x="163964" y="1690688"/>
+                <a:ext cx="5053968" cy="3441270"/>
               </a:xfrm>
               <a:prstGeom prst="rect">
                 <a:avLst/>
               </a:prstGeom>
             </p:spPr>
-            <p:txBody>
-              <a:bodyPr wrap="square">
-                <a:spAutoFit/>
-              </a:bodyPr>
-              <a:lstStyle/>
-              <a:p>
-                <a:pPr/>
-                <a14:m>
-                  <m:oMathPara xmlns:m="http://schemas.openxmlformats.org/officeDocument/2006/math">
-                    <m:oMathParaPr>
-                      <m:jc m:val="centerGroup"/>
-                    </m:oMathParaPr>
-                    <m:oMath xmlns:m="http://schemas.openxmlformats.org/officeDocument/2006/math">
-                      <m:sSub>
-                        <m:sSubPr>
-                          <m:ctrlPr>
-                            <a:rPr lang="pt-BR" i="1" smtClean="0">
-                              <a:latin typeface="Cambria Math" panose="02040503050406030204" pitchFamily="18" charset="0"/>
-                            </a:rPr>
-                          </m:ctrlPr>
-                        </m:sSubPr>
-                        <m:e>
-                          <m:r>
-                            <a:rPr lang="pt-BR" b="0" i="1" smtClean="0">
-                              <a:latin typeface="Cambria Math" panose="02040503050406030204" pitchFamily="18" charset="0"/>
-                            </a:rPr>
-                            <m:t>𝑔</m:t>
-                          </m:r>
-                        </m:e>
-                        <m:sub>
-                          <m:r>
-                            <a:rPr lang="pt-BR" b="0" i="1" smtClean="0">
-                              <a:latin typeface="Cambria Math" panose="02040503050406030204" pitchFamily="18" charset="0"/>
-                            </a:rPr>
-                            <m:t>2</m:t>
-                          </m:r>
-                        </m:sub>
-                      </m:sSub>
-                      <m:d>
-                        <m:dPr>
-                          <m:ctrlPr>
-                            <a:rPr lang="pt-BR" b="0" i="1" smtClean="0">
-                              <a:latin typeface="Cambria Math" panose="02040503050406030204" pitchFamily="18" charset="0"/>
-                            </a:rPr>
-                          </m:ctrlPr>
-                        </m:dPr>
-                        <m:e>
-                          <m:r>
-                            <a:rPr lang="pt-BR" b="0" i="1" smtClean="0">
-                              <a:latin typeface="Cambria Math" panose="02040503050406030204" pitchFamily="18" charset="0"/>
-                            </a:rPr>
-                            <m:t>𝑥</m:t>
-                          </m:r>
-                        </m:e>
-                      </m:d>
-                      <m:r>
-                        <a:rPr lang="pt-BR" b="0" i="1" smtClean="0">
-                          <a:latin typeface="Cambria Math" panose="02040503050406030204" pitchFamily="18" charset="0"/>
-                        </a:rPr>
-                        <m:t>=0</m:t>
-                      </m:r>
-                    </m:oMath>
-                  </m:oMathPara>
-                </a14:m>
-                <a:endParaRPr lang="pt-BR" dirty="0"/>
-              </a:p>
-            </p:txBody>
-          </p:sp>
-        </mc:Choice>
-        <mc:Fallback xmlns="">
-          <p:sp>
-            <p:nvSpPr>
-              <p:cNvPr id="8" name="Rectangle 7"/>
-              <p:cNvSpPr>
-                <a:spLocks noRot="1" noChangeAspect="1" noMove="1" noResize="1" noEditPoints="1" noAdjustHandles="1" noChangeArrowheads="1" noChangeShapeType="1" noTextEdit="1"/>
-              </p:cNvSpPr>
+          </p:pic>
+          <p:cxnSp>
+            <p:nvCxnSpPr>
+              <p:cNvPr id="11" name="Straight Connector 6">
+                <a:extLst>
+                  <a:ext uri="{FF2B5EF4-FFF2-40B4-BE49-F238E27FC236}">
+                    <a16:creationId xmlns:a16="http://schemas.microsoft.com/office/drawing/2014/main" id="{5E214E94-E88B-4C15-9C56-4102AA975637}"/>
+                  </a:ext>
+                </a:extLst>
+              </p:cNvPr>
+              <p:cNvCxnSpPr/>
               <p:nvPr/>
-            </p:nvSpPr>
+            </p:nvCxnSpPr>
             <p:spPr>
-              <a:xfrm>
-                <a:off x="2106486" y="1558836"/>
-                <a:ext cx="1224374" cy="369332"/>
+              <a:xfrm flipH="1">
+                <a:off x="783771" y="1845958"/>
+                <a:ext cx="4214949" cy="2751908"/>
               </a:xfrm>
-              <a:prstGeom prst="rect">
+              <a:prstGeom prst="line">
                 <a:avLst/>
               </a:prstGeom>
-              <a:blipFill rotWithShape="0">
-                <a:blip r:embed="rId5"/>
-                <a:stretch>
-                  <a:fillRect b="-6667"/>
-                </a:stretch>
-              </a:blipFill>
+              <a:ln w="28575">
+                <a:solidFill>
+                  <a:schemeClr val="tx1"/>
+                </a:solidFill>
+                <a:prstDash val="dash"/>
+              </a:ln>
             </p:spPr>
-            <p:txBody>
-              <a:bodyPr/>
-              <a:lstStyle/>
-              <a:p>
-                <a:r>
-                  <a:rPr lang="pt-BR">
-                    <a:noFill/>
-                  </a:rPr>
-                  <a:t> </a:t>
-                </a:r>
-              </a:p>
-            </p:txBody>
-          </p:sp>
-        </mc:Fallback>
-      </mc:AlternateContent>
-      <p:cxnSp>
-        <p:nvCxnSpPr>
-          <p:cNvPr id="9" name="Curved Connector 8"/>
-          <p:cNvCxnSpPr>
-            <a:endCxn id="8" idx="2"/>
-          </p:cNvCxnSpPr>
-          <p:nvPr/>
-        </p:nvCxnSpPr>
-        <p:spPr>
-          <a:xfrm rot="16200000" flipV="1">
-            <a:off x="2375673" y="2271169"/>
-            <a:ext cx="1241753" cy="555751"/>
-          </a:xfrm>
-          <a:prstGeom prst="curvedConnector3">
-            <a:avLst/>
-          </a:prstGeom>
-          <a:ln>
-            <a:solidFill>
+            <p:style>
+              <a:lnRef idx="1">
+                <a:schemeClr val="accent1"/>
+              </a:lnRef>
+              <a:fillRef idx="0">
+                <a:schemeClr val="accent1"/>
+              </a:fillRef>
+              <a:effectRef idx="0">
+                <a:schemeClr val="accent1"/>
+              </a:effectRef>
+              <a:fontRef idx="minor">
+                <a:schemeClr val="tx1"/>
+              </a:fontRef>
+            </p:style>
+          </p:cxnSp>
+        </p:grpSp>
+        <mc:AlternateContent xmlns:mc="http://schemas.openxmlformats.org/markup-compatibility/2006">
+          <mc:Choice xmlns:a14="http://schemas.microsoft.com/office/drawing/2010/main" Requires="a14">
+            <p:sp>
+              <p:nvSpPr>
+                <p:cNvPr id="6" name="Rectangle 7">
+                  <a:extLst>
+                    <a:ext uri="{FF2B5EF4-FFF2-40B4-BE49-F238E27FC236}">
+                      <a16:creationId xmlns:a16="http://schemas.microsoft.com/office/drawing/2014/main" id="{2B4811CA-A247-D8E6-18FB-F64056FE1C24}"/>
+                    </a:ext>
+                  </a:extLst>
+                </p:cNvPr>
+                <p:cNvSpPr/>
+                <p:nvPr/>
+              </p:nvSpPr>
+              <p:spPr>
+                <a:xfrm>
+                  <a:off x="2106486" y="1558836"/>
+                  <a:ext cx="1224374" cy="369332"/>
+                </a:xfrm>
+                <a:prstGeom prst="rect">
+                  <a:avLst/>
+                </a:prstGeom>
+              </p:spPr>
+              <p:txBody>
+                <a:bodyPr wrap="square">
+                  <a:spAutoFit/>
+                </a:bodyPr>
+                <a:lstStyle/>
+                <a:p>
+                  <a:pPr/>
+                  <a14:m>
+                    <m:oMathPara xmlns:m="http://schemas.openxmlformats.org/officeDocument/2006/math">
+                      <m:oMathParaPr>
+                        <m:jc m:val="centerGroup"/>
+                      </m:oMathParaPr>
+                      <m:oMath xmlns:m="http://schemas.openxmlformats.org/officeDocument/2006/math">
+                        <m:sSub>
+                          <m:sSubPr>
+                            <m:ctrlPr>
+                              <a:rPr lang="pt-BR" i="1" smtClean="0">
+                                <a:latin typeface="Cambria Math" panose="02040503050406030204" pitchFamily="18" charset="0"/>
+                              </a:rPr>
+                            </m:ctrlPr>
+                          </m:sSubPr>
+                          <m:e>
+                            <m:r>
+                              <a:rPr lang="pt-BR" b="0" i="1" smtClean="0">
+                                <a:latin typeface="Cambria Math" panose="02040503050406030204" pitchFamily="18" charset="0"/>
+                              </a:rPr>
+                              <m:t>𝑔</m:t>
+                            </m:r>
+                          </m:e>
+                          <m:sub>
+                            <m:r>
+                              <a:rPr lang="pt-BR" b="0" i="1" smtClean="0">
+                                <a:latin typeface="Cambria Math" panose="02040503050406030204" pitchFamily="18" charset="0"/>
+                              </a:rPr>
+                              <m:t>2</m:t>
+                            </m:r>
+                          </m:sub>
+                        </m:sSub>
+                        <m:d>
+                          <m:dPr>
+                            <m:ctrlPr>
+                              <a:rPr lang="pt-BR" b="0" i="1" smtClean="0">
+                                <a:latin typeface="Cambria Math" panose="02040503050406030204" pitchFamily="18" charset="0"/>
+                              </a:rPr>
+                            </m:ctrlPr>
+                          </m:dPr>
+                          <m:e>
+                            <m:r>
+                              <a:rPr lang="pt-BR" b="0" i="1" smtClean="0">
+                                <a:latin typeface="Cambria Math" panose="02040503050406030204" pitchFamily="18" charset="0"/>
+                              </a:rPr>
+                              <m:t>𝑥</m:t>
+                            </m:r>
+                          </m:e>
+                        </m:d>
+                        <m:r>
+                          <a:rPr lang="pt-BR" b="0" i="1" smtClean="0">
+                            <a:latin typeface="Cambria Math" panose="02040503050406030204" pitchFamily="18" charset="0"/>
+                          </a:rPr>
+                          <m:t>=0</m:t>
+                        </m:r>
+                      </m:oMath>
+                    </m:oMathPara>
+                  </a14:m>
+                  <a:endParaRPr lang="pt-BR" dirty="0"/>
+                </a:p>
+              </p:txBody>
+            </p:sp>
+          </mc:Choice>
+          <mc:Fallback>
+            <p:sp>
+              <p:nvSpPr>
+                <p:cNvPr id="6" name="Rectangle 7">
+                  <a:extLst>
+                    <a:ext uri="{FF2B5EF4-FFF2-40B4-BE49-F238E27FC236}">
+                      <a16:creationId xmlns:a16="http://schemas.microsoft.com/office/drawing/2014/main" id="{2B4811CA-A247-D8E6-18FB-F64056FE1C24}"/>
+                    </a:ext>
+                  </a:extLst>
+                </p:cNvPr>
+                <p:cNvSpPr>
+                  <a:spLocks noRot="1" noChangeAspect="1" noMove="1" noResize="1" noEditPoints="1" noAdjustHandles="1" noChangeArrowheads="1" noChangeShapeType="1" noTextEdit="1"/>
+                </p:cNvSpPr>
+                <p:nvPr/>
+              </p:nvSpPr>
+              <p:spPr>
+                <a:xfrm>
+                  <a:off x="2106486" y="1558836"/>
+                  <a:ext cx="1224374" cy="369332"/>
+                </a:xfrm>
+                <a:prstGeom prst="rect">
+                  <a:avLst/>
+                </a:prstGeom>
+                <a:blipFill>
+                  <a:blip r:embed="rId5"/>
+                  <a:stretch>
+                    <a:fillRect b="-6557"/>
+                  </a:stretch>
+                </a:blipFill>
+              </p:spPr>
+              <p:txBody>
+                <a:bodyPr/>
+                <a:lstStyle/>
+                <a:p>
+                  <a:r>
+                    <a:rPr lang="pt-BR">
+                      <a:noFill/>
+                    </a:rPr>
+                    <a:t> </a:t>
+                  </a:r>
+                </a:p>
+              </p:txBody>
+            </p:sp>
+          </mc:Fallback>
+        </mc:AlternateContent>
+        <p:cxnSp>
+          <p:nvCxnSpPr>
+            <p:cNvPr id="7" name="Curved Connector 8">
+              <a:extLst>
+                <a:ext uri="{FF2B5EF4-FFF2-40B4-BE49-F238E27FC236}">
+                  <a16:creationId xmlns:a16="http://schemas.microsoft.com/office/drawing/2014/main" id="{B7021C86-1F27-63E1-99D7-D23D1E259459}"/>
+                </a:ext>
+              </a:extLst>
+            </p:cNvPr>
+            <p:cNvCxnSpPr>
+              <a:cxnSpLocks/>
+              <a:endCxn id="6" idx="2"/>
+            </p:cNvCxnSpPr>
+            <p:nvPr/>
+          </p:nvCxnSpPr>
+          <p:spPr>
+            <a:xfrm rot="16200000" flipV="1">
+              <a:off x="2375673" y="2271169"/>
+              <a:ext cx="1241753" cy="555751"/>
+            </a:xfrm>
+            <a:prstGeom prst="curvedConnector3">
+              <a:avLst/>
+            </a:prstGeom>
+            <a:ln>
+              <a:solidFill>
+                <a:schemeClr val="tx1"/>
+              </a:solidFill>
+              <a:tailEnd type="triangle"/>
+            </a:ln>
+          </p:spPr>
+          <p:style>
+            <a:lnRef idx="1">
+              <a:schemeClr val="accent1"/>
+            </a:lnRef>
+            <a:fillRef idx="0">
+              <a:schemeClr val="accent1"/>
+            </a:fillRef>
+            <a:effectRef idx="0">
+              <a:schemeClr val="accent1"/>
+            </a:effectRef>
+            <a:fontRef idx="minor">
               <a:schemeClr val="tx1"/>
-            </a:solidFill>
-            <a:tailEnd type="triangle"/>
-          </a:ln>
-        </p:spPr>
-        <p:style>
-          <a:lnRef idx="1">
-            <a:schemeClr val="accent1"/>
-          </a:lnRef>
-          <a:fillRef idx="0">
-            <a:schemeClr val="accent1"/>
-          </a:fillRef>
-          <a:effectRef idx="0">
-            <a:schemeClr val="accent1"/>
-          </a:effectRef>
-          <a:fontRef idx="minor">
-            <a:schemeClr val="tx1"/>
-          </a:fontRef>
-        </p:style>
-      </p:cxnSp>
-      <mc:AlternateContent xmlns:mc="http://schemas.openxmlformats.org/markup-compatibility/2006" xmlns:a14="http://schemas.microsoft.com/office/drawing/2010/main">
-        <mc:Choice Requires="a14">
-          <p:sp>
-            <p:nvSpPr>
-              <p:cNvPr id="10" name="Rectangle 9"/>
-              <p:cNvSpPr/>
-              <p:nvPr/>
-            </p:nvSpPr>
-            <p:spPr>
-              <a:xfrm>
-                <a:off x="2781705" y="4324444"/>
-                <a:ext cx="1229696" cy="369332"/>
-              </a:xfrm>
-              <a:prstGeom prst="rect">
-                <a:avLst/>
-              </a:prstGeom>
-            </p:spPr>
-            <p:txBody>
-              <a:bodyPr wrap="none">
-                <a:spAutoFit/>
-              </a:bodyPr>
-              <a:lstStyle/>
-              <a:p>
-                <a:pPr/>
-                <a14:m>
-                  <m:oMathPara xmlns:m="http://schemas.openxmlformats.org/officeDocument/2006/math">
-                    <m:oMathParaPr>
-                      <m:jc m:val="centerGroup"/>
-                    </m:oMathParaPr>
-                    <m:oMath xmlns:m="http://schemas.openxmlformats.org/officeDocument/2006/math">
-                      <m:sSub>
-                        <m:sSubPr>
-                          <m:ctrlPr>
-                            <a:rPr lang="pt-BR" i="1" smtClean="0">
-                              <a:latin typeface="Cambria Math" panose="02040503050406030204" pitchFamily="18" charset="0"/>
-                            </a:rPr>
-                          </m:ctrlPr>
-                        </m:sSubPr>
-                        <m:e>
-                          <m:r>
-                            <a:rPr lang="pt-BR" b="0" i="1" smtClean="0">
-                              <a:latin typeface="Cambria Math" panose="02040503050406030204" pitchFamily="18" charset="0"/>
-                            </a:rPr>
-                            <m:t>𝑔</m:t>
-                          </m:r>
-                        </m:e>
-                        <m:sub>
-                          <m:r>
-                            <a:rPr lang="pt-BR" b="0" i="1" smtClean="0">
-                              <a:latin typeface="Cambria Math" panose="02040503050406030204" pitchFamily="18" charset="0"/>
-                            </a:rPr>
-                            <m:t>2</m:t>
-                          </m:r>
-                        </m:sub>
-                      </m:sSub>
-                      <m:d>
-                        <m:dPr>
-                          <m:ctrlPr>
-                            <a:rPr lang="pt-BR" b="0" i="1" smtClean="0">
-                              <a:latin typeface="Cambria Math" panose="02040503050406030204" pitchFamily="18" charset="0"/>
-                            </a:rPr>
-                          </m:ctrlPr>
-                        </m:dPr>
-                        <m:e>
-                          <m:r>
-                            <a:rPr lang="pt-BR" b="0" i="1" smtClean="0">
-                              <a:latin typeface="Cambria Math" panose="02040503050406030204" pitchFamily="18" charset="0"/>
-                            </a:rPr>
-                            <m:t>𝑥</m:t>
-                          </m:r>
-                        </m:e>
-                      </m:d>
-                      <m:r>
-                        <a:rPr lang="pt-BR" b="0" i="1" smtClean="0">
-                          <a:latin typeface="Cambria Math" panose="02040503050406030204" pitchFamily="18" charset="0"/>
-                        </a:rPr>
-                        <m:t>&gt;0</m:t>
-                      </m:r>
-                    </m:oMath>
-                  </m:oMathPara>
-                </a14:m>
-                <a:endParaRPr lang="pt-BR" dirty="0"/>
-              </a:p>
-            </p:txBody>
-          </p:sp>
-        </mc:Choice>
-        <mc:Fallback xmlns="">
-          <p:sp>
-            <p:nvSpPr>
-              <p:cNvPr id="10" name="Rectangle 9"/>
-              <p:cNvSpPr>
-                <a:spLocks noRot="1" noChangeAspect="1" noMove="1" noResize="1" noEditPoints="1" noAdjustHandles="1" noChangeArrowheads="1" noChangeShapeType="1" noTextEdit="1"/>
-              </p:cNvSpPr>
-              <p:nvPr/>
-            </p:nvSpPr>
-            <p:spPr>
-              <a:xfrm>
-                <a:off x="2781705" y="4324444"/>
-                <a:ext cx="1229696" cy="369332"/>
-              </a:xfrm>
-              <a:prstGeom prst="rect">
-                <a:avLst/>
-              </a:prstGeom>
-              <a:blipFill rotWithShape="0">
-                <a:blip r:embed="rId6"/>
-                <a:stretch>
-                  <a:fillRect b="-6557"/>
-                </a:stretch>
-              </a:blipFill>
-            </p:spPr>
-            <p:txBody>
-              <a:bodyPr/>
-              <a:lstStyle/>
-              <a:p>
-                <a:r>
-                  <a:rPr lang="pt-BR">
-                    <a:noFill/>
-                  </a:rPr>
-                  <a:t> </a:t>
-                </a:r>
-              </a:p>
-            </p:txBody>
-          </p:sp>
-        </mc:Fallback>
-      </mc:AlternateContent>
-      <mc:AlternateContent xmlns:mc="http://schemas.openxmlformats.org/markup-compatibility/2006" xmlns:a14="http://schemas.microsoft.com/office/drawing/2010/main">
-        <mc:Choice Requires="a14">
-          <p:sp>
-            <p:nvSpPr>
-              <p:cNvPr id="11" name="Rectangle 10"/>
-              <p:cNvSpPr/>
-              <p:nvPr/>
-            </p:nvSpPr>
-            <p:spPr>
-              <a:xfrm>
-                <a:off x="882112" y="2800589"/>
-                <a:ext cx="1229696" cy="369332"/>
-              </a:xfrm>
-              <a:prstGeom prst="rect">
-                <a:avLst/>
-              </a:prstGeom>
-            </p:spPr>
-            <p:txBody>
-              <a:bodyPr wrap="none">
-                <a:spAutoFit/>
-              </a:bodyPr>
-              <a:lstStyle/>
-              <a:p>
-                <a:pPr/>
-                <a14:m>
-                  <m:oMathPara xmlns:m="http://schemas.openxmlformats.org/officeDocument/2006/math">
-                    <m:oMathParaPr>
-                      <m:jc m:val="centerGroup"/>
-                    </m:oMathParaPr>
-                    <m:oMath xmlns:m="http://schemas.openxmlformats.org/officeDocument/2006/math">
-                      <m:sSub>
-                        <m:sSubPr>
-                          <m:ctrlPr>
-                            <a:rPr lang="pt-BR" i="1" smtClean="0">
-                              <a:latin typeface="Cambria Math" panose="02040503050406030204" pitchFamily="18" charset="0"/>
-                            </a:rPr>
-                          </m:ctrlPr>
-                        </m:sSubPr>
-                        <m:e>
-                          <m:r>
-                            <a:rPr lang="pt-BR" b="0" i="1" smtClean="0">
-                              <a:latin typeface="Cambria Math" panose="02040503050406030204" pitchFamily="18" charset="0"/>
-                            </a:rPr>
-                            <m:t>𝑔</m:t>
-                          </m:r>
-                        </m:e>
-                        <m:sub>
-                          <m:r>
-                            <a:rPr lang="pt-BR" b="0" i="1" smtClean="0">
-                              <a:latin typeface="Cambria Math" panose="02040503050406030204" pitchFamily="18" charset="0"/>
-                            </a:rPr>
-                            <m:t>2</m:t>
-                          </m:r>
-                        </m:sub>
-                      </m:sSub>
-                      <m:d>
-                        <m:dPr>
-                          <m:ctrlPr>
-                            <a:rPr lang="pt-BR" b="0" i="1" smtClean="0">
-                              <a:latin typeface="Cambria Math" panose="02040503050406030204" pitchFamily="18" charset="0"/>
-                            </a:rPr>
-                          </m:ctrlPr>
-                        </m:dPr>
-                        <m:e>
-                          <m:r>
-                            <a:rPr lang="pt-BR" b="0" i="1" smtClean="0">
-                              <a:latin typeface="Cambria Math" panose="02040503050406030204" pitchFamily="18" charset="0"/>
-                            </a:rPr>
-                            <m:t>𝑥</m:t>
-                          </m:r>
-                        </m:e>
-                      </m:d>
-                      <m:r>
-                        <a:rPr lang="pt-BR" b="0" i="1" smtClean="0">
-                          <a:latin typeface="Cambria Math" panose="02040503050406030204" pitchFamily="18" charset="0"/>
-                        </a:rPr>
-                        <m:t>&lt;0</m:t>
-                      </m:r>
-                    </m:oMath>
-                  </m:oMathPara>
-                </a14:m>
-                <a:endParaRPr lang="pt-BR" dirty="0"/>
-              </a:p>
-            </p:txBody>
-          </p:sp>
-        </mc:Choice>
-        <mc:Fallback xmlns="">
-          <p:sp>
-            <p:nvSpPr>
-              <p:cNvPr id="11" name="Rectangle 10"/>
-              <p:cNvSpPr>
-                <a:spLocks noRot="1" noChangeAspect="1" noMove="1" noResize="1" noEditPoints="1" noAdjustHandles="1" noChangeArrowheads="1" noChangeShapeType="1" noTextEdit="1"/>
-              </p:cNvSpPr>
-              <p:nvPr/>
-            </p:nvSpPr>
-            <p:spPr>
-              <a:xfrm>
-                <a:off x="882112" y="2800589"/>
-                <a:ext cx="1229696" cy="369332"/>
-              </a:xfrm>
-              <a:prstGeom prst="rect">
-                <a:avLst/>
-              </a:prstGeom>
-              <a:blipFill rotWithShape="0">
-                <a:blip r:embed="rId7"/>
-                <a:stretch>
-                  <a:fillRect b="-6557"/>
-                </a:stretch>
-              </a:blipFill>
-            </p:spPr>
-            <p:txBody>
-              <a:bodyPr/>
-              <a:lstStyle/>
-              <a:p>
-                <a:r>
-                  <a:rPr lang="pt-BR">
-                    <a:noFill/>
-                  </a:rPr>
-                  <a:t> </a:t>
-                </a:r>
-              </a:p>
-            </p:txBody>
-          </p:sp>
-        </mc:Fallback>
-      </mc:AlternateContent>
+            </a:fontRef>
+          </p:style>
+        </p:cxnSp>
+        <mc:AlternateContent xmlns:mc="http://schemas.openxmlformats.org/markup-compatibility/2006">
+          <mc:Choice xmlns:a14="http://schemas.microsoft.com/office/drawing/2010/main" Requires="a14">
+            <p:sp>
+              <p:nvSpPr>
+                <p:cNvPr id="8" name="Rectangle 9">
+                  <a:extLst>
+                    <a:ext uri="{FF2B5EF4-FFF2-40B4-BE49-F238E27FC236}">
+                      <a16:creationId xmlns:a16="http://schemas.microsoft.com/office/drawing/2014/main" id="{AFA52A7A-3F40-3310-98A6-91945A12D3B3}"/>
+                    </a:ext>
+                  </a:extLst>
+                </p:cNvPr>
+                <p:cNvSpPr/>
+                <p:nvPr/>
+              </p:nvSpPr>
+              <p:spPr>
+                <a:xfrm>
+                  <a:off x="2781705" y="4324444"/>
+                  <a:ext cx="1229696" cy="369332"/>
+                </a:xfrm>
+                <a:prstGeom prst="rect">
+                  <a:avLst/>
+                </a:prstGeom>
+              </p:spPr>
+              <p:txBody>
+                <a:bodyPr wrap="none">
+                  <a:spAutoFit/>
+                </a:bodyPr>
+                <a:lstStyle/>
+                <a:p>
+                  <a:pPr/>
+                  <a14:m>
+                    <m:oMathPara xmlns:m="http://schemas.openxmlformats.org/officeDocument/2006/math">
+                      <m:oMathParaPr>
+                        <m:jc m:val="centerGroup"/>
+                      </m:oMathParaPr>
+                      <m:oMath xmlns:m="http://schemas.openxmlformats.org/officeDocument/2006/math">
+                        <m:sSub>
+                          <m:sSubPr>
+                            <m:ctrlPr>
+                              <a:rPr lang="pt-BR" i="1" smtClean="0">
+                                <a:latin typeface="Cambria Math" panose="02040503050406030204" pitchFamily="18" charset="0"/>
+                              </a:rPr>
+                            </m:ctrlPr>
+                          </m:sSubPr>
+                          <m:e>
+                            <m:r>
+                              <a:rPr lang="pt-BR" b="0" i="1" smtClean="0">
+                                <a:latin typeface="Cambria Math" panose="02040503050406030204" pitchFamily="18" charset="0"/>
+                              </a:rPr>
+                              <m:t>𝑔</m:t>
+                            </m:r>
+                          </m:e>
+                          <m:sub>
+                            <m:r>
+                              <a:rPr lang="pt-BR" b="0" i="1" smtClean="0">
+                                <a:latin typeface="Cambria Math" panose="02040503050406030204" pitchFamily="18" charset="0"/>
+                              </a:rPr>
+                              <m:t>2</m:t>
+                            </m:r>
+                          </m:sub>
+                        </m:sSub>
+                        <m:d>
+                          <m:dPr>
+                            <m:ctrlPr>
+                              <a:rPr lang="pt-BR" b="0" i="1" smtClean="0">
+                                <a:latin typeface="Cambria Math" panose="02040503050406030204" pitchFamily="18" charset="0"/>
+                              </a:rPr>
+                            </m:ctrlPr>
+                          </m:dPr>
+                          <m:e>
+                            <m:r>
+                              <a:rPr lang="pt-BR" b="0" i="1" smtClean="0">
+                                <a:latin typeface="Cambria Math" panose="02040503050406030204" pitchFamily="18" charset="0"/>
+                              </a:rPr>
+                              <m:t>𝑥</m:t>
+                            </m:r>
+                          </m:e>
+                        </m:d>
+                        <m:r>
+                          <a:rPr lang="pt-BR" b="0" i="1" smtClean="0">
+                            <a:latin typeface="Cambria Math" panose="02040503050406030204" pitchFamily="18" charset="0"/>
+                          </a:rPr>
+                          <m:t>&gt;0</m:t>
+                        </m:r>
+                      </m:oMath>
+                    </m:oMathPara>
+                  </a14:m>
+                  <a:endParaRPr lang="pt-BR" dirty="0"/>
+                </a:p>
+              </p:txBody>
+            </p:sp>
+          </mc:Choice>
+          <mc:Fallback>
+            <p:sp>
+              <p:nvSpPr>
+                <p:cNvPr id="8" name="Rectangle 9">
+                  <a:extLst>
+                    <a:ext uri="{FF2B5EF4-FFF2-40B4-BE49-F238E27FC236}">
+                      <a16:creationId xmlns:a16="http://schemas.microsoft.com/office/drawing/2014/main" id="{AFA52A7A-3F40-3310-98A6-91945A12D3B3}"/>
+                    </a:ext>
+                  </a:extLst>
+                </p:cNvPr>
+                <p:cNvSpPr>
+                  <a:spLocks noRot="1" noChangeAspect="1" noMove="1" noResize="1" noEditPoints="1" noAdjustHandles="1" noChangeArrowheads="1" noChangeShapeType="1" noTextEdit="1"/>
+                </p:cNvSpPr>
+                <p:nvPr/>
+              </p:nvSpPr>
+              <p:spPr>
+                <a:xfrm>
+                  <a:off x="2781705" y="4324444"/>
+                  <a:ext cx="1229696" cy="369332"/>
+                </a:xfrm>
+                <a:prstGeom prst="rect">
+                  <a:avLst/>
+                </a:prstGeom>
+                <a:blipFill>
+                  <a:blip r:embed="rId6"/>
+                  <a:stretch>
+                    <a:fillRect b="-6667"/>
+                  </a:stretch>
+                </a:blipFill>
+              </p:spPr>
+              <p:txBody>
+                <a:bodyPr/>
+                <a:lstStyle/>
+                <a:p>
+                  <a:r>
+                    <a:rPr lang="pt-BR">
+                      <a:noFill/>
+                    </a:rPr>
+                    <a:t> </a:t>
+                  </a:r>
+                </a:p>
+              </p:txBody>
+            </p:sp>
+          </mc:Fallback>
+        </mc:AlternateContent>
+        <mc:AlternateContent xmlns:mc="http://schemas.openxmlformats.org/markup-compatibility/2006">
+          <mc:Choice xmlns:a14="http://schemas.microsoft.com/office/drawing/2010/main" Requires="a14">
+            <p:sp>
+              <p:nvSpPr>
+                <p:cNvPr id="9" name="Rectangle 10">
+                  <a:extLst>
+                    <a:ext uri="{FF2B5EF4-FFF2-40B4-BE49-F238E27FC236}">
+                      <a16:creationId xmlns:a16="http://schemas.microsoft.com/office/drawing/2014/main" id="{B4F5FB02-B149-867C-A388-FDB46341ECD4}"/>
+                    </a:ext>
+                  </a:extLst>
+                </p:cNvPr>
+                <p:cNvSpPr/>
+                <p:nvPr/>
+              </p:nvSpPr>
+              <p:spPr>
+                <a:xfrm>
+                  <a:off x="882112" y="2800589"/>
+                  <a:ext cx="1229696" cy="369332"/>
+                </a:xfrm>
+                <a:prstGeom prst="rect">
+                  <a:avLst/>
+                </a:prstGeom>
+              </p:spPr>
+              <p:txBody>
+                <a:bodyPr wrap="none">
+                  <a:spAutoFit/>
+                </a:bodyPr>
+                <a:lstStyle/>
+                <a:p>
+                  <a:pPr/>
+                  <a14:m>
+                    <m:oMathPara xmlns:m="http://schemas.openxmlformats.org/officeDocument/2006/math">
+                      <m:oMathParaPr>
+                        <m:jc m:val="centerGroup"/>
+                      </m:oMathParaPr>
+                      <m:oMath xmlns:m="http://schemas.openxmlformats.org/officeDocument/2006/math">
+                        <m:sSub>
+                          <m:sSubPr>
+                            <m:ctrlPr>
+                              <a:rPr lang="pt-BR" i="1" smtClean="0">
+                                <a:latin typeface="Cambria Math" panose="02040503050406030204" pitchFamily="18" charset="0"/>
+                              </a:rPr>
+                            </m:ctrlPr>
+                          </m:sSubPr>
+                          <m:e>
+                            <m:r>
+                              <a:rPr lang="pt-BR" b="0" i="1" smtClean="0">
+                                <a:latin typeface="Cambria Math" panose="02040503050406030204" pitchFamily="18" charset="0"/>
+                              </a:rPr>
+                              <m:t>𝑔</m:t>
+                            </m:r>
+                          </m:e>
+                          <m:sub>
+                            <m:r>
+                              <a:rPr lang="pt-BR" b="0" i="1" smtClean="0">
+                                <a:latin typeface="Cambria Math" panose="02040503050406030204" pitchFamily="18" charset="0"/>
+                              </a:rPr>
+                              <m:t>2</m:t>
+                            </m:r>
+                          </m:sub>
+                        </m:sSub>
+                        <m:d>
+                          <m:dPr>
+                            <m:ctrlPr>
+                              <a:rPr lang="pt-BR" b="0" i="1" smtClean="0">
+                                <a:latin typeface="Cambria Math" panose="02040503050406030204" pitchFamily="18" charset="0"/>
+                              </a:rPr>
+                            </m:ctrlPr>
+                          </m:dPr>
+                          <m:e>
+                            <m:r>
+                              <a:rPr lang="pt-BR" b="0" i="1" smtClean="0">
+                                <a:latin typeface="Cambria Math" panose="02040503050406030204" pitchFamily="18" charset="0"/>
+                              </a:rPr>
+                              <m:t>𝑥</m:t>
+                            </m:r>
+                          </m:e>
+                        </m:d>
+                        <m:r>
+                          <a:rPr lang="pt-BR" b="0" i="1" smtClean="0">
+                            <a:latin typeface="Cambria Math" panose="02040503050406030204" pitchFamily="18" charset="0"/>
+                          </a:rPr>
+                          <m:t>&lt;0</m:t>
+                        </m:r>
+                      </m:oMath>
+                    </m:oMathPara>
+                  </a14:m>
+                  <a:endParaRPr lang="pt-BR" dirty="0"/>
+                </a:p>
+              </p:txBody>
+            </p:sp>
+          </mc:Choice>
+          <mc:Fallback>
+            <p:sp>
+              <p:nvSpPr>
+                <p:cNvPr id="9" name="Rectangle 10">
+                  <a:extLst>
+                    <a:ext uri="{FF2B5EF4-FFF2-40B4-BE49-F238E27FC236}">
+                      <a16:creationId xmlns:a16="http://schemas.microsoft.com/office/drawing/2014/main" id="{B4F5FB02-B149-867C-A388-FDB46341ECD4}"/>
+                    </a:ext>
+                  </a:extLst>
+                </p:cNvPr>
+                <p:cNvSpPr>
+                  <a:spLocks noRot="1" noChangeAspect="1" noMove="1" noResize="1" noEditPoints="1" noAdjustHandles="1" noChangeArrowheads="1" noChangeShapeType="1" noTextEdit="1"/>
+                </p:cNvSpPr>
+                <p:nvPr/>
+              </p:nvSpPr>
+              <p:spPr>
+                <a:xfrm>
+                  <a:off x="882112" y="2800589"/>
+                  <a:ext cx="1229696" cy="369332"/>
+                </a:xfrm>
+                <a:prstGeom prst="rect">
+                  <a:avLst/>
+                </a:prstGeom>
+                <a:blipFill>
+                  <a:blip r:embed="rId7"/>
+                  <a:stretch>
+                    <a:fillRect b="-6667"/>
+                  </a:stretch>
+                </a:blipFill>
+              </p:spPr>
+              <p:txBody>
+                <a:bodyPr/>
+                <a:lstStyle/>
+                <a:p>
+                  <a:r>
+                    <a:rPr lang="pt-BR">
+                      <a:noFill/>
+                    </a:rPr>
+                    <a:t> </a:t>
+                  </a:r>
+                </a:p>
+              </p:txBody>
+            </p:sp>
+          </mc:Fallback>
+        </mc:AlternateContent>
+      </p:grpSp>
     </p:spTree>
     <p:extLst>
       <p:ext uri="{BB962C8B-B14F-4D97-AF65-F5344CB8AC3E}">
-        <p14:creationId xmlns:p14="http://schemas.microsoft.com/office/powerpoint/2010/main" val="287327759"/>
+        <p14:creationId xmlns:p14="http://schemas.microsoft.com/office/powerpoint/2010/main" val="2557191468"/>
       </p:ext>
     </p:extLst>
   </p:cSld>
@@ -7601,11 +7824,11 @@
           <a:lstStyle/>
           <a:p>
             <a:r>
-              <a:rPr lang="pt-BR" dirty="0" smtClean="0"/>
+              <a:rPr lang="pt-BR" dirty="0"/>
               <a:t>Trecho da função </a:t>
             </a:r>
             <a:r>
-              <a:rPr lang="pt-BR" i="1" dirty="0" err="1" smtClean="0"/>
+              <a:rPr lang="pt-BR" i="1" dirty="0" err="1"/>
               <a:t>predict</a:t>
             </a:r>
             <a:endParaRPr lang="pt-BR" i="1" dirty="0"/>
@@ -7640,7 +7863,7 @@
                   <a:buNone/>
                 </a:pPr>
                 <a:r>
-                  <a:rPr lang="pt-BR" dirty="0" smtClean="0"/>
+                  <a:rPr lang="pt-BR" dirty="0"/>
                   <a:t># Usamos </a:t>
                 </a:r>
                 <a14:m>
@@ -7690,7 +7913,7 @@
                   </m:oMath>
                 </a14:m>
                 <a:r>
-                  <a:rPr lang="pt-BR" dirty="0" smtClean="0"/>
+                  <a:rPr lang="pt-BR" dirty="0"/>
                   <a:t> primeiro, pois ela separa exatamente a classe 0 das demais.</a:t>
                 </a:r>
               </a:p>
@@ -7699,11 +7922,11 @@
                   <a:buNone/>
                 </a:pPr>
                 <a:r>
-                  <a:rPr lang="pt-BR" dirty="0" err="1" smtClean="0"/>
+                  <a:rPr lang="pt-BR" dirty="0" err="1"/>
                   <a:t>if</a:t>
                 </a:r>
                 <a:r>
-                  <a:rPr lang="pt-BR" dirty="0" smtClean="0"/>
+                  <a:rPr lang="pt-BR" dirty="0"/>
                   <a:t>(</a:t>
                 </a:r>
                 <a14:m>
@@ -7753,7 +7976,7 @@
                   </m:oMath>
                 </a14:m>
                 <a:r>
-                  <a:rPr lang="pt-BR" dirty="0" smtClean="0"/>
+                  <a:rPr lang="pt-BR" dirty="0"/>
                   <a:t> &gt;= 0):</a:t>
                 </a:r>
               </a:p>
@@ -7763,11 +7986,7 @@
                 </a:pPr>
                 <a:r>
                   <a:rPr lang="pt-BR" dirty="0"/>
-                  <a:t>	</a:t>
-                </a:r>
-                <a:r>
-                  <a:rPr lang="pt-BR" dirty="0" smtClean="0"/>
-                  <a:t>y_pred[i] = 0</a:t>
+                  <a:t>	y_pred[i] = 0</a:t>
                 </a:r>
               </a:p>
               <a:p>
@@ -7775,7 +7994,7 @@
                   <a:buNone/>
                 </a:pPr>
                 <a:r>
-                  <a:rPr lang="pt-BR" dirty="0" smtClean="0"/>
+                  <a:rPr lang="pt-BR" dirty="0"/>
                   <a:t># Caso quando </a:t>
                 </a:r>
                 <a14:m>
@@ -7825,16 +8044,8 @@
                   </m:oMath>
                 </a14:m>
                 <a:r>
-                  <a:rPr lang="pt-BR" dirty="0" smtClean="0"/>
-                  <a:t> </a:t>
-                </a:r>
-                <a:r>
                   <a:rPr lang="pt-BR" dirty="0"/>
-                  <a:t>&lt;</a:t>
-                </a:r>
-                <a:r>
-                  <a:rPr lang="pt-BR" dirty="0" smtClean="0"/>
-                  <a:t> 0</a:t>
+                  <a:t> &lt; 0</a:t>
                 </a:r>
               </a:p>
               <a:p>
@@ -7842,7 +8053,7 @@
                   <a:buNone/>
                 </a:pPr>
                 <a:r>
-                  <a:rPr lang="pt-BR" dirty="0" smtClean="0"/>
+                  <a:rPr lang="pt-BR" dirty="0"/>
                   <a:t>else: </a:t>
                 </a:r>
               </a:p>
@@ -7851,7 +8062,7 @@
                   <a:buNone/>
                 </a:pPr>
                 <a:r>
-                  <a:rPr lang="pt-BR" dirty="0" smtClean="0"/>
+                  <a:rPr lang="pt-BR" dirty="0"/>
                   <a:t>	if(</a:t>
                 </a:r>
                 <a14:m>
@@ -7901,16 +8112,8 @@
                   </m:oMath>
                 </a14:m>
                 <a:r>
-                  <a:rPr lang="pt-BR" dirty="0" smtClean="0"/>
-                  <a:t> </a:t>
-                </a:r>
-                <a:r>
                   <a:rPr lang="pt-BR" dirty="0"/>
-                  <a:t>&lt;</a:t>
-                </a:r>
-                <a:r>
-                  <a:rPr lang="pt-BR" dirty="0" smtClean="0"/>
-                  <a:t> 0):</a:t>
+                  <a:t> &lt; 0):</a:t>
                 </a:r>
               </a:p>
               <a:p>
@@ -7919,11 +8122,7 @@
                 </a:pPr>
                 <a:r>
                   <a:rPr lang="pt-BR" dirty="0"/>
-                  <a:t>	</a:t>
-                </a:r>
-                <a:r>
-                  <a:rPr lang="pt-BR" dirty="0" smtClean="0"/>
-                  <a:t>	y_pred[i] = 1</a:t>
+                  <a:t>		y_pred[i] = 1</a:t>
                 </a:r>
               </a:p>
               <a:p>
@@ -7931,7 +8130,7 @@
                   <a:buNone/>
                 </a:pPr>
                 <a:r>
-                  <a:rPr lang="pt-BR" dirty="0" smtClean="0"/>
+                  <a:rPr lang="pt-BR" dirty="0"/>
                   <a:t>	# caso quando </a:t>
                 </a:r>
                 <a14:m>
@@ -7981,7 +8180,7 @@
                   </m:oMath>
                 </a14:m>
                 <a:r>
-                  <a:rPr lang="pt-BR" dirty="0" smtClean="0"/>
+                  <a:rPr lang="pt-BR" dirty="0"/>
                   <a:t> &gt;= 0</a:t>
                 </a:r>
               </a:p>
@@ -7991,11 +8190,7 @@
                 </a:pPr>
                 <a:r>
                   <a:rPr lang="pt-BR" dirty="0"/>
-                  <a:t>	</a:t>
-                </a:r>
-                <a:r>
-                  <a:rPr lang="pt-BR" dirty="0" smtClean="0"/>
-                  <a:t>else: </a:t>
+                  <a:t>	else: </a:t>
                 </a:r>
               </a:p>
               <a:p>
@@ -8003,7 +8198,7 @@
                   <a:buNone/>
                 </a:pPr>
                 <a:r>
-                  <a:rPr lang="pt-BR" dirty="0" smtClean="0"/>
+                  <a:rPr lang="pt-BR" dirty="0"/>
                   <a:t>		y_pred[i] = 2</a:t>
                 </a:r>
               </a:p>
@@ -8080,6 +8275,1297 @@
       </p:grpSpPr>
       <p:sp>
         <p:nvSpPr>
+          <p:cNvPr id="2" name="Título 1">
+            <a:extLst>
+              <a:ext uri="{FF2B5EF4-FFF2-40B4-BE49-F238E27FC236}">
+                <a16:creationId xmlns:a16="http://schemas.microsoft.com/office/drawing/2014/main" id="{81606C23-9F3D-9BC2-42BB-B1CBDDD993C7}"/>
+              </a:ext>
+            </a:extLst>
+          </p:cNvPr>
+          <p:cNvSpPr>
+            <a:spLocks noGrp="1"/>
+          </p:cNvSpPr>
+          <p:nvPr>
+            <p:ph type="title"/>
+          </p:nvPr>
+        </p:nvSpPr>
+        <p:spPr/>
+        <p:txBody>
+          <a:bodyPr/>
+          <a:lstStyle/>
+          <a:p>
+            <a:r>
+              <a:rPr lang="pt-BR" dirty="0"/>
+              <a:t>Paradigma do ML</a:t>
+            </a:r>
+          </a:p>
+        </p:txBody>
+      </p:sp>
+      <p:sp>
+        <p:nvSpPr>
+          <p:cNvPr id="3" name="Espaço Reservado para Conteúdo 2">
+            <a:extLst>
+              <a:ext uri="{FF2B5EF4-FFF2-40B4-BE49-F238E27FC236}">
+                <a16:creationId xmlns:a16="http://schemas.microsoft.com/office/drawing/2014/main" id="{AE166942-05E4-FA56-8495-A56B25B3EFA6}"/>
+              </a:ext>
+            </a:extLst>
+          </p:cNvPr>
+          <p:cNvSpPr>
+            <a:spLocks noGrp="1"/>
+          </p:cNvSpPr>
+          <p:nvPr>
+            <p:ph idx="1"/>
+          </p:nvPr>
+        </p:nvSpPr>
+        <p:spPr>
+          <a:xfrm>
+            <a:off x="838199" y="5293266"/>
+            <a:ext cx="11132127" cy="1564734"/>
+          </a:xfrm>
+        </p:spPr>
+        <p:txBody>
+          <a:bodyPr>
+            <a:normAutofit/>
+          </a:bodyPr>
+          <a:lstStyle/>
+          <a:p>
+            <a:r>
+              <a:rPr lang="pt-BR" dirty="0"/>
+              <a:t>Fornecemos as </a:t>
+            </a:r>
+            <a:r>
+              <a:rPr lang="pt-BR" b="1" i="1" dirty="0"/>
+              <a:t>entradas</a:t>
+            </a:r>
+            <a:r>
+              <a:rPr lang="pt-BR" dirty="0"/>
+              <a:t> e as </a:t>
+            </a:r>
+            <a:r>
+              <a:rPr lang="pt-BR" b="1" i="1" dirty="0"/>
+              <a:t>respostas esperadas </a:t>
+            </a:r>
+            <a:r>
+              <a:rPr lang="pt-BR" dirty="0"/>
+              <a:t>ao computador e deixamos que ele </a:t>
+            </a:r>
+            <a:r>
+              <a:rPr lang="pt-BR" b="1" i="1" dirty="0"/>
+              <a:t>aprenda, através de treinamento</a:t>
+            </a:r>
+            <a:r>
+              <a:rPr lang="pt-BR" dirty="0"/>
+              <a:t>, um </a:t>
+            </a:r>
+            <a:r>
+              <a:rPr lang="pt-BR" b="1" i="1" dirty="0"/>
+              <a:t>modelo</a:t>
+            </a:r>
+            <a:r>
+              <a:rPr lang="pt-BR" dirty="0"/>
+              <a:t> que </a:t>
+            </a:r>
+            <a:r>
+              <a:rPr lang="pt-BR" b="1" i="1" dirty="0"/>
+              <a:t>mapeie as entradas nas respostas esperadas</a:t>
+            </a:r>
+            <a:r>
+              <a:rPr lang="pt-BR" dirty="0"/>
+              <a:t>.</a:t>
+            </a:r>
+          </a:p>
+        </p:txBody>
+      </p:sp>
+      <p:sp>
+        <p:nvSpPr>
+          <p:cNvPr id="4" name="Retângulo 3">
+            <a:extLst>
+              <a:ext uri="{FF2B5EF4-FFF2-40B4-BE49-F238E27FC236}">
+                <a16:creationId xmlns:a16="http://schemas.microsoft.com/office/drawing/2014/main" id="{1B963C93-D75E-9431-7408-F77051E29FD4}"/>
+              </a:ext>
+            </a:extLst>
+          </p:cNvPr>
+          <p:cNvSpPr/>
+          <p:nvPr/>
+        </p:nvSpPr>
+        <p:spPr>
+          <a:xfrm>
+            <a:off x="3804339" y="2446021"/>
+            <a:ext cx="2011680" cy="1262743"/>
+          </a:xfrm>
+          <a:prstGeom prst="rect">
+            <a:avLst/>
+          </a:prstGeom>
+          <a:noFill/>
+          <a:ln w="28575">
+            <a:solidFill>
+              <a:schemeClr val="tx1"/>
+            </a:solidFill>
+          </a:ln>
+        </p:spPr>
+        <p:style>
+          <a:lnRef idx="2">
+            <a:schemeClr val="accent1">
+              <a:shade val="50000"/>
+            </a:schemeClr>
+          </a:lnRef>
+          <a:fillRef idx="1">
+            <a:schemeClr val="accent1"/>
+          </a:fillRef>
+          <a:effectRef idx="0">
+            <a:schemeClr val="accent1"/>
+          </a:effectRef>
+          <a:fontRef idx="minor">
+            <a:schemeClr val="lt1"/>
+          </a:fontRef>
+        </p:style>
+        <p:txBody>
+          <a:bodyPr rtlCol="0" anchor="ctr"/>
+          <a:lstStyle/>
+          <a:p>
+            <a:pPr algn="ctr"/>
+            <a:r>
+              <a:rPr lang="pt-BR" dirty="0">
+                <a:solidFill>
+                  <a:schemeClr val="tx1"/>
+                </a:solidFill>
+              </a:rPr>
+              <a:t>Computador com algoritmo de treinamento </a:t>
+            </a:r>
+            <a:endParaRPr lang="en-US" dirty="0">
+              <a:solidFill>
+                <a:schemeClr val="tx1"/>
+              </a:solidFill>
+            </a:endParaRPr>
+          </a:p>
+        </p:txBody>
+      </p:sp>
+      <p:sp>
+        <p:nvSpPr>
+          <p:cNvPr id="5" name="Seta para a direita 5">
+            <a:extLst>
+              <a:ext uri="{FF2B5EF4-FFF2-40B4-BE49-F238E27FC236}">
+                <a16:creationId xmlns:a16="http://schemas.microsoft.com/office/drawing/2014/main" id="{4E5F3B39-104D-B446-B297-0285574D9008}"/>
+              </a:ext>
+            </a:extLst>
+          </p:cNvPr>
+          <p:cNvSpPr/>
+          <p:nvPr/>
+        </p:nvSpPr>
+        <p:spPr>
+          <a:xfrm>
+            <a:off x="3403745" y="2537206"/>
+            <a:ext cx="400594" cy="400594"/>
+          </a:xfrm>
+          <a:prstGeom prst="rightArrow">
+            <a:avLst/>
+          </a:prstGeom>
+          <a:noFill/>
+          <a:ln w="28575">
+            <a:solidFill>
+              <a:schemeClr val="tx1"/>
+            </a:solidFill>
+          </a:ln>
+        </p:spPr>
+        <p:style>
+          <a:lnRef idx="2">
+            <a:schemeClr val="accent1">
+              <a:shade val="50000"/>
+            </a:schemeClr>
+          </a:lnRef>
+          <a:fillRef idx="1">
+            <a:schemeClr val="accent1"/>
+          </a:fillRef>
+          <a:effectRef idx="0">
+            <a:schemeClr val="accent1"/>
+          </a:effectRef>
+          <a:fontRef idx="minor">
+            <a:schemeClr val="lt1"/>
+          </a:fontRef>
+        </p:style>
+        <p:txBody>
+          <a:bodyPr rtlCol="0" anchor="ctr"/>
+          <a:lstStyle/>
+          <a:p>
+            <a:pPr algn="ctr"/>
+            <a:endParaRPr lang="en-US"/>
+          </a:p>
+        </p:txBody>
+      </p:sp>
+      <mc:AlternateContent xmlns:mc="http://schemas.openxmlformats.org/markup-compatibility/2006">
+        <mc:Choice xmlns:a14="http://schemas.microsoft.com/office/drawing/2010/main" Requires="a14">
+          <p:sp>
+            <p:nvSpPr>
+              <p:cNvPr id="6" name="Retângulo 5">
+                <a:extLst>
+                  <a:ext uri="{FF2B5EF4-FFF2-40B4-BE49-F238E27FC236}">
+                    <a16:creationId xmlns:a16="http://schemas.microsoft.com/office/drawing/2014/main" id="{9A1DC3B8-53CE-BB6E-8CCF-036473150086}"/>
+                  </a:ext>
+                </a:extLst>
+              </p:cNvPr>
+              <p:cNvSpPr/>
+              <p:nvPr/>
+            </p:nvSpPr>
+            <p:spPr>
+              <a:xfrm>
+                <a:off x="2879759" y="2475893"/>
+                <a:ext cx="473206" cy="523220"/>
+              </a:xfrm>
+              <a:prstGeom prst="rect">
+                <a:avLst/>
+              </a:prstGeom>
+            </p:spPr>
+            <p:txBody>
+              <a:bodyPr wrap="none">
+                <a:spAutoFit/>
+              </a:bodyPr>
+              <a:lstStyle/>
+              <a:p>
+                <a:pPr/>
+                <a14:m>
+                  <m:oMathPara xmlns:m="http://schemas.openxmlformats.org/officeDocument/2006/math">
+                    <m:oMathParaPr>
+                      <m:jc m:val="centerGroup"/>
+                    </m:oMathParaPr>
+                    <m:oMath xmlns:m="http://schemas.openxmlformats.org/officeDocument/2006/math">
+                      <m:r>
+                        <a:rPr lang="pt-BR" sz="2800" b="1" i="1">
+                          <a:latin typeface="Cambria Math" panose="02040503050406030204" pitchFamily="18" charset="0"/>
+                        </a:rPr>
+                        <m:t>𝒙</m:t>
+                      </m:r>
+                    </m:oMath>
+                  </m:oMathPara>
+                </a14:m>
+                <a:endParaRPr lang="en-US" sz="2800" dirty="0"/>
+              </a:p>
+            </p:txBody>
+          </p:sp>
+        </mc:Choice>
+        <mc:Fallback>
+          <p:sp>
+            <p:nvSpPr>
+              <p:cNvPr id="6" name="Retângulo 5">
+                <a:extLst>
+                  <a:ext uri="{FF2B5EF4-FFF2-40B4-BE49-F238E27FC236}">
+                    <a16:creationId xmlns:a16="http://schemas.microsoft.com/office/drawing/2014/main" id="{9A1DC3B8-53CE-BB6E-8CCF-036473150086}"/>
+                  </a:ext>
+                </a:extLst>
+              </p:cNvPr>
+              <p:cNvSpPr>
+                <a:spLocks noRot="1" noChangeAspect="1" noMove="1" noResize="1" noEditPoints="1" noAdjustHandles="1" noChangeArrowheads="1" noChangeShapeType="1" noTextEdit="1"/>
+              </p:cNvSpPr>
+              <p:nvPr/>
+            </p:nvSpPr>
+            <p:spPr>
+              <a:xfrm>
+                <a:off x="2879759" y="2475893"/>
+                <a:ext cx="473206" cy="523220"/>
+              </a:xfrm>
+              <a:prstGeom prst="rect">
+                <a:avLst/>
+              </a:prstGeom>
+              <a:blipFill>
+                <a:blip r:embed="rId2"/>
+                <a:stretch>
+                  <a:fillRect/>
+                </a:stretch>
+              </a:blipFill>
+            </p:spPr>
+            <p:txBody>
+              <a:bodyPr/>
+              <a:lstStyle/>
+              <a:p>
+                <a:r>
+                  <a:rPr lang="pt-BR">
+                    <a:noFill/>
+                  </a:rPr>
+                  <a:t> </a:t>
+                </a:r>
+              </a:p>
+            </p:txBody>
+          </p:sp>
+        </mc:Fallback>
+      </mc:AlternateContent>
+      <mc:AlternateContent xmlns:mc="http://schemas.openxmlformats.org/markup-compatibility/2006">
+        <mc:Choice xmlns:a14="http://schemas.microsoft.com/office/drawing/2010/main" Requires="a14">
+          <p:sp>
+            <p:nvSpPr>
+              <p:cNvPr id="8" name="Retângulo 7">
+                <a:extLst>
+                  <a:ext uri="{FF2B5EF4-FFF2-40B4-BE49-F238E27FC236}">
+                    <a16:creationId xmlns:a16="http://schemas.microsoft.com/office/drawing/2014/main" id="{6938ECF4-C778-B3A7-64E6-19A166691210}"/>
+                  </a:ext>
+                </a:extLst>
+              </p:cNvPr>
+              <p:cNvSpPr/>
+              <p:nvPr/>
+            </p:nvSpPr>
+            <p:spPr>
+              <a:xfrm>
+                <a:off x="1792659" y="3121849"/>
+                <a:ext cx="1678793" cy="556434"/>
+              </a:xfrm>
+              <a:prstGeom prst="rect">
+                <a:avLst/>
+              </a:prstGeom>
+            </p:spPr>
+            <p:txBody>
+              <a:bodyPr wrap="none">
+                <a:spAutoFit/>
+              </a:bodyPr>
+              <a:lstStyle/>
+              <a:p>
+                <a:pPr/>
+                <a14:m>
+                  <m:oMathPara xmlns:m="http://schemas.openxmlformats.org/officeDocument/2006/math">
+                    <m:oMathParaPr>
+                      <m:jc m:val="centerGroup"/>
+                    </m:oMathParaPr>
+                    <m:oMath xmlns:m="http://schemas.openxmlformats.org/officeDocument/2006/math">
+                      <m:sSub>
+                        <m:sSubPr>
+                          <m:ctrlPr>
+                            <a:rPr lang="pt-BR" sz="2800" i="1" smtClean="0">
+                              <a:latin typeface="Cambria Math" panose="02040503050406030204" pitchFamily="18" charset="0"/>
+                            </a:rPr>
+                          </m:ctrlPr>
+                        </m:sSubPr>
+                        <m:e>
+                          <m:r>
+                            <a:rPr lang="pt-BR" sz="2800" b="0" i="1" smtClean="0">
+                              <a:latin typeface="Cambria Math" panose="02040503050406030204" pitchFamily="18" charset="0"/>
+                            </a:rPr>
+                            <m:t>𝑦</m:t>
+                          </m:r>
+                        </m:e>
+                        <m:sub>
+                          <m:r>
+                            <a:rPr lang="pt-BR" sz="2800" b="0" i="1" smtClean="0">
+                              <a:latin typeface="Cambria Math" panose="02040503050406030204" pitchFamily="18" charset="0"/>
+                            </a:rPr>
+                            <m:t>𝑒𝑠𝑝𝑒𝑟𝑎𝑑𝑜</m:t>
+                          </m:r>
+                        </m:sub>
+                      </m:sSub>
+                    </m:oMath>
+                  </m:oMathPara>
+                </a14:m>
+                <a:endParaRPr lang="en-US" sz="2800" dirty="0"/>
+              </a:p>
+            </p:txBody>
+          </p:sp>
+        </mc:Choice>
+        <mc:Fallback>
+          <p:sp>
+            <p:nvSpPr>
+              <p:cNvPr id="8" name="Retângulo 7">
+                <a:extLst>
+                  <a:ext uri="{FF2B5EF4-FFF2-40B4-BE49-F238E27FC236}">
+                    <a16:creationId xmlns:a16="http://schemas.microsoft.com/office/drawing/2014/main" id="{6938ECF4-C778-B3A7-64E6-19A166691210}"/>
+                  </a:ext>
+                </a:extLst>
+              </p:cNvPr>
+              <p:cNvSpPr>
+                <a:spLocks noRot="1" noChangeAspect="1" noMove="1" noResize="1" noEditPoints="1" noAdjustHandles="1" noChangeArrowheads="1" noChangeShapeType="1" noTextEdit="1"/>
+              </p:cNvSpPr>
+              <p:nvPr/>
+            </p:nvSpPr>
+            <p:spPr>
+              <a:xfrm>
+                <a:off x="1792659" y="3121849"/>
+                <a:ext cx="1678793" cy="556434"/>
+              </a:xfrm>
+              <a:prstGeom prst="rect">
+                <a:avLst/>
+              </a:prstGeom>
+              <a:blipFill>
+                <a:blip r:embed="rId3"/>
+                <a:stretch>
+                  <a:fillRect/>
+                </a:stretch>
+              </a:blipFill>
+            </p:spPr>
+            <p:txBody>
+              <a:bodyPr/>
+              <a:lstStyle/>
+              <a:p>
+                <a:r>
+                  <a:rPr lang="pt-BR">
+                    <a:noFill/>
+                  </a:rPr>
+                  <a:t> </a:t>
+                </a:r>
+              </a:p>
+            </p:txBody>
+          </p:sp>
+        </mc:Fallback>
+      </mc:AlternateContent>
+      <p:sp>
+        <p:nvSpPr>
+          <p:cNvPr id="20" name="Seta para a direita 5">
+            <a:extLst>
+              <a:ext uri="{FF2B5EF4-FFF2-40B4-BE49-F238E27FC236}">
+                <a16:creationId xmlns:a16="http://schemas.microsoft.com/office/drawing/2014/main" id="{218109C2-48AD-208F-17D2-B86488CA02BC}"/>
+              </a:ext>
+            </a:extLst>
+          </p:cNvPr>
+          <p:cNvSpPr/>
+          <p:nvPr/>
+        </p:nvSpPr>
+        <p:spPr>
+          <a:xfrm>
+            <a:off x="5816019" y="2877095"/>
+            <a:ext cx="400594" cy="400594"/>
+          </a:xfrm>
+          <a:prstGeom prst="rightArrow">
+            <a:avLst/>
+          </a:prstGeom>
+          <a:noFill/>
+          <a:ln w="28575">
+            <a:solidFill>
+              <a:schemeClr val="tx1"/>
+            </a:solidFill>
+          </a:ln>
+        </p:spPr>
+        <p:style>
+          <a:lnRef idx="2">
+            <a:schemeClr val="accent1">
+              <a:shade val="50000"/>
+            </a:schemeClr>
+          </a:lnRef>
+          <a:fillRef idx="1">
+            <a:schemeClr val="accent1"/>
+          </a:fillRef>
+          <a:effectRef idx="0">
+            <a:schemeClr val="accent1"/>
+          </a:effectRef>
+          <a:fontRef idx="minor">
+            <a:schemeClr val="lt1"/>
+          </a:fontRef>
+        </p:style>
+        <p:txBody>
+          <a:bodyPr rtlCol="0" anchor="ctr"/>
+          <a:lstStyle/>
+          <a:p>
+            <a:pPr algn="ctr"/>
+            <a:endParaRPr lang="en-US"/>
+          </a:p>
+        </p:txBody>
+      </p:sp>
+      <p:sp>
+        <p:nvSpPr>
+          <p:cNvPr id="21" name="Seta para a direita 5">
+            <a:extLst>
+              <a:ext uri="{FF2B5EF4-FFF2-40B4-BE49-F238E27FC236}">
+                <a16:creationId xmlns:a16="http://schemas.microsoft.com/office/drawing/2014/main" id="{28BBB6A3-27A6-E73C-C73C-EDD42BAE4C68}"/>
+              </a:ext>
+            </a:extLst>
+          </p:cNvPr>
+          <p:cNvSpPr/>
+          <p:nvPr/>
+        </p:nvSpPr>
+        <p:spPr>
+          <a:xfrm>
+            <a:off x="3403745" y="3277689"/>
+            <a:ext cx="400594" cy="400594"/>
+          </a:xfrm>
+          <a:prstGeom prst="rightArrow">
+            <a:avLst/>
+          </a:prstGeom>
+          <a:noFill/>
+          <a:ln w="28575">
+            <a:solidFill>
+              <a:schemeClr val="tx1"/>
+            </a:solidFill>
+          </a:ln>
+        </p:spPr>
+        <p:style>
+          <a:lnRef idx="2">
+            <a:schemeClr val="accent1">
+              <a:shade val="50000"/>
+            </a:schemeClr>
+          </a:lnRef>
+          <a:fillRef idx="1">
+            <a:schemeClr val="accent1"/>
+          </a:fillRef>
+          <a:effectRef idx="0">
+            <a:schemeClr val="accent1"/>
+          </a:effectRef>
+          <a:fontRef idx="minor">
+            <a:schemeClr val="lt1"/>
+          </a:fontRef>
+        </p:style>
+        <p:txBody>
+          <a:bodyPr rtlCol="0" anchor="ctr"/>
+          <a:lstStyle/>
+          <a:p>
+            <a:pPr algn="ctr"/>
+            <a:endParaRPr lang="en-US"/>
+          </a:p>
+        </p:txBody>
+      </p:sp>
+      <mc:AlternateContent xmlns:mc="http://schemas.openxmlformats.org/markup-compatibility/2006">
+        <mc:Choice xmlns:a14="http://schemas.microsoft.com/office/drawing/2010/main" Requires="a14">
+          <p:sp>
+            <p:nvSpPr>
+              <p:cNvPr id="22" name="Retângulo 21">
+                <a:extLst>
+                  <a:ext uri="{FF2B5EF4-FFF2-40B4-BE49-F238E27FC236}">
+                    <a16:creationId xmlns:a16="http://schemas.microsoft.com/office/drawing/2014/main" id="{886E8A3C-9C9E-D4E2-0A16-26A53FD318A7}"/>
+                  </a:ext>
+                </a:extLst>
+              </p:cNvPr>
+              <p:cNvSpPr/>
+              <p:nvPr/>
+            </p:nvSpPr>
+            <p:spPr>
+              <a:xfrm>
+                <a:off x="8726301" y="1645739"/>
+                <a:ext cx="3421921" cy="2862322"/>
+              </a:xfrm>
+              <a:prstGeom prst="rect">
+                <a:avLst/>
+              </a:prstGeom>
+            </p:spPr>
+            <p:txBody>
+              <a:bodyPr wrap="square">
+                <a:spAutoFit/>
+              </a:bodyPr>
+              <a:lstStyle/>
+              <a:p>
+                <a:r>
+                  <a:rPr lang="pt-BR" dirty="0" err="1"/>
+                  <a:t>def</a:t>
+                </a:r>
+                <a:r>
+                  <a:rPr lang="pt-BR" dirty="0"/>
+                  <a:t> </a:t>
+                </a:r>
+                <a:r>
+                  <a:rPr lang="pt-BR" i="1" dirty="0" err="1"/>
+                  <a:t>predict</a:t>
+                </a:r>
+                <a:r>
+                  <a:rPr lang="pt-BR" dirty="0"/>
+                  <a:t>(</a:t>
+                </a:r>
+                <a14:m>
+                  <m:oMath xmlns:m="http://schemas.openxmlformats.org/officeDocument/2006/math">
+                    <m:r>
+                      <a:rPr lang="pt-BR" b="1" i="1">
+                        <a:latin typeface="Cambria Math" panose="02040503050406030204" pitchFamily="18" charset="0"/>
+                      </a:rPr>
+                      <m:t>𝒙</m:t>
+                    </m:r>
+                  </m:oMath>
+                </a14:m>
+                <a:r>
+                  <a:rPr lang="pt-BR" dirty="0"/>
+                  <a:t>):</a:t>
+                </a:r>
+              </a:p>
+              <a:p>
+                <a:r>
+                  <a:rPr lang="pt-BR" dirty="0"/>
+                  <a:t>    </a:t>
+                </a:r>
+                <a:r>
+                  <a:rPr lang="pt-BR" dirty="0" err="1"/>
+                  <a:t>if</a:t>
+                </a:r>
+                <a:r>
+                  <a:rPr lang="pt-BR" dirty="0"/>
+                  <a:t>(</a:t>
+                </a:r>
+                <a14:m>
+                  <m:oMath xmlns:m="http://schemas.openxmlformats.org/officeDocument/2006/math">
+                    <m:sSub>
+                      <m:sSubPr>
+                        <m:ctrlPr>
+                          <a:rPr lang="pt-BR" i="1">
+                            <a:latin typeface="Cambria Math" panose="02040503050406030204" pitchFamily="18" charset="0"/>
+                          </a:rPr>
+                        </m:ctrlPr>
+                      </m:sSubPr>
+                      <m:e>
+                        <m:r>
+                          <a:rPr lang="pt-BR" i="1">
+                            <a:latin typeface="Cambria Math" panose="02040503050406030204" pitchFamily="18" charset="0"/>
+                          </a:rPr>
+                          <m:t>𝑔</m:t>
+                        </m:r>
+                      </m:e>
+                      <m:sub>
+                        <m:r>
+                          <a:rPr lang="pt-BR" i="1">
+                            <a:latin typeface="Cambria Math" panose="02040503050406030204" pitchFamily="18" charset="0"/>
+                          </a:rPr>
+                          <m:t>1</m:t>
+                        </m:r>
+                      </m:sub>
+                    </m:sSub>
+                    <m:d>
+                      <m:dPr>
+                        <m:ctrlPr>
+                          <a:rPr lang="pt-BR" i="1">
+                            <a:latin typeface="Cambria Math" panose="02040503050406030204" pitchFamily="18" charset="0"/>
+                          </a:rPr>
+                        </m:ctrlPr>
+                      </m:dPr>
+                      <m:e>
+                        <m:r>
+                          <a:rPr lang="pt-BR" b="1" i="1">
+                            <a:latin typeface="Cambria Math" panose="02040503050406030204" pitchFamily="18" charset="0"/>
+                          </a:rPr>
+                          <m:t>𝒙</m:t>
+                        </m:r>
+                      </m:e>
+                    </m:d>
+                  </m:oMath>
+                </a14:m>
+                <a:r>
+                  <a:rPr lang="pt-BR" dirty="0"/>
+                  <a:t> &gt;= 0):</a:t>
+                </a:r>
+              </a:p>
+              <a:p>
+                <a:r>
+                  <a:rPr lang="pt-BR" dirty="0"/>
+                  <a:t>        </a:t>
+                </a:r>
+                <a:r>
+                  <a:rPr lang="pt-BR" dirty="0" err="1"/>
+                  <a:t>y_pred</a:t>
+                </a:r>
+                <a:r>
+                  <a:rPr lang="pt-BR" dirty="0"/>
+                  <a:t>[i] = 0</a:t>
+                </a:r>
+              </a:p>
+              <a:p>
+                <a:r>
+                  <a:rPr lang="pt-BR" dirty="0"/>
+                  <a:t>    # Caso quando </a:t>
+                </a:r>
+                <a14:m>
+                  <m:oMath xmlns:m="http://schemas.openxmlformats.org/officeDocument/2006/math">
+                    <m:sSub>
+                      <m:sSubPr>
+                        <m:ctrlPr>
+                          <a:rPr lang="pt-BR" i="1">
+                            <a:latin typeface="Cambria Math" panose="02040503050406030204" pitchFamily="18" charset="0"/>
+                          </a:rPr>
+                        </m:ctrlPr>
+                      </m:sSubPr>
+                      <m:e>
+                        <m:r>
+                          <a:rPr lang="pt-BR" i="1">
+                            <a:latin typeface="Cambria Math" panose="02040503050406030204" pitchFamily="18" charset="0"/>
+                          </a:rPr>
+                          <m:t>𝑔</m:t>
+                        </m:r>
+                      </m:e>
+                      <m:sub>
+                        <m:r>
+                          <a:rPr lang="pt-BR" i="1">
+                            <a:latin typeface="Cambria Math" panose="02040503050406030204" pitchFamily="18" charset="0"/>
+                          </a:rPr>
+                          <m:t>1</m:t>
+                        </m:r>
+                      </m:sub>
+                    </m:sSub>
+                    <m:d>
+                      <m:dPr>
+                        <m:ctrlPr>
+                          <a:rPr lang="pt-BR" i="1">
+                            <a:latin typeface="Cambria Math" panose="02040503050406030204" pitchFamily="18" charset="0"/>
+                          </a:rPr>
+                        </m:ctrlPr>
+                      </m:dPr>
+                      <m:e>
+                        <m:r>
+                          <a:rPr lang="pt-BR" b="1" i="1">
+                            <a:latin typeface="Cambria Math" panose="02040503050406030204" pitchFamily="18" charset="0"/>
+                          </a:rPr>
+                          <m:t>𝒙</m:t>
+                        </m:r>
+                      </m:e>
+                    </m:d>
+                  </m:oMath>
+                </a14:m>
+                <a:r>
+                  <a:rPr lang="pt-BR" dirty="0"/>
+                  <a:t> &lt; 0</a:t>
+                </a:r>
+              </a:p>
+              <a:p>
+                <a:r>
+                  <a:rPr lang="pt-BR" dirty="0"/>
+                  <a:t>    </a:t>
+                </a:r>
+                <a:r>
+                  <a:rPr lang="pt-BR" dirty="0" err="1"/>
+                  <a:t>else</a:t>
+                </a:r>
+                <a:r>
+                  <a:rPr lang="pt-BR" dirty="0"/>
+                  <a:t>:</a:t>
+                </a:r>
+              </a:p>
+              <a:p>
+                <a:r>
+                  <a:rPr lang="pt-BR" dirty="0"/>
+                  <a:t>        </a:t>
+                </a:r>
+                <a:r>
+                  <a:rPr lang="pt-BR" dirty="0" err="1"/>
+                  <a:t>if</a:t>
+                </a:r>
+                <a:r>
+                  <a:rPr lang="pt-BR" dirty="0"/>
+                  <a:t>(</a:t>
+                </a:r>
+                <a14:m>
+                  <m:oMath xmlns:m="http://schemas.openxmlformats.org/officeDocument/2006/math">
+                    <m:sSub>
+                      <m:sSubPr>
+                        <m:ctrlPr>
+                          <a:rPr lang="pt-BR" i="1">
+                            <a:latin typeface="Cambria Math" panose="02040503050406030204" pitchFamily="18" charset="0"/>
+                          </a:rPr>
+                        </m:ctrlPr>
+                      </m:sSubPr>
+                      <m:e>
+                        <m:r>
+                          <a:rPr lang="pt-BR" i="1">
+                            <a:latin typeface="Cambria Math" panose="02040503050406030204" pitchFamily="18" charset="0"/>
+                          </a:rPr>
+                          <m:t>𝑔</m:t>
+                        </m:r>
+                      </m:e>
+                      <m:sub>
+                        <m:r>
+                          <a:rPr lang="pt-BR" i="1">
+                            <a:latin typeface="Cambria Math" panose="02040503050406030204" pitchFamily="18" charset="0"/>
+                          </a:rPr>
+                          <m:t>2</m:t>
+                        </m:r>
+                      </m:sub>
+                    </m:sSub>
+                    <m:d>
+                      <m:dPr>
+                        <m:ctrlPr>
+                          <a:rPr lang="pt-BR" i="1">
+                            <a:latin typeface="Cambria Math" panose="02040503050406030204" pitchFamily="18" charset="0"/>
+                          </a:rPr>
+                        </m:ctrlPr>
+                      </m:dPr>
+                      <m:e>
+                        <m:r>
+                          <a:rPr lang="pt-BR" b="1" i="1">
+                            <a:latin typeface="Cambria Math" panose="02040503050406030204" pitchFamily="18" charset="0"/>
+                          </a:rPr>
+                          <m:t>𝒙</m:t>
+                        </m:r>
+                      </m:e>
+                    </m:d>
+                  </m:oMath>
+                </a14:m>
+                <a:r>
+                  <a:rPr lang="pt-BR" dirty="0"/>
+                  <a:t> &lt; 0):</a:t>
+                </a:r>
+              </a:p>
+              <a:p>
+                <a:r>
+                  <a:rPr lang="pt-BR" dirty="0"/>
+                  <a:t>            </a:t>
+                </a:r>
+                <a:r>
+                  <a:rPr lang="pt-BR" dirty="0" err="1"/>
+                  <a:t>y_pred</a:t>
+                </a:r>
+                <a:r>
+                  <a:rPr lang="pt-BR" dirty="0"/>
+                  <a:t>[i] = 1</a:t>
+                </a:r>
+              </a:p>
+              <a:p>
+                <a:r>
+                  <a:rPr lang="pt-BR" dirty="0"/>
+                  <a:t>        # caso quando # </a:t>
+                </a:r>
+                <a14:m>
+                  <m:oMath xmlns:m="http://schemas.openxmlformats.org/officeDocument/2006/math">
+                    <m:sSub>
+                      <m:sSubPr>
+                        <m:ctrlPr>
+                          <a:rPr lang="pt-BR" i="1">
+                            <a:latin typeface="Cambria Math" panose="02040503050406030204" pitchFamily="18" charset="0"/>
+                          </a:rPr>
+                        </m:ctrlPr>
+                      </m:sSubPr>
+                      <m:e>
+                        <m:r>
+                          <a:rPr lang="pt-BR" i="1">
+                            <a:latin typeface="Cambria Math" panose="02040503050406030204" pitchFamily="18" charset="0"/>
+                          </a:rPr>
+                          <m:t>𝑔</m:t>
+                        </m:r>
+                      </m:e>
+                      <m:sub>
+                        <m:r>
+                          <a:rPr lang="pt-BR" i="1">
+                            <a:latin typeface="Cambria Math" panose="02040503050406030204" pitchFamily="18" charset="0"/>
+                          </a:rPr>
+                          <m:t>2</m:t>
+                        </m:r>
+                      </m:sub>
+                    </m:sSub>
+                    <m:d>
+                      <m:dPr>
+                        <m:ctrlPr>
+                          <a:rPr lang="pt-BR" i="1">
+                            <a:latin typeface="Cambria Math" panose="02040503050406030204" pitchFamily="18" charset="0"/>
+                          </a:rPr>
+                        </m:ctrlPr>
+                      </m:dPr>
+                      <m:e>
+                        <m:r>
+                          <a:rPr lang="pt-BR" b="1" i="1" smtClean="0">
+                            <a:latin typeface="Cambria Math" panose="02040503050406030204" pitchFamily="18" charset="0"/>
+                          </a:rPr>
+                          <m:t>𝒙</m:t>
+                        </m:r>
+                      </m:e>
+                    </m:d>
+                  </m:oMath>
+                </a14:m>
+                <a:r>
+                  <a:rPr lang="pt-BR" dirty="0"/>
+                  <a:t> &gt;= 0</a:t>
+                </a:r>
+              </a:p>
+              <a:p>
+                <a:r>
+                  <a:rPr lang="pt-BR" dirty="0"/>
+                  <a:t>        </a:t>
+                </a:r>
+                <a:r>
+                  <a:rPr lang="pt-BR" dirty="0" err="1"/>
+                  <a:t>else</a:t>
+                </a:r>
+                <a:r>
+                  <a:rPr lang="pt-BR" dirty="0"/>
+                  <a:t>: </a:t>
+                </a:r>
+              </a:p>
+              <a:p>
+                <a:r>
+                  <a:rPr lang="pt-BR" dirty="0"/>
+                  <a:t>            </a:t>
+                </a:r>
+                <a:r>
+                  <a:rPr lang="pt-BR" dirty="0" err="1"/>
+                  <a:t>y_pred</a:t>
+                </a:r>
+                <a:r>
+                  <a:rPr lang="pt-BR" dirty="0"/>
+                  <a:t>[i] = 2</a:t>
+                </a:r>
+              </a:p>
+            </p:txBody>
+          </p:sp>
+        </mc:Choice>
+        <mc:Fallback>
+          <p:sp>
+            <p:nvSpPr>
+              <p:cNvPr id="22" name="Retângulo 21">
+                <a:extLst>
+                  <a:ext uri="{FF2B5EF4-FFF2-40B4-BE49-F238E27FC236}">
+                    <a16:creationId xmlns:a16="http://schemas.microsoft.com/office/drawing/2014/main" id="{886E8A3C-9C9E-D4E2-0A16-26A53FD318A7}"/>
+                  </a:ext>
+                </a:extLst>
+              </p:cNvPr>
+              <p:cNvSpPr>
+                <a:spLocks noRot="1" noChangeAspect="1" noMove="1" noResize="1" noEditPoints="1" noAdjustHandles="1" noChangeArrowheads="1" noChangeShapeType="1" noTextEdit="1"/>
+              </p:cNvSpPr>
+              <p:nvPr/>
+            </p:nvSpPr>
+            <p:spPr>
+              <a:xfrm>
+                <a:off x="8726301" y="1645739"/>
+                <a:ext cx="3421921" cy="2862322"/>
+              </a:xfrm>
+              <a:prstGeom prst="rect">
+                <a:avLst/>
+              </a:prstGeom>
+              <a:blipFill>
+                <a:blip r:embed="rId4"/>
+                <a:stretch>
+                  <a:fillRect l="-1423" t="-1277" b="-2340"/>
+                </a:stretch>
+              </a:blipFill>
+            </p:spPr>
+            <p:txBody>
+              <a:bodyPr/>
+              <a:lstStyle/>
+              <a:p>
+                <a:r>
+                  <a:rPr lang="pt-BR">
+                    <a:noFill/>
+                  </a:rPr>
+                  <a:t> </a:t>
+                </a:r>
+              </a:p>
+            </p:txBody>
+          </p:sp>
+        </mc:Fallback>
+      </mc:AlternateContent>
+      <p:sp>
+        <p:nvSpPr>
+          <p:cNvPr id="25" name="Chave Direita 24">
+            <a:extLst>
+              <a:ext uri="{FF2B5EF4-FFF2-40B4-BE49-F238E27FC236}">
+                <a16:creationId xmlns:a16="http://schemas.microsoft.com/office/drawing/2014/main" id="{FB6055EB-3AA0-11EC-C6E3-613F5B4FCAB2}"/>
+              </a:ext>
+            </a:extLst>
+          </p:cNvPr>
+          <p:cNvSpPr/>
+          <p:nvPr/>
+        </p:nvSpPr>
+        <p:spPr>
+          <a:xfrm>
+            <a:off x="1555128" y="2446019"/>
+            <a:ext cx="259773" cy="1262744"/>
+          </a:xfrm>
+          <a:prstGeom prst="rightBrace">
+            <a:avLst/>
+          </a:prstGeom>
+        </p:spPr>
+        <p:style>
+          <a:lnRef idx="1">
+            <a:schemeClr val="accent1"/>
+          </a:lnRef>
+          <a:fillRef idx="0">
+            <a:schemeClr val="accent1"/>
+          </a:fillRef>
+          <a:effectRef idx="0">
+            <a:schemeClr val="accent1"/>
+          </a:effectRef>
+          <a:fontRef idx="minor">
+            <a:schemeClr val="tx1"/>
+          </a:fontRef>
+        </p:style>
+        <p:txBody>
+          <a:bodyPr rtlCol="0" anchor="ctr"/>
+          <a:lstStyle/>
+          <a:p>
+            <a:pPr algn="ctr"/>
+            <a:endParaRPr lang="pt-BR"/>
+          </a:p>
+        </p:txBody>
+      </p:sp>
+      <p:sp>
+        <p:nvSpPr>
+          <p:cNvPr id="26" name="CaixaDeTexto 25">
+            <a:extLst>
+              <a:ext uri="{FF2B5EF4-FFF2-40B4-BE49-F238E27FC236}">
+                <a16:creationId xmlns:a16="http://schemas.microsoft.com/office/drawing/2014/main" id="{1EF07E67-C5F2-B086-76E2-28D476EDFE75}"/>
+              </a:ext>
+            </a:extLst>
+          </p:cNvPr>
+          <p:cNvSpPr txBox="1"/>
+          <p:nvPr/>
+        </p:nvSpPr>
+        <p:spPr>
+          <a:xfrm>
+            <a:off x="352874" y="2646989"/>
+            <a:ext cx="1419761" cy="830997"/>
+          </a:xfrm>
+          <a:prstGeom prst="rect">
+            <a:avLst/>
+          </a:prstGeom>
+          <a:noFill/>
+        </p:spPr>
+        <p:txBody>
+          <a:bodyPr wrap="square" rtlCol="0">
+            <a:spAutoFit/>
+          </a:bodyPr>
+          <a:lstStyle/>
+          <a:p>
+            <a:pPr algn="ctr"/>
+            <a:r>
+              <a:rPr lang="pt-BR" sz="1600" dirty="0"/>
+              <a:t>Conjunto de dados de treinamento</a:t>
+            </a:r>
+          </a:p>
+        </p:txBody>
+      </p:sp>
+      <p:sp>
+        <p:nvSpPr>
+          <p:cNvPr id="27" name="Retângulo 26">
+            <a:extLst>
+              <a:ext uri="{FF2B5EF4-FFF2-40B4-BE49-F238E27FC236}">
+                <a16:creationId xmlns:a16="http://schemas.microsoft.com/office/drawing/2014/main" id="{1039EAD7-C64B-3EE5-C9F7-3B94B287701A}"/>
+              </a:ext>
+            </a:extLst>
+          </p:cNvPr>
+          <p:cNvSpPr/>
+          <p:nvPr/>
+        </p:nvSpPr>
+        <p:spPr>
+          <a:xfrm>
+            <a:off x="6267393" y="2684098"/>
+            <a:ext cx="1407160" cy="756778"/>
+          </a:xfrm>
+          <a:prstGeom prst="rect">
+            <a:avLst/>
+          </a:prstGeom>
+          <a:solidFill>
+            <a:schemeClr val="accent5">
+              <a:lumMod val="60000"/>
+              <a:lumOff val="40000"/>
+            </a:schemeClr>
+          </a:solidFill>
+          <a:ln w="28575">
+            <a:solidFill>
+              <a:schemeClr val="tx1"/>
+            </a:solidFill>
+          </a:ln>
+        </p:spPr>
+        <p:style>
+          <a:lnRef idx="2">
+            <a:schemeClr val="accent1">
+              <a:shade val="50000"/>
+            </a:schemeClr>
+          </a:lnRef>
+          <a:fillRef idx="1">
+            <a:schemeClr val="accent1"/>
+          </a:fillRef>
+          <a:effectRef idx="0">
+            <a:schemeClr val="accent1"/>
+          </a:effectRef>
+          <a:fontRef idx="minor">
+            <a:schemeClr val="lt1"/>
+          </a:fontRef>
+        </p:style>
+        <p:txBody>
+          <a:bodyPr rtlCol="0" anchor="ctr"/>
+          <a:lstStyle/>
+          <a:p>
+            <a:pPr algn="ctr"/>
+            <a:r>
+              <a:rPr lang="pt-BR" sz="1600" dirty="0">
+                <a:solidFill>
+                  <a:schemeClr val="tx1"/>
+                </a:solidFill>
+              </a:rPr>
+              <a:t>Modelo de ML</a:t>
+            </a:r>
+          </a:p>
+          <a:p>
+            <a:pPr algn="ctr"/>
+            <a:r>
+              <a:rPr lang="pt-BR" sz="1600" dirty="0">
+                <a:solidFill>
+                  <a:schemeClr val="tx1"/>
+                </a:solidFill>
+              </a:rPr>
+              <a:t>(Classificador)</a:t>
+            </a:r>
+            <a:endParaRPr lang="en-US" sz="1600" dirty="0">
+              <a:solidFill>
+                <a:schemeClr val="tx1"/>
+              </a:solidFill>
+            </a:endParaRPr>
+          </a:p>
+        </p:txBody>
+      </p:sp>
+      <mc:AlternateContent xmlns:mc="http://schemas.openxmlformats.org/markup-compatibility/2006">
+        <mc:Choice xmlns:a14="http://schemas.microsoft.com/office/drawing/2010/main" Requires="a14">
+          <p:sp>
+            <p:nvSpPr>
+              <p:cNvPr id="28" name="Retângulo 27">
+                <a:extLst>
+                  <a:ext uri="{FF2B5EF4-FFF2-40B4-BE49-F238E27FC236}">
+                    <a16:creationId xmlns:a16="http://schemas.microsoft.com/office/drawing/2014/main" id="{0D3186D7-61C6-DA25-A270-1BB761654ECD}"/>
+                  </a:ext>
+                </a:extLst>
+              </p:cNvPr>
+              <p:cNvSpPr/>
+              <p:nvPr/>
+            </p:nvSpPr>
+            <p:spPr>
+              <a:xfrm>
+                <a:off x="8002836" y="2753735"/>
+                <a:ext cx="628698" cy="646331"/>
+              </a:xfrm>
+              <a:prstGeom prst="rect">
+                <a:avLst/>
+              </a:prstGeom>
+            </p:spPr>
+            <p:txBody>
+              <a:bodyPr wrap="none">
+                <a:spAutoFit/>
+              </a:bodyPr>
+              <a:lstStyle/>
+              <a:p>
+                <a:pPr/>
+                <a14:m>
+                  <m:oMathPara xmlns:m="http://schemas.openxmlformats.org/officeDocument/2006/math">
+                    <m:oMathParaPr>
+                      <m:jc m:val="centerGroup"/>
+                    </m:oMathParaPr>
+                    <m:oMath xmlns:m="http://schemas.openxmlformats.org/officeDocument/2006/math">
+                      <m:r>
+                        <a:rPr lang="en-US" sz="3600" i="1" smtClean="0">
+                          <a:latin typeface="Cambria Math" panose="02040503050406030204" pitchFamily="18" charset="0"/>
+                          <a:ea typeface="Cambria Math" panose="02040503050406030204" pitchFamily="18" charset="0"/>
+                        </a:rPr>
+                        <m:t>≈</m:t>
+                      </m:r>
+                    </m:oMath>
+                  </m:oMathPara>
+                </a14:m>
+                <a:endParaRPr lang="en-US" sz="3600" dirty="0"/>
+              </a:p>
+            </p:txBody>
+          </p:sp>
+        </mc:Choice>
+        <mc:Fallback>
+          <p:sp>
+            <p:nvSpPr>
+              <p:cNvPr id="28" name="Retângulo 27">
+                <a:extLst>
+                  <a:ext uri="{FF2B5EF4-FFF2-40B4-BE49-F238E27FC236}">
+                    <a16:creationId xmlns:a16="http://schemas.microsoft.com/office/drawing/2014/main" id="{0D3186D7-61C6-DA25-A270-1BB761654ECD}"/>
+                  </a:ext>
+                </a:extLst>
+              </p:cNvPr>
+              <p:cNvSpPr>
+                <a:spLocks noRot="1" noChangeAspect="1" noMove="1" noResize="1" noEditPoints="1" noAdjustHandles="1" noChangeArrowheads="1" noChangeShapeType="1" noTextEdit="1"/>
+              </p:cNvSpPr>
+              <p:nvPr/>
+            </p:nvSpPr>
+            <p:spPr>
+              <a:xfrm>
+                <a:off x="8002836" y="2753735"/>
+                <a:ext cx="628698" cy="646331"/>
+              </a:xfrm>
+              <a:prstGeom prst="rect">
+                <a:avLst/>
+              </a:prstGeom>
+              <a:blipFill>
+                <a:blip r:embed="rId5"/>
+                <a:stretch>
+                  <a:fillRect/>
+                </a:stretch>
+              </a:blipFill>
+            </p:spPr>
+            <p:txBody>
+              <a:bodyPr/>
+              <a:lstStyle/>
+              <a:p>
+                <a:r>
+                  <a:rPr lang="pt-BR">
+                    <a:noFill/>
+                  </a:rPr>
+                  <a:t> </a:t>
+                </a:r>
+              </a:p>
+            </p:txBody>
+          </p:sp>
+        </mc:Fallback>
+      </mc:AlternateContent>
+      <p:sp>
+        <p:nvSpPr>
+          <p:cNvPr id="29" name="Balão de Fala: Retângulo 28">
+            <a:extLst>
+              <a:ext uri="{FF2B5EF4-FFF2-40B4-BE49-F238E27FC236}">
+                <a16:creationId xmlns:a16="http://schemas.microsoft.com/office/drawing/2014/main" id="{AC1E74E4-5151-449A-1879-8EAC74323F3C}"/>
+              </a:ext>
+            </a:extLst>
+          </p:cNvPr>
+          <p:cNvSpPr/>
+          <p:nvPr/>
+        </p:nvSpPr>
+        <p:spPr>
+          <a:xfrm>
+            <a:off x="6980363" y="1690688"/>
+            <a:ext cx="1022474" cy="466519"/>
+          </a:xfrm>
+          <a:prstGeom prst="wedgeRectCallout">
+            <a:avLst>
+              <a:gd name="adj1" fmla="val -53019"/>
+              <a:gd name="adj2" fmla="val 149136"/>
+            </a:avLst>
+          </a:prstGeom>
+          <a:solidFill>
+            <a:srgbClr val="FF0000"/>
+          </a:solidFill>
+        </p:spPr>
+        <p:style>
+          <a:lnRef idx="2">
+            <a:schemeClr val="accent1">
+              <a:shade val="15000"/>
+            </a:schemeClr>
+          </a:lnRef>
+          <a:fillRef idx="1">
+            <a:schemeClr val="accent1"/>
+          </a:fillRef>
+          <a:effectRef idx="0">
+            <a:schemeClr val="accent1"/>
+          </a:effectRef>
+          <a:fontRef idx="minor">
+            <a:schemeClr val="lt1"/>
+          </a:fontRef>
+        </p:style>
+        <p:txBody>
+          <a:bodyPr rtlCol="0" anchor="ctr"/>
+          <a:lstStyle/>
+          <a:p>
+            <a:pPr algn="ctr"/>
+            <a:r>
+              <a:rPr lang="pt-BR" sz="1200" b="1" dirty="0"/>
+              <a:t>Resultado do treinamento</a:t>
+            </a:r>
+          </a:p>
+        </p:txBody>
+      </p:sp>
+    </p:spTree>
+    <p:extLst>
+      <p:ext uri="{BB962C8B-B14F-4D97-AF65-F5344CB8AC3E}">
+        <p14:creationId xmlns:p14="http://schemas.microsoft.com/office/powerpoint/2010/main" val="787065861"/>
+      </p:ext>
+    </p:extLst>
+  </p:cSld>
+  <p:clrMapOvr>
+    <a:masterClrMapping/>
+  </p:clrMapOvr>
+</p:sld>
+</file>
+
+<file path=ppt/slides/slide7.xml><?xml version="1.0" encoding="utf-8"?>
+<p:sld xmlns:a="http://schemas.openxmlformats.org/drawingml/2006/main" xmlns:r="http://schemas.openxmlformats.org/officeDocument/2006/relationships" xmlns:p="http://schemas.openxmlformats.org/presentationml/2006/main">
+  <p:cSld>
+    <p:spTree>
+      <p:nvGrpSpPr>
+        <p:cNvPr id="1" name=""/>
+        <p:cNvGrpSpPr/>
+        <p:nvPr/>
+      </p:nvGrpSpPr>
+      <p:grpSpPr>
+        <a:xfrm>
+          <a:off x="0" y="0"/>
+          <a:ext cx="0" cy="0"/>
+          <a:chOff x="0" y="0"/>
+          <a:chExt cx="0" cy="0"/>
+        </a:xfrm>
+      </p:grpSpPr>
+      <p:sp>
+        <p:nvSpPr>
           <p:cNvPr id="2" name="Título 1"/>
           <p:cNvSpPr>
             <a:spLocks noGrp="1"/>
@@ -8094,7 +9580,7 @@
           <a:lstStyle/>
           <a:p>
             <a:r>
-              <a:rPr lang="pt-BR" dirty="0" smtClean="0"/>
+              <a:rPr lang="pt-BR" dirty="0"/>
               <a:t>Objetivo do curso</a:t>
             </a:r>
             <a:endParaRPr lang="en-US" dirty="0"/>
@@ -8125,19 +9611,19 @@
               <a:lstStyle/>
               <a:p>
                 <a:r>
-                  <a:rPr lang="pt-BR" dirty="0" err="1" smtClean="0"/>
+                  <a:rPr lang="pt-BR" dirty="0" err="1"/>
                   <a:t>def</a:t>
                 </a:r>
                 <a:r>
-                  <a:rPr lang="pt-BR" dirty="0" smtClean="0"/>
+                  <a:rPr lang="pt-BR" dirty="0"/>
                   <a:t> </a:t>
                 </a:r>
                 <a:r>
-                  <a:rPr lang="pt-BR" i="1" dirty="0" err="1" smtClean="0"/>
+                  <a:rPr lang="pt-BR" i="1" dirty="0" err="1"/>
                   <a:t>predict</a:t>
                 </a:r>
                 <a:r>
-                  <a:rPr lang="pt-BR" dirty="0" smtClean="0"/>
+                  <a:rPr lang="pt-BR" dirty="0"/>
                   <a:t>(</a:t>
                 </a:r>
                 <a14:m>
@@ -8151,21 +9637,17 @@
                   </m:oMath>
                 </a14:m>
                 <a:r>
-                  <a:rPr lang="pt-BR" dirty="0" smtClean="0"/>
+                  <a:rPr lang="pt-BR" dirty="0"/>
                   <a:t>):</a:t>
                 </a:r>
               </a:p>
               <a:p>
                 <a:r>
                   <a:rPr lang="pt-BR" dirty="0"/>
-                  <a:t> </a:t>
-                </a:r>
-                <a:r>
-                  <a:rPr lang="pt-BR" dirty="0" smtClean="0"/>
-                  <a:t>   </a:t>
-                </a:r>
-                <a:r>
-                  <a:rPr lang="pt-BR" dirty="0" err="1" smtClean="0"/>
+                  <a:t>    </a:t>
+                </a:r>
+                <a:r>
+                  <a:rPr lang="pt-BR" dirty="0" err="1"/>
                   <a:t>if</a:t>
                 </a:r>
                 <a:r>
@@ -8220,43 +9702,27 @@
                 </a14:m>
                 <a:r>
                   <a:rPr lang="pt-BR" dirty="0"/>
-                  <a:t> &gt;= 0</a:t>
-                </a:r>
-                <a:r>
-                  <a:rPr lang="pt-BR" dirty="0" smtClean="0"/>
-                  <a:t>):</a:t>
+                  <a:t> &gt;= 0):</a:t>
                 </a:r>
               </a:p>
               <a:p>
                 <a:r>
                   <a:rPr lang="pt-BR" dirty="0"/>
-                  <a:t> </a:t>
-                </a:r>
-                <a:r>
-                  <a:rPr lang="pt-BR" dirty="0" smtClean="0"/>
-                  <a:t>       </a:t>
-                </a:r>
-                <a:r>
-                  <a:rPr lang="pt-BR" dirty="0" err="1" smtClean="0"/>
+                  <a:t>        </a:t>
+                </a:r>
+                <a:r>
+                  <a:rPr lang="pt-BR" dirty="0" err="1"/>
                   <a:t>y_pred</a:t>
                 </a:r>
                 <a:r>
-                  <a:rPr lang="pt-BR" dirty="0" smtClean="0"/>
-                  <a:t>[i</a:t>
-                </a:r>
-                <a:r>
                   <a:rPr lang="pt-BR" dirty="0"/>
-                  <a:t>] = 0</a:t>
+                  <a:t>[i] = 0</a:t>
                 </a:r>
               </a:p>
               <a:p>
                 <a:r>
-                  <a:rPr lang="pt-BR" dirty="0" smtClean="0"/>
-                  <a:t>    # </a:t>
-                </a:r>
-                <a:r>
                   <a:rPr lang="pt-BR" dirty="0"/>
-                  <a:t>Caso quando </a:t>
+                  <a:t>    # Caso quando </a:t>
                 </a:r>
                 <a14:m>
                   <m:oMath xmlns:m="http://schemas.openxmlformats.org/officeDocument/2006/math">
@@ -8311,29 +9777,25 @@
               </a:p>
               <a:p>
                 <a:r>
-                  <a:rPr lang="pt-BR" dirty="0" smtClean="0"/>
+                  <a:rPr lang="pt-BR" dirty="0"/>
                   <a:t>    </a:t>
                 </a:r>
                 <a:r>
-                  <a:rPr lang="pt-BR" dirty="0" err="1" smtClean="0"/>
+                  <a:rPr lang="pt-BR" dirty="0" err="1"/>
                   <a:t>else</a:t>
                 </a:r>
                 <a:r>
-                  <a:rPr lang="pt-BR" dirty="0" smtClean="0"/>
+                  <a:rPr lang="pt-BR" dirty="0"/>
                   <a:t>:</a:t>
                 </a:r>
               </a:p>
               <a:p>
                 <a:r>
                   <a:rPr lang="pt-BR" dirty="0"/>
-                  <a:t> </a:t>
-                </a:r>
-                <a:r>
-                  <a:rPr lang="pt-BR" dirty="0" smtClean="0"/>
-                  <a:t>       </a:t>
-                </a:r>
-                <a:r>
-                  <a:rPr lang="pt-BR" dirty="0" err="1" smtClean="0"/>
+                  <a:t>        </a:t>
+                </a:r>
+                <a:r>
+                  <a:rPr lang="pt-BR" dirty="0" err="1"/>
                   <a:t>if</a:t>
                 </a:r>
                 <a:r>
@@ -8388,51 +9850,27 @@
                 </a14:m>
                 <a:r>
                   <a:rPr lang="pt-BR" dirty="0"/>
-                  <a:t> &lt; 0</a:t>
-                </a:r>
-                <a:r>
-                  <a:rPr lang="pt-BR" dirty="0" smtClean="0"/>
-                  <a:t>):</a:t>
+                  <a:t> &lt; 0):</a:t>
                 </a:r>
               </a:p>
               <a:p>
                 <a:r>
                   <a:rPr lang="pt-BR" dirty="0"/>
-                  <a:t> </a:t>
-                </a:r>
-                <a:r>
-                  <a:rPr lang="pt-BR" dirty="0" smtClean="0"/>
-                  <a:t>           </a:t>
-                </a:r>
-                <a:r>
-                  <a:rPr lang="pt-BR" dirty="0" err="1" smtClean="0"/>
+                  <a:t>            </a:t>
+                </a:r>
+                <a:r>
+                  <a:rPr lang="pt-BR" dirty="0" err="1"/>
                   <a:t>y_pred</a:t>
                 </a:r>
                 <a:r>
-                  <a:rPr lang="pt-BR" dirty="0" smtClean="0"/>
-                  <a:t>[i</a:t>
-                </a:r>
-                <a:r>
                   <a:rPr lang="pt-BR" dirty="0"/>
-                  <a:t>] = </a:t>
-                </a:r>
-                <a:r>
-                  <a:rPr lang="pt-BR" dirty="0" smtClean="0"/>
-                  <a:t>1</a:t>
+                  <a:t>[i] = 1</a:t>
                 </a:r>
               </a:p>
               <a:p>
                 <a:r>
                   <a:rPr lang="pt-BR" dirty="0"/>
-                  <a:t> </a:t>
-                </a:r>
-                <a:r>
-                  <a:rPr lang="pt-BR" dirty="0" smtClean="0"/>
-                  <a:t>       # </a:t>
-                </a:r>
-                <a:r>
-                  <a:rPr lang="pt-BR" dirty="0"/>
-                  <a:t>caso quando # </a:t>
+                  <a:t>        # caso quando # </a:t>
                 </a:r>
                 <a14:m>
                   <m:oMath xmlns:m="http://schemas.openxmlformats.org/officeDocument/2006/math">
@@ -8482,52 +9920,35 @@
                 </a14:m>
                 <a:r>
                   <a:rPr lang="pt-BR" dirty="0"/>
-                  <a:t> &gt;= </a:t>
-                </a:r>
-                <a:r>
-                  <a:rPr lang="pt-BR" dirty="0" smtClean="0"/>
-                  <a:t>0</a:t>
+                  <a:t> &gt;= 0</a:t>
                 </a:r>
               </a:p>
               <a:p>
                 <a:r>
                   <a:rPr lang="pt-BR" dirty="0"/>
-                  <a:t> </a:t>
-                </a:r>
-                <a:r>
-                  <a:rPr lang="pt-BR" dirty="0" smtClean="0"/>
-                  <a:t>       </a:t>
-                </a:r>
-                <a:r>
-                  <a:rPr lang="pt-BR" dirty="0" err="1" smtClean="0"/>
+                  <a:t>        </a:t>
+                </a:r>
+                <a:r>
+                  <a:rPr lang="pt-BR" dirty="0" err="1"/>
                   <a:t>else</a:t>
                 </a:r>
                 <a:r>
                   <a:rPr lang="pt-BR" dirty="0"/>
                   <a:t>: </a:t>
                 </a:r>
-                <a:endParaRPr lang="pt-BR" dirty="0" smtClean="0"/>
               </a:p>
               <a:p>
                 <a:r>
                   <a:rPr lang="pt-BR" dirty="0"/>
-                  <a:t> </a:t>
-                </a:r>
-                <a:r>
-                  <a:rPr lang="pt-BR" dirty="0" smtClean="0"/>
-                  <a:t>           </a:t>
-                </a:r>
-                <a:r>
-                  <a:rPr lang="pt-BR" dirty="0" err="1" smtClean="0"/>
+                  <a:t>            </a:t>
+                </a:r>
+                <a:r>
+                  <a:rPr lang="pt-BR" dirty="0" err="1"/>
                   <a:t>y_pred</a:t>
                 </a:r>
                 <a:r>
-                  <a:rPr lang="pt-BR" dirty="0" smtClean="0"/>
-                  <a:t>[i</a:t>
-                </a:r>
-                <a:r>
                   <a:rPr lang="pt-BR" dirty="0"/>
-                  <a:t>] = 2</a:t>
+                  <a:t>[i] = 2</a:t>
                 </a:r>
               </a:p>
             </p:txBody>
@@ -8615,7 +10036,7 @@
           <a:p>
             <a:pPr algn="ctr"/>
             <a:r>
-              <a:rPr lang="pt-BR" dirty="0" smtClean="0">
+              <a:rPr lang="pt-BR" dirty="0">
                 <a:solidFill>
                   <a:schemeClr val="tx1"/>
                 </a:solidFill>
@@ -8626,7 +10047,7 @@
           <a:p>
             <a:pPr algn="ctr"/>
             <a:r>
-              <a:rPr lang="pt-BR" dirty="0" smtClean="0">
+              <a:rPr lang="pt-BR" dirty="0">
                 <a:solidFill>
                   <a:schemeClr val="tx1"/>
                 </a:solidFill>
@@ -8898,15 +10319,15 @@
               <a:p>
                 <a:pPr algn="ctr"/>
                 <a:r>
-                  <a:rPr lang="pt-BR" sz="2800" dirty="0" smtClean="0"/>
+                  <a:rPr lang="pt-BR" sz="2800" dirty="0"/>
                   <a:t>Treinar modelos de ML que aprendam, </a:t>
                 </a:r>
                 <a:r>
-                  <a:rPr lang="pt-BR" sz="2800" b="1" i="1" dirty="0" smtClean="0"/>
+                  <a:rPr lang="pt-BR" sz="2800" b="1" i="1" dirty="0"/>
                   <a:t>sem serem explicitamente programados</a:t>
                 </a:r>
                 <a:r>
-                  <a:rPr lang="pt-BR" sz="2800" dirty="0" smtClean="0"/>
+                  <a:rPr lang="pt-BR" sz="2800" dirty="0"/>
                   <a:t>, a classificar as entradas, </a:t>
                 </a:r>
                 <a14:m>
@@ -8920,7 +10341,7 @@
                   </m:oMath>
                 </a14:m>
                 <a:r>
-                  <a:rPr lang="pt-BR" sz="2800" dirty="0" smtClean="0"/>
+                  <a:rPr lang="pt-BR" sz="2800" dirty="0"/>
                   <a:t>, em suas respectivas classes. </a:t>
                 </a:r>
                 <a:endParaRPr lang="en-US" sz="2800" dirty="0"/>
@@ -9535,10 +10956,9 @@
           <a:lstStyle/>
           <a:p>
             <a:r>
-              <a:rPr lang="en-US" sz="2000" dirty="0" err="1" smtClean="0"/>
+              <a:rPr lang="pt-BR" sz="2000"/>
               <a:t>Treinamento</a:t>
             </a:r>
-            <a:endParaRPr lang="en-US" sz="2000" dirty="0"/>
           </a:p>
         </p:txBody>
       </p:sp>
@@ -9546,6 +10966,1406 @@
     <p:extLst>
       <p:ext uri="{BB962C8B-B14F-4D97-AF65-F5344CB8AC3E}">
         <p14:creationId xmlns:p14="http://schemas.microsoft.com/office/powerpoint/2010/main" val="3089829110"/>
+      </p:ext>
+    </p:extLst>
+  </p:cSld>
+  <p:clrMapOvr>
+    <a:masterClrMapping/>
+  </p:clrMapOvr>
+</p:sld>
+</file>
+
+<file path=ppt/slides/slide8.xml><?xml version="1.0" encoding="utf-8"?>
+<p:sld xmlns:a="http://schemas.openxmlformats.org/drawingml/2006/main" xmlns:r="http://schemas.openxmlformats.org/officeDocument/2006/relationships" xmlns:p="http://schemas.openxmlformats.org/presentationml/2006/main">
+  <p:cSld>
+    <p:spTree>
+      <p:nvGrpSpPr>
+        <p:cNvPr id="1" name=""/>
+        <p:cNvGrpSpPr/>
+        <p:nvPr/>
+      </p:nvGrpSpPr>
+      <p:grpSpPr>
+        <a:xfrm>
+          <a:off x="0" y="0"/>
+          <a:ext cx="0" cy="0"/>
+          <a:chOff x="0" y="0"/>
+          <a:chExt cx="0" cy="0"/>
+        </a:xfrm>
+      </p:grpSpPr>
+      <p:sp>
+        <p:nvSpPr>
+          <p:cNvPr id="2" name="Título 1"/>
+          <p:cNvSpPr>
+            <a:spLocks noGrp="1"/>
+          </p:cNvSpPr>
+          <p:nvPr>
+            <p:ph type="title"/>
+          </p:nvPr>
+        </p:nvSpPr>
+        <p:spPr/>
+        <p:txBody>
+          <a:bodyPr/>
+          <a:lstStyle/>
+          <a:p>
+            <a:r>
+              <a:rPr lang="pt-BR" dirty="0"/>
+              <a:t>Objetivo do curso</a:t>
+            </a:r>
+            <a:endParaRPr lang="en-US" dirty="0"/>
+          </a:p>
+        </p:txBody>
+      </p:sp>
+      <mc:AlternateContent xmlns:mc="http://schemas.openxmlformats.org/markup-compatibility/2006" xmlns:a14="http://schemas.microsoft.com/office/drawing/2010/main">
+        <mc:Choice Requires="a14">
+          <p:sp>
+            <p:nvSpPr>
+              <p:cNvPr id="4" name="Retângulo 3"/>
+              <p:cNvSpPr/>
+              <p:nvPr/>
+            </p:nvSpPr>
+            <p:spPr>
+              <a:xfrm>
+                <a:off x="7567749" y="2200433"/>
+                <a:ext cx="4484914" cy="2862322"/>
+              </a:xfrm>
+              <a:prstGeom prst="rect">
+                <a:avLst/>
+              </a:prstGeom>
+            </p:spPr>
+            <p:txBody>
+              <a:bodyPr wrap="square">
+                <a:spAutoFit/>
+              </a:bodyPr>
+              <a:lstStyle/>
+              <a:p>
+                <a:r>
+                  <a:rPr lang="pt-BR" dirty="0" err="1"/>
+                  <a:t>def</a:t>
+                </a:r>
+                <a:r>
+                  <a:rPr lang="pt-BR" dirty="0"/>
+                  <a:t> </a:t>
+                </a:r>
+                <a:r>
+                  <a:rPr lang="pt-BR" i="1" dirty="0" err="1"/>
+                  <a:t>predict</a:t>
+                </a:r>
+                <a:r>
+                  <a:rPr lang="pt-BR" dirty="0"/>
+                  <a:t>(</a:t>
+                </a:r>
+                <a14:m>
+                  <m:oMath xmlns:m="http://schemas.openxmlformats.org/officeDocument/2006/math">
+                    <m:r>
+                      <a:rPr lang="pt-BR" b="1" i="1">
+                        <a:latin typeface="Cambria Math" panose="02040503050406030204" pitchFamily="18" charset="0"/>
+                      </a:rPr>
+                      <m:t>𝒙</m:t>
+                    </m:r>
+                  </m:oMath>
+                </a14:m>
+                <a:r>
+                  <a:rPr lang="pt-BR" dirty="0"/>
+                  <a:t>):</a:t>
+                </a:r>
+              </a:p>
+              <a:p>
+                <a:r>
+                  <a:rPr lang="pt-BR" dirty="0"/>
+                  <a:t>    </a:t>
+                </a:r>
+                <a:r>
+                  <a:rPr lang="pt-BR" dirty="0" err="1"/>
+                  <a:t>if</a:t>
+                </a:r>
+                <a:r>
+                  <a:rPr lang="pt-BR" dirty="0"/>
+                  <a:t>(</a:t>
+                </a:r>
+                <a14:m>
+                  <m:oMath xmlns:m="http://schemas.openxmlformats.org/officeDocument/2006/math">
+                    <m:sSub>
+                      <m:sSubPr>
+                        <m:ctrlPr>
+                          <a:rPr lang="pt-BR" i="1">
+                            <a:latin typeface="Cambria Math" panose="02040503050406030204" pitchFamily="18" charset="0"/>
+                          </a:rPr>
+                        </m:ctrlPr>
+                      </m:sSubPr>
+                      <m:e>
+                        <m:r>
+                          <a:rPr lang="pt-BR" i="1">
+                            <a:latin typeface="Cambria Math" panose="02040503050406030204" pitchFamily="18" charset="0"/>
+                          </a:rPr>
+                          <m:t>𝑔</m:t>
+                        </m:r>
+                      </m:e>
+                      <m:sub>
+                        <m:r>
+                          <a:rPr lang="pt-BR" i="1">
+                            <a:latin typeface="Cambria Math" panose="02040503050406030204" pitchFamily="18" charset="0"/>
+                          </a:rPr>
+                          <m:t>1</m:t>
+                        </m:r>
+                      </m:sub>
+                    </m:sSub>
+                    <m:d>
+                      <m:dPr>
+                        <m:ctrlPr>
+                          <a:rPr lang="pt-BR" i="1">
+                            <a:latin typeface="Cambria Math" panose="02040503050406030204" pitchFamily="18" charset="0"/>
+                          </a:rPr>
+                        </m:ctrlPr>
+                      </m:dPr>
+                      <m:e>
+                        <m:r>
+                          <a:rPr lang="pt-BR" b="1" i="1">
+                            <a:latin typeface="Cambria Math" panose="02040503050406030204" pitchFamily="18" charset="0"/>
+                          </a:rPr>
+                          <m:t>𝒙</m:t>
+                        </m:r>
+                      </m:e>
+                    </m:d>
+                  </m:oMath>
+                </a14:m>
+                <a:r>
+                  <a:rPr lang="pt-BR" dirty="0"/>
+                  <a:t> &gt;= 0):</a:t>
+                </a:r>
+              </a:p>
+              <a:p>
+                <a:r>
+                  <a:rPr lang="pt-BR" dirty="0"/>
+                  <a:t>        </a:t>
+                </a:r>
+                <a:r>
+                  <a:rPr lang="pt-BR" dirty="0" err="1"/>
+                  <a:t>y_pred</a:t>
+                </a:r>
+                <a:r>
+                  <a:rPr lang="pt-BR" dirty="0"/>
+                  <a:t>[i] = 0</a:t>
+                </a:r>
+              </a:p>
+              <a:p>
+                <a:r>
+                  <a:rPr lang="pt-BR" dirty="0"/>
+                  <a:t>    # Caso quando </a:t>
+                </a:r>
+                <a14:m>
+                  <m:oMath xmlns:m="http://schemas.openxmlformats.org/officeDocument/2006/math">
+                    <m:sSub>
+                      <m:sSubPr>
+                        <m:ctrlPr>
+                          <a:rPr lang="pt-BR" i="1">
+                            <a:latin typeface="Cambria Math" panose="02040503050406030204" pitchFamily="18" charset="0"/>
+                          </a:rPr>
+                        </m:ctrlPr>
+                      </m:sSubPr>
+                      <m:e>
+                        <m:r>
+                          <a:rPr lang="pt-BR" i="1">
+                            <a:latin typeface="Cambria Math" panose="02040503050406030204" pitchFamily="18" charset="0"/>
+                          </a:rPr>
+                          <m:t>𝑔</m:t>
+                        </m:r>
+                      </m:e>
+                      <m:sub>
+                        <m:r>
+                          <a:rPr lang="pt-BR" i="1">
+                            <a:latin typeface="Cambria Math" panose="02040503050406030204" pitchFamily="18" charset="0"/>
+                          </a:rPr>
+                          <m:t>1</m:t>
+                        </m:r>
+                      </m:sub>
+                    </m:sSub>
+                    <m:d>
+                      <m:dPr>
+                        <m:ctrlPr>
+                          <a:rPr lang="pt-BR" i="1">
+                            <a:latin typeface="Cambria Math" panose="02040503050406030204" pitchFamily="18" charset="0"/>
+                          </a:rPr>
+                        </m:ctrlPr>
+                      </m:dPr>
+                      <m:e>
+                        <m:r>
+                          <a:rPr lang="pt-BR" b="1" i="1">
+                            <a:latin typeface="Cambria Math" panose="02040503050406030204" pitchFamily="18" charset="0"/>
+                          </a:rPr>
+                          <m:t>𝒙</m:t>
+                        </m:r>
+                      </m:e>
+                    </m:d>
+                  </m:oMath>
+                </a14:m>
+                <a:r>
+                  <a:rPr lang="pt-BR" dirty="0"/>
+                  <a:t> &lt; 0</a:t>
+                </a:r>
+              </a:p>
+              <a:p>
+                <a:r>
+                  <a:rPr lang="pt-BR" dirty="0"/>
+                  <a:t>    </a:t>
+                </a:r>
+                <a:r>
+                  <a:rPr lang="pt-BR" dirty="0" err="1"/>
+                  <a:t>else</a:t>
+                </a:r>
+                <a:r>
+                  <a:rPr lang="pt-BR" dirty="0"/>
+                  <a:t>:</a:t>
+                </a:r>
+              </a:p>
+              <a:p>
+                <a:r>
+                  <a:rPr lang="pt-BR" dirty="0"/>
+                  <a:t>        </a:t>
+                </a:r>
+                <a:r>
+                  <a:rPr lang="pt-BR" dirty="0" err="1"/>
+                  <a:t>if</a:t>
+                </a:r>
+                <a:r>
+                  <a:rPr lang="pt-BR" dirty="0"/>
+                  <a:t>(</a:t>
+                </a:r>
+                <a14:m>
+                  <m:oMath xmlns:m="http://schemas.openxmlformats.org/officeDocument/2006/math">
+                    <m:sSub>
+                      <m:sSubPr>
+                        <m:ctrlPr>
+                          <a:rPr lang="pt-BR" i="1">
+                            <a:latin typeface="Cambria Math" panose="02040503050406030204" pitchFamily="18" charset="0"/>
+                          </a:rPr>
+                        </m:ctrlPr>
+                      </m:sSubPr>
+                      <m:e>
+                        <m:r>
+                          <a:rPr lang="pt-BR" i="1">
+                            <a:latin typeface="Cambria Math" panose="02040503050406030204" pitchFamily="18" charset="0"/>
+                          </a:rPr>
+                          <m:t>𝑔</m:t>
+                        </m:r>
+                      </m:e>
+                      <m:sub>
+                        <m:r>
+                          <a:rPr lang="pt-BR" i="1">
+                            <a:latin typeface="Cambria Math" panose="02040503050406030204" pitchFamily="18" charset="0"/>
+                          </a:rPr>
+                          <m:t>2</m:t>
+                        </m:r>
+                      </m:sub>
+                    </m:sSub>
+                    <m:d>
+                      <m:dPr>
+                        <m:ctrlPr>
+                          <a:rPr lang="pt-BR" i="1">
+                            <a:latin typeface="Cambria Math" panose="02040503050406030204" pitchFamily="18" charset="0"/>
+                          </a:rPr>
+                        </m:ctrlPr>
+                      </m:dPr>
+                      <m:e>
+                        <m:r>
+                          <a:rPr lang="pt-BR" b="1" i="1">
+                            <a:latin typeface="Cambria Math" panose="02040503050406030204" pitchFamily="18" charset="0"/>
+                          </a:rPr>
+                          <m:t>𝒙</m:t>
+                        </m:r>
+                      </m:e>
+                    </m:d>
+                  </m:oMath>
+                </a14:m>
+                <a:r>
+                  <a:rPr lang="pt-BR" dirty="0"/>
+                  <a:t> &lt; 0):</a:t>
+                </a:r>
+              </a:p>
+              <a:p>
+                <a:r>
+                  <a:rPr lang="pt-BR" dirty="0"/>
+                  <a:t>            </a:t>
+                </a:r>
+                <a:r>
+                  <a:rPr lang="pt-BR" dirty="0" err="1"/>
+                  <a:t>y_pred</a:t>
+                </a:r>
+                <a:r>
+                  <a:rPr lang="pt-BR" dirty="0"/>
+                  <a:t>[i] = 1</a:t>
+                </a:r>
+              </a:p>
+              <a:p>
+                <a:r>
+                  <a:rPr lang="pt-BR" dirty="0"/>
+                  <a:t>        # caso quando # </a:t>
+                </a:r>
+                <a14:m>
+                  <m:oMath xmlns:m="http://schemas.openxmlformats.org/officeDocument/2006/math">
+                    <m:sSub>
+                      <m:sSubPr>
+                        <m:ctrlPr>
+                          <a:rPr lang="pt-BR" i="1">
+                            <a:latin typeface="Cambria Math" panose="02040503050406030204" pitchFamily="18" charset="0"/>
+                          </a:rPr>
+                        </m:ctrlPr>
+                      </m:sSubPr>
+                      <m:e>
+                        <m:r>
+                          <a:rPr lang="pt-BR" i="1">
+                            <a:latin typeface="Cambria Math" panose="02040503050406030204" pitchFamily="18" charset="0"/>
+                          </a:rPr>
+                          <m:t>𝑔</m:t>
+                        </m:r>
+                      </m:e>
+                      <m:sub>
+                        <m:r>
+                          <a:rPr lang="pt-BR" i="1">
+                            <a:latin typeface="Cambria Math" panose="02040503050406030204" pitchFamily="18" charset="0"/>
+                          </a:rPr>
+                          <m:t>2</m:t>
+                        </m:r>
+                      </m:sub>
+                    </m:sSub>
+                    <m:d>
+                      <m:dPr>
+                        <m:ctrlPr>
+                          <a:rPr lang="pt-BR" i="1">
+                            <a:latin typeface="Cambria Math" panose="02040503050406030204" pitchFamily="18" charset="0"/>
+                          </a:rPr>
+                        </m:ctrlPr>
+                      </m:dPr>
+                      <m:e>
+                        <m:r>
+                          <a:rPr lang="pt-BR" b="1" i="1" smtClean="0">
+                            <a:latin typeface="Cambria Math" panose="02040503050406030204" pitchFamily="18" charset="0"/>
+                          </a:rPr>
+                          <m:t>𝒙</m:t>
+                        </m:r>
+                      </m:e>
+                    </m:d>
+                  </m:oMath>
+                </a14:m>
+                <a:r>
+                  <a:rPr lang="pt-BR" dirty="0"/>
+                  <a:t> &gt;= 0</a:t>
+                </a:r>
+              </a:p>
+              <a:p>
+                <a:r>
+                  <a:rPr lang="pt-BR" dirty="0"/>
+                  <a:t>        </a:t>
+                </a:r>
+                <a:r>
+                  <a:rPr lang="pt-BR" dirty="0" err="1"/>
+                  <a:t>else</a:t>
+                </a:r>
+                <a:r>
+                  <a:rPr lang="pt-BR" dirty="0"/>
+                  <a:t>: </a:t>
+                </a:r>
+              </a:p>
+              <a:p>
+                <a:r>
+                  <a:rPr lang="pt-BR" dirty="0"/>
+                  <a:t>            </a:t>
+                </a:r>
+                <a:r>
+                  <a:rPr lang="pt-BR" dirty="0" err="1"/>
+                  <a:t>y_pred</a:t>
+                </a:r>
+                <a:r>
+                  <a:rPr lang="pt-BR" dirty="0"/>
+                  <a:t>[i] = 2</a:t>
+                </a:r>
+              </a:p>
+            </p:txBody>
+          </p:sp>
+        </mc:Choice>
+        <mc:Fallback xmlns="">
+          <p:sp>
+            <p:nvSpPr>
+              <p:cNvPr id="4" name="Retângulo 3"/>
+              <p:cNvSpPr>
+                <a:spLocks noRot="1" noChangeAspect="1" noMove="1" noResize="1" noEditPoints="1" noAdjustHandles="1" noChangeArrowheads="1" noChangeShapeType="1" noTextEdit="1"/>
+              </p:cNvSpPr>
+              <p:nvPr/>
+            </p:nvSpPr>
+            <p:spPr>
+              <a:xfrm>
+                <a:off x="7567749" y="2200433"/>
+                <a:ext cx="4484914" cy="2862322"/>
+              </a:xfrm>
+              <a:prstGeom prst="rect">
+                <a:avLst/>
+              </a:prstGeom>
+              <a:blipFill rotWithShape="0">
+                <a:blip r:embed="rId2"/>
+                <a:stretch>
+                  <a:fillRect l="-1087" t="-1277" b="-2340"/>
+                </a:stretch>
+              </a:blipFill>
+            </p:spPr>
+            <p:txBody>
+              <a:bodyPr/>
+              <a:lstStyle/>
+              <a:p>
+                <a:r>
+                  <a:rPr lang="pt-BR">
+                    <a:noFill/>
+                  </a:rPr>
+                  <a:t> </a:t>
+                </a:r>
+              </a:p>
+            </p:txBody>
+          </p:sp>
+        </mc:Fallback>
+      </mc:AlternateContent>
+      <p:sp>
+        <p:nvSpPr>
+          <p:cNvPr id="5" name="Retângulo 4"/>
+          <p:cNvSpPr/>
+          <p:nvPr/>
+        </p:nvSpPr>
+        <p:spPr>
+          <a:xfrm>
+            <a:off x="1188013" y="2696427"/>
+            <a:ext cx="2011680" cy="1262743"/>
+          </a:xfrm>
+          <a:prstGeom prst="rect">
+            <a:avLst/>
+          </a:prstGeom>
+          <a:noFill/>
+          <a:ln w="28575">
+            <a:solidFill>
+              <a:schemeClr val="tx1"/>
+            </a:solidFill>
+          </a:ln>
+        </p:spPr>
+        <p:style>
+          <a:lnRef idx="2">
+            <a:schemeClr val="accent1">
+              <a:shade val="50000"/>
+            </a:schemeClr>
+          </a:lnRef>
+          <a:fillRef idx="1">
+            <a:schemeClr val="accent1"/>
+          </a:fillRef>
+          <a:effectRef idx="0">
+            <a:schemeClr val="accent1"/>
+          </a:effectRef>
+          <a:fontRef idx="minor">
+            <a:schemeClr val="lt1"/>
+          </a:fontRef>
+        </p:style>
+        <p:txBody>
+          <a:bodyPr rtlCol="0" anchor="ctr"/>
+          <a:lstStyle/>
+          <a:p>
+            <a:pPr algn="ctr"/>
+            <a:r>
+              <a:rPr lang="pt-BR" dirty="0">
+                <a:solidFill>
+                  <a:schemeClr val="tx1"/>
+                </a:solidFill>
+              </a:rPr>
+              <a:t>Modelo de ML</a:t>
+            </a:r>
+          </a:p>
+          <a:p>
+            <a:pPr algn="ctr"/>
+            <a:r>
+              <a:rPr lang="pt-BR" dirty="0">
+                <a:solidFill>
+                  <a:schemeClr val="tx1"/>
+                </a:solidFill>
+              </a:rPr>
+              <a:t>(Classificador)</a:t>
+            </a:r>
+            <a:endParaRPr lang="en-US" dirty="0">
+              <a:solidFill>
+                <a:schemeClr val="tx1"/>
+              </a:solidFill>
+            </a:endParaRPr>
+          </a:p>
+        </p:txBody>
+      </p:sp>
+      <p:sp>
+        <p:nvSpPr>
+          <p:cNvPr id="6" name="Seta para a direita 5"/>
+          <p:cNvSpPr/>
+          <p:nvPr/>
+        </p:nvSpPr>
+        <p:spPr>
+          <a:xfrm>
+            <a:off x="787419" y="3127501"/>
+            <a:ext cx="400594" cy="400594"/>
+          </a:xfrm>
+          <a:prstGeom prst="rightArrow">
+            <a:avLst/>
+          </a:prstGeom>
+          <a:noFill/>
+          <a:ln w="28575">
+            <a:solidFill>
+              <a:schemeClr val="tx1"/>
+            </a:solidFill>
+          </a:ln>
+        </p:spPr>
+        <p:style>
+          <a:lnRef idx="2">
+            <a:schemeClr val="accent1">
+              <a:shade val="50000"/>
+            </a:schemeClr>
+          </a:lnRef>
+          <a:fillRef idx="1">
+            <a:schemeClr val="accent1"/>
+          </a:fillRef>
+          <a:effectRef idx="0">
+            <a:schemeClr val="accent1"/>
+          </a:effectRef>
+          <a:fontRef idx="minor">
+            <a:schemeClr val="lt1"/>
+          </a:fontRef>
+        </p:style>
+        <p:txBody>
+          <a:bodyPr rtlCol="0" anchor="ctr"/>
+          <a:lstStyle/>
+          <a:p>
+            <a:pPr algn="ctr"/>
+            <a:endParaRPr lang="en-US"/>
+          </a:p>
+        </p:txBody>
+      </p:sp>
+      <mc:AlternateContent xmlns:mc="http://schemas.openxmlformats.org/markup-compatibility/2006" xmlns:a14="http://schemas.microsoft.com/office/drawing/2010/main">
+        <mc:Choice Requires="a14">
+          <p:sp>
+            <p:nvSpPr>
+              <p:cNvPr id="8" name="Retângulo 7"/>
+              <p:cNvSpPr/>
+              <p:nvPr/>
+            </p:nvSpPr>
+            <p:spPr>
+              <a:xfrm>
+                <a:off x="263433" y="3066188"/>
+                <a:ext cx="473206" cy="523220"/>
+              </a:xfrm>
+              <a:prstGeom prst="rect">
+                <a:avLst/>
+              </a:prstGeom>
+            </p:spPr>
+            <p:txBody>
+              <a:bodyPr wrap="none">
+                <a:spAutoFit/>
+              </a:bodyPr>
+              <a:lstStyle/>
+              <a:p>
+                <a:pPr/>
+                <a14:m>
+                  <m:oMathPara xmlns:m="http://schemas.openxmlformats.org/officeDocument/2006/math">
+                    <m:oMathParaPr>
+                      <m:jc m:val="centerGroup"/>
+                    </m:oMathParaPr>
+                    <m:oMath xmlns:m="http://schemas.openxmlformats.org/officeDocument/2006/math">
+                      <m:r>
+                        <a:rPr lang="pt-BR" sz="2800" b="1" i="1">
+                          <a:latin typeface="Cambria Math" panose="02040503050406030204" pitchFamily="18" charset="0"/>
+                        </a:rPr>
+                        <m:t>𝒙</m:t>
+                      </m:r>
+                    </m:oMath>
+                  </m:oMathPara>
+                </a14:m>
+                <a:endParaRPr lang="en-US" sz="2800" dirty="0"/>
+              </a:p>
+            </p:txBody>
+          </p:sp>
+        </mc:Choice>
+        <mc:Fallback xmlns="">
+          <p:sp>
+            <p:nvSpPr>
+              <p:cNvPr id="8" name="Retângulo 7"/>
+              <p:cNvSpPr>
+                <a:spLocks noRot="1" noChangeAspect="1" noMove="1" noResize="1" noEditPoints="1" noAdjustHandles="1" noChangeArrowheads="1" noChangeShapeType="1" noTextEdit="1"/>
+              </p:cNvSpPr>
+              <p:nvPr/>
+            </p:nvSpPr>
+            <p:spPr>
+              <a:xfrm>
+                <a:off x="263433" y="3066188"/>
+                <a:ext cx="473206" cy="523220"/>
+              </a:xfrm>
+              <a:prstGeom prst="rect">
+                <a:avLst/>
+              </a:prstGeom>
+              <a:blipFill rotWithShape="0">
+                <a:blip r:embed="rId3"/>
+                <a:stretch>
+                  <a:fillRect/>
+                </a:stretch>
+              </a:blipFill>
+            </p:spPr>
+            <p:txBody>
+              <a:bodyPr/>
+              <a:lstStyle/>
+              <a:p>
+                <a:r>
+                  <a:rPr lang="pt-BR">
+                    <a:noFill/>
+                  </a:rPr>
+                  <a:t> </a:t>
+                </a:r>
+              </a:p>
+            </p:txBody>
+          </p:sp>
+        </mc:Fallback>
+      </mc:AlternateContent>
+      <mc:AlternateContent xmlns:mc="http://schemas.openxmlformats.org/markup-compatibility/2006" xmlns:a14="http://schemas.microsoft.com/office/drawing/2010/main">
+        <mc:Choice Requires="a14">
+          <p:sp>
+            <p:nvSpPr>
+              <p:cNvPr id="9" name="Retângulo 8"/>
+              <p:cNvSpPr/>
+              <p:nvPr/>
+            </p:nvSpPr>
+            <p:spPr>
+              <a:xfrm>
+                <a:off x="3168471" y="3219547"/>
+                <a:ext cx="1111651" cy="561820"/>
+              </a:xfrm>
+              <a:prstGeom prst="rect">
+                <a:avLst/>
+              </a:prstGeom>
+            </p:spPr>
+            <p:txBody>
+              <a:bodyPr wrap="none">
+                <a:spAutoFit/>
+              </a:bodyPr>
+              <a:lstStyle/>
+              <a:p>
+                <a:pPr/>
+                <a14:m>
+                  <m:oMathPara xmlns:m="http://schemas.openxmlformats.org/officeDocument/2006/math">
+                    <m:oMathParaPr>
+                      <m:jc m:val="centerGroup"/>
+                    </m:oMathParaPr>
+                    <m:oMath xmlns:m="http://schemas.openxmlformats.org/officeDocument/2006/math">
+                      <m:sSub>
+                        <m:sSubPr>
+                          <m:ctrlPr>
+                            <a:rPr lang="pt-BR" sz="2800" i="1" smtClean="0">
+                              <a:latin typeface="Cambria Math" panose="02040503050406030204" pitchFamily="18" charset="0"/>
+                            </a:rPr>
+                          </m:ctrlPr>
+                        </m:sSubPr>
+                        <m:e>
+                          <m:r>
+                            <a:rPr lang="pt-BR" sz="2800" b="0" i="1" smtClean="0">
+                              <a:latin typeface="Cambria Math" panose="02040503050406030204" pitchFamily="18" charset="0"/>
+                            </a:rPr>
+                            <m:t>𝑦</m:t>
+                          </m:r>
+                        </m:e>
+                        <m:sub>
+                          <m:r>
+                            <a:rPr lang="pt-BR" sz="2800" b="0" i="1" smtClean="0">
+                              <a:latin typeface="Cambria Math" panose="02040503050406030204" pitchFamily="18" charset="0"/>
+                            </a:rPr>
+                            <m:t>𝑝𝑟𝑒𝑑</m:t>
+                          </m:r>
+                        </m:sub>
+                      </m:sSub>
+                    </m:oMath>
+                  </m:oMathPara>
+                </a14:m>
+                <a:endParaRPr lang="en-US" sz="2800" dirty="0"/>
+              </a:p>
+            </p:txBody>
+          </p:sp>
+        </mc:Choice>
+        <mc:Fallback xmlns="">
+          <p:sp>
+            <p:nvSpPr>
+              <p:cNvPr id="9" name="Retângulo 8"/>
+              <p:cNvSpPr>
+                <a:spLocks noRot="1" noChangeAspect="1" noMove="1" noResize="1" noEditPoints="1" noAdjustHandles="1" noChangeArrowheads="1" noChangeShapeType="1" noTextEdit="1"/>
+              </p:cNvSpPr>
+              <p:nvPr/>
+            </p:nvSpPr>
+            <p:spPr>
+              <a:xfrm>
+                <a:off x="3168471" y="3219547"/>
+                <a:ext cx="1111651" cy="561820"/>
+              </a:xfrm>
+              <a:prstGeom prst="rect">
+                <a:avLst/>
+              </a:prstGeom>
+              <a:blipFill rotWithShape="0">
+                <a:blip r:embed="rId4"/>
+                <a:stretch>
+                  <a:fillRect/>
+                </a:stretch>
+              </a:blipFill>
+            </p:spPr>
+            <p:txBody>
+              <a:bodyPr/>
+              <a:lstStyle/>
+              <a:p>
+                <a:r>
+                  <a:rPr lang="pt-BR">
+                    <a:noFill/>
+                  </a:rPr>
+                  <a:t> </a:t>
+                </a:r>
+              </a:p>
+            </p:txBody>
+          </p:sp>
+        </mc:Fallback>
+      </mc:AlternateContent>
+      <p:sp>
+        <p:nvSpPr>
+          <p:cNvPr id="10" name="CaixaDeTexto 9"/>
+          <p:cNvSpPr txBox="1"/>
+          <p:nvPr/>
+        </p:nvSpPr>
+        <p:spPr>
+          <a:xfrm>
+            <a:off x="838200" y="5295501"/>
+            <a:ext cx="11059391" cy="954107"/>
+          </a:xfrm>
+          <a:prstGeom prst="rect">
+            <a:avLst/>
+          </a:prstGeom>
+          <a:noFill/>
+        </p:spPr>
+        <p:txBody>
+          <a:bodyPr wrap="square" rtlCol="0">
+            <a:spAutoFit/>
+          </a:bodyPr>
+          <a:lstStyle/>
+          <a:p>
+            <a:pPr algn="ctr"/>
+            <a:r>
+              <a:rPr lang="pt-BR" sz="2800" dirty="0"/>
+              <a:t>Ou seja, </a:t>
+            </a:r>
+            <a:r>
+              <a:rPr lang="pt-BR" sz="2800"/>
+              <a:t>o objetivo é </a:t>
+            </a:r>
+            <a:r>
+              <a:rPr lang="pt-BR" sz="2800" dirty="0"/>
+              <a:t>encontrar os </a:t>
+            </a:r>
+            <a:r>
+              <a:rPr lang="pt-BR" sz="2800" b="1" i="1" dirty="0"/>
+              <a:t>pesos das funções discriminantes </a:t>
+            </a:r>
+            <a:r>
+              <a:rPr lang="pt-BR" sz="2800" dirty="0"/>
+              <a:t>que </a:t>
+            </a:r>
+            <a:r>
+              <a:rPr lang="pt-BR" sz="2800" b="1" i="1" dirty="0">
+                <a:solidFill>
+                  <a:srgbClr val="00B050"/>
+                </a:solidFill>
+              </a:rPr>
+              <a:t>minimizem</a:t>
+            </a:r>
+            <a:r>
+              <a:rPr lang="pt-BR" sz="2800" dirty="0"/>
+              <a:t> o </a:t>
+            </a:r>
+            <a:r>
+              <a:rPr lang="pt-BR" sz="2800" b="1" i="1" dirty="0"/>
+              <a:t>erro de classificação</a:t>
+            </a:r>
+            <a:r>
+              <a:rPr lang="pt-BR" sz="2800" dirty="0"/>
+              <a:t>.</a:t>
+            </a:r>
+            <a:endParaRPr lang="en-US" sz="2800" dirty="0"/>
+          </a:p>
+        </p:txBody>
+      </p:sp>
+      <mc:AlternateContent xmlns:mc="http://schemas.openxmlformats.org/markup-compatibility/2006" xmlns:a14="http://schemas.microsoft.com/office/drawing/2010/main">
+        <mc:Choice Requires="a14">
+          <p:sp>
+            <p:nvSpPr>
+              <p:cNvPr id="12" name="Retângulo 11"/>
+              <p:cNvSpPr/>
+              <p:nvPr/>
+            </p:nvSpPr>
+            <p:spPr>
+              <a:xfrm>
+                <a:off x="6338855" y="2998696"/>
+                <a:ext cx="628698" cy="646331"/>
+              </a:xfrm>
+              <a:prstGeom prst="rect">
+                <a:avLst/>
+              </a:prstGeom>
+            </p:spPr>
+            <p:txBody>
+              <a:bodyPr wrap="none">
+                <a:spAutoFit/>
+              </a:bodyPr>
+              <a:lstStyle/>
+              <a:p>
+                <a:pPr/>
+                <a14:m>
+                  <m:oMathPara xmlns:m="http://schemas.openxmlformats.org/officeDocument/2006/math">
+                    <m:oMathParaPr>
+                      <m:jc m:val="centerGroup"/>
+                    </m:oMathParaPr>
+                    <m:oMath xmlns:m="http://schemas.openxmlformats.org/officeDocument/2006/math">
+                      <m:r>
+                        <a:rPr lang="en-US" sz="3600" i="1" smtClean="0">
+                          <a:latin typeface="Cambria Math" panose="02040503050406030204" pitchFamily="18" charset="0"/>
+                          <a:ea typeface="Cambria Math" panose="02040503050406030204" pitchFamily="18" charset="0"/>
+                        </a:rPr>
+                        <m:t>≈</m:t>
+                      </m:r>
+                    </m:oMath>
+                  </m:oMathPara>
+                </a14:m>
+                <a:endParaRPr lang="en-US" sz="3600" dirty="0"/>
+              </a:p>
+            </p:txBody>
+          </p:sp>
+        </mc:Choice>
+        <mc:Fallback xmlns="">
+          <p:sp>
+            <p:nvSpPr>
+              <p:cNvPr id="12" name="Retângulo 11"/>
+              <p:cNvSpPr>
+                <a:spLocks noRot="1" noChangeAspect="1" noMove="1" noResize="1" noEditPoints="1" noAdjustHandles="1" noChangeArrowheads="1" noChangeShapeType="1" noTextEdit="1"/>
+              </p:cNvSpPr>
+              <p:nvPr/>
+            </p:nvSpPr>
+            <p:spPr>
+              <a:xfrm>
+                <a:off x="6338855" y="2998696"/>
+                <a:ext cx="628698" cy="646331"/>
+              </a:xfrm>
+              <a:prstGeom prst="rect">
+                <a:avLst/>
+              </a:prstGeom>
+              <a:blipFill rotWithShape="0">
+                <a:blip r:embed="rId6"/>
+                <a:stretch>
+                  <a:fillRect/>
+                </a:stretch>
+              </a:blipFill>
+            </p:spPr>
+            <p:txBody>
+              <a:bodyPr/>
+              <a:lstStyle/>
+              <a:p>
+                <a:r>
+                  <a:rPr lang="pt-BR">
+                    <a:noFill/>
+                  </a:rPr>
+                  <a:t> </a:t>
+                </a:r>
+              </a:p>
+            </p:txBody>
+          </p:sp>
+        </mc:Fallback>
+      </mc:AlternateContent>
+      <mc:AlternateContent xmlns:mc="http://schemas.openxmlformats.org/markup-compatibility/2006" xmlns:a14="http://schemas.microsoft.com/office/drawing/2010/main">
+        <mc:Choice Requires="a14">
+          <p:sp>
+            <p:nvSpPr>
+              <p:cNvPr id="14" name="Retângulo 13"/>
+              <p:cNvSpPr/>
+              <p:nvPr/>
+            </p:nvSpPr>
+            <p:spPr>
+              <a:xfrm>
+                <a:off x="3600287" y="2169865"/>
+                <a:ext cx="1678793" cy="556434"/>
+              </a:xfrm>
+              <a:prstGeom prst="rect">
+                <a:avLst/>
+              </a:prstGeom>
+            </p:spPr>
+            <p:txBody>
+              <a:bodyPr wrap="none">
+                <a:spAutoFit/>
+              </a:bodyPr>
+              <a:lstStyle/>
+              <a:p>
+                <a:pPr/>
+                <a14:m>
+                  <m:oMathPara xmlns:m="http://schemas.openxmlformats.org/officeDocument/2006/math">
+                    <m:oMathParaPr>
+                      <m:jc m:val="centerGroup"/>
+                    </m:oMathParaPr>
+                    <m:oMath xmlns:m="http://schemas.openxmlformats.org/officeDocument/2006/math">
+                      <m:sSub>
+                        <m:sSubPr>
+                          <m:ctrlPr>
+                            <a:rPr lang="pt-BR" sz="2800" i="1" smtClean="0">
+                              <a:latin typeface="Cambria Math" panose="02040503050406030204" pitchFamily="18" charset="0"/>
+                            </a:rPr>
+                          </m:ctrlPr>
+                        </m:sSubPr>
+                        <m:e>
+                          <m:r>
+                            <a:rPr lang="pt-BR" sz="2800" b="0" i="1" smtClean="0">
+                              <a:latin typeface="Cambria Math" panose="02040503050406030204" pitchFamily="18" charset="0"/>
+                            </a:rPr>
+                            <m:t>𝑦</m:t>
+                          </m:r>
+                        </m:e>
+                        <m:sub>
+                          <m:r>
+                            <a:rPr lang="pt-BR" sz="2800" b="0" i="1" smtClean="0">
+                              <a:latin typeface="Cambria Math" panose="02040503050406030204" pitchFamily="18" charset="0"/>
+                            </a:rPr>
+                            <m:t>𝑒𝑠𝑝𝑒𝑟𝑎𝑑𝑜</m:t>
+                          </m:r>
+                        </m:sub>
+                      </m:sSub>
+                    </m:oMath>
+                  </m:oMathPara>
+                </a14:m>
+                <a:endParaRPr lang="en-US" sz="2800" dirty="0"/>
+              </a:p>
+            </p:txBody>
+          </p:sp>
+        </mc:Choice>
+        <mc:Fallback xmlns="">
+          <p:sp>
+            <p:nvSpPr>
+              <p:cNvPr id="14" name="Retângulo 13"/>
+              <p:cNvSpPr>
+                <a:spLocks noRot="1" noChangeAspect="1" noMove="1" noResize="1" noEditPoints="1" noAdjustHandles="1" noChangeArrowheads="1" noChangeShapeType="1" noTextEdit="1"/>
+              </p:cNvSpPr>
+              <p:nvPr/>
+            </p:nvSpPr>
+            <p:spPr>
+              <a:xfrm>
+                <a:off x="3600287" y="2169865"/>
+                <a:ext cx="1678793" cy="556434"/>
+              </a:xfrm>
+              <a:prstGeom prst="rect">
+                <a:avLst/>
+              </a:prstGeom>
+              <a:blipFill rotWithShape="0">
+                <a:blip r:embed="rId7"/>
+                <a:stretch>
+                  <a:fillRect/>
+                </a:stretch>
+              </a:blipFill>
+            </p:spPr>
+            <p:txBody>
+              <a:bodyPr/>
+              <a:lstStyle/>
+              <a:p>
+                <a:r>
+                  <a:rPr lang="pt-BR">
+                    <a:noFill/>
+                  </a:rPr>
+                  <a:t> </a:t>
+                </a:r>
+              </a:p>
+            </p:txBody>
+          </p:sp>
+        </mc:Fallback>
+      </mc:AlternateContent>
+      <p:sp>
+        <p:nvSpPr>
+          <p:cNvPr id="15" name="Elipse 14"/>
+          <p:cNvSpPr/>
+          <p:nvPr/>
+        </p:nvSpPr>
+        <p:spPr>
+          <a:xfrm>
+            <a:off x="4210420" y="3087861"/>
+            <a:ext cx="468000" cy="468000"/>
+          </a:xfrm>
+          <a:prstGeom prst="ellipse">
+            <a:avLst/>
+          </a:prstGeom>
+          <a:noFill/>
+          <a:ln w="28575">
+            <a:solidFill>
+              <a:schemeClr val="tx1"/>
+            </a:solidFill>
+          </a:ln>
+        </p:spPr>
+        <p:style>
+          <a:lnRef idx="2">
+            <a:schemeClr val="accent1">
+              <a:shade val="50000"/>
+            </a:schemeClr>
+          </a:lnRef>
+          <a:fillRef idx="1">
+            <a:schemeClr val="accent1"/>
+          </a:fillRef>
+          <a:effectRef idx="0">
+            <a:schemeClr val="accent1"/>
+          </a:effectRef>
+          <a:fontRef idx="minor">
+            <a:schemeClr val="lt1"/>
+          </a:fontRef>
+        </p:style>
+        <p:txBody>
+          <a:bodyPr rtlCol="0" anchor="ctr"/>
+          <a:lstStyle/>
+          <a:p>
+            <a:pPr algn="ctr"/>
+            <a:endParaRPr lang="pt-BR"/>
+          </a:p>
+        </p:txBody>
+      </p:sp>
+      <p:sp>
+        <p:nvSpPr>
+          <p:cNvPr id="16" name="Menos 15"/>
+          <p:cNvSpPr/>
+          <p:nvPr/>
+        </p:nvSpPr>
+        <p:spPr>
+          <a:xfrm>
+            <a:off x="4280122" y="3183791"/>
+            <a:ext cx="328311" cy="276139"/>
+          </a:xfrm>
+          <a:prstGeom prst="mathMinus">
+            <a:avLst/>
+          </a:prstGeom>
+        </p:spPr>
+        <p:style>
+          <a:lnRef idx="2">
+            <a:schemeClr val="dk1">
+              <a:shade val="50000"/>
+            </a:schemeClr>
+          </a:lnRef>
+          <a:fillRef idx="1">
+            <a:schemeClr val="dk1"/>
+          </a:fillRef>
+          <a:effectRef idx="0">
+            <a:schemeClr val="dk1"/>
+          </a:effectRef>
+          <a:fontRef idx="minor">
+            <a:schemeClr val="lt1"/>
+          </a:fontRef>
+        </p:style>
+        <p:txBody>
+          <a:bodyPr rtlCol="0" anchor="ctr"/>
+          <a:lstStyle/>
+          <a:p>
+            <a:pPr algn="ctr"/>
+            <a:endParaRPr lang="pt-BR"/>
+          </a:p>
+        </p:txBody>
+      </p:sp>
+      <mc:AlternateContent xmlns:mc="http://schemas.openxmlformats.org/markup-compatibility/2006" xmlns:a14="http://schemas.microsoft.com/office/drawing/2010/main">
+        <mc:Choice Requires="a14">
+          <p:sp>
+            <p:nvSpPr>
+              <p:cNvPr id="18" name="Retângulo 17"/>
+              <p:cNvSpPr/>
+              <p:nvPr/>
+            </p:nvSpPr>
+            <p:spPr>
+              <a:xfrm>
+                <a:off x="4970918" y="3016979"/>
+                <a:ext cx="986039" cy="523220"/>
+              </a:xfrm>
+              <a:prstGeom prst="rect">
+                <a:avLst/>
+              </a:prstGeom>
+            </p:spPr>
+            <p:txBody>
+              <a:bodyPr wrap="none">
+                <a:spAutoFit/>
+              </a:bodyPr>
+              <a:lstStyle/>
+              <a:p>
+                <a:pPr/>
+                <a14:m>
+                  <m:oMathPara xmlns:m="http://schemas.openxmlformats.org/officeDocument/2006/math">
+                    <m:oMathParaPr>
+                      <m:jc m:val="centerGroup"/>
+                    </m:oMathParaPr>
+                    <m:oMath xmlns:m="http://schemas.openxmlformats.org/officeDocument/2006/math">
+                      <m:r>
+                        <a:rPr lang="pt-BR" sz="2800" b="0" i="1" smtClean="0">
+                          <a:latin typeface="Cambria Math" panose="02040503050406030204" pitchFamily="18" charset="0"/>
+                        </a:rPr>
+                        <m:t>𝑒𝑟𝑟𝑜</m:t>
+                      </m:r>
+                    </m:oMath>
+                  </m:oMathPara>
+                </a14:m>
+                <a:endParaRPr lang="en-US" sz="2800" dirty="0"/>
+              </a:p>
+            </p:txBody>
+          </p:sp>
+        </mc:Choice>
+        <mc:Fallback xmlns="">
+          <p:sp>
+            <p:nvSpPr>
+              <p:cNvPr id="18" name="Retângulo 17"/>
+              <p:cNvSpPr>
+                <a:spLocks noRot="1" noChangeAspect="1" noMove="1" noResize="1" noEditPoints="1" noAdjustHandles="1" noChangeArrowheads="1" noChangeShapeType="1" noTextEdit="1"/>
+              </p:cNvSpPr>
+              <p:nvPr/>
+            </p:nvSpPr>
+            <p:spPr>
+              <a:xfrm>
+                <a:off x="4970918" y="3016979"/>
+                <a:ext cx="986039" cy="523220"/>
+              </a:xfrm>
+              <a:prstGeom prst="rect">
+                <a:avLst/>
+              </a:prstGeom>
+              <a:blipFill rotWithShape="0">
+                <a:blip r:embed="rId8"/>
+                <a:stretch>
+                  <a:fillRect/>
+                </a:stretch>
+              </a:blipFill>
+            </p:spPr>
+            <p:txBody>
+              <a:bodyPr/>
+              <a:lstStyle/>
+              <a:p>
+                <a:r>
+                  <a:rPr lang="pt-BR">
+                    <a:noFill/>
+                  </a:rPr>
+                  <a:t> </a:t>
+                </a:r>
+              </a:p>
+            </p:txBody>
+          </p:sp>
+        </mc:Fallback>
+      </mc:AlternateContent>
+      <p:cxnSp>
+        <p:nvCxnSpPr>
+          <p:cNvPr id="20" name="Conector de seta reta 19"/>
+          <p:cNvCxnSpPr>
+            <a:stCxn id="5" idx="3"/>
+            <a:endCxn id="15" idx="2"/>
+          </p:cNvCxnSpPr>
+          <p:nvPr/>
+        </p:nvCxnSpPr>
+        <p:spPr>
+          <a:xfrm flipV="1">
+            <a:off x="3199693" y="3321861"/>
+            <a:ext cx="1010727" cy="5938"/>
+          </a:xfrm>
+          <a:prstGeom prst="straightConnector1">
+            <a:avLst/>
+          </a:prstGeom>
+          <a:ln>
+            <a:solidFill>
+              <a:schemeClr val="tx1"/>
+            </a:solidFill>
+            <a:tailEnd type="triangle"/>
+          </a:ln>
+        </p:spPr>
+        <p:style>
+          <a:lnRef idx="1">
+            <a:schemeClr val="accent1"/>
+          </a:lnRef>
+          <a:fillRef idx="0">
+            <a:schemeClr val="accent1"/>
+          </a:fillRef>
+          <a:effectRef idx="0">
+            <a:schemeClr val="accent1"/>
+          </a:effectRef>
+          <a:fontRef idx="minor">
+            <a:schemeClr val="tx1"/>
+          </a:fontRef>
+        </p:style>
+      </p:cxnSp>
+      <p:cxnSp>
+        <p:nvCxnSpPr>
+          <p:cNvPr id="22" name="Conector de seta reta 21"/>
+          <p:cNvCxnSpPr>
+            <a:stCxn id="14" idx="2"/>
+            <a:endCxn id="15" idx="0"/>
+          </p:cNvCxnSpPr>
+          <p:nvPr/>
+        </p:nvCxnSpPr>
+        <p:spPr>
+          <a:xfrm>
+            <a:off x="4439684" y="2726299"/>
+            <a:ext cx="4736" cy="361562"/>
+          </a:xfrm>
+          <a:prstGeom prst="straightConnector1">
+            <a:avLst/>
+          </a:prstGeom>
+          <a:ln>
+            <a:solidFill>
+              <a:schemeClr val="tx1"/>
+            </a:solidFill>
+            <a:tailEnd type="triangle"/>
+          </a:ln>
+        </p:spPr>
+        <p:style>
+          <a:lnRef idx="1">
+            <a:schemeClr val="accent1"/>
+          </a:lnRef>
+          <a:fillRef idx="0">
+            <a:schemeClr val="accent1"/>
+          </a:fillRef>
+          <a:effectRef idx="0">
+            <a:schemeClr val="accent1"/>
+          </a:effectRef>
+          <a:fontRef idx="minor">
+            <a:schemeClr val="tx1"/>
+          </a:fontRef>
+        </p:style>
+      </p:cxnSp>
+      <p:cxnSp>
+        <p:nvCxnSpPr>
+          <p:cNvPr id="27" name="Conector de seta reta 26"/>
+          <p:cNvCxnSpPr/>
+          <p:nvPr/>
+        </p:nvCxnSpPr>
+        <p:spPr>
+          <a:xfrm flipV="1">
+            <a:off x="4700318" y="3321861"/>
+            <a:ext cx="360000" cy="1"/>
+          </a:xfrm>
+          <a:prstGeom prst="straightConnector1">
+            <a:avLst/>
+          </a:prstGeom>
+          <a:ln>
+            <a:solidFill>
+              <a:schemeClr val="tx1"/>
+            </a:solidFill>
+            <a:tailEnd type="triangle"/>
+          </a:ln>
+        </p:spPr>
+        <p:style>
+          <a:lnRef idx="1">
+            <a:schemeClr val="accent1"/>
+          </a:lnRef>
+          <a:fillRef idx="0">
+            <a:schemeClr val="accent1"/>
+          </a:fillRef>
+          <a:effectRef idx="0">
+            <a:schemeClr val="accent1"/>
+          </a:effectRef>
+          <a:fontRef idx="minor">
+            <a:schemeClr val="tx1"/>
+          </a:fontRef>
+        </p:style>
+      </p:cxnSp>
+      <p:cxnSp>
+        <p:nvCxnSpPr>
+          <p:cNvPr id="34" name="Conector angulado 33"/>
+          <p:cNvCxnSpPr>
+            <a:stCxn id="18" idx="2"/>
+          </p:cNvCxnSpPr>
+          <p:nvPr/>
+        </p:nvCxnSpPr>
+        <p:spPr>
+          <a:xfrm rot="5400000">
+            <a:off x="3039029" y="2060004"/>
+            <a:ext cx="944715" cy="3905104"/>
+          </a:xfrm>
+          <a:prstGeom prst="bentConnector2">
+            <a:avLst/>
+          </a:prstGeom>
+          <a:ln>
+            <a:solidFill>
+              <a:schemeClr val="tx1"/>
+            </a:solidFill>
+            <a:prstDash val="dash"/>
+            <a:headEnd type="none" w="med" len="med"/>
+            <a:tailEnd type="none" w="med" len="med"/>
+          </a:ln>
+        </p:spPr>
+        <p:style>
+          <a:lnRef idx="1">
+            <a:schemeClr val="accent1"/>
+          </a:lnRef>
+          <a:fillRef idx="0">
+            <a:schemeClr val="accent1"/>
+          </a:fillRef>
+          <a:effectRef idx="0">
+            <a:schemeClr val="accent1"/>
+          </a:effectRef>
+          <a:fontRef idx="minor">
+            <a:schemeClr val="tx1"/>
+          </a:fontRef>
+        </p:style>
+      </p:cxnSp>
+      <p:cxnSp>
+        <p:nvCxnSpPr>
+          <p:cNvPr id="36" name="Conector de seta reta 35"/>
+          <p:cNvCxnSpPr/>
+          <p:nvPr/>
+        </p:nvCxnSpPr>
+        <p:spPr>
+          <a:xfrm flipV="1">
+            <a:off x="1547239" y="2088150"/>
+            <a:ext cx="1478069" cy="2393451"/>
+          </a:xfrm>
+          <a:prstGeom prst="straightConnector1">
+            <a:avLst/>
+          </a:prstGeom>
+          <a:ln>
+            <a:solidFill>
+              <a:schemeClr val="tx1"/>
+            </a:solidFill>
+            <a:prstDash val="dash"/>
+            <a:tailEnd type="triangle"/>
+          </a:ln>
+        </p:spPr>
+        <p:style>
+          <a:lnRef idx="1">
+            <a:schemeClr val="accent1"/>
+          </a:lnRef>
+          <a:fillRef idx="0">
+            <a:schemeClr val="accent1"/>
+          </a:fillRef>
+          <a:effectRef idx="0">
+            <a:schemeClr val="accent1"/>
+          </a:effectRef>
+          <a:fontRef idx="minor">
+            <a:schemeClr val="tx1"/>
+          </a:fontRef>
+        </p:style>
+      </p:cxnSp>
+      <p:sp>
+        <p:nvSpPr>
+          <p:cNvPr id="37" name="Retângulo 36"/>
+          <p:cNvSpPr/>
+          <p:nvPr/>
+        </p:nvSpPr>
+        <p:spPr>
+          <a:xfrm>
+            <a:off x="2286273" y="1747419"/>
+            <a:ext cx="1510222" cy="400110"/>
+          </a:xfrm>
+          <a:prstGeom prst="rect">
+            <a:avLst/>
+          </a:prstGeom>
+        </p:spPr>
+        <p:txBody>
+          <a:bodyPr wrap="none">
+            <a:spAutoFit/>
+          </a:bodyPr>
+          <a:lstStyle/>
+          <a:p>
+            <a:r>
+              <a:rPr lang="pt-BR" sz="2000"/>
+              <a:t>Treinamento</a:t>
+            </a:r>
+          </a:p>
+        </p:txBody>
+      </p:sp>
+    </p:spTree>
+    <p:extLst>
+      <p:ext uri="{BB962C8B-B14F-4D97-AF65-F5344CB8AC3E}">
+        <p14:creationId xmlns:p14="http://schemas.microsoft.com/office/powerpoint/2010/main" val="2524151315"/>
       </p:ext>
     </p:extLst>
   </p:cSld>

--- a/slides/Lab1_Ex2.pptx
+++ b/slides/Lab1_Ex2.pptx
@@ -250,7 +250,7 @@
           <a:p>
             <a:fld id="{E8B29431-73EE-4558-8BA6-40AB916516D5}" type="datetimeFigureOut">
               <a:rPr lang="pt-BR" smtClean="0"/>
-              <a:t>11/08/2023</a:t>
+              <a:t>16/02/2024</a:t>
             </a:fld>
             <a:endParaRPr lang="pt-BR"/>
           </a:p>
@@ -420,7 +420,7 @@
           <a:p>
             <a:fld id="{E8B29431-73EE-4558-8BA6-40AB916516D5}" type="datetimeFigureOut">
               <a:rPr lang="pt-BR" smtClean="0"/>
-              <a:t>11/08/2023</a:t>
+              <a:t>16/02/2024</a:t>
             </a:fld>
             <a:endParaRPr lang="pt-BR"/>
           </a:p>
@@ -600,7 +600,7 @@
           <a:p>
             <a:fld id="{E8B29431-73EE-4558-8BA6-40AB916516D5}" type="datetimeFigureOut">
               <a:rPr lang="pt-BR" smtClean="0"/>
-              <a:t>11/08/2023</a:t>
+              <a:t>16/02/2024</a:t>
             </a:fld>
             <a:endParaRPr lang="pt-BR"/>
           </a:p>
@@ -770,7 +770,7 @@
           <a:p>
             <a:fld id="{E8B29431-73EE-4558-8BA6-40AB916516D5}" type="datetimeFigureOut">
               <a:rPr lang="pt-BR" smtClean="0"/>
-              <a:t>11/08/2023</a:t>
+              <a:t>16/02/2024</a:t>
             </a:fld>
             <a:endParaRPr lang="pt-BR"/>
           </a:p>
@@ -1016,7 +1016,7 @@
           <a:p>
             <a:fld id="{E8B29431-73EE-4558-8BA6-40AB916516D5}" type="datetimeFigureOut">
               <a:rPr lang="pt-BR" smtClean="0"/>
-              <a:t>11/08/2023</a:t>
+              <a:t>16/02/2024</a:t>
             </a:fld>
             <a:endParaRPr lang="pt-BR"/>
           </a:p>
@@ -1248,7 +1248,7 @@
           <a:p>
             <a:fld id="{E8B29431-73EE-4558-8BA6-40AB916516D5}" type="datetimeFigureOut">
               <a:rPr lang="pt-BR" smtClean="0"/>
-              <a:t>11/08/2023</a:t>
+              <a:t>16/02/2024</a:t>
             </a:fld>
             <a:endParaRPr lang="pt-BR"/>
           </a:p>
@@ -1615,7 +1615,7 @@
           <a:p>
             <a:fld id="{E8B29431-73EE-4558-8BA6-40AB916516D5}" type="datetimeFigureOut">
               <a:rPr lang="pt-BR" smtClean="0"/>
-              <a:t>11/08/2023</a:t>
+              <a:t>16/02/2024</a:t>
             </a:fld>
             <a:endParaRPr lang="pt-BR"/>
           </a:p>
@@ -1733,7 +1733,7 @@
           <a:p>
             <a:fld id="{E8B29431-73EE-4558-8BA6-40AB916516D5}" type="datetimeFigureOut">
               <a:rPr lang="pt-BR" smtClean="0"/>
-              <a:t>11/08/2023</a:t>
+              <a:t>16/02/2024</a:t>
             </a:fld>
             <a:endParaRPr lang="pt-BR"/>
           </a:p>
@@ -1828,7 +1828,7 @@
           <a:p>
             <a:fld id="{E8B29431-73EE-4558-8BA6-40AB916516D5}" type="datetimeFigureOut">
               <a:rPr lang="pt-BR" smtClean="0"/>
-              <a:t>11/08/2023</a:t>
+              <a:t>16/02/2024</a:t>
             </a:fld>
             <a:endParaRPr lang="pt-BR"/>
           </a:p>
@@ -2105,7 +2105,7 @@
           <a:p>
             <a:fld id="{E8B29431-73EE-4558-8BA6-40AB916516D5}" type="datetimeFigureOut">
               <a:rPr lang="pt-BR" smtClean="0"/>
-              <a:t>11/08/2023</a:t>
+              <a:t>16/02/2024</a:t>
             </a:fld>
             <a:endParaRPr lang="pt-BR"/>
           </a:p>
@@ -2358,7 +2358,7 @@
           <a:p>
             <a:fld id="{E8B29431-73EE-4558-8BA6-40AB916516D5}" type="datetimeFigureOut">
               <a:rPr lang="pt-BR" smtClean="0"/>
-              <a:t>11/08/2023</a:t>
+              <a:t>16/02/2024</a:t>
             </a:fld>
             <a:endParaRPr lang="pt-BR"/>
           </a:p>
@@ -2571,7 +2571,7 @@
           <a:p>
             <a:fld id="{E8B29431-73EE-4558-8BA6-40AB916516D5}" type="datetimeFigureOut">
               <a:rPr lang="pt-BR" smtClean="0"/>
-              <a:t>11/08/2023</a:t>
+              <a:t>16/02/2024</a:t>
             </a:fld>
             <a:endParaRPr lang="pt-BR"/>
           </a:p>
@@ -3100,13 +3100,13 @@
             </p:nvSpPr>
             <p:spPr>
               <a:xfrm>
-                <a:off x="5486400" y="1825624"/>
-                <a:ext cx="6556248" cy="5032375"/>
+                <a:off x="5396089" y="1825624"/>
+                <a:ext cx="6646559" cy="5032375"/>
               </a:xfrm>
             </p:spPr>
             <p:txBody>
               <a:bodyPr>
-                <a:normAutofit lnSpcReduction="10000"/>
+                <a:normAutofit fontScale="92500" lnSpcReduction="10000"/>
               </a:bodyPr>
               <a:lstStyle/>
               <a:p>
@@ -3154,7 +3154,7 @@
                 </a:pPr>
                 <a:r>
                   <a:rPr lang="pt-BR" dirty="0"/>
-                  <a:t>Como temos três classes, não faz sentido falarmos em classes positiva e negativa, apenas em seus índices: 0, 1, e 2.</a:t>
+                  <a:t>Como temos três classes, não faz sentido falarmos em classes positiva e negativa, apenas em seus índices: 0, 1 e 2.</a:t>
                 </a:r>
               </a:p>
               <a:p>
@@ -3294,8 +3294,13 @@
                 </a:pPr>
                 <a:r>
                   <a:rPr lang="pt-BR" dirty="0"/>
-                  <a:t>Retas da forma </a:t>
-                </a:r>
+                  <a:t>Retas da forma:</a:t>
+                </a:r>
+              </a:p>
+              <a:p>
+                <a:pPr marL="0" indent="0" algn="ctr">
+                  <a:buNone/>
+                </a:pPr>
                 <a14:m>
                   <m:oMath xmlns:m="http://schemas.openxmlformats.org/officeDocument/2006/math">
                     <m:sSub>
@@ -3307,12 +3312,31 @@
                         </m:ctrlPr>
                       </m:sSubPr>
                       <m:e>
-                        <m:r>
-                          <a:rPr lang="pt-BR" b="0" i="1" smtClean="0">
-                            <a:latin typeface="Cambria Math" panose="02040503050406030204" pitchFamily="18" charset="0"/>
-                          </a:rPr>
-                          <m:t>𝑔</m:t>
-                        </m:r>
+                        <m:sSub>
+                          <m:sSubPr>
+                            <m:ctrlPr>
+                              <a:rPr lang="pt-BR" i="1" smtClean="0">
+                                <a:latin typeface="Cambria Math" panose="02040503050406030204" pitchFamily="18" charset="0"/>
+                              </a:rPr>
+                            </m:ctrlPr>
+                          </m:sSubPr>
+                          <m:e>
+                            <m:r>
+                              <a:rPr lang="pt-BR" b="0" i="1" smtClean="0">
+                                <a:latin typeface="Cambria Math" panose="02040503050406030204" pitchFamily="18" charset="0"/>
+                              </a:rPr>
+                              <m:t>𝑔</m:t>
+                            </m:r>
+                          </m:e>
+                          <m:sub>
+                            <m:r>
+                              <a:rPr lang="pt-BR" b="0" i="1" smtClean="0">
+                                <a:latin typeface="Cambria Math" panose="02040503050406030204" pitchFamily="18" charset="0"/>
+                              </a:rPr>
+                              <m:t>𝑖</m:t>
+                            </m:r>
+                          </m:sub>
+                        </m:sSub>
                         <m:d>
                           <m:dPr>
                             <m:ctrlPr>
@@ -3464,6 +3488,24 @@
                         </m:r>
                       </m:sub>
                     </m:sSub>
+                    <m:r>
+                      <a:rPr lang="pt-BR" b="0" i="1" smtClean="0">
+                        <a:latin typeface="Cambria Math" panose="02040503050406030204" pitchFamily="18" charset="0"/>
+                      </a:rPr>
+                      <m:t>, </m:t>
+                    </m:r>
+                    <m:r>
+                      <a:rPr lang="pt-BR" b="0" i="1" smtClean="0">
+                        <a:latin typeface="Cambria Math" panose="02040503050406030204" pitchFamily="18" charset="0"/>
+                      </a:rPr>
+                      <m:t>𝑖</m:t>
+                    </m:r>
+                    <m:r>
+                      <a:rPr lang="pt-BR" b="0" i="1" smtClean="0">
+                        <a:latin typeface="Cambria Math" panose="02040503050406030204" pitchFamily="18" charset="0"/>
+                      </a:rPr>
+                      <m:t>=1, 2</m:t>
+                    </m:r>
                   </m:oMath>
                 </a14:m>
                 <a:r>
@@ -3503,13 +3545,13 @@
             </p:nvSpPr>
             <p:spPr>
               <a:xfrm>
-                <a:off x="5486400" y="1825624"/>
-                <a:ext cx="6556248" cy="5032375"/>
+                <a:off x="5396089" y="1825624"/>
+                <a:ext cx="6646559" cy="5032375"/>
               </a:xfrm>
               <a:blipFill>
                 <a:blip r:embed="rId2"/>
                 <a:stretch>
-                  <a:fillRect l="-1673" t="-2663" r="-279"/>
+                  <a:fillRect l="-1375" t="-2421" r="-1925" b="-242"/>
                 </a:stretch>
               </a:blipFill>
             </p:spPr>
@@ -3802,8 +3844,8 @@
             </p:style>
           </p:cxnSp>
         </p:grpSp>
-        <mc:AlternateContent xmlns:mc="http://schemas.openxmlformats.org/markup-compatibility/2006">
-          <mc:Choice xmlns:a14="http://schemas.microsoft.com/office/drawing/2010/main" Requires="a14">
+        <mc:AlternateContent xmlns:mc="http://schemas.openxmlformats.org/markup-compatibility/2006" xmlns:a14="http://schemas.microsoft.com/office/drawing/2010/main">
+          <mc:Choice Requires="a14">
             <p:sp>
               <p:nvSpPr>
                 <p:cNvPr id="8" name="Rectangle 7"/>
@@ -3888,7 +3930,7 @@
               </p:txBody>
             </p:sp>
           </mc:Choice>
-          <mc:Fallback>
+          <mc:Fallback xmlns="">
             <p:sp>
               <p:nvSpPr>
                 <p:cNvPr id="8" name="Rectangle 7"/>
@@ -3965,8 +4007,8 @@
             </a:fontRef>
           </p:style>
         </p:cxnSp>
-        <mc:AlternateContent xmlns:mc="http://schemas.openxmlformats.org/markup-compatibility/2006">
-          <mc:Choice xmlns:a14="http://schemas.microsoft.com/office/drawing/2010/main" Requires="a14">
+        <mc:AlternateContent xmlns:mc="http://schemas.openxmlformats.org/markup-compatibility/2006" xmlns:a14="http://schemas.microsoft.com/office/drawing/2010/main">
+          <mc:Choice Requires="a14">
             <p:sp>
               <p:nvSpPr>
                 <p:cNvPr id="16" name="Rectangle 15"/>
@@ -4051,7 +4093,7 @@
               </p:txBody>
             </p:sp>
           </mc:Choice>
-          <mc:Fallback>
+          <mc:Fallback xmlns="">
             <p:sp>
               <p:nvSpPr>
                 <p:cNvPr id="16" name="Rectangle 15"/>
@@ -4090,8 +4132,8 @@
             </p:sp>
           </mc:Fallback>
         </mc:AlternateContent>
-        <mc:AlternateContent xmlns:mc="http://schemas.openxmlformats.org/markup-compatibility/2006">
-          <mc:Choice xmlns:a14="http://schemas.microsoft.com/office/drawing/2010/main" Requires="a14">
+        <mc:AlternateContent xmlns:mc="http://schemas.openxmlformats.org/markup-compatibility/2006" xmlns:a14="http://schemas.microsoft.com/office/drawing/2010/main">
+          <mc:Choice Requires="a14">
             <p:sp>
               <p:nvSpPr>
                 <p:cNvPr id="17" name="Rectangle 16"/>
@@ -4176,7 +4218,7 @@
               </p:txBody>
             </p:sp>
           </mc:Choice>
-          <mc:Fallback>
+          <mc:Fallback xmlns="">
             <p:sp>
               <p:nvSpPr>
                 <p:cNvPr id="17" name="Rectangle 16"/>
@@ -5712,7 +5754,7 @@
                 </a14:m>
                 <a:r>
                   <a:rPr lang="pt-BR" dirty="0"/>
-                  <a:t>, encontramos as regiões das duas classes que ela separa.</a:t>
+                  <a:t>, encontramos as regiões das duas classes que ela separa: classe 0 e a união das classes 1 e 2.</a:t>
                 </a:r>
               </a:p>
             </p:txBody>
@@ -5792,8 +5834,8 @@
           <a:chExt cx="0" cy="0"/>
         </a:xfrm>
       </p:grpSpPr>
-      <mc:AlternateContent xmlns:mc="http://schemas.openxmlformats.org/markup-compatibility/2006">
-        <mc:Choice xmlns:a14="http://schemas.microsoft.com/office/drawing/2010/main" Requires="a14">
+      <mc:AlternateContent xmlns:mc="http://schemas.openxmlformats.org/markup-compatibility/2006" xmlns:a14="http://schemas.microsoft.com/office/drawing/2010/main">
+        <mc:Choice Requires="a14">
           <p:sp>
             <p:nvSpPr>
               <p:cNvPr id="2" name="Título 1">
@@ -5871,7 +5913,7 @@
             </p:txBody>
           </p:sp>
         </mc:Choice>
-        <mc:Fallback>
+        <mc:Fallback xmlns="">
           <p:sp>
             <p:nvSpPr>
               <p:cNvPr id="2" name="Título 1">
@@ -5911,8 +5953,8 @@
           </p:sp>
         </mc:Fallback>
       </mc:AlternateContent>
-      <mc:AlternateContent xmlns:mc="http://schemas.openxmlformats.org/markup-compatibility/2006">
-        <mc:Choice xmlns:a14="http://schemas.microsoft.com/office/drawing/2010/main" Requires="a14">
+      <mc:AlternateContent xmlns:mc="http://schemas.openxmlformats.org/markup-compatibility/2006" xmlns:a14="http://schemas.microsoft.com/office/drawing/2010/main">
+        <mc:Choice Requires="a14">
           <p:sp>
             <p:nvSpPr>
               <p:cNvPr id="3" name="Espaço Reservado para Conteúdo 2">
@@ -7158,7 +7200,7 @@
             </p:txBody>
           </p:sp>
         </mc:Choice>
-        <mc:Fallback>
+        <mc:Fallback xmlns="">
           <p:sp>
             <p:nvSpPr>
               <p:cNvPr id="3" name="Espaço Reservado para Conteúdo 2">
@@ -7321,8 +7363,8 @@
             </p:style>
           </p:cxnSp>
         </p:grpSp>
-        <mc:AlternateContent xmlns:mc="http://schemas.openxmlformats.org/markup-compatibility/2006">
-          <mc:Choice xmlns:a14="http://schemas.microsoft.com/office/drawing/2010/main" Requires="a14">
+        <mc:AlternateContent xmlns:mc="http://schemas.openxmlformats.org/markup-compatibility/2006" xmlns:a14="http://schemas.microsoft.com/office/drawing/2010/main">
+          <mc:Choice Requires="a14">
             <p:sp>
               <p:nvSpPr>
                 <p:cNvPr id="6" name="Rectangle 7">
@@ -7413,7 +7455,7 @@
               </p:txBody>
             </p:sp>
           </mc:Choice>
-          <mc:Fallback>
+          <mc:Fallback xmlns="">
             <p:sp>
               <p:nvSpPr>
                 <p:cNvPr id="6" name="Rectangle 7">
@@ -7503,8 +7545,8 @@
             </a:fontRef>
           </p:style>
         </p:cxnSp>
-        <mc:AlternateContent xmlns:mc="http://schemas.openxmlformats.org/markup-compatibility/2006">
-          <mc:Choice xmlns:a14="http://schemas.microsoft.com/office/drawing/2010/main" Requires="a14">
+        <mc:AlternateContent xmlns:mc="http://schemas.openxmlformats.org/markup-compatibility/2006" xmlns:a14="http://schemas.microsoft.com/office/drawing/2010/main">
+          <mc:Choice Requires="a14">
             <p:sp>
               <p:nvSpPr>
                 <p:cNvPr id="8" name="Rectangle 9">
@@ -7595,7 +7637,7 @@
               </p:txBody>
             </p:sp>
           </mc:Choice>
-          <mc:Fallback>
+          <mc:Fallback xmlns="">
             <p:sp>
               <p:nvSpPr>
                 <p:cNvPr id="8" name="Rectangle 9">
@@ -7640,8 +7682,8 @@
             </p:sp>
           </mc:Fallback>
         </mc:AlternateContent>
-        <mc:AlternateContent xmlns:mc="http://schemas.openxmlformats.org/markup-compatibility/2006">
-          <mc:Choice xmlns:a14="http://schemas.microsoft.com/office/drawing/2010/main" Requires="a14">
+        <mc:AlternateContent xmlns:mc="http://schemas.openxmlformats.org/markup-compatibility/2006" xmlns:a14="http://schemas.microsoft.com/office/drawing/2010/main">
+          <mc:Choice Requires="a14">
             <p:sp>
               <p:nvSpPr>
                 <p:cNvPr id="9" name="Rectangle 10">
@@ -7732,7 +7774,7 @@
               </p:txBody>
             </p:sp>
           </mc:Choice>
-          <mc:Fallback>
+          <mc:Fallback xmlns="">
             <p:sp>
               <p:nvSpPr>
                 <p:cNvPr id="9" name="Rectangle 10">
@@ -8325,7 +8367,7 @@
         </p:spPr>
         <p:txBody>
           <a:bodyPr>
-            <a:normAutofit/>
+            <a:normAutofit lnSpcReduction="10000"/>
           </a:bodyPr>
           <a:lstStyle/>
           <a:p>
@@ -8343,7 +8385,15 @@
             </a:r>
             <a:r>
               <a:rPr lang="pt-BR" b="1" i="1" dirty="0"/>
-              <a:t>respostas esperadas </a:t>
+              <a:t>respostas esperadas</a:t>
+            </a:r>
+            <a:r>
+              <a:rPr lang="pt-BR" dirty="0"/>
+              <a:t>, i.e., atributos e classes,</a:t>
+            </a:r>
+            <a:r>
+              <a:rPr lang="pt-BR" b="1" i="1" dirty="0"/>
+              <a:t> </a:t>
             </a:r>
             <a:r>
               <a:rPr lang="pt-BR" dirty="0"/>
@@ -8430,7 +8480,7 @@
                   <a:schemeClr val="tx1"/>
                 </a:solidFill>
               </a:rPr>
-              <a:t>Computador com algoritmo de treinamento </a:t>
+              <a:t>Computador com algoritmo de treinamento do modelo de ML</a:t>
             </a:r>
             <a:endParaRPr lang="en-US" dirty="0">
               <a:solidFill>
@@ -8492,8 +8542,8 @@
           </a:p>
         </p:txBody>
       </p:sp>
-      <mc:AlternateContent xmlns:mc="http://schemas.openxmlformats.org/markup-compatibility/2006">
-        <mc:Choice xmlns:a14="http://schemas.microsoft.com/office/drawing/2010/main" Requires="a14">
+      <mc:AlternateContent xmlns:mc="http://schemas.openxmlformats.org/markup-compatibility/2006" xmlns:a14="http://schemas.microsoft.com/office/drawing/2010/main">
+        <mc:Choice Requires="a14">
           <p:sp>
             <p:nvSpPr>
               <p:cNvPr id="6" name="Retângulo 5">
@@ -8542,7 +8592,7 @@
             </p:txBody>
           </p:sp>
         </mc:Choice>
-        <mc:Fallback>
+        <mc:Fallback xmlns="">
           <p:sp>
             <p:nvSpPr>
               <p:cNvPr id="6" name="Retângulo 5">
@@ -8587,8 +8637,8 @@
           </p:sp>
         </mc:Fallback>
       </mc:AlternateContent>
-      <mc:AlternateContent xmlns:mc="http://schemas.openxmlformats.org/markup-compatibility/2006">
-        <mc:Choice xmlns:a14="http://schemas.microsoft.com/office/drawing/2010/main" Requires="a14">
+      <mc:AlternateContent xmlns:mc="http://schemas.openxmlformats.org/markup-compatibility/2006" xmlns:a14="http://schemas.microsoft.com/office/drawing/2010/main">
+        <mc:Choice Requires="a14">
           <p:sp>
             <p:nvSpPr>
               <p:cNvPr id="8" name="Retângulo 7">
@@ -8656,7 +8706,7 @@
             </p:txBody>
           </p:sp>
         </mc:Choice>
-        <mc:Fallback>
+        <mc:Fallback xmlns="">
           <p:sp>
             <p:nvSpPr>
               <p:cNvPr id="8" name="Retângulo 7">
@@ -8805,8 +8855,8 @@
           </a:p>
         </p:txBody>
       </p:sp>
-      <mc:AlternateContent xmlns:mc="http://schemas.openxmlformats.org/markup-compatibility/2006">
-        <mc:Choice xmlns:a14="http://schemas.microsoft.com/office/drawing/2010/main" Requires="a14">
+      <mc:AlternateContent xmlns:mc="http://schemas.openxmlformats.org/markup-compatibility/2006" xmlns:a14="http://schemas.microsoft.com/office/drawing/2010/main">
+        <mc:Choice Requires="a14">
           <p:sp>
             <p:nvSpPr>
               <p:cNvPr id="22" name="Retângulo 21">
@@ -9178,7 +9228,7 @@
             </p:txBody>
           </p:sp>
         </mc:Choice>
-        <mc:Fallback>
+        <mc:Fallback xmlns="">
           <p:sp>
             <p:nvSpPr>
               <p:cNvPr id="22" name="Retângulo 21">
@@ -9383,8 +9433,8 @@
           </a:p>
         </p:txBody>
       </p:sp>
-      <mc:AlternateContent xmlns:mc="http://schemas.openxmlformats.org/markup-compatibility/2006">
-        <mc:Choice xmlns:a14="http://schemas.microsoft.com/office/drawing/2010/main" Requires="a14">
+      <mc:AlternateContent xmlns:mc="http://schemas.openxmlformats.org/markup-compatibility/2006" xmlns:a14="http://schemas.microsoft.com/office/drawing/2010/main">
+        <mc:Choice Requires="a14">
           <p:sp>
             <p:nvSpPr>
               <p:cNvPr id="28" name="Retângulo 27">
@@ -9434,7 +9484,7 @@
             </p:txBody>
           </p:sp>
         </mc:Choice>
-        <mc:Fallback>
+        <mc:Fallback xmlns="">
           <p:sp>
             <p:nvSpPr>
               <p:cNvPr id="28" name="Retângulo 27">
@@ -10293,8 +10343,8 @@
           </p:sp>
         </mc:Fallback>
       </mc:AlternateContent>
-      <mc:AlternateContent xmlns:mc="http://schemas.openxmlformats.org/markup-compatibility/2006" xmlns:a14="http://schemas.microsoft.com/office/drawing/2010/main">
-        <mc:Choice Requires="a14">
+      <mc:AlternateContent xmlns:mc="http://schemas.openxmlformats.org/markup-compatibility/2006">
+        <mc:Choice xmlns:a14="http://schemas.microsoft.com/office/drawing/2010/main" Requires="a14">
           <p:sp>
             <p:nvSpPr>
               <p:cNvPr id="10" name="CaixaDeTexto 9"/>
@@ -10319,11 +10369,23 @@
               <a:p>
                 <a:pPr algn="ctr"/>
                 <a:r>
+                  <a:rPr lang="pt-BR" sz="2800" b="1" i="1" dirty="0">
+                    <a:solidFill>
+                      <a:srgbClr val="00B050"/>
+                    </a:solidFill>
+                  </a:rPr>
+                  <a:t>Treinar</a:t>
+                </a:r>
+                <a:r>
                   <a:rPr lang="pt-BR" sz="2800" dirty="0"/>
-                  <a:t>Treinar modelos de ML que aprendam, </a:t>
-                </a:r>
-                <a:r>
-                  <a:rPr lang="pt-BR" sz="2800" b="1" i="1" dirty="0"/>
+                  <a:t> modelos de ML que aprendam, </a:t>
+                </a:r>
+                <a:r>
+                  <a:rPr lang="pt-BR" sz="2800" b="1" i="1" dirty="0">
+                    <a:solidFill>
+                      <a:srgbClr val="7030A0"/>
+                    </a:solidFill>
+                  </a:rPr>
                   <a:t>sem serem explicitamente programados</a:t>
                 </a:r>
                 <a:r>
@@ -10349,7 +10411,7 @@
             </p:txBody>
           </p:sp>
         </mc:Choice>
-        <mc:Fallback xmlns="">
+        <mc:Fallback>
           <p:sp>
             <p:nvSpPr>
               <p:cNvPr id="10" name="CaixaDeTexto 9"/>
@@ -10366,7 +10428,7 @@
               <a:prstGeom prst="rect">
                 <a:avLst/>
               </a:prstGeom>
-              <a:blipFill rotWithShape="0">
+              <a:blipFill>
                 <a:blip r:embed="rId5"/>
                 <a:stretch>
                   <a:fillRect t="-6410" b="-17949"/>
@@ -11746,19 +11808,31 @@
             <a:pPr algn="ctr"/>
             <a:r>
               <a:rPr lang="pt-BR" sz="2800" dirty="0"/>
-              <a:t>Ou seja, </a:t>
+              <a:t>Ou seja, o objetivo é </a:t>
             </a:r>
             <a:r>
-              <a:rPr lang="pt-BR" sz="2800"/>
-              <a:t>o objetivo é </a:t>
+              <a:rPr lang="pt-BR" sz="2800" b="1" i="1" dirty="0">
+                <a:solidFill>
+                  <a:srgbClr val="7030A0"/>
+                </a:solidFill>
+              </a:rPr>
+              <a:t>encontrar</a:t>
             </a:r>
             <a:r>
               <a:rPr lang="pt-BR" sz="2800" dirty="0"/>
-              <a:t>encontrar os </a:t>
+              <a:t> </a:t>
             </a:r>
             <a:r>
               <a:rPr lang="pt-BR" sz="2800" b="1" i="1" dirty="0"/>
-              <a:t>pesos das funções discriminantes </a:t>
+              <a:t>funções discriminantes </a:t>
+            </a:r>
+            <a:r>
+              <a:rPr lang="pt-BR" sz="2800" dirty="0"/>
+              <a:t>(i.e., equação e seus respectivos pesos)</a:t>
+            </a:r>
+            <a:r>
+              <a:rPr lang="pt-BR" sz="2800" b="1" i="1" dirty="0"/>
+              <a:t> </a:t>
             </a:r>
             <a:r>
               <a:rPr lang="pt-BR" sz="2800" dirty="0"/>

--- a/slides/Lab1_Ex2.pptx
+++ b/slides/Lab1_Ex2.pptx
@@ -11,8 +11,9 @@
     <p:sldId id="266" r:id="rId5"/>
     <p:sldId id="260" r:id="rId6"/>
     <p:sldId id="267" r:id="rId7"/>
-    <p:sldId id="264" r:id="rId8"/>
-    <p:sldId id="268" r:id="rId9"/>
+    <p:sldId id="269" r:id="rId8"/>
+    <p:sldId id="264" r:id="rId9"/>
+    <p:sldId id="268" r:id="rId10"/>
   </p:sldIdLst>
   <p:sldSz cx="12192000" cy="6858000"/>
   <p:notesSz cx="6858000" cy="9144000"/>
@@ -250,7 +251,7 @@
           <a:p>
             <a:fld id="{E8B29431-73EE-4558-8BA6-40AB916516D5}" type="datetimeFigureOut">
               <a:rPr lang="pt-BR" smtClean="0"/>
-              <a:t>16/02/2024</a:t>
+              <a:t>03/08/2024</a:t>
             </a:fld>
             <a:endParaRPr lang="pt-BR"/>
           </a:p>
@@ -420,7 +421,7 @@
           <a:p>
             <a:fld id="{E8B29431-73EE-4558-8BA6-40AB916516D5}" type="datetimeFigureOut">
               <a:rPr lang="pt-BR" smtClean="0"/>
-              <a:t>16/02/2024</a:t>
+              <a:t>03/08/2024</a:t>
             </a:fld>
             <a:endParaRPr lang="pt-BR"/>
           </a:p>
@@ -600,7 +601,7 @@
           <a:p>
             <a:fld id="{E8B29431-73EE-4558-8BA6-40AB916516D5}" type="datetimeFigureOut">
               <a:rPr lang="pt-BR" smtClean="0"/>
-              <a:t>16/02/2024</a:t>
+              <a:t>03/08/2024</a:t>
             </a:fld>
             <a:endParaRPr lang="pt-BR"/>
           </a:p>
@@ -770,7 +771,7 @@
           <a:p>
             <a:fld id="{E8B29431-73EE-4558-8BA6-40AB916516D5}" type="datetimeFigureOut">
               <a:rPr lang="pt-BR" smtClean="0"/>
-              <a:t>16/02/2024</a:t>
+              <a:t>03/08/2024</a:t>
             </a:fld>
             <a:endParaRPr lang="pt-BR"/>
           </a:p>
@@ -1016,7 +1017,7 @@
           <a:p>
             <a:fld id="{E8B29431-73EE-4558-8BA6-40AB916516D5}" type="datetimeFigureOut">
               <a:rPr lang="pt-BR" smtClean="0"/>
-              <a:t>16/02/2024</a:t>
+              <a:t>03/08/2024</a:t>
             </a:fld>
             <a:endParaRPr lang="pt-BR"/>
           </a:p>
@@ -1248,7 +1249,7 @@
           <a:p>
             <a:fld id="{E8B29431-73EE-4558-8BA6-40AB916516D5}" type="datetimeFigureOut">
               <a:rPr lang="pt-BR" smtClean="0"/>
-              <a:t>16/02/2024</a:t>
+              <a:t>03/08/2024</a:t>
             </a:fld>
             <a:endParaRPr lang="pt-BR"/>
           </a:p>
@@ -1615,7 +1616,7 @@
           <a:p>
             <a:fld id="{E8B29431-73EE-4558-8BA6-40AB916516D5}" type="datetimeFigureOut">
               <a:rPr lang="pt-BR" smtClean="0"/>
-              <a:t>16/02/2024</a:t>
+              <a:t>03/08/2024</a:t>
             </a:fld>
             <a:endParaRPr lang="pt-BR"/>
           </a:p>
@@ -1733,7 +1734,7 @@
           <a:p>
             <a:fld id="{E8B29431-73EE-4558-8BA6-40AB916516D5}" type="datetimeFigureOut">
               <a:rPr lang="pt-BR" smtClean="0"/>
-              <a:t>16/02/2024</a:t>
+              <a:t>03/08/2024</a:t>
             </a:fld>
             <a:endParaRPr lang="pt-BR"/>
           </a:p>
@@ -1828,7 +1829,7 @@
           <a:p>
             <a:fld id="{E8B29431-73EE-4558-8BA6-40AB916516D5}" type="datetimeFigureOut">
               <a:rPr lang="pt-BR" smtClean="0"/>
-              <a:t>16/02/2024</a:t>
+              <a:t>03/08/2024</a:t>
             </a:fld>
             <a:endParaRPr lang="pt-BR"/>
           </a:p>
@@ -2105,7 +2106,7 @@
           <a:p>
             <a:fld id="{E8B29431-73EE-4558-8BA6-40AB916516D5}" type="datetimeFigureOut">
               <a:rPr lang="pt-BR" smtClean="0"/>
-              <a:t>16/02/2024</a:t>
+              <a:t>03/08/2024</a:t>
             </a:fld>
             <a:endParaRPr lang="pt-BR"/>
           </a:p>
@@ -2358,7 +2359,7 @@
           <a:p>
             <a:fld id="{E8B29431-73EE-4558-8BA6-40AB916516D5}" type="datetimeFigureOut">
               <a:rPr lang="pt-BR" smtClean="0"/>
-              <a:t>16/02/2024</a:t>
+              <a:t>03/08/2024</a:t>
             </a:fld>
             <a:endParaRPr lang="pt-BR"/>
           </a:p>
@@ -2571,7 +2572,7 @@
           <a:p>
             <a:fld id="{E8B29431-73EE-4558-8BA6-40AB916516D5}" type="datetimeFigureOut">
               <a:rPr lang="pt-BR" smtClean="0"/>
-              <a:t>16/02/2024</a:t>
+              <a:t>03/08/2024</a:t>
             </a:fld>
             <a:endParaRPr lang="pt-BR"/>
           </a:p>
@@ -3080,8 +3081,8 @@
           </a:p>
         </p:txBody>
       </p:sp>
-      <mc:AlternateContent xmlns:mc="http://schemas.openxmlformats.org/markup-compatibility/2006">
-        <mc:Choice xmlns:a14="http://schemas.microsoft.com/office/drawing/2010/main" Requires="a14">
+      <mc:AlternateContent xmlns:mc="http://schemas.openxmlformats.org/markup-compatibility/2006" xmlns:a14="http://schemas.microsoft.com/office/drawing/2010/main">
+        <mc:Choice Requires="a14">
           <p:sp>
             <p:nvSpPr>
               <p:cNvPr id="3" name="Espaço Reservado para Conteúdo 2">
@@ -3526,7 +3527,7 @@
             </p:txBody>
           </p:sp>
         </mc:Choice>
-        <mc:Fallback>
+        <mc:Fallback xmlns="">
           <p:sp>
             <p:nvSpPr>
               <p:cNvPr id="3" name="Espaço Reservado para Conteúdo 2">
@@ -4258,8 +4259,8 @@
           </mc:Fallback>
         </mc:AlternateContent>
       </p:grpSp>
-      <mc:AlternateContent xmlns:mc="http://schemas.openxmlformats.org/markup-compatibility/2006">
-        <mc:Choice xmlns:a14="http://schemas.microsoft.com/office/drawing/2010/main" Requires="a14">
+      <mc:AlternateContent xmlns:mc="http://schemas.openxmlformats.org/markup-compatibility/2006" xmlns:a14="http://schemas.microsoft.com/office/drawing/2010/main">
+        <mc:Choice Requires="a14">
           <p:sp>
             <p:nvSpPr>
               <p:cNvPr id="3" name="Espaço Reservado para Conteúdo 2">
@@ -5760,7 +5761,7 @@
             </p:txBody>
           </p:sp>
         </mc:Choice>
-        <mc:Fallback>
+        <mc:Fallback xmlns="">
           <p:sp>
             <p:nvSpPr>
               <p:cNvPr id="3" name="Espaço Reservado para Conteúdo 2">
@@ -8338,6 +8339,1122 @@
           <a:p>
             <a:r>
               <a:rPr lang="pt-BR" dirty="0"/>
+              <a:t>Paradigma da programação tradicional</a:t>
+            </a:r>
+          </a:p>
+        </p:txBody>
+      </p:sp>
+      <mc:AlternateContent xmlns:mc="http://schemas.openxmlformats.org/markup-compatibility/2006">
+        <mc:Choice xmlns:a14="http://schemas.microsoft.com/office/drawing/2010/main" Requires="a14">
+          <p:sp>
+            <p:nvSpPr>
+              <p:cNvPr id="3" name="Espaço Reservado para Conteúdo 2">
+                <a:extLst>
+                  <a:ext uri="{FF2B5EF4-FFF2-40B4-BE49-F238E27FC236}">
+                    <a16:creationId xmlns:a16="http://schemas.microsoft.com/office/drawing/2014/main" id="{AE166942-05E4-FA56-8495-A56B25B3EFA6}"/>
+                  </a:ext>
+                </a:extLst>
+              </p:cNvPr>
+              <p:cNvSpPr>
+                <a:spLocks noGrp="1"/>
+              </p:cNvSpPr>
+              <p:nvPr>
+                <p:ph idx="1"/>
+              </p:nvPr>
+            </p:nvSpPr>
+            <p:spPr>
+              <a:xfrm>
+                <a:off x="838199" y="5293266"/>
+                <a:ext cx="11132127" cy="1564734"/>
+              </a:xfrm>
+            </p:spPr>
+            <p:txBody>
+              <a:bodyPr>
+                <a:normAutofit/>
+              </a:bodyPr>
+              <a:lstStyle/>
+              <a:p>
+                <a:r>
+                  <a:rPr lang="pt-BR" dirty="0"/>
+                  <a:t>Resolvemos o exercício usando a forma tradicional.</a:t>
+                </a:r>
+              </a:p>
+              <a:p>
+                <a:r>
+                  <a:rPr lang="pt-BR" dirty="0"/>
+                  <a:t>Fornecemos para o computador as </a:t>
+                </a:r>
+                <a:r>
+                  <a:rPr lang="pt-BR" b="1" i="1" dirty="0"/>
+                  <a:t>entradas </a:t>
+                </a:r>
+                <a:r>
+                  <a:rPr lang="pt-BR" dirty="0"/>
+                  <a:t>(i.e., </a:t>
+                </a:r>
+                <a14:m>
+                  <m:oMath xmlns:m="http://schemas.openxmlformats.org/officeDocument/2006/math">
+                    <m:r>
+                      <a:rPr lang="pt-BR" sz="2800" b="1" i="1" smtClean="0">
+                        <a:latin typeface="Cambria Math" panose="02040503050406030204" pitchFamily="18" charset="0"/>
+                      </a:rPr>
+                      <m:t>𝒙</m:t>
+                    </m:r>
+                  </m:oMath>
+                </a14:m>
+                <a:r>
+                  <a:rPr lang="pt-BR" dirty="0"/>
+                  <a:t>) e a </a:t>
+                </a:r>
+                <a:r>
+                  <a:rPr lang="pt-BR" b="1" i="1" dirty="0"/>
+                  <a:t>sequência de regras</a:t>
+                </a:r>
+                <a:r>
+                  <a:rPr lang="pt-BR" dirty="0"/>
+                  <a:t> de mapeamento criadas por nós (i.e., o </a:t>
+                </a:r>
+                <a:r>
+                  <a:rPr lang="pt-BR" b="1" i="1" dirty="0"/>
+                  <a:t>programa</a:t>
+                </a:r>
+                <a:r>
+                  <a:rPr lang="pt-BR" dirty="0"/>
+                  <a:t>).</a:t>
+                </a:r>
+              </a:p>
+            </p:txBody>
+          </p:sp>
+        </mc:Choice>
+        <mc:Fallback>
+          <p:sp>
+            <p:nvSpPr>
+              <p:cNvPr id="3" name="Espaço Reservado para Conteúdo 2">
+                <a:extLst>
+                  <a:ext uri="{FF2B5EF4-FFF2-40B4-BE49-F238E27FC236}">
+                    <a16:creationId xmlns:a16="http://schemas.microsoft.com/office/drawing/2014/main" id="{AE166942-05E4-FA56-8495-A56B25B3EFA6}"/>
+                  </a:ext>
+                </a:extLst>
+              </p:cNvPr>
+              <p:cNvSpPr>
+                <a:spLocks noGrp="1" noRot="1" noChangeAspect="1" noMove="1" noResize="1" noEditPoints="1" noAdjustHandles="1" noChangeArrowheads="1" noChangeShapeType="1" noTextEdit="1"/>
+              </p:cNvSpPr>
+              <p:nvPr>
+                <p:ph idx="1"/>
+              </p:nvPr>
+            </p:nvSpPr>
+            <p:spPr>
+              <a:xfrm>
+                <a:off x="838199" y="5293266"/>
+                <a:ext cx="11132127" cy="1564734"/>
+              </a:xfrm>
+              <a:blipFill>
+                <a:blip r:embed="rId2"/>
+                <a:stretch>
+                  <a:fillRect l="-930" t="-6226"/>
+                </a:stretch>
+              </a:blipFill>
+            </p:spPr>
+            <p:txBody>
+              <a:bodyPr/>
+              <a:lstStyle/>
+              <a:p>
+                <a:r>
+                  <a:rPr lang="pt-BR">
+                    <a:noFill/>
+                  </a:rPr>
+                  <a:t> </a:t>
+                </a:r>
+              </a:p>
+            </p:txBody>
+          </p:sp>
+        </mc:Fallback>
+      </mc:AlternateContent>
+      <p:grpSp>
+        <p:nvGrpSpPr>
+          <p:cNvPr id="9" name="Agrupar 8">
+            <a:extLst>
+              <a:ext uri="{FF2B5EF4-FFF2-40B4-BE49-F238E27FC236}">
+                <a16:creationId xmlns:a16="http://schemas.microsoft.com/office/drawing/2014/main" id="{3004A1E5-F79E-E010-EF57-BF102FF171D6}"/>
+              </a:ext>
+            </a:extLst>
+          </p:cNvPr>
+          <p:cNvGrpSpPr/>
+          <p:nvPr/>
+        </p:nvGrpSpPr>
+        <p:grpSpPr>
+          <a:xfrm>
+            <a:off x="2687138" y="1788773"/>
+            <a:ext cx="5041524" cy="3406407"/>
+            <a:chOff x="3747011" y="1781003"/>
+            <a:chExt cx="5041524" cy="3406407"/>
+          </a:xfrm>
+        </p:grpSpPr>
+        <p:sp>
+          <p:nvSpPr>
+            <p:cNvPr id="4" name="Retângulo 3">
+              <a:extLst>
+                <a:ext uri="{FF2B5EF4-FFF2-40B4-BE49-F238E27FC236}">
+                  <a16:creationId xmlns:a16="http://schemas.microsoft.com/office/drawing/2014/main" id="{1B963C93-D75E-9431-7408-F77051E29FD4}"/>
+                </a:ext>
+              </a:extLst>
+            </p:cNvPr>
+            <p:cNvSpPr/>
+            <p:nvPr/>
+          </p:nvSpPr>
+          <p:spPr>
+            <a:xfrm>
+              <a:off x="5903311" y="1781003"/>
+              <a:ext cx="2011680" cy="1262743"/>
+            </a:xfrm>
+            <a:prstGeom prst="rect">
+              <a:avLst/>
+            </a:prstGeom>
+            <a:noFill/>
+            <a:ln w="28575">
+              <a:solidFill>
+                <a:schemeClr val="tx1"/>
+              </a:solidFill>
+            </a:ln>
+          </p:spPr>
+          <p:style>
+            <a:lnRef idx="2">
+              <a:schemeClr val="accent1">
+                <a:shade val="50000"/>
+              </a:schemeClr>
+            </a:lnRef>
+            <a:fillRef idx="1">
+              <a:schemeClr val="accent1"/>
+            </a:fillRef>
+            <a:effectRef idx="0">
+              <a:schemeClr val="accent1"/>
+            </a:effectRef>
+            <a:fontRef idx="minor">
+              <a:schemeClr val="lt1"/>
+            </a:fontRef>
+          </p:style>
+          <p:txBody>
+            <a:bodyPr rtlCol="0" anchor="ctr"/>
+            <a:lstStyle/>
+            <a:p>
+              <a:pPr algn="ctr"/>
+              <a:r>
+                <a:rPr lang="pt-BR" dirty="0">
+                  <a:solidFill>
+                    <a:schemeClr val="tx1"/>
+                  </a:solidFill>
+                </a:rPr>
+                <a:t>Computador</a:t>
+              </a:r>
+              <a:endParaRPr lang="en-US" dirty="0">
+                <a:solidFill>
+                  <a:schemeClr val="tx1"/>
+                </a:solidFill>
+              </a:endParaRPr>
+            </a:p>
+          </p:txBody>
+        </p:sp>
+        <p:sp>
+          <p:nvSpPr>
+            <p:cNvPr id="5" name="Seta para a direita 5">
+              <a:extLst>
+                <a:ext uri="{FF2B5EF4-FFF2-40B4-BE49-F238E27FC236}">
+                  <a16:creationId xmlns:a16="http://schemas.microsoft.com/office/drawing/2014/main" id="{4E5F3B39-104D-B446-B297-0285574D9008}"/>
+                </a:ext>
+              </a:extLst>
+            </p:cNvPr>
+            <p:cNvSpPr/>
+            <p:nvPr/>
+          </p:nvSpPr>
+          <p:spPr>
+            <a:xfrm>
+              <a:off x="5502717" y="1872188"/>
+              <a:ext cx="400594" cy="400594"/>
+            </a:xfrm>
+            <a:prstGeom prst="rightArrow">
+              <a:avLst/>
+            </a:prstGeom>
+            <a:noFill/>
+            <a:ln w="28575">
+              <a:solidFill>
+                <a:schemeClr val="tx1"/>
+              </a:solidFill>
+            </a:ln>
+          </p:spPr>
+          <p:style>
+            <a:lnRef idx="2">
+              <a:schemeClr val="accent1">
+                <a:shade val="50000"/>
+              </a:schemeClr>
+            </a:lnRef>
+            <a:fillRef idx="1">
+              <a:schemeClr val="accent1"/>
+            </a:fillRef>
+            <a:effectRef idx="0">
+              <a:schemeClr val="accent1"/>
+            </a:effectRef>
+            <a:fontRef idx="minor">
+              <a:schemeClr val="lt1"/>
+            </a:fontRef>
+          </p:style>
+          <p:txBody>
+            <a:bodyPr rtlCol="0" anchor="ctr"/>
+            <a:lstStyle/>
+            <a:p>
+              <a:pPr algn="ctr"/>
+              <a:endParaRPr lang="en-US"/>
+            </a:p>
+          </p:txBody>
+        </p:sp>
+        <mc:AlternateContent xmlns:mc="http://schemas.openxmlformats.org/markup-compatibility/2006">
+          <mc:Choice xmlns:a14="http://schemas.microsoft.com/office/drawing/2010/main" Requires="a14">
+            <p:sp>
+              <p:nvSpPr>
+                <p:cNvPr id="6" name="Retângulo 5">
+                  <a:extLst>
+                    <a:ext uri="{FF2B5EF4-FFF2-40B4-BE49-F238E27FC236}">
+                      <a16:creationId xmlns:a16="http://schemas.microsoft.com/office/drawing/2014/main" id="{9A1DC3B8-53CE-BB6E-8CCF-036473150086}"/>
+                    </a:ext>
+                  </a:extLst>
+                </p:cNvPr>
+                <p:cNvSpPr/>
+                <p:nvPr/>
+              </p:nvSpPr>
+              <p:spPr>
+                <a:xfrm>
+                  <a:off x="4978731" y="1810875"/>
+                  <a:ext cx="473206" cy="523220"/>
+                </a:xfrm>
+                <a:prstGeom prst="rect">
+                  <a:avLst/>
+                </a:prstGeom>
+              </p:spPr>
+              <p:txBody>
+                <a:bodyPr wrap="none">
+                  <a:spAutoFit/>
+                </a:bodyPr>
+                <a:lstStyle/>
+                <a:p>
+                  <a:pPr/>
+                  <a14:m>
+                    <m:oMathPara xmlns:m="http://schemas.openxmlformats.org/officeDocument/2006/math">
+                      <m:oMathParaPr>
+                        <m:jc m:val="centerGroup"/>
+                      </m:oMathParaPr>
+                      <m:oMath xmlns:m="http://schemas.openxmlformats.org/officeDocument/2006/math">
+                        <m:r>
+                          <a:rPr lang="pt-BR" sz="2800" b="1" i="1">
+                            <a:latin typeface="Cambria Math" panose="02040503050406030204" pitchFamily="18" charset="0"/>
+                          </a:rPr>
+                          <m:t>𝒙</m:t>
+                        </m:r>
+                      </m:oMath>
+                    </m:oMathPara>
+                  </a14:m>
+                  <a:endParaRPr lang="en-US" sz="2800" dirty="0"/>
+                </a:p>
+              </p:txBody>
+            </p:sp>
+          </mc:Choice>
+          <mc:Fallback>
+            <p:sp>
+              <p:nvSpPr>
+                <p:cNvPr id="6" name="Retângulo 5">
+                  <a:extLst>
+                    <a:ext uri="{FF2B5EF4-FFF2-40B4-BE49-F238E27FC236}">
+                      <a16:creationId xmlns:a16="http://schemas.microsoft.com/office/drawing/2014/main" id="{9A1DC3B8-53CE-BB6E-8CCF-036473150086}"/>
+                    </a:ext>
+                  </a:extLst>
+                </p:cNvPr>
+                <p:cNvSpPr>
+                  <a:spLocks noRot="1" noChangeAspect="1" noMove="1" noResize="1" noEditPoints="1" noAdjustHandles="1" noChangeArrowheads="1" noChangeShapeType="1" noTextEdit="1"/>
+                </p:cNvSpPr>
+                <p:nvPr/>
+              </p:nvSpPr>
+              <p:spPr>
+                <a:xfrm>
+                  <a:off x="4978731" y="1810875"/>
+                  <a:ext cx="473206" cy="523220"/>
+                </a:xfrm>
+                <a:prstGeom prst="rect">
+                  <a:avLst/>
+                </a:prstGeom>
+                <a:blipFill>
+                  <a:blip r:embed="rId3"/>
+                  <a:stretch>
+                    <a:fillRect/>
+                  </a:stretch>
+                </a:blipFill>
+              </p:spPr>
+              <p:txBody>
+                <a:bodyPr/>
+                <a:lstStyle/>
+                <a:p>
+                  <a:r>
+                    <a:rPr lang="pt-BR">
+                      <a:noFill/>
+                    </a:rPr>
+                    <a:t> </a:t>
+                  </a:r>
+                </a:p>
+              </p:txBody>
+            </p:sp>
+          </mc:Fallback>
+        </mc:AlternateContent>
+        <mc:AlternateContent xmlns:mc="http://schemas.openxmlformats.org/markup-compatibility/2006">
+          <mc:Choice xmlns:a14="http://schemas.microsoft.com/office/drawing/2010/main" Requires="a14">
+            <p:sp>
+              <p:nvSpPr>
+                <p:cNvPr id="8" name="Retângulo 7">
+                  <a:extLst>
+                    <a:ext uri="{FF2B5EF4-FFF2-40B4-BE49-F238E27FC236}">
+                      <a16:creationId xmlns:a16="http://schemas.microsoft.com/office/drawing/2014/main" id="{6938ECF4-C778-B3A7-64E6-19A166691210}"/>
+                    </a:ext>
+                  </a:extLst>
+                </p:cNvPr>
+                <p:cNvSpPr/>
+                <p:nvPr/>
+              </p:nvSpPr>
+              <p:spPr>
+                <a:xfrm>
+                  <a:off x="8315585" y="2086952"/>
+                  <a:ext cx="472950" cy="523220"/>
+                </a:xfrm>
+                <a:prstGeom prst="rect">
+                  <a:avLst/>
+                </a:prstGeom>
+              </p:spPr>
+              <p:txBody>
+                <a:bodyPr wrap="none">
+                  <a:spAutoFit/>
+                </a:bodyPr>
+                <a:lstStyle/>
+                <a:p>
+                  <a:pPr/>
+                  <a14:m>
+                    <m:oMathPara xmlns:m="http://schemas.openxmlformats.org/officeDocument/2006/math">
+                      <m:oMathParaPr>
+                        <m:jc m:val="centerGroup"/>
+                      </m:oMathParaPr>
+                      <m:oMath xmlns:m="http://schemas.openxmlformats.org/officeDocument/2006/math">
+                        <m:r>
+                          <a:rPr lang="pt-BR" sz="2800" b="0" i="1" smtClean="0">
+                            <a:latin typeface="Cambria Math" panose="02040503050406030204" pitchFamily="18" charset="0"/>
+                          </a:rPr>
+                          <m:t>𝑦</m:t>
+                        </m:r>
+                      </m:oMath>
+                    </m:oMathPara>
+                  </a14:m>
+                  <a:endParaRPr lang="en-US" sz="2800" dirty="0"/>
+                </a:p>
+              </p:txBody>
+            </p:sp>
+          </mc:Choice>
+          <mc:Fallback>
+            <p:sp>
+              <p:nvSpPr>
+                <p:cNvPr id="8" name="Retângulo 7">
+                  <a:extLst>
+                    <a:ext uri="{FF2B5EF4-FFF2-40B4-BE49-F238E27FC236}">
+                      <a16:creationId xmlns:a16="http://schemas.microsoft.com/office/drawing/2014/main" id="{6938ECF4-C778-B3A7-64E6-19A166691210}"/>
+                    </a:ext>
+                  </a:extLst>
+                </p:cNvPr>
+                <p:cNvSpPr>
+                  <a:spLocks noRot="1" noChangeAspect="1" noMove="1" noResize="1" noEditPoints="1" noAdjustHandles="1" noChangeArrowheads="1" noChangeShapeType="1" noTextEdit="1"/>
+                </p:cNvSpPr>
+                <p:nvPr/>
+              </p:nvSpPr>
+              <p:spPr>
+                <a:xfrm>
+                  <a:off x="8315585" y="2086952"/>
+                  <a:ext cx="472950" cy="523220"/>
+                </a:xfrm>
+                <a:prstGeom prst="rect">
+                  <a:avLst/>
+                </a:prstGeom>
+                <a:blipFill>
+                  <a:blip r:embed="rId4"/>
+                  <a:stretch>
+                    <a:fillRect/>
+                  </a:stretch>
+                </a:blipFill>
+              </p:spPr>
+              <p:txBody>
+                <a:bodyPr/>
+                <a:lstStyle/>
+                <a:p>
+                  <a:r>
+                    <a:rPr lang="pt-BR">
+                      <a:noFill/>
+                    </a:rPr>
+                    <a:t> </a:t>
+                  </a:r>
+                </a:p>
+              </p:txBody>
+            </p:sp>
+          </mc:Fallback>
+        </mc:AlternateContent>
+        <p:sp>
+          <p:nvSpPr>
+            <p:cNvPr id="20" name="Seta para a direita 5">
+              <a:extLst>
+                <a:ext uri="{FF2B5EF4-FFF2-40B4-BE49-F238E27FC236}">
+                  <a16:creationId xmlns:a16="http://schemas.microsoft.com/office/drawing/2014/main" id="{218109C2-48AD-208F-17D2-B86488CA02BC}"/>
+                </a:ext>
+              </a:extLst>
+            </p:cNvPr>
+            <p:cNvSpPr/>
+            <p:nvPr/>
+          </p:nvSpPr>
+          <p:spPr>
+            <a:xfrm>
+              <a:off x="7914991" y="2212077"/>
+              <a:ext cx="400594" cy="400594"/>
+            </a:xfrm>
+            <a:prstGeom prst="rightArrow">
+              <a:avLst/>
+            </a:prstGeom>
+            <a:noFill/>
+            <a:ln w="28575">
+              <a:solidFill>
+                <a:schemeClr val="tx1"/>
+              </a:solidFill>
+            </a:ln>
+          </p:spPr>
+          <p:style>
+            <a:lnRef idx="2">
+              <a:schemeClr val="accent1">
+                <a:shade val="50000"/>
+              </a:schemeClr>
+            </a:lnRef>
+            <a:fillRef idx="1">
+              <a:schemeClr val="accent1"/>
+            </a:fillRef>
+            <a:effectRef idx="0">
+              <a:schemeClr val="accent1"/>
+            </a:effectRef>
+            <a:fontRef idx="minor">
+              <a:schemeClr val="lt1"/>
+            </a:fontRef>
+          </p:style>
+          <p:txBody>
+            <a:bodyPr rtlCol="0" anchor="ctr"/>
+            <a:lstStyle/>
+            <a:p>
+              <a:pPr algn="ctr"/>
+              <a:endParaRPr lang="en-US"/>
+            </a:p>
+          </p:txBody>
+        </p:sp>
+        <p:sp>
+          <p:nvSpPr>
+            <p:cNvPr id="21" name="Seta para a direita 5">
+              <a:extLst>
+                <a:ext uri="{FF2B5EF4-FFF2-40B4-BE49-F238E27FC236}">
+                  <a16:creationId xmlns:a16="http://schemas.microsoft.com/office/drawing/2014/main" id="{28BBB6A3-27A6-E73C-C73C-EDD42BAE4C68}"/>
+                </a:ext>
+              </a:extLst>
+            </p:cNvPr>
+            <p:cNvSpPr/>
+            <p:nvPr/>
+          </p:nvSpPr>
+          <p:spPr>
+            <a:xfrm>
+              <a:off x="5502717" y="2612671"/>
+              <a:ext cx="400594" cy="400594"/>
+            </a:xfrm>
+            <a:prstGeom prst="rightArrow">
+              <a:avLst/>
+            </a:prstGeom>
+            <a:noFill/>
+            <a:ln w="28575">
+              <a:solidFill>
+                <a:schemeClr val="tx1"/>
+              </a:solidFill>
+            </a:ln>
+          </p:spPr>
+          <p:style>
+            <a:lnRef idx="2">
+              <a:schemeClr val="accent1">
+                <a:shade val="50000"/>
+              </a:schemeClr>
+            </a:lnRef>
+            <a:fillRef idx="1">
+              <a:schemeClr val="accent1"/>
+            </a:fillRef>
+            <a:effectRef idx="0">
+              <a:schemeClr val="accent1"/>
+            </a:effectRef>
+            <a:fontRef idx="minor">
+              <a:schemeClr val="lt1"/>
+            </a:fontRef>
+          </p:style>
+          <p:txBody>
+            <a:bodyPr rtlCol="0" anchor="ctr"/>
+            <a:lstStyle/>
+            <a:p>
+              <a:pPr algn="ctr"/>
+              <a:endParaRPr lang="en-US"/>
+            </a:p>
+          </p:txBody>
+        </p:sp>
+        <mc:AlternateContent xmlns:mc="http://schemas.openxmlformats.org/markup-compatibility/2006">
+          <mc:Choice xmlns:a14="http://schemas.microsoft.com/office/drawing/2010/main" Requires="a14">
+            <p:sp>
+              <p:nvSpPr>
+                <p:cNvPr id="22" name="Retângulo 21">
+                  <a:extLst>
+                    <a:ext uri="{FF2B5EF4-FFF2-40B4-BE49-F238E27FC236}">
+                      <a16:creationId xmlns:a16="http://schemas.microsoft.com/office/drawing/2014/main" id="{886E8A3C-9C9E-D4E2-0A16-26A53FD318A7}"/>
+                    </a:ext>
+                  </a:extLst>
+                </p:cNvPr>
+                <p:cNvSpPr/>
+                <p:nvPr/>
+              </p:nvSpPr>
+              <p:spPr>
+                <a:xfrm>
+                  <a:off x="3791756" y="3248418"/>
+                  <a:ext cx="3421921" cy="1938992"/>
+                </a:xfrm>
+                <a:prstGeom prst="rect">
+                  <a:avLst/>
+                </a:prstGeom>
+              </p:spPr>
+              <p:txBody>
+                <a:bodyPr wrap="square">
+                  <a:spAutoFit/>
+                </a:bodyPr>
+                <a:lstStyle/>
+                <a:p>
+                  <a:r>
+                    <a:rPr lang="pt-BR" sz="1200" dirty="0" err="1"/>
+                    <a:t>def</a:t>
+                  </a:r>
+                  <a:r>
+                    <a:rPr lang="pt-BR" sz="1200" dirty="0"/>
+                    <a:t> </a:t>
+                  </a:r>
+                  <a:r>
+                    <a:rPr lang="pt-BR" sz="1200" i="1" dirty="0" err="1"/>
+                    <a:t>predict</a:t>
+                  </a:r>
+                  <a:r>
+                    <a:rPr lang="pt-BR" sz="1200" dirty="0"/>
+                    <a:t>(</a:t>
+                  </a:r>
+                  <a14:m>
+                    <m:oMath xmlns:m="http://schemas.openxmlformats.org/officeDocument/2006/math">
+                      <m:r>
+                        <a:rPr lang="pt-BR" sz="1200" b="1" i="1">
+                          <a:latin typeface="Cambria Math" panose="02040503050406030204" pitchFamily="18" charset="0"/>
+                        </a:rPr>
+                        <m:t>𝒙</m:t>
+                      </m:r>
+                    </m:oMath>
+                  </a14:m>
+                  <a:r>
+                    <a:rPr lang="pt-BR" sz="1200" dirty="0"/>
+                    <a:t>):</a:t>
+                  </a:r>
+                </a:p>
+                <a:p>
+                  <a:r>
+                    <a:rPr lang="pt-BR" sz="1200" dirty="0"/>
+                    <a:t>    </a:t>
+                  </a:r>
+                  <a:r>
+                    <a:rPr lang="pt-BR" sz="1200" dirty="0" err="1"/>
+                    <a:t>if</a:t>
+                  </a:r>
+                  <a:r>
+                    <a:rPr lang="pt-BR" sz="1200" dirty="0"/>
+                    <a:t>(</a:t>
+                  </a:r>
+                  <a14:m>
+                    <m:oMath xmlns:m="http://schemas.openxmlformats.org/officeDocument/2006/math">
+                      <m:sSub>
+                        <m:sSubPr>
+                          <m:ctrlPr>
+                            <a:rPr lang="pt-BR" sz="1200" i="1">
+                              <a:latin typeface="Cambria Math" panose="02040503050406030204" pitchFamily="18" charset="0"/>
+                            </a:rPr>
+                          </m:ctrlPr>
+                        </m:sSubPr>
+                        <m:e>
+                          <m:r>
+                            <a:rPr lang="pt-BR" sz="1200" i="1">
+                              <a:latin typeface="Cambria Math" panose="02040503050406030204" pitchFamily="18" charset="0"/>
+                            </a:rPr>
+                            <m:t>𝑔</m:t>
+                          </m:r>
+                        </m:e>
+                        <m:sub>
+                          <m:r>
+                            <a:rPr lang="pt-BR" sz="1200" i="1">
+                              <a:latin typeface="Cambria Math" panose="02040503050406030204" pitchFamily="18" charset="0"/>
+                            </a:rPr>
+                            <m:t>1</m:t>
+                          </m:r>
+                        </m:sub>
+                      </m:sSub>
+                      <m:d>
+                        <m:dPr>
+                          <m:ctrlPr>
+                            <a:rPr lang="pt-BR" sz="1200" i="1">
+                              <a:latin typeface="Cambria Math" panose="02040503050406030204" pitchFamily="18" charset="0"/>
+                            </a:rPr>
+                          </m:ctrlPr>
+                        </m:dPr>
+                        <m:e>
+                          <m:r>
+                            <a:rPr lang="pt-BR" sz="1200" b="1" i="1">
+                              <a:latin typeface="Cambria Math" panose="02040503050406030204" pitchFamily="18" charset="0"/>
+                            </a:rPr>
+                            <m:t>𝒙</m:t>
+                          </m:r>
+                        </m:e>
+                      </m:d>
+                    </m:oMath>
+                  </a14:m>
+                  <a:r>
+                    <a:rPr lang="pt-BR" sz="1200" dirty="0"/>
+                    <a:t> &gt;= 0):</a:t>
+                  </a:r>
+                </a:p>
+                <a:p>
+                  <a:r>
+                    <a:rPr lang="pt-BR" sz="1200" dirty="0"/>
+                    <a:t>        </a:t>
+                  </a:r>
+                  <a:r>
+                    <a:rPr lang="pt-BR" sz="1200" dirty="0" err="1"/>
+                    <a:t>y_pred</a:t>
+                  </a:r>
+                  <a:r>
+                    <a:rPr lang="pt-BR" sz="1200" dirty="0"/>
+                    <a:t>[i] = 0</a:t>
+                  </a:r>
+                </a:p>
+                <a:p>
+                  <a:r>
+                    <a:rPr lang="pt-BR" sz="1200" dirty="0"/>
+                    <a:t>    # Caso quando </a:t>
+                  </a:r>
+                  <a14:m>
+                    <m:oMath xmlns:m="http://schemas.openxmlformats.org/officeDocument/2006/math">
+                      <m:sSub>
+                        <m:sSubPr>
+                          <m:ctrlPr>
+                            <a:rPr lang="pt-BR" sz="1200" i="1">
+                              <a:latin typeface="Cambria Math" panose="02040503050406030204" pitchFamily="18" charset="0"/>
+                            </a:rPr>
+                          </m:ctrlPr>
+                        </m:sSubPr>
+                        <m:e>
+                          <m:r>
+                            <a:rPr lang="pt-BR" sz="1200" i="1">
+                              <a:latin typeface="Cambria Math" panose="02040503050406030204" pitchFamily="18" charset="0"/>
+                            </a:rPr>
+                            <m:t>𝑔</m:t>
+                          </m:r>
+                        </m:e>
+                        <m:sub>
+                          <m:r>
+                            <a:rPr lang="pt-BR" sz="1200" i="1">
+                              <a:latin typeface="Cambria Math" panose="02040503050406030204" pitchFamily="18" charset="0"/>
+                            </a:rPr>
+                            <m:t>1</m:t>
+                          </m:r>
+                        </m:sub>
+                      </m:sSub>
+                      <m:d>
+                        <m:dPr>
+                          <m:ctrlPr>
+                            <a:rPr lang="pt-BR" sz="1200" i="1">
+                              <a:latin typeface="Cambria Math" panose="02040503050406030204" pitchFamily="18" charset="0"/>
+                            </a:rPr>
+                          </m:ctrlPr>
+                        </m:dPr>
+                        <m:e>
+                          <m:r>
+                            <a:rPr lang="pt-BR" sz="1200" b="1" i="1">
+                              <a:latin typeface="Cambria Math" panose="02040503050406030204" pitchFamily="18" charset="0"/>
+                            </a:rPr>
+                            <m:t>𝒙</m:t>
+                          </m:r>
+                        </m:e>
+                      </m:d>
+                    </m:oMath>
+                  </a14:m>
+                  <a:r>
+                    <a:rPr lang="pt-BR" sz="1200" dirty="0"/>
+                    <a:t> &lt; 0</a:t>
+                  </a:r>
+                </a:p>
+                <a:p>
+                  <a:r>
+                    <a:rPr lang="pt-BR" sz="1200" dirty="0"/>
+                    <a:t>    </a:t>
+                  </a:r>
+                  <a:r>
+                    <a:rPr lang="pt-BR" sz="1200" dirty="0" err="1"/>
+                    <a:t>else</a:t>
+                  </a:r>
+                  <a:r>
+                    <a:rPr lang="pt-BR" sz="1200" dirty="0"/>
+                    <a:t>:</a:t>
+                  </a:r>
+                </a:p>
+                <a:p>
+                  <a:r>
+                    <a:rPr lang="pt-BR" sz="1200" dirty="0"/>
+                    <a:t>        </a:t>
+                  </a:r>
+                  <a:r>
+                    <a:rPr lang="pt-BR" sz="1200" dirty="0" err="1"/>
+                    <a:t>if</a:t>
+                  </a:r>
+                  <a:r>
+                    <a:rPr lang="pt-BR" sz="1200" dirty="0"/>
+                    <a:t>(</a:t>
+                  </a:r>
+                  <a14:m>
+                    <m:oMath xmlns:m="http://schemas.openxmlformats.org/officeDocument/2006/math">
+                      <m:sSub>
+                        <m:sSubPr>
+                          <m:ctrlPr>
+                            <a:rPr lang="pt-BR" sz="1200" i="1">
+                              <a:latin typeface="Cambria Math" panose="02040503050406030204" pitchFamily="18" charset="0"/>
+                            </a:rPr>
+                          </m:ctrlPr>
+                        </m:sSubPr>
+                        <m:e>
+                          <m:r>
+                            <a:rPr lang="pt-BR" sz="1200" i="1">
+                              <a:latin typeface="Cambria Math" panose="02040503050406030204" pitchFamily="18" charset="0"/>
+                            </a:rPr>
+                            <m:t>𝑔</m:t>
+                          </m:r>
+                        </m:e>
+                        <m:sub>
+                          <m:r>
+                            <a:rPr lang="pt-BR" sz="1200" i="1">
+                              <a:latin typeface="Cambria Math" panose="02040503050406030204" pitchFamily="18" charset="0"/>
+                            </a:rPr>
+                            <m:t>2</m:t>
+                          </m:r>
+                        </m:sub>
+                      </m:sSub>
+                      <m:d>
+                        <m:dPr>
+                          <m:ctrlPr>
+                            <a:rPr lang="pt-BR" sz="1200" i="1">
+                              <a:latin typeface="Cambria Math" panose="02040503050406030204" pitchFamily="18" charset="0"/>
+                            </a:rPr>
+                          </m:ctrlPr>
+                        </m:dPr>
+                        <m:e>
+                          <m:r>
+                            <a:rPr lang="pt-BR" sz="1200" b="1" i="1">
+                              <a:latin typeface="Cambria Math" panose="02040503050406030204" pitchFamily="18" charset="0"/>
+                            </a:rPr>
+                            <m:t>𝒙</m:t>
+                          </m:r>
+                        </m:e>
+                      </m:d>
+                    </m:oMath>
+                  </a14:m>
+                  <a:r>
+                    <a:rPr lang="pt-BR" sz="1200" dirty="0"/>
+                    <a:t> &lt; 0):</a:t>
+                  </a:r>
+                </a:p>
+                <a:p>
+                  <a:r>
+                    <a:rPr lang="pt-BR" sz="1200" dirty="0"/>
+                    <a:t>            </a:t>
+                  </a:r>
+                  <a:r>
+                    <a:rPr lang="pt-BR" sz="1200" dirty="0" err="1"/>
+                    <a:t>y_pred</a:t>
+                  </a:r>
+                  <a:r>
+                    <a:rPr lang="pt-BR" sz="1200" dirty="0"/>
+                    <a:t>[i] = 1</a:t>
+                  </a:r>
+                </a:p>
+                <a:p>
+                  <a:r>
+                    <a:rPr lang="pt-BR" sz="1200" dirty="0"/>
+                    <a:t>        # caso quando # </a:t>
+                  </a:r>
+                  <a14:m>
+                    <m:oMath xmlns:m="http://schemas.openxmlformats.org/officeDocument/2006/math">
+                      <m:sSub>
+                        <m:sSubPr>
+                          <m:ctrlPr>
+                            <a:rPr lang="pt-BR" sz="1200" i="1">
+                              <a:latin typeface="Cambria Math" panose="02040503050406030204" pitchFamily="18" charset="0"/>
+                            </a:rPr>
+                          </m:ctrlPr>
+                        </m:sSubPr>
+                        <m:e>
+                          <m:r>
+                            <a:rPr lang="pt-BR" sz="1200" i="1">
+                              <a:latin typeface="Cambria Math" panose="02040503050406030204" pitchFamily="18" charset="0"/>
+                            </a:rPr>
+                            <m:t>𝑔</m:t>
+                          </m:r>
+                        </m:e>
+                        <m:sub>
+                          <m:r>
+                            <a:rPr lang="pt-BR" sz="1200" i="1">
+                              <a:latin typeface="Cambria Math" panose="02040503050406030204" pitchFamily="18" charset="0"/>
+                            </a:rPr>
+                            <m:t>2</m:t>
+                          </m:r>
+                        </m:sub>
+                      </m:sSub>
+                      <m:d>
+                        <m:dPr>
+                          <m:ctrlPr>
+                            <a:rPr lang="pt-BR" sz="1200" i="1">
+                              <a:latin typeface="Cambria Math" panose="02040503050406030204" pitchFamily="18" charset="0"/>
+                            </a:rPr>
+                          </m:ctrlPr>
+                        </m:dPr>
+                        <m:e>
+                          <m:r>
+                            <a:rPr lang="pt-BR" sz="1200" b="1" i="1" smtClean="0">
+                              <a:latin typeface="Cambria Math" panose="02040503050406030204" pitchFamily="18" charset="0"/>
+                            </a:rPr>
+                            <m:t>𝒙</m:t>
+                          </m:r>
+                        </m:e>
+                      </m:d>
+                    </m:oMath>
+                  </a14:m>
+                  <a:r>
+                    <a:rPr lang="pt-BR" sz="1200" dirty="0"/>
+                    <a:t> &gt;= 0</a:t>
+                  </a:r>
+                </a:p>
+                <a:p>
+                  <a:r>
+                    <a:rPr lang="pt-BR" sz="1200" dirty="0"/>
+                    <a:t>        </a:t>
+                  </a:r>
+                  <a:r>
+                    <a:rPr lang="pt-BR" sz="1200" dirty="0" err="1"/>
+                    <a:t>else</a:t>
+                  </a:r>
+                  <a:r>
+                    <a:rPr lang="pt-BR" sz="1200" dirty="0"/>
+                    <a:t>: </a:t>
+                  </a:r>
+                </a:p>
+                <a:p>
+                  <a:r>
+                    <a:rPr lang="pt-BR" sz="1200" dirty="0"/>
+                    <a:t>            </a:t>
+                  </a:r>
+                  <a:r>
+                    <a:rPr lang="pt-BR" sz="1200" dirty="0" err="1"/>
+                    <a:t>y_pred</a:t>
+                  </a:r>
+                  <a:r>
+                    <a:rPr lang="pt-BR" sz="1200" dirty="0"/>
+                    <a:t>[i] = 2</a:t>
+                  </a:r>
+                </a:p>
+              </p:txBody>
+            </p:sp>
+          </mc:Choice>
+          <mc:Fallback>
+            <p:sp>
+              <p:nvSpPr>
+                <p:cNvPr id="22" name="Retângulo 21">
+                  <a:extLst>
+                    <a:ext uri="{FF2B5EF4-FFF2-40B4-BE49-F238E27FC236}">
+                      <a16:creationId xmlns:a16="http://schemas.microsoft.com/office/drawing/2014/main" id="{886E8A3C-9C9E-D4E2-0A16-26A53FD318A7}"/>
+                    </a:ext>
+                  </a:extLst>
+                </p:cNvPr>
+                <p:cNvSpPr>
+                  <a:spLocks noRot="1" noChangeAspect="1" noMove="1" noResize="1" noEditPoints="1" noAdjustHandles="1" noChangeArrowheads="1" noChangeShapeType="1" noTextEdit="1"/>
+                </p:cNvSpPr>
+                <p:nvPr/>
+              </p:nvSpPr>
+              <p:spPr>
+                <a:xfrm>
+                  <a:off x="3791756" y="3248418"/>
+                  <a:ext cx="3421921" cy="1938992"/>
+                </a:xfrm>
+                <a:prstGeom prst="rect">
+                  <a:avLst/>
+                </a:prstGeom>
+                <a:blipFill>
+                  <a:blip r:embed="rId5"/>
+                  <a:stretch>
+                    <a:fillRect b="-1572"/>
+                  </a:stretch>
+                </a:blipFill>
+              </p:spPr>
+              <p:txBody>
+                <a:bodyPr/>
+                <a:lstStyle/>
+                <a:p>
+                  <a:r>
+                    <a:rPr lang="pt-BR">
+                      <a:noFill/>
+                    </a:rPr>
+                    <a:t> </a:t>
+                  </a:r>
+                </a:p>
+              </p:txBody>
+            </p:sp>
+          </mc:Fallback>
+        </mc:AlternateContent>
+        <p:sp>
+          <p:nvSpPr>
+            <p:cNvPr id="25" name="Chave Direita 24">
+              <a:extLst>
+                <a:ext uri="{FF2B5EF4-FFF2-40B4-BE49-F238E27FC236}">
+                  <a16:creationId xmlns:a16="http://schemas.microsoft.com/office/drawing/2014/main" id="{FB6055EB-3AA0-11EC-C6E3-613F5B4FCAB2}"/>
+                </a:ext>
+              </a:extLst>
+            </p:cNvPr>
+            <p:cNvSpPr/>
+            <p:nvPr/>
+          </p:nvSpPr>
+          <p:spPr>
+            <a:xfrm rot="16200000">
+              <a:off x="4674791" y="2085485"/>
+              <a:ext cx="369332" cy="2224892"/>
+            </a:xfrm>
+            <a:prstGeom prst="rightBrace">
+              <a:avLst>
+                <a:gd name="adj1" fmla="val 8333"/>
+                <a:gd name="adj2" fmla="val 48354"/>
+              </a:avLst>
+            </a:prstGeom>
+          </p:spPr>
+          <p:style>
+            <a:lnRef idx="1">
+              <a:schemeClr val="accent1"/>
+            </a:lnRef>
+            <a:fillRef idx="0">
+              <a:schemeClr val="accent1"/>
+            </a:fillRef>
+            <a:effectRef idx="0">
+              <a:schemeClr val="accent1"/>
+            </a:effectRef>
+            <a:fontRef idx="minor">
+              <a:schemeClr val="tx1"/>
+            </a:fontRef>
+          </p:style>
+          <p:txBody>
+            <a:bodyPr rtlCol="0" anchor="ctr"/>
+            <a:lstStyle/>
+            <a:p>
+              <a:pPr algn="ctr"/>
+              <a:endParaRPr lang="pt-BR" dirty="0"/>
+            </a:p>
+          </p:txBody>
+        </p:sp>
+        <p:sp>
+          <p:nvSpPr>
+            <p:cNvPr id="7" name="CaixaDeTexto 6">
+              <a:extLst>
+                <a:ext uri="{FF2B5EF4-FFF2-40B4-BE49-F238E27FC236}">
+                  <a16:creationId xmlns:a16="http://schemas.microsoft.com/office/drawing/2014/main" id="{53573EAF-DA30-E369-95B0-E2E5540B8EDE}"/>
+                </a:ext>
+              </a:extLst>
+            </p:cNvPr>
+            <p:cNvSpPr txBox="1"/>
+            <p:nvPr/>
+          </p:nvSpPr>
+          <p:spPr>
+            <a:xfrm>
+              <a:off x="4019797" y="2582081"/>
+              <a:ext cx="1459054" cy="461665"/>
+            </a:xfrm>
+            <a:prstGeom prst="rect">
+              <a:avLst/>
+            </a:prstGeom>
+            <a:noFill/>
+          </p:spPr>
+          <p:txBody>
+            <a:bodyPr wrap="none" rtlCol="0">
+              <a:spAutoFit/>
+            </a:bodyPr>
+            <a:lstStyle/>
+            <a:p>
+              <a:r>
+                <a:rPr lang="pt-BR" sz="2400" b="1" i="1" dirty="0"/>
+                <a:t>programa</a:t>
+              </a:r>
+              <a:endParaRPr lang="pt-BR" b="1" i="1" dirty="0"/>
+            </a:p>
+          </p:txBody>
+        </p:sp>
+      </p:grpSp>
+    </p:spTree>
+    <p:extLst>
+      <p:ext uri="{BB962C8B-B14F-4D97-AF65-F5344CB8AC3E}">
+        <p14:creationId xmlns:p14="http://schemas.microsoft.com/office/powerpoint/2010/main" val="787065861"/>
+      </p:ext>
+    </p:extLst>
+  </p:cSld>
+  <p:clrMapOvr>
+    <a:masterClrMapping/>
+  </p:clrMapOvr>
+</p:sld>
+</file>
+
+<file path=ppt/slides/slide7.xml><?xml version="1.0" encoding="utf-8"?>
+<p:sld xmlns:a="http://schemas.openxmlformats.org/drawingml/2006/main" xmlns:r="http://schemas.openxmlformats.org/officeDocument/2006/relationships" xmlns:p="http://schemas.openxmlformats.org/presentationml/2006/main">
+  <p:cSld>
+    <p:spTree>
+      <p:nvGrpSpPr>
+        <p:cNvPr id="1" name=""/>
+        <p:cNvGrpSpPr/>
+        <p:nvPr/>
+      </p:nvGrpSpPr>
+      <p:grpSpPr>
+        <a:xfrm>
+          <a:off x="0" y="0"/>
+          <a:ext cx="0" cy="0"/>
+          <a:chOff x="0" y="0"/>
+          <a:chExt cx="0" cy="0"/>
+        </a:xfrm>
+      </p:grpSpPr>
+      <p:sp>
+        <p:nvSpPr>
+          <p:cNvPr id="2" name="Título 1">
+            <a:extLst>
+              <a:ext uri="{FF2B5EF4-FFF2-40B4-BE49-F238E27FC236}">
+                <a16:creationId xmlns:a16="http://schemas.microsoft.com/office/drawing/2014/main" id="{81606C23-9F3D-9BC2-42BB-B1CBDDD993C7}"/>
+              </a:ext>
+            </a:extLst>
+          </p:cNvPr>
+          <p:cNvSpPr>
+            <a:spLocks noGrp="1"/>
+          </p:cNvSpPr>
+          <p:nvPr>
+            <p:ph type="title"/>
+          </p:nvPr>
+        </p:nvSpPr>
+        <p:spPr/>
+        <p:txBody>
+          <a:bodyPr/>
+          <a:lstStyle/>
+          <a:p>
+            <a:r>
+              <a:rPr lang="pt-BR" dirty="0"/>
               <a:t>Paradigma do ML</a:t>
             </a:r>
           </a:p>
@@ -8417,7 +9534,7 @@
             </a:r>
             <a:r>
               <a:rPr lang="pt-BR" b="1" i="1" dirty="0"/>
-              <a:t>mapeie as entradas nas respostas esperadas</a:t>
+              <a:t>mapeie as entradas nas respostas esperadas da melhor forma possível</a:t>
             </a:r>
             <a:r>
               <a:rPr lang="pt-BR" dirty="0"/>
@@ -9587,7 +10704,7 @@
     </p:spTree>
     <p:extLst>
       <p:ext uri="{BB962C8B-B14F-4D97-AF65-F5344CB8AC3E}">
-        <p14:creationId xmlns:p14="http://schemas.microsoft.com/office/powerpoint/2010/main" val="787065861"/>
+        <p14:creationId xmlns:p14="http://schemas.microsoft.com/office/powerpoint/2010/main" val="614737370"/>
       </p:ext>
     </p:extLst>
   </p:cSld>
@@ -9597,7 +10714,7 @@
 </p:sld>
 </file>
 
-<file path=ppt/slides/slide7.xml><?xml version="1.0" encoding="utf-8"?>
+<file path=ppt/slides/slide8.xml><?xml version="1.0" encoding="utf-8"?>
 <p:sld xmlns:a="http://schemas.openxmlformats.org/drawingml/2006/main" xmlns:r="http://schemas.openxmlformats.org/officeDocument/2006/relationships" xmlns:p="http://schemas.openxmlformats.org/presentationml/2006/main">
   <p:cSld>
     <p:spTree>
@@ -10343,8 +11460,8 @@
           </p:sp>
         </mc:Fallback>
       </mc:AlternateContent>
-      <mc:AlternateContent xmlns:mc="http://schemas.openxmlformats.org/markup-compatibility/2006">
-        <mc:Choice xmlns:a14="http://schemas.microsoft.com/office/drawing/2010/main" Requires="a14">
+      <mc:AlternateContent xmlns:mc="http://schemas.openxmlformats.org/markup-compatibility/2006" xmlns:a14="http://schemas.microsoft.com/office/drawing/2010/main">
+        <mc:Choice Requires="a14">
           <p:sp>
             <p:nvSpPr>
               <p:cNvPr id="10" name="CaixaDeTexto 9"/>
@@ -10411,7 +11528,7 @@
             </p:txBody>
           </p:sp>
         </mc:Choice>
-        <mc:Fallback>
+        <mc:Fallback xmlns="">
           <p:sp>
             <p:nvSpPr>
               <p:cNvPr id="10" name="CaixaDeTexto 9"/>
@@ -11037,7 +12154,7 @@
 </p:sld>
 </file>
 
-<file path=ppt/slides/slide8.xml><?xml version="1.0" encoding="utf-8"?>
+<file path=ppt/slides/slide9.xml><?xml version="1.0" encoding="utf-8"?>
 <p:sld xmlns:a="http://schemas.openxmlformats.org/drawingml/2006/main" xmlns:r="http://schemas.openxmlformats.org/officeDocument/2006/relationships" xmlns:p="http://schemas.openxmlformats.org/presentationml/2006/main">
   <p:cSld>
     <p:spTree>

--- a/slides/Lab1_Ex2.pptx
+++ b/slides/Lab1_Ex2.pptx
@@ -251,7 +251,7 @@
           <a:p>
             <a:fld id="{E8B29431-73EE-4558-8BA6-40AB916516D5}" type="datetimeFigureOut">
               <a:rPr lang="pt-BR" smtClean="0"/>
-              <a:t>03/08/2024</a:t>
+              <a:t>14/02/2025</a:t>
             </a:fld>
             <a:endParaRPr lang="pt-BR"/>
           </a:p>
@@ -293,7 +293,7 @@
           <a:p>
             <a:fld id="{4AF03FE0-2C27-4F4F-BF95-BDD05D0D1FD5}" type="slidenum">
               <a:rPr lang="pt-BR" smtClean="0"/>
-              <a:t>‹nº›</a:t>
+              <a:t>‹#›</a:t>
             </a:fld>
             <a:endParaRPr lang="pt-BR"/>
           </a:p>
@@ -421,7 +421,7 @@
           <a:p>
             <a:fld id="{E8B29431-73EE-4558-8BA6-40AB916516D5}" type="datetimeFigureOut">
               <a:rPr lang="pt-BR" smtClean="0"/>
-              <a:t>03/08/2024</a:t>
+              <a:t>14/02/2025</a:t>
             </a:fld>
             <a:endParaRPr lang="pt-BR"/>
           </a:p>
@@ -463,7 +463,7 @@
           <a:p>
             <a:fld id="{4AF03FE0-2C27-4F4F-BF95-BDD05D0D1FD5}" type="slidenum">
               <a:rPr lang="pt-BR" smtClean="0"/>
-              <a:t>‹nº›</a:t>
+              <a:t>‹#›</a:t>
             </a:fld>
             <a:endParaRPr lang="pt-BR"/>
           </a:p>
@@ -601,7 +601,7 @@
           <a:p>
             <a:fld id="{E8B29431-73EE-4558-8BA6-40AB916516D5}" type="datetimeFigureOut">
               <a:rPr lang="pt-BR" smtClean="0"/>
-              <a:t>03/08/2024</a:t>
+              <a:t>14/02/2025</a:t>
             </a:fld>
             <a:endParaRPr lang="pt-BR"/>
           </a:p>
@@ -643,7 +643,7 @@
           <a:p>
             <a:fld id="{4AF03FE0-2C27-4F4F-BF95-BDD05D0D1FD5}" type="slidenum">
               <a:rPr lang="pt-BR" smtClean="0"/>
-              <a:t>‹nº›</a:t>
+              <a:t>‹#›</a:t>
             </a:fld>
             <a:endParaRPr lang="pt-BR"/>
           </a:p>
@@ -771,7 +771,7 @@
           <a:p>
             <a:fld id="{E8B29431-73EE-4558-8BA6-40AB916516D5}" type="datetimeFigureOut">
               <a:rPr lang="pt-BR" smtClean="0"/>
-              <a:t>03/08/2024</a:t>
+              <a:t>14/02/2025</a:t>
             </a:fld>
             <a:endParaRPr lang="pt-BR"/>
           </a:p>
@@ -813,7 +813,7 @@
           <a:p>
             <a:fld id="{4AF03FE0-2C27-4F4F-BF95-BDD05D0D1FD5}" type="slidenum">
               <a:rPr lang="pt-BR" smtClean="0"/>
-              <a:t>‹nº›</a:t>
+              <a:t>‹#›</a:t>
             </a:fld>
             <a:endParaRPr lang="pt-BR"/>
           </a:p>
@@ -1017,7 +1017,7 @@
           <a:p>
             <a:fld id="{E8B29431-73EE-4558-8BA6-40AB916516D5}" type="datetimeFigureOut">
               <a:rPr lang="pt-BR" smtClean="0"/>
-              <a:t>03/08/2024</a:t>
+              <a:t>14/02/2025</a:t>
             </a:fld>
             <a:endParaRPr lang="pt-BR"/>
           </a:p>
@@ -1059,7 +1059,7 @@
           <a:p>
             <a:fld id="{4AF03FE0-2C27-4F4F-BF95-BDD05D0D1FD5}" type="slidenum">
               <a:rPr lang="pt-BR" smtClean="0"/>
-              <a:t>‹nº›</a:t>
+              <a:t>‹#›</a:t>
             </a:fld>
             <a:endParaRPr lang="pt-BR"/>
           </a:p>
@@ -1249,7 +1249,7 @@
           <a:p>
             <a:fld id="{E8B29431-73EE-4558-8BA6-40AB916516D5}" type="datetimeFigureOut">
               <a:rPr lang="pt-BR" smtClean="0"/>
-              <a:t>03/08/2024</a:t>
+              <a:t>14/02/2025</a:t>
             </a:fld>
             <a:endParaRPr lang="pt-BR"/>
           </a:p>
@@ -1291,7 +1291,7 @@
           <a:p>
             <a:fld id="{4AF03FE0-2C27-4F4F-BF95-BDD05D0D1FD5}" type="slidenum">
               <a:rPr lang="pt-BR" smtClean="0"/>
-              <a:t>‹nº›</a:t>
+              <a:t>‹#›</a:t>
             </a:fld>
             <a:endParaRPr lang="pt-BR"/>
           </a:p>
@@ -1616,7 +1616,7 @@
           <a:p>
             <a:fld id="{E8B29431-73EE-4558-8BA6-40AB916516D5}" type="datetimeFigureOut">
               <a:rPr lang="pt-BR" smtClean="0"/>
-              <a:t>03/08/2024</a:t>
+              <a:t>14/02/2025</a:t>
             </a:fld>
             <a:endParaRPr lang="pt-BR"/>
           </a:p>
@@ -1658,7 +1658,7 @@
           <a:p>
             <a:fld id="{4AF03FE0-2C27-4F4F-BF95-BDD05D0D1FD5}" type="slidenum">
               <a:rPr lang="pt-BR" smtClean="0"/>
-              <a:t>‹nº›</a:t>
+              <a:t>‹#›</a:t>
             </a:fld>
             <a:endParaRPr lang="pt-BR"/>
           </a:p>
@@ -1734,7 +1734,7 @@
           <a:p>
             <a:fld id="{E8B29431-73EE-4558-8BA6-40AB916516D5}" type="datetimeFigureOut">
               <a:rPr lang="pt-BR" smtClean="0"/>
-              <a:t>03/08/2024</a:t>
+              <a:t>14/02/2025</a:t>
             </a:fld>
             <a:endParaRPr lang="pt-BR"/>
           </a:p>
@@ -1776,7 +1776,7 @@
           <a:p>
             <a:fld id="{4AF03FE0-2C27-4F4F-BF95-BDD05D0D1FD5}" type="slidenum">
               <a:rPr lang="pt-BR" smtClean="0"/>
-              <a:t>‹nº›</a:t>
+              <a:t>‹#›</a:t>
             </a:fld>
             <a:endParaRPr lang="pt-BR"/>
           </a:p>
@@ -1829,7 +1829,7 @@
           <a:p>
             <a:fld id="{E8B29431-73EE-4558-8BA6-40AB916516D5}" type="datetimeFigureOut">
               <a:rPr lang="pt-BR" smtClean="0"/>
-              <a:t>03/08/2024</a:t>
+              <a:t>14/02/2025</a:t>
             </a:fld>
             <a:endParaRPr lang="pt-BR"/>
           </a:p>
@@ -1871,7 +1871,7 @@
           <a:p>
             <a:fld id="{4AF03FE0-2C27-4F4F-BF95-BDD05D0D1FD5}" type="slidenum">
               <a:rPr lang="pt-BR" smtClean="0"/>
-              <a:t>‹nº›</a:t>
+              <a:t>‹#›</a:t>
             </a:fld>
             <a:endParaRPr lang="pt-BR"/>
           </a:p>
@@ -2106,7 +2106,7 @@
           <a:p>
             <a:fld id="{E8B29431-73EE-4558-8BA6-40AB916516D5}" type="datetimeFigureOut">
               <a:rPr lang="pt-BR" smtClean="0"/>
-              <a:t>03/08/2024</a:t>
+              <a:t>14/02/2025</a:t>
             </a:fld>
             <a:endParaRPr lang="pt-BR"/>
           </a:p>
@@ -2148,7 +2148,7 @@
           <a:p>
             <a:fld id="{4AF03FE0-2C27-4F4F-BF95-BDD05D0D1FD5}" type="slidenum">
               <a:rPr lang="pt-BR" smtClean="0"/>
-              <a:t>‹nº›</a:t>
+              <a:t>‹#›</a:t>
             </a:fld>
             <a:endParaRPr lang="pt-BR"/>
           </a:p>
@@ -2359,7 +2359,7 @@
           <a:p>
             <a:fld id="{E8B29431-73EE-4558-8BA6-40AB916516D5}" type="datetimeFigureOut">
               <a:rPr lang="pt-BR" smtClean="0"/>
-              <a:t>03/08/2024</a:t>
+              <a:t>14/02/2025</a:t>
             </a:fld>
             <a:endParaRPr lang="pt-BR"/>
           </a:p>
@@ -2401,7 +2401,7 @@
           <a:p>
             <a:fld id="{4AF03FE0-2C27-4F4F-BF95-BDD05D0D1FD5}" type="slidenum">
               <a:rPr lang="pt-BR" smtClean="0"/>
-              <a:t>‹nº›</a:t>
+              <a:t>‹#›</a:t>
             </a:fld>
             <a:endParaRPr lang="pt-BR"/>
           </a:p>
@@ -2572,7 +2572,7 @@
           <a:p>
             <a:fld id="{E8B29431-73EE-4558-8BA6-40AB916516D5}" type="datetimeFigureOut">
               <a:rPr lang="pt-BR" smtClean="0"/>
-              <a:t>03/08/2024</a:t>
+              <a:t>14/02/2025</a:t>
             </a:fld>
             <a:endParaRPr lang="pt-BR"/>
           </a:p>
@@ -2650,7 +2650,7 @@
           <a:p>
             <a:fld id="{4AF03FE0-2C27-4F4F-BF95-BDD05D0D1FD5}" type="slidenum">
               <a:rPr lang="pt-BR" smtClean="0"/>
-              <a:t>‹nº›</a:t>
+              <a:t>‹#›</a:t>
             </a:fld>
             <a:endParaRPr lang="pt-BR"/>
           </a:p>
@@ -8344,8 +8344,8 @@
           </a:p>
         </p:txBody>
       </p:sp>
-      <mc:AlternateContent xmlns:mc="http://schemas.openxmlformats.org/markup-compatibility/2006">
-        <mc:Choice xmlns:a14="http://schemas.microsoft.com/office/drawing/2010/main" Requires="a14">
+      <mc:AlternateContent xmlns:mc="http://schemas.openxmlformats.org/markup-compatibility/2006" xmlns:a14="http://schemas.microsoft.com/office/drawing/2010/main">
+        <mc:Choice Requires="a14">
           <p:sp>
             <p:nvSpPr>
               <p:cNvPr id="3" name="Espaço Reservado para Conteúdo 2">
@@ -8426,7 +8426,7 @@
             </p:txBody>
           </p:sp>
         </mc:Choice>
-        <mc:Fallback>
+        <mc:Fallback xmlns="">
           <p:sp>
             <p:nvSpPr>
               <p:cNvPr id="3" name="Espaço Reservado para Conteúdo 2">
@@ -8606,8 +8606,8 @@
             </a:p>
           </p:txBody>
         </p:sp>
-        <mc:AlternateContent xmlns:mc="http://schemas.openxmlformats.org/markup-compatibility/2006">
-          <mc:Choice xmlns:a14="http://schemas.microsoft.com/office/drawing/2010/main" Requires="a14">
+        <mc:AlternateContent xmlns:mc="http://schemas.openxmlformats.org/markup-compatibility/2006" xmlns:a14="http://schemas.microsoft.com/office/drawing/2010/main">
+          <mc:Choice Requires="a14">
             <p:sp>
               <p:nvSpPr>
                 <p:cNvPr id="6" name="Retângulo 5">
@@ -8656,7 +8656,7 @@
               </p:txBody>
             </p:sp>
           </mc:Choice>
-          <mc:Fallback>
+          <mc:Fallback xmlns="">
             <p:sp>
               <p:nvSpPr>
                 <p:cNvPr id="6" name="Retângulo 5">
@@ -8701,8 +8701,8 @@
             </p:sp>
           </mc:Fallback>
         </mc:AlternateContent>
-        <mc:AlternateContent xmlns:mc="http://schemas.openxmlformats.org/markup-compatibility/2006">
-          <mc:Choice xmlns:a14="http://schemas.microsoft.com/office/drawing/2010/main" Requires="a14">
+        <mc:AlternateContent xmlns:mc="http://schemas.openxmlformats.org/markup-compatibility/2006" xmlns:a14="http://schemas.microsoft.com/office/drawing/2010/main">
+          <mc:Choice Requires="a14">
             <p:sp>
               <p:nvSpPr>
                 <p:cNvPr id="8" name="Retângulo 7">
@@ -8751,7 +8751,7 @@
               </p:txBody>
             </p:sp>
           </mc:Choice>
-          <mc:Fallback>
+          <mc:Fallback xmlns="">
             <p:sp>
               <p:nvSpPr>
                 <p:cNvPr id="8" name="Retângulo 7">
@@ -8900,8 +8900,8 @@
             </a:p>
           </p:txBody>
         </p:sp>
-        <mc:AlternateContent xmlns:mc="http://schemas.openxmlformats.org/markup-compatibility/2006">
-          <mc:Choice xmlns:a14="http://schemas.microsoft.com/office/drawing/2010/main" Requires="a14">
+        <mc:AlternateContent xmlns:mc="http://schemas.openxmlformats.org/markup-compatibility/2006" xmlns:a14="http://schemas.microsoft.com/office/drawing/2010/main">
+          <mc:Choice Requires="a14">
             <p:sp>
               <p:nvSpPr>
                 <p:cNvPr id="22" name="Retângulo 21">
@@ -9273,7 +9273,7 @@
               </p:txBody>
             </p:sp>
           </mc:Choice>
-          <mc:Fallback>
+          <mc:Fallback xmlns="">
             <p:sp>
               <p:nvSpPr>
                 <p:cNvPr id="22" name="Retângulo 21">
@@ -9597,7 +9597,23 @@
                   <a:schemeClr val="tx1"/>
                 </a:solidFill>
               </a:rPr>
-              <a:t>Computador com algoritmo de treinamento do modelo de ML</a:t>
+              <a:t>Computador com algoritmo de </a:t>
+            </a:r>
+            <a:r>
+              <a:rPr lang="pt-BR" b="1" i="1" dirty="0">
+                <a:solidFill>
+                  <a:schemeClr val="tx1"/>
+                </a:solidFill>
+              </a:rPr>
+              <a:t>treinamento</a:t>
+            </a:r>
+            <a:r>
+              <a:rPr lang="pt-BR" dirty="0">
+                <a:solidFill>
+                  <a:schemeClr val="tx1"/>
+                </a:solidFill>
+              </a:rPr>
+              <a:t> do modelo de ML</a:t>
             </a:r>
             <a:endParaRPr lang="en-US" dirty="0">
               <a:solidFill>
@@ -11460,8 +11476,8 @@
           </p:sp>
         </mc:Fallback>
       </mc:AlternateContent>
-      <mc:AlternateContent xmlns:mc="http://schemas.openxmlformats.org/markup-compatibility/2006" xmlns:a14="http://schemas.microsoft.com/office/drawing/2010/main">
-        <mc:Choice Requires="a14">
+      <mc:AlternateContent xmlns:mc="http://schemas.openxmlformats.org/markup-compatibility/2006">
+        <mc:Choice xmlns:a14="http://schemas.microsoft.com/office/drawing/2010/main" Requires="a14">
           <p:sp>
             <p:nvSpPr>
               <p:cNvPr id="10" name="CaixaDeTexto 9"/>
@@ -11507,7 +11523,19 @@
                 </a:r>
                 <a:r>
                   <a:rPr lang="pt-BR" sz="2800" dirty="0"/>
-                  <a:t>, a classificar as entradas, </a:t>
+                  <a:t>, a </a:t>
+                </a:r>
+                <a:r>
+                  <a:rPr lang="pt-BR" sz="2800" b="1" i="1" dirty="0">
+                    <a:solidFill>
+                      <a:srgbClr val="0070C0"/>
+                    </a:solidFill>
+                  </a:rPr>
+                  <a:t>classificar</a:t>
+                </a:r>
+                <a:r>
+                  <a:rPr lang="pt-BR" sz="2800" dirty="0"/>
+                  <a:t> as entradas, </a:t>
                 </a:r>
                 <a14:m>
                   <m:oMath xmlns:m="http://schemas.openxmlformats.org/officeDocument/2006/math">
@@ -11528,7 +11556,7 @@
             </p:txBody>
           </p:sp>
         </mc:Choice>
-        <mc:Fallback xmlns="">
+        <mc:Fallback>
           <p:sp>
             <p:nvSpPr>
               <p:cNvPr id="10" name="CaixaDeTexto 9"/>
@@ -11557,7 +11585,7 @@
               <a:lstStyle/>
               <a:p>
                 <a:r>
-                  <a:rPr lang="pt-BR">
+                  <a:rPr lang="en-US">
                     <a:noFill/>
                   </a:rPr>
                   <a:t> </a:t>
@@ -12945,7 +12973,15 @@
             </a:r>
             <a:r>
               <a:rPr lang="pt-BR" sz="2800" dirty="0"/>
-              <a:t>(i.e., equação e seus respectivos pesos)</a:t>
+              <a:t>(i.e</a:t>
+            </a:r>
+            <a:r>
+              <a:rPr lang="pt-BR" sz="2800"/>
+              <a:t>., equações </a:t>
+            </a:r>
+            <a:r>
+              <a:rPr lang="pt-BR" sz="2800" dirty="0"/>
+              <a:t>e seus respectivos pesos)</a:t>
             </a:r>
             <a:r>
               <a:rPr lang="pt-BR" sz="2800" b="1" i="1" dirty="0"/>

--- a/slides/Lab1_Ex2.pptx
+++ b/slides/Lab1_Ex2.pptx
@@ -251,7 +251,7 @@
           <a:p>
             <a:fld id="{E8B29431-73EE-4558-8BA6-40AB916516D5}" type="datetimeFigureOut">
               <a:rPr lang="pt-BR" smtClean="0"/>
-              <a:t>14/02/2025</a:t>
+              <a:t>09/08/2025</a:t>
             </a:fld>
             <a:endParaRPr lang="pt-BR"/>
           </a:p>
@@ -293,7 +293,7 @@
           <a:p>
             <a:fld id="{4AF03FE0-2C27-4F4F-BF95-BDD05D0D1FD5}" type="slidenum">
               <a:rPr lang="pt-BR" smtClean="0"/>
-              <a:t>‹#›</a:t>
+              <a:t>‹nº›</a:t>
             </a:fld>
             <a:endParaRPr lang="pt-BR"/>
           </a:p>
@@ -421,7 +421,7 @@
           <a:p>
             <a:fld id="{E8B29431-73EE-4558-8BA6-40AB916516D5}" type="datetimeFigureOut">
               <a:rPr lang="pt-BR" smtClean="0"/>
-              <a:t>14/02/2025</a:t>
+              <a:t>09/08/2025</a:t>
             </a:fld>
             <a:endParaRPr lang="pt-BR"/>
           </a:p>
@@ -463,7 +463,7 @@
           <a:p>
             <a:fld id="{4AF03FE0-2C27-4F4F-BF95-BDD05D0D1FD5}" type="slidenum">
               <a:rPr lang="pt-BR" smtClean="0"/>
-              <a:t>‹#›</a:t>
+              <a:t>‹nº›</a:t>
             </a:fld>
             <a:endParaRPr lang="pt-BR"/>
           </a:p>
@@ -601,7 +601,7 @@
           <a:p>
             <a:fld id="{E8B29431-73EE-4558-8BA6-40AB916516D5}" type="datetimeFigureOut">
               <a:rPr lang="pt-BR" smtClean="0"/>
-              <a:t>14/02/2025</a:t>
+              <a:t>09/08/2025</a:t>
             </a:fld>
             <a:endParaRPr lang="pt-BR"/>
           </a:p>
@@ -643,7 +643,7 @@
           <a:p>
             <a:fld id="{4AF03FE0-2C27-4F4F-BF95-BDD05D0D1FD5}" type="slidenum">
               <a:rPr lang="pt-BR" smtClean="0"/>
-              <a:t>‹#›</a:t>
+              <a:t>‹nº›</a:t>
             </a:fld>
             <a:endParaRPr lang="pt-BR"/>
           </a:p>
@@ -771,7 +771,7 @@
           <a:p>
             <a:fld id="{E8B29431-73EE-4558-8BA6-40AB916516D5}" type="datetimeFigureOut">
               <a:rPr lang="pt-BR" smtClean="0"/>
-              <a:t>14/02/2025</a:t>
+              <a:t>09/08/2025</a:t>
             </a:fld>
             <a:endParaRPr lang="pt-BR"/>
           </a:p>
@@ -813,7 +813,7 @@
           <a:p>
             <a:fld id="{4AF03FE0-2C27-4F4F-BF95-BDD05D0D1FD5}" type="slidenum">
               <a:rPr lang="pt-BR" smtClean="0"/>
-              <a:t>‹#›</a:t>
+              <a:t>‹nº›</a:t>
             </a:fld>
             <a:endParaRPr lang="pt-BR"/>
           </a:p>
@@ -1017,7 +1017,7 @@
           <a:p>
             <a:fld id="{E8B29431-73EE-4558-8BA6-40AB916516D5}" type="datetimeFigureOut">
               <a:rPr lang="pt-BR" smtClean="0"/>
-              <a:t>14/02/2025</a:t>
+              <a:t>09/08/2025</a:t>
             </a:fld>
             <a:endParaRPr lang="pt-BR"/>
           </a:p>
@@ -1059,7 +1059,7 @@
           <a:p>
             <a:fld id="{4AF03FE0-2C27-4F4F-BF95-BDD05D0D1FD5}" type="slidenum">
               <a:rPr lang="pt-BR" smtClean="0"/>
-              <a:t>‹#›</a:t>
+              <a:t>‹nº›</a:t>
             </a:fld>
             <a:endParaRPr lang="pt-BR"/>
           </a:p>
@@ -1249,7 +1249,7 @@
           <a:p>
             <a:fld id="{E8B29431-73EE-4558-8BA6-40AB916516D5}" type="datetimeFigureOut">
               <a:rPr lang="pt-BR" smtClean="0"/>
-              <a:t>14/02/2025</a:t>
+              <a:t>09/08/2025</a:t>
             </a:fld>
             <a:endParaRPr lang="pt-BR"/>
           </a:p>
@@ -1291,7 +1291,7 @@
           <a:p>
             <a:fld id="{4AF03FE0-2C27-4F4F-BF95-BDD05D0D1FD5}" type="slidenum">
               <a:rPr lang="pt-BR" smtClean="0"/>
-              <a:t>‹#›</a:t>
+              <a:t>‹nº›</a:t>
             </a:fld>
             <a:endParaRPr lang="pt-BR"/>
           </a:p>
@@ -1616,7 +1616,7 @@
           <a:p>
             <a:fld id="{E8B29431-73EE-4558-8BA6-40AB916516D5}" type="datetimeFigureOut">
               <a:rPr lang="pt-BR" smtClean="0"/>
-              <a:t>14/02/2025</a:t>
+              <a:t>09/08/2025</a:t>
             </a:fld>
             <a:endParaRPr lang="pt-BR"/>
           </a:p>
@@ -1658,7 +1658,7 @@
           <a:p>
             <a:fld id="{4AF03FE0-2C27-4F4F-BF95-BDD05D0D1FD5}" type="slidenum">
               <a:rPr lang="pt-BR" smtClean="0"/>
-              <a:t>‹#›</a:t>
+              <a:t>‹nº›</a:t>
             </a:fld>
             <a:endParaRPr lang="pt-BR"/>
           </a:p>
@@ -1734,7 +1734,7 @@
           <a:p>
             <a:fld id="{E8B29431-73EE-4558-8BA6-40AB916516D5}" type="datetimeFigureOut">
               <a:rPr lang="pt-BR" smtClean="0"/>
-              <a:t>14/02/2025</a:t>
+              <a:t>09/08/2025</a:t>
             </a:fld>
             <a:endParaRPr lang="pt-BR"/>
           </a:p>
@@ -1776,7 +1776,7 @@
           <a:p>
             <a:fld id="{4AF03FE0-2C27-4F4F-BF95-BDD05D0D1FD5}" type="slidenum">
               <a:rPr lang="pt-BR" smtClean="0"/>
-              <a:t>‹#›</a:t>
+              <a:t>‹nº›</a:t>
             </a:fld>
             <a:endParaRPr lang="pt-BR"/>
           </a:p>
@@ -1829,7 +1829,7 @@
           <a:p>
             <a:fld id="{E8B29431-73EE-4558-8BA6-40AB916516D5}" type="datetimeFigureOut">
               <a:rPr lang="pt-BR" smtClean="0"/>
-              <a:t>14/02/2025</a:t>
+              <a:t>09/08/2025</a:t>
             </a:fld>
             <a:endParaRPr lang="pt-BR"/>
           </a:p>
@@ -1871,7 +1871,7 @@
           <a:p>
             <a:fld id="{4AF03FE0-2C27-4F4F-BF95-BDD05D0D1FD5}" type="slidenum">
               <a:rPr lang="pt-BR" smtClean="0"/>
-              <a:t>‹#›</a:t>
+              <a:t>‹nº›</a:t>
             </a:fld>
             <a:endParaRPr lang="pt-BR"/>
           </a:p>
@@ -2106,7 +2106,7 @@
           <a:p>
             <a:fld id="{E8B29431-73EE-4558-8BA6-40AB916516D5}" type="datetimeFigureOut">
               <a:rPr lang="pt-BR" smtClean="0"/>
-              <a:t>14/02/2025</a:t>
+              <a:t>09/08/2025</a:t>
             </a:fld>
             <a:endParaRPr lang="pt-BR"/>
           </a:p>
@@ -2148,7 +2148,7 @@
           <a:p>
             <a:fld id="{4AF03FE0-2C27-4F4F-BF95-BDD05D0D1FD5}" type="slidenum">
               <a:rPr lang="pt-BR" smtClean="0"/>
-              <a:t>‹#›</a:t>
+              <a:t>‹nº›</a:t>
             </a:fld>
             <a:endParaRPr lang="pt-BR"/>
           </a:p>
@@ -2359,7 +2359,7 @@
           <a:p>
             <a:fld id="{E8B29431-73EE-4558-8BA6-40AB916516D5}" type="datetimeFigureOut">
               <a:rPr lang="pt-BR" smtClean="0"/>
-              <a:t>14/02/2025</a:t>
+              <a:t>09/08/2025</a:t>
             </a:fld>
             <a:endParaRPr lang="pt-BR"/>
           </a:p>
@@ -2401,7 +2401,7 @@
           <a:p>
             <a:fld id="{4AF03FE0-2C27-4F4F-BF95-BDD05D0D1FD5}" type="slidenum">
               <a:rPr lang="pt-BR" smtClean="0"/>
-              <a:t>‹#›</a:t>
+              <a:t>‹nº›</a:t>
             </a:fld>
             <a:endParaRPr lang="pt-BR"/>
           </a:p>
@@ -2572,7 +2572,7 @@
           <a:p>
             <a:fld id="{E8B29431-73EE-4558-8BA6-40AB916516D5}" type="datetimeFigureOut">
               <a:rPr lang="pt-BR" smtClean="0"/>
-              <a:t>14/02/2025</a:t>
+              <a:t>09/08/2025</a:t>
             </a:fld>
             <a:endParaRPr lang="pt-BR"/>
           </a:p>
@@ -2650,7 +2650,7 @@
           <a:p>
             <a:fld id="{4AF03FE0-2C27-4F4F-BF95-BDD05D0D1FD5}" type="slidenum">
               <a:rPr lang="pt-BR" smtClean="0"/>
-              <a:t>‹#›</a:t>
+              <a:t>‹nº›</a:t>
             </a:fld>
             <a:endParaRPr lang="pt-BR"/>
           </a:p>
@@ -3058,7 +3058,7 @@
           <p:cNvPr id="2" name="Título 1">
             <a:extLst>
               <a:ext uri="{FF2B5EF4-FFF2-40B4-BE49-F238E27FC236}">
-                <a16:creationId xmlns:a16="http://schemas.microsoft.com/office/drawing/2014/main" id="{440ACFCC-0010-827E-604F-A60D3A5F07E6}"/>
+                <a16:creationId xmlns:a16="http://schemas.microsoft.com/office/drawing/2014/main" xmlns="" id="{440ACFCC-0010-827E-604F-A60D3A5F07E6}"/>
               </a:ext>
             </a:extLst>
           </p:cNvPr>
@@ -3088,7 +3088,7 @@
               <p:cNvPr id="3" name="Espaço Reservado para Conteúdo 2">
                 <a:extLst>
                   <a:ext uri="{FF2B5EF4-FFF2-40B4-BE49-F238E27FC236}">
-                    <a16:creationId xmlns:a16="http://schemas.microsoft.com/office/drawing/2014/main" id="{7788F1DE-0E28-0BA3-29BC-ABE4DC94443F}"/>
+                    <a16:creationId xmlns:a16="http://schemas.microsoft.com/office/drawing/2014/main" xmlns="" id="{7788F1DE-0E28-0BA3-29BC-ABE4DC94443F}"/>
                   </a:ext>
                 </a:extLst>
               </p:cNvPr>
@@ -3576,7 +3576,7 @@
           <p:cNvPr id="4" name="Picture 4">
             <a:extLst>
               <a:ext uri="{FF2B5EF4-FFF2-40B4-BE49-F238E27FC236}">
-                <a16:creationId xmlns:a16="http://schemas.microsoft.com/office/drawing/2014/main" id="{9EEE6852-8EF8-5B56-C5DB-25BB718D4EB5}"/>
+                <a16:creationId xmlns:a16="http://schemas.microsoft.com/office/drawing/2014/main" xmlns="" id="{9EEE6852-8EF8-5B56-C5DB-25BB718D4EB5}"/>
               </a:ext>
             </a:extLst>
           </p:cNvPr>
@@ -3749,7 +3749,7 @@
           <p:cNvPr id="4" name="Agrupar 3">
             <a:extLst>
               <a:ext uri="{FF2B5EF4-FFF2-40B4-BE49-F238E27FC236}">
-                <a16:creationId xmlns:a16="http://schemas.microsoft.com/office/drawing/2014/main" id="{4DEC4497-8603-7324-292B-C4298E566650}"/>
+                <a16:creationId xmlns:a16="http://schemas.microsoft.com/office/drawing/2014/main" xmlns="" id="{4DEC4497-8603-7324-292B-C4298E566650}"/>
               </a:ext>
             </a:extLst>
           </p:cNvPr>
@@ -4266,7 +4266,7 @@
               <p:cNvPr id="3" name="Espaço Reservado para Conteúdo 2">
                 <a:extLst>
                   <a:ext uri="{FF2B5EF4-FFF2-40B4-BE49-F238E27FC236}">
-                    <a16:creationId xmlns:a16="http://schemas.microsoft.com/office/drawing/2014/main" id="{91E224F6-D964-96CA-FD1A-13C692AEC7D4}"/>
+                    <a16:creationId xmlns:a16="http://schemas.microsoft.com/office/drawing/2014/main" xmlns="" id="{91E224F6-D964-96CA-FD1A-13C692AEC7D4}"/>
                   </a:ext>
                 </a:extLst>
               </p:cNvPr>
@@ -5842,7 +5842,7 @@
               <p:cNvPr id="2" name="Título 1">
                 <a:extLst>
                   <a:ext uri="{FF2B5EF4-FFF2-40B4-BE49-F238E27FC236}">
-                    <a16:creationId xmlns:a16="http://schemas.microsoft.com/office/drawing/2014/main" id="{B39BFB32-1BA5-2CF6-363B-0929BBCB34E9}"/>
+                    <a16:creationId xmlns:a16="http://schemas.microsoft.com/office/drawing/2014/main" xmlns="" id="{B39BFB32-1BA5-2CF6-363B-0929BBCB34E9}"/>
                   </a:ext>
                 </a:extLst>
               </p:cNvPr>
@@ -5961,7 +5961,7 @@
               <p:cNvPr id="3" name="Espaço Reservado para Conteúdo 2">
                 <a:extLst>
                   <a:ext uri="{FF2B5EF4-FFF2-40B4-BE49-F238E27FC236}">
-                    <a16:creationId xmlns:a16="http://schemas.microsoft.com/office/drawing/2014/main" id="{D7290504-067B-0E2C-4C67-E1B8BAB5A122}"/>
+                    <a16:creationId xmlns:a16="http://schemas.microsoft.com/office/drawing/2014/main" xmlns="" id="{D7290504-067B-0E2C-4C67-E1B8BAB5A122}"/>
                   </a:ext>
                 </a:extLst>
               </p:cNvPr>
@@ -7250,7 +7250,7 @@
           <p:cNvPr id="4" name="Agrupar 3">
             <a:extLst>
               <a:ext uri="{FF2B5EF4-FFF2-40B4-BE49-F238E27FC236}">
-                <a16:creationId xmlns:a16="http://schemas.microsoft.com/office/drawing/2014/main" id="{1807672C-B502-DFF3-E3BD-B42FA13DA683}"/>
+                <a16:creationId xmlns:a16="http://schemas.microsoft.com/office/drawing/2014/main" xmlns="" id="{1807672C-B502-DFF3-E3BD-B42FA13DA683}"/>
               </a:ext>
             </a:extLst>
           </p:cNvPr>
@@ -7270,7 +7270,7 @@
             <p:cNvPr id="5" name="Group 2">
               <a:extLst>
                 <a:ext uri="{FF2B5EF4-FFF2-40B4-BE49-F238E27FC236}">
-                  <a16:creationId xmlns:a16="http://schemas.microsoft.com/office/drawing/2014/main" id="{C090EAA9-37F8-A84C-4FCA-CE5BE1ADAA9E}"/>
+                  <a16:creationId xmlns:a16="http://schemas.microsoft.com/office/drawing/2014/main" xmlns="" id="{C090EAA9-37F8-A84C-4FCA-CE5BE1ADAA9E}"/>
                 </a:ext>
               </a:extLst>
             </p:cNvPr>
@@ -7290,7 +7290,7 @@
               <p:cNvPr id="10" name="Picture 4">
                 <a:extLst>
                   <a:ext uri="{FF2B5EF4-FFF2-40B4-BE49-F238E27FC236}">
-                    <a16:creationId xmlns:a16="http://schemas.microsoft.com/office/drawing/2014/main" id="{CD2F7C45-35D1-FB0F-61E3-3BE458B5BAEE}"/>
+                    <a16:creationId xmlns:a16="http://schemas.microsoft.com/office/drawing/2014/main" xmlns="" id="{CD2F7C45-35D1-FB0F-61E3-3BE458B5BAEE}"/>
                   </a:ext>
                 </a:extLst>
               </p:cNvPr>
@@ -7326,7 +7326,7 @@
               <p:cNvPr id="11" name="Straight Connector 6">
                 <a:extLst>
                   <a:ext uri="{FF2B5EF4-FFF2-40B4-BE49-F238E27FC236}">
-                    <a16:creationId xmlns:a16="http://schemas.microsoft.com/office/drawing/2014/main" id="{5E214E94-E88B-4C15-9C56-4102AA975637}"/>
+                    <a16:creationId xmlns:a16="http://schemas.microsoft.com/office/drawing/2014/main" xmlns="" id="{5E214E94-E88B-4C15-9C56-4102AA975637}"/>
                   </a:ext>
                 </a:extLst>
               </p:cNvPr>
@@ -7371,7 +7371,7 @@
                 <p:cNvPr id="6" name="Rectangle 7">
                   <a:extLst>
                     <a:ext uri="{FF2B5EF4-FFF2-40B4-BE49-F238E27FC236}">
-                      <a16:creationId xmlns:a16="http://schemas.microsoft.com/office/drawing/2014/main" id="{2B4811CA-A247-D8E6-18FB-F64056FE1C24}"/>
+                      <a16:creationId xmlns:a16="http://schemas.microsoft.com/office/drawing/2014/main" xmlns="" id="{2B4811CA-A247-D8E6-18FB-F64056FE1C24}"/>
                     </a:ext>
                   </a:extLst>
                 </p:cNvPr>
@@ -7506,7 +7506,7 @@
             <p:cNvPr id="7" name="Curved Connector 8">
               <a:extLst>
                 <a:ext uri="{FF2B5EF4-FFF2-40B4-BE49-F238E27FC236}">
-                  <a16:creationId xmlns:a16="http://schemas.microsoft.com/office/drawing/2014/main" id="{B7021C86-1F27-63E1-99D7-D23D1E259459}"/>
+                  <a16:creationId xmlns:a16="http://schemas.microsoft.com/office/drawing/2014/main" xmlns="" id="{B7021C86-1F27-63E1-99D7-D23D1E259459}"/>
                 </a:ext>
               </a:extLst>
             </p:cNvPr>
@@ -7553,7 +7553,7 @@
                 <p:cNvPr id="8" name="Rectangle 9">
                   <a:extLst>
                     <a:ext uri="{FF2B5EF4-FFF2-40B4-BE49-F238E27FC236}">
-                      <a16:creationId xmlns:a16="http://schemas.microsoft.com/office/drawing/2014/main" id="{AFA52A7A-3F40-3310-98A6-91945A12D3B3}"/>
+                      <a16:creationId xmlns:a16="http://schemas.microsoft.com/office/drawing/2014/main" xmlns="" id="{AFA52A7A-3F40-3310-98A6-91945A12D3B3}"/>
                     </a:ext>
                   </a:extLst>
                 </p:cNvPr>
@@ -7690,7 +7690,7 @@
                 <p:cNvPr id="9" name="Rectangle 10">
                   <a:extLst>
                     <a:ext uri="{FF2B5EF4-FFF2-40B4-BE49-F238E27FC236}">
-                      <a16:creationId xmlns:a16="http://schemas.microsoft.com/office/drawing/2014/main" id="{B4F5FB02-B149-867C-A388-FDB46341ECD4}"/>
+                      <a16:creationId xmlns:a16="http://schemas.microsoft.com/office/drawing/2014/main" xmlns="" id="{B4F5FB02-B149-867C-A388-FDB46341ECD4}"/>
                     </a:ext>
                   </a:extLst>
                 </p:cNvPr>
@@ -8321,7 +8321,7 @@
           <p:cNvPr id="2" name="Título 1">
             <a:extLst>
               <a:ext uri="{FF2B5EF4-FFF2-40B4-BE49-F238E27FC236}">
-                <a16:creationId xmlns:a16="http://schemas.microsoft.com/office/drawing/2014/main" id="{81606C23-9F3D-9BC2-42BB-B1CBDDD993C7}"/>
+                <a16:creationId xmlns:a16="http://schemas.microsoft.com/office/drawing/2014/main" xmlns="" id="{81606C23-9F3D-9BC2-42BB-B1CBDDD993C7}"/>
               </a:ext>
             </a:extLst>
           </p:cNvPr>
@@ -8351,7 +8351,7 @@
               <p:cNvPr id="3" name="Espaço Reservado para Conteúdo 2">
                 <a:extLst>
                   <a:ext uri="{FF2B5EF4-FFF2-40B4-BE49-F238E27FC236}">
-                    <a16:creationId xmlns:a16="http://schemas.microsoft.com/office/drawing/2014/main" id="{AE166942-05E4-FA56-8495-A56B25B3EFA6}"/>
+                    <a16:creationId xmlns:a16="http://schemas.microsoft.com/office/drawing/2014/main" xmlns="" id="{AE166942-05E4-FA56-8495-A56B25B3EFA6}"/>
                   </a:ext>
                 </a:extLst>
               </p:cNvPr>
@@ -8475,7 +8475,7 @@
           <p:cNvPr id="9" name="Agrupar 8">
             <a:extLst>
               <a:ext uri="{FF2B5EF4-FFF2-40B4-BE49-F238E27FC236}">
-                <a16:creationId xmlns:a16="http://schemas.microsoft.com/office/drawing/2014/main" id="{3004A1E5-F79E-E010-EF57-BF102FF171D6}"/>
+                <a16:creationId xmlns:a16="http://schemas.microsoft.com/office/drawing/2014/main" xmlns="" id="{3004A1E5-F79E-E010-EF57-BF102FF171D6}"/>
               </a:ext>
             </a:extLst>
           </p:cNvPr>
@@ -8495,7 +8495,7 @@
             <p:cNvPr id="4" name="Retângulo 3">
               <a:extLst>
                 <a:ext uri="{FF2B5EF4-FFF2-40B4-BE49-F238E27FC236}">
-                  <a16:creationId xmlns:a16="http://schemas.microsoft.com/office/drawing/2014/main" id="{1B963C93-D75E-9431-7408-F77051E29FD4}"/>
+                  <a16:creationId xmlns:a16="http://schemas.microsoft.com/office/drawing/2014/main" xmlns="" id="{1B963C93-D75E-9431-7408-F77051E29FD4}"/>
                 </a:ext>
               </a:extLst>
             </p:cNvPr>
@@ -8559,7 +8559,7 @@
             <p:cNvPr id="5" name="Seta para a direita 5">
               <a:extLst>
                 <a:ext uri="{FF2B5EF4-FFF2-40B4-BE49-F238E27FC236}">
-                  <a16:creationId xmlns:a16="http://schemas.microsoft.com/office/drawing/2014/main" id="{4E5F3B39-104D-B446-B297-0285574D9008}"/>
+                  <a16:creationId xmlns:a16="http://schemas.microsoft.com/office/drawing/2014/main" xmlns="" id="{4E5F3B39-104D-B446-B297-0285574D9008}"/>
                 </a:ext>
               </a:extLst>
             </p:cNvPr>
@@ -8613,7 +8613,7 @@
                 <p:cNvPr id="6" name="Retângulo 5">
                   <a:extLst>
                     <a:ext uri="{FF2B5EF4-FFF2-40B4-BE49-F238E27FC236}">
-                      <a16:creationId xmlns:a16="http://schemas.microsoft.com/office/drawing/2014/main" id="{9A1DC3B8-53CE-BB6E-8CCF-036473150086}"/>
+                      <a16:creationId xmlns:a16="http://schemas.microsoft.com/office/drawing/2014/main" xmlns="" id="{9A1DC3B8-53CE-BB6E-8CCF-036473150086}"/>
                     </a:ext>
                   </a:extLst>
                 </p:cNvPr>
@@ -8708,7 +8708,7 @@
                 <p:cNvPr id="8" name="Retângulo 7">
                   <a:extLst>
                     <a:ext uri="{FF2B5EF4-FFF2-40B4-BE49-F238E27FC236}">
-                      <a16:creationId xmlns:a16="http://schemas.microsoft.com/office/drawing/2014/main" id="{6938ECF4-C778-B3A7-64E6-19A166691210}"/>
+                      <a16:creationId xmlns:a16="http://schemas.microsoft.com/office/drawing/2014/main" xmlns="" id="{6938ECF4-C778-B3A7-64E6-19A166691210}"/>
                     </a:ext>
                   </a:extLst>
                 </p:cNvPr>
@@ -8801,7 +8801,7 @@
             <p:cNvPr id="20" name="Seta para a direita 5">
               <a:extLst>
                 <a:ext uri="{FF2B5EF4-FFF2-40B4-BE49-F238E27FC236}">
-                  <a16:creationId xmlns:a16="http://schemas.microsoft.com/office/drawing/2014/main" id="{218109C2-48AD-208F-17D2-B86488CA02BC}"/>
+                  <a16:creationId xmlns:a16="http://schemas.microsoft.com/office/drawing/2014/main" xmlns="" id="{218109C2-48AD-208F-17D2-B86488CA02BC}"/>
                 </a:ext>
               </a:extLst>
             </p:cNvPr>
@@ -8853,7 +8853,7 @@
             <p:cNvPr id="21" name="Seta para a direita 5">
               <a:extLst>
                 <a:ext uri="{FF2B5EF4-FFF2-40B4-BE49-F238E27FC236}">
-                  <a16:creationId xmlns:a16="http://schemas.microsoft.com/office/drawing/2014/main" id="{28BBB6A3-27A6-E73C-C73C-EDD42BAE4C68}"/>
+                  <a16:creationId xmlns:a16="http://schemas.microsoft.com/office/drawing/2014/main" xmlns="" id="{28BBB6A3-27A6-E73C-C73C-EDD42BAE4C68}"/>
                 </a:ext>
               </a:extLst>
             </p:cNvPr>
@@ -8907,7 +8907,7 @@
                 <p:cNvPr id="22" name="Retângulo 21">
                   <a:extLst>
                     <a:ext uri="{FF2B5EF4-FFF2-40B4-BE49-F238E27FC236}">
-                      <a16:creationId xmlns:a16="http://schemas.microsoft.com/office/drawing/2014/main" id="{886E8A3C-9C9E-D4E2-0A16-26A53FD318A7}"/>
+                      <a16:creationId xmlns:a16="http://schemas.microsoft.com/office/drawing/2014/main" xmlns="" id="{886E8A3C-9C9E-D4E2-0A16-26A53FD318A7}"/>
                     </a:ext>
                   </a:extLst>
                 </p:cNvPr>
@@ -9323,7 +9323,7 @@
             <p:cNvPr id="25" name="Chave Direita 24">
               <a:extLst>
                 <a:ext uri="{FF2B5EF4-FFF2-40B4-BE49-F238E27FC236}">
-                  <a16:creationId xmlns:a16="http://schemas.microsoft.com/office/drawing/2014/main" id="{FB6055EB-3AA0-11EC-C6E3-613F5B4FCAB2}"/>
+                  <a16:creationId xmlns:a16="http://schemas.microsoft.com/office/drawing/2014/main" xmlns="" id="{FB6055EB-3AA0-11EC-C6E3-613F5B4FCAB2}"/>
                 </a:ext>
               </a:extLst>
             </p:cNvPr>
@@ -9370,7 +9370,7 @@
             <p:cNvPr id="7" name="CaixaDeTexto 6">
               <a:extLst>
                 <a:ext uri="{FF2B5EF4-FFF2-40B4-BE49-F238E27FC236}">
-                  <a16:creationId xmlns:a16="http://schemas.microsoft.com/office/drawing/2014/main" id="{53573EAF-DA30-E369-95B0-E2E5540B8EDE}"/>
+                  <a16:creationId xmlns:a16="http://schemas.microsoft.com/office/drawing/2014/main" xmlns="" id="{53573EAF-DA30-E369-95B0-E2E5540B8EDE}"/>
                 </a:ext>
               </a:extLst>
             </p:cNvPr>
@@ -9437,7 +9437,7 @@
           <p:cNvPr id="2" name="Título 1">
             <a:extLst>
               <a:ext uri="{FF2B5EF4-FFF2-40B4-BE49-F238E27FC236}">
-                <a16:creationId xmlns:a16="http://schemas.microsoft.com/office/drawing/2014/main" id="{81606C23-9F3D-9BC2-42BB-B1CBDDD993C7}"/>
+                <a16:creationId xmlns:a16="http://schemas.microsoft.com/office/drawing/2014/main" xmlns="" id="{81606C23-9F3D-9BC2-42BB-B1CBDDD993C7}"/>
               </a:ext>
             </a:extLst>
           </p:cNvPr>
@@ -9465,7 +9465,7 @@
           <p:cNvPr id="3" name="Espaço Reservado para Conteúdo 2">
             <a:extLst>
               <a:ext uri="{FF2B5EF4-FFF2-40B4-BE49-F238E27FC236}">
-                <a16:creationId xmlns:a16="http://schemas.microsoft.com/office/drawing/2014/main" id="{AE166942-05E4-FA56-8495-A56B25B3EFA6}"/>
+                <a16:creationId xmlns:a16="http://schemas.microsoft.com/office/drawing/2014/main" xmlns="" id="{AE166942-05E4-FA56-8495-A56B25B3EFA6}"/>
               </a:ext>
             </a:extLst>
           </p:cNvPr>
@@ -9517,8 +9517,16 @@
               <a:t>ao computador e deixamos que ele </a:t>
             </a:r>
             <a:r>
+              <a:rPr lang="pt-BR" b="1" i="1" dirty="0">
+                <a:solidFill>
+                  <a:srgbClr val="7030A0"/>
+                </a:solidFill>
+              </a:rPr>
+              <a:t>aprenda</a:t>
+            </a:r>
+            <a:r>
               <a:rPr lang="pt-BR" b="1" i="1" dirty="0"/>
-              <a:t>aprenda, através de treinamento</a:t>
+              <a:t>, através de treinamento</a:t>
             </a:r>
             <a:r>
               <a:rPr lang="pt-BR" dirty="0"/>
@@ -9548,7 +9556,7 @@
           <p:cNvPr id="4" name="Retângulo 3">
             <a:extLst>
               <a:ext uri="{FF2B5EF4-FFF2-40B4-BE49-F238E27FC236}">
-                <a16:creationId xmlns:a16="http://schemas.microsoft.com/office/drawing/2014/main" id="{1B963C93-D75E-9431-7408-F77051E29FD4}"/>
+                <a16:creationId xmlns:a16="http://schemas.microsoft.com/office/drawing/2014/main" xmlns="" id="{1B963C93-D75E-9431-7408-F77051E29FD4}"/>
               </a:ext>
             </a:extLst>
           </p:cNvPr>
@@ -9628,7 +9636,7 @@
           <p:cNvPr id="5" name="Seta para a direita 5">
             <a:extLst>
               <a:ext uri="{FF2B5EF4-FFF2-40B4-BE49-F238E27FC236}">
-                <a16:creationId xmlns:a16="http://schemas.microsoft.com/office/drawing/2014/main" id="{4E5F3B39-104D-B446-B297-0285574D9008}"/>
+                <a16:creationId xmlns:a16="http://schemas.microsoft.com/office/drawing/2014/main" xmlns="" id="{4E5F3B39-104D-B446-B297-0285574D9008}"/>
               </a:ext>
             </a:extLst>
           </p:cNvPr>
@@ -9682,7 +9690,7 @@
               <p:cNvPr id="6" name="Retângulo 5">
                 <a:extLst>
                   <a:ext uri="{FF2B5EF4-FFF2-40B4-BE49-F238E27FC236}">
-                    <a16:creationId xmlns:a16="http://schemas.microsoft.com/office/drawing/2014/main" id="{9A1DC3B8-53CE-BB6E-8CCF-036473150086}"/>
+                    <a16:creationId xmlns:a16="http://schemas.microsoft.com/office/drawing/2014/main" xmlns="" id="{9A1DC3B8-53CE-BB6E-8CCF-036473150086}"/>
                   </a:ext>
                 </a:extLst>
               </p:cNvPr>
@@ -9777,7 +9785,7 @@
               <p:cNvPr id="8" name="Retângulo 7">
                 <a:extLst>
                   <a:ext uri="{FF2B5EF4-FFF2-40B4-BE49-F238E27FC236}">
-                    <a16:creationId xmlns:a16="http://schemas.microsoft.com/office/drawing/2014/main" id="{6938ECF4-C778-B3A7-64E6-19A166691210}"/>
+                    <a16:creationId xmlns:a16="http://schemas.microsoft.com/office/drawing/2014/main" xmlns="" id="{6938ECF4-C778-B3A7-64E6-19A166691210}"/>
                   </a:ext>
                 </a:extLst>
               </p:cNvPr>
@@ -9889,7 +9897,7 @@
           <p:cNvPr id="20" name="Seta para a direita 5">
             <a:extLst>
               <a:ext uri="{FF2B5EF4-FFF2-40B4-BE49-F238E27FC236}">
-                <a16:creationId xmlns:a16="http://schemas.microsoft.com/office/drawing/2014/main" id="{218109C2-48AD-208F-17D2-B86488CA02BC}"/>
+                <a16:creationId xmlns:a16="http://schemas.microsoft.com/office/drawing/2014/main" xmlns="" id="{218109C2-48AD-208F-17D2-B86488CA02BC}"/>
               </a:ext>
             </a:extLst>
           </p:cNvPr>
@@ -9941,7 +9949,7 @@
           <p:cNvPr id="21" name="Seta para a direita 5">
             <a:extLst>
               <a:ext uri="{FF2B5EF4-FFF2-40B4-BE49-F238E27FC236}">
-                <a16:creationId xmlns:a16="http://schemas.microsoft.com/office/drawing/2014/main" id="{28BBB6A3-27A6-E73C-C73C-EDD42BAE4C68}"/>
+                <a16:creationId xmlns:a16="http://schemas.microsoft.com/office/drawing/2014/main" xmlns="" id="{28BBB6A3-27A6-E73C-C73C-EDD42BAE4C68}"/>
               </a:ext>
             </a:extLst>
           </p:cNvPr>
@@ -9995,7 +10003,7 @@
               <p:cNvPr id="22" name="Retângulo 21">
                 <a:extLst>
                   <a:ext uri="{FF2B5EF4-FFF2-40B4-BE49-F238E27FC236}">
-                    <a16:creationId xmlns:a16="http://schemas.microsoft.com/office/drawing/2014/main" id="{886E8A3C-9C9E-D4E2-0A16-26A53FD318A7}"/>
+                    <a16:creationId xmlns:a16="http://schemas.microsoft.com/office/drawing/2014/main" xmlns="" id="{886E8A3C-9C9E-D4E2-0A16-26A53FD318A7}"/>
                   </a:ext>
                 </a:extLst>
               </p:cNvPr>
@@ -10411,7 +10419,7 @@
           <p:cNvPr id="25" name="Chave Direita 24">
             <a:extLst>
               <a:ext uri="{FF2B5EF4-FFF2-40B4-BE49-F238E27FC236}">
-                <a16:creationId xmlns:a16="http://schemas.microsoft.com/office/drawing/2014/main" id="{FB6055EB-3AA0-11EC-C6E3-613F5B4FCAB2}"/>
+                <a16:creationId xmlns:a16="http://schemas.microsoft.com/office/drawing/2014/main" xmlns="" id="{FB6055EB-3AA0-11EC-C6E3-613F5B4FCAB2}"/>
               </a:ext>
             </a:extLst>
           </p:cNvPr>
@@ -10455,7 +10463,7 @@
           <p:cNvPr id="26" name="CaixaDeTexto 25">
             <a:extLst>
               <a:ext uri="{FF2B5EF4-FFF2-40B4-BE49-F238E27FC236}">
-                <a16:creationId xmlns:a16="http://schemas.microsoft.com/office/drawing/2014/main" id="{1EF07E67-C5F2-B086-76E2-28D476EDFE75}"/>
+                <a16:creationId xmlns:a16="http://schemas.microsoft.com/office/drawing/2014/main" xmlns="" id="{1EF07E67-C5F2-B086-76E2-28D476EDFE75}"/>
               </a:ext>
             </a:extLst>
           </p:cNvPr>
@@ -10491,7 +10499,7 @@
           <p:cNvPr id="27" name="Retângulo 26">
             <a:extLst>
               <a:ext uri="{FF2B5EF4-FFF2-40B4-BE49-F238E27FC236}">
-                <a16:creationId xmlns:a16="http://schemas.microsoft.com/office/drawing/2014/main" id="{1039EAD7-C64B-3EE5-C9F7-3B94B287701A}"/>
+                <a16:creationId xmlns:a16="http://schemas.microsoft.com/office/drawing/2014/main" xmlns="" id="{1039EAD7-C64B-3EE5-C9F7-3B94B287701A}"/>
               </a:ext>
             </a:extLst>
           </p:cNvPr>
@@ -10573,7 +10581,7 @@
               <p:cNvPr id="28" name="Retângulo 27">
                 <a:extLst>
                   <a:ext uri="{FF2B5EF4-FFF2-40B4-BE49-F238E27FC236}">
-                    <a16:creationId xmlns:a16="http://schemas.microsoft.com/office/drawing/2014/main" id="{0D3186D7-61C6-DA25-A270-1BB761654ECD}"/>
+                    <a16:creationId xmlns:a16="http://schemas.microsoft.com/office/drawing/2014/main" xmlns="" id="{0D3186D7-61C6-DA25-A270-1BB761654ECD}"/>
                   </a:ext>
                 </a:extLst>
               </p:cNvPr>
@@ -10667,7 +10675,7 @@
           <p:cNvPr id="29" name="Balão de Fala: Retângulo 28">
             <a:extLst>
               <a:ext uri="{FF2B5EF4-FFF2-40B4-BE49-F238E27FC236}">
-                <a16:creationId xmlns:a16="http://schemas.microsoft.com/office/drawing/2014/main" id="{AC1E74E4-5151-449A-1879-8EAC74323F3C}"/>
+                <a16:creationId xmlns:a16="http://schemas.microsoft.com/office/drawing/2014/main" xmlns="" id="{AC1E74E4-5151-449A-1879-8EAC74323F3C}"/>
               </a:ext>
             </a:extLst>
           </p:cNvPr>
@@ -11476,8 +11484,8 @@
           </p:sp>
         </mc:Fallback>
       </mc:AlternateContent>
-      <mc:AlternateContent xmlns:mc="http://schemas.openxmlformats.org/markup-compatibility/2006">
-        <mc:Choice xmlns:a14="http://schemas.microsoft.com/office/drawing/2010/main" Requires="a14">
+      <mc:AlternateContent xmlns:mc="http://schemas.openxmlformats.org/markup-compatibility/2006" xmlns:a14="http://schemas.microsoft.com/office/drawing/2010/main">
+        <mc:Choice Requires="a14">
           <p:sp>
             <p:nvSpPr>
               <p:cNvPr id="10" name="CaixaDeTexto 9"/>
@@ -11556,7 +11564,7 @@
             </p:txBody>
           </p:sp>
         </mc:Choice>
-        <mc:Fallback>
+        <mc:Fallback xmlns="">
           <p:sp>
             <p:nvSpPr>
               <p:cNvPr id="10" name="CaixaDeTexto 9"/>
